--- a/SE495/Lectures/2-Models/Models.pptx
+++ b/SE495/Lectures/2-Models/Models.pptx
@@ -5,7 +5,7 @@
     <p:sldMasterId id="2147483648" r:id="rId1"/>
   </p:sldMasterIdLst>
   <p:notesMasterIdLst>
-    <p:notesMasterId r:id="rId43"/>
+    <p:notesMasterId r:id="rId45"/>
   </p:notesMasterIdLst>
   <p:sldIdLst>
     <p:sldId id="256" r:id="rId2"/>
@@ -28,27 +28,29 @@
     <p:sldId id="760" r:id="rId19"/>
     <p:sldId id="761" r:id="rId20"/>
     <p:sldId id="763" r:id="rId21"/>
-    <p:sldId id="765" r:id="rId22"/>
-    <p:sldId id="766" r:id="rId23"/>
-    <p:sldId id="764" r:id="rId24"/>
-    <p:sldId id="767" r:id="rId25"/>
-    <p:sldId id="768" r:id="rId26"/>
-    <p:sldId id="769" r:id="rId27"/>
-    <p:sldId id="770" r:id="rId28"/>
-    <p:sldId id="771" r:id="rId29"/>
-    <p:sldId id="772" r:id="rId30"/>
-    <p:sldId id="762" r:id="rId31"/>
-    <p:sldId id="774" r:id="rId32"/>
-    <p:sldId id="773" r:id="rId33"/>
-    <p:sldId id="775" r:id="rId34"/>
-    <p:sldId id="776" r:id="rId35"/>
-    <p:sldId id="777" r:id="rId36"/>
-    <p:sldId id="778" r:id="rId37"/>
-    <p:sldId id="779" r:id="rId38"/>
-    <p:sldId id="780" r:id="rId39"/>
-    <p:sldId id="781" r:id="rId40"/>
-    <p:sldId id="782" r:id="rId41"/>
-    <p:sldId id="783" r:id="rId42"/>
+    <p:sldId id="784" r:id="rId22"/>
+    <p:sldId id="765" r:id="rId23"/>
+    <p:sldId id="766" r:id="rId24"/>
+    <p:sldId id="764" r:id="rId25"/>
+    <p:sldId id="767" r:id="rId26"/>
+    <p:sldId id="768" r:id="rId27"/>
+    <p:sldId id="769" r:id="rId28"/>
+    <p:sldId id="785" r:id="rId29"/>
+    <p:sldId id="770" r:id="rId30"/>
+    <p:sldId id="771" r:id="rId31"/>
+    <p:sldId id="772" r:id="rId32"/>
+    <p:sldId id="762" r:id="rId33"/>
+    <p:sldId id="774" r:id="rId34"/>
+    <p:sldId id="773" r:id="rId35"/>
+    <p:sldId id="775" r:id="rId36"/>
+    <p:sldId id="776" r:id="rId37"/>
+    <p:sldId id="777" r:id="rId38"/>
+    <p:sldId id="778" r:id="rId39"/>
+    <p:sldId id="779" r:id="rId40"/>
+    <p:sldId id="780" r:id="rId41"/>
+    <p:sldId id="781" r:id="rId42"/>
+    <p:sldId id="782" r:id="rId43"/>
+    <p:sldId id="783" r:id="rId44"/>
   </p:sldIdLst>
   <p:sldSz cx="12192000" cy="6858000"/>
   <p:notesSz cx="6858000" cy="9144000"/>
@@ -17772,7 +17774,7 @@
           <a:p>
             <a:fld id="{41DA9887-9249-49FD-809A-BACB264048C3}" type="datetimeFigureOut">
               <a:rPr lang="en-US" smtClean="0"/>
-              <a:t>11/11/2023</a:t>
+              <a:t>11/21/2023</a:t>
             </a:fld>
             <a:endParaRPr lang="en-US"/>
           </a:p>
@@ -18174,7 +18176,7 @@
           <a:p>
             <a:fld id="{EF213E56-3C1A-435A-851B-5B1F221C2038}" type="datetime1">
               <a:rPr lang="en-US" smtClean="0"/>
-              <a:t>11/11/2023</a:t>
+              <a:t>11/21/2023</a:t>
             </a:fld>
             <a:endParaRPr lang="en-US"/>
           </a:p>
@@ -18475,7 +18477,7 @@
           <a:p>
             <a:fld id="{B4696837-4851-4AA6-8AED-554226C981D1}" type="datetime1">
               <a:rPr lang="en-US" smtClean="0"/>
-              <a:t>11/11/2023</a:t>
+              <a:t>11/21/2023</a:t>
             </a:fld>
             <a:endParaRPr lang="en-US"/>
           </a:p>
@@ -18653,7 +18655,7 @@
           <a:p>
             <a:fld id="{BADD32E1-BB70-4827-BA33-FF5AFC435BE9}" type="datetime1">
               <a:rPr lang="en-US" smtClean="0"/>
-              <a:t>11/11/2023</a:t>
+              <a:t>11/21/2023</a:t>
             </a:fld>
             <a:endParaRPr lang="en-US"/>
           </a:p>
@@ -18896,7 +18898,7 @@
             </a:pPr>
             <a:fld id="{40B9EAF6-54F2-4DF5-9C6B-3F6F95B86356}" type="datetime1">
               <a:rPr lang="en-US" smtClean="0"/>
-              <a:t>11/11/2023</a:t>
+              <a:t>11/21/2023</a:t>
             </a:fld>
             <a:endParaRPr lang="en-US"/>
           </a:p>
@@ -19076,7 +19078,7 @@
             </a:pPr>
             <a:fld id="{D3D64A56-6FF4-479A-8655-719A18A98C4B}" type="datetime1">
               <a:rPr lang="en-US" smtClean="0"/>
-              <a:t>11/11/2023</a:t>
+              <a:t>11/21/2023</a:t>
             </a:fld>
             <a:endParaRPr lang="en-US"/>
           </a:p>
@@ -19357,7 +19359,7 @@
           <a:p>
             <a:fld id="{BB961044-FC46-4CBC-9061-59528F4899F3}" type="datetime1">
               <a:rPr lang="en-US" smtClean="0"/>
-              <a:t>11/11/2023</a:t>
+              <a:t>11/21/2023</a:t>
             </a:fld>
             <a:endParaRPr lang="en-US"/>
           </a:p>
@@ -19707,7 +19709,7 @@
           <a:p>
             <a:fld id="{4466A08C-77F3-471E-A5C4-1D2068144BAC}" type="datetime1">
               <a:rPr lang="en-US" smtClean="0"/>
-              <a:t>11/11/2023</a:t>
+              <a:t>11/21/2023</a:t>
             </a:fld>
             <a:endParaRPr lang="en-US"/>
           </a:p>
@@ -19936,7 +19938,7 @@
           <a:p>
             <a:fld id="{B90A7AD1-16F4-44C3-AE32-24C59A599E9D}" type="datetime1">
               <a:rPr lang="en-US" smtClean="0"/>
-              <a:t>11/11/2023</a:t>
+              <a:t>11/21/2023</a:t>
             </a:fld>
             <a:endParaRPr lang="en-US"/>
           </a:p>
@@ -20300,7 +20302,7 @@
           <a:p>
             <a:fld id="{B583DB4F-4316-4DF5-A229-BC1D787C82A0}" type="datetime1">
               <a:rPr lang="en-US" smtClean="0"/>
-              <a:t>11/11/2023</a:t>
+              <a:t>11/21/2023</a:t>
             </a:fld>
             <a:endParaRPr lang="en-US"/>
           </a:p>
@@ -20395,7 +20397,7 @@
           <a:p>
             <a:fld id="{AE6064B7-7A9F-432D-B7B9-6824267AA574}" type="datetime1">
               <a:rPr lang="en-US" smtClean="0"/>
-              <a:t>11/11/2023</a:t>
+              <a:t>11/21/2023</a:t>
             </a:fld>
             <a:endParaRPr lang="en-US"/>
           </a:p>
@@ -20620,7 +20622,7 @@
             <a:fld id="{B2F5E2FA-C428-4CE7-95B0-168D3259A5BB}" type="datetimeFigureOut">
               <a:rPr lang="en-US" smtClean="0"/>
               <a:pPr/>
-              <a:t>11/11/2023</a:t>
+              <a:t>11/21/2023</a:t>
             </a:fld>
             <a:endParaRPr lang="en-US"/>
           </a:p>
@@ -20797,7 +20799,7 @@
           <a:p>
             <a:fld id="{4E1C93A2-B712-486A-8AB5-D41B95D547BE}" type="datetime1">
               <a:rPr lang="en-US" smtClean="0"/>
-              <a:t>11/11/2023</a:t>
+              <a:t>11/21/2023</a:t>
             </a:fld>
             <a:endParaRPr lang="en-US"/>
           </a:p>
@@ -21072,7 +21074,7 @@
           <a:p>
             <a:fld id="{CAB2F318-F19F-4608-B7EF-F7FB8A482213}" type="datetime1">
               <a:rPr lang="en-US" smtClean="0"/>
-              <a:t>11/11/2023</a:t>
+              <a:t>11/21/2023</a:t>
             </a:fld>
             <a:endParaRPr lang="en-US"/>
           </a:p>
@@ -21324,7 +21326,7 @@
           <a:p>
             <a:fld id="{BB9CEF8C-69D6-4C3E-B892-F682F307A7B6}" type="datetime1">
               <a:rPr lang="en-US" smtClean="0"/>
-              <a:t>11/11/2023</a:t>
+              <a:t>11/21/2023</a:t>
             </a:fld>
             <a:endParaRPr lang="en-US"/>
           </a:p>
@@ -21535,7 +21537,7 @@
           <a:p>
             <a:fld id="{FB737C73-4A31-4C17-AFB7-7B8470027787}" type="datetime1">
               <a:rPr lang="en-US" smtClean="0"/>
-              <a:t>11/11/2023</a:t>
+              <a:t>11/21/2023</a:t>
             </a:fld>
             <a:endParaRPr lang="en-US"/>
           </a:p>
@@ -23913,48 +23915,6 @@
       </p:sp>
       <p:sp>
         <p:nvSpPr>
-          <p:cNvPr id="3" name="Content Placeholder 2">
-            <a:extLst>
-              <a:ext uri="{FF2B5EF4-FFF2-40B4-BE49-F238E27FC236}">
-                <a16:creationId xmlns:a16="http://schemas.microsoft.com/office/drawing/2014/main" id="{1B4BE255-954A-AFEA-C031-6365D567DFBE}"/>
-              </a:ext>
-            </a:extLst>
-          </p:cNvPr>
-          <p:cNvSpPr>
-            <a:spLocks noGrp="1"/>
-          </p:cNvSpPr>
-          <p:nvPr>
-            <p:ph idx="1"/>
-          </p:nvPr>
-        </p:nvSpPr>
-        <p:spPr/>
-        <p:txBody>
-          <a:bodyPr>
-            <a:normAutofit/>
-          </a:bodyPr>
-          <a:lstStyle/>
-          <a:p>
-            <a:r>
-              <a:rPr lang="en-US" dirty="0"/>
-              <a:t>1. Customer Segments: Identifying the specific groups of customers that the business will serve.</a:t>
-            </a:r>
-          </a:p>
-          <a:p>
-            <a:r>
-              <a:rPr lang="en-US" dirty="0"/>
-              <a:t>2. Value Proposition: Describing the unique value that the business will offer to its customers.</a:t>
-            </a:r>
-          </a:p>
-          <a:p>
-            <a:r>
-              <a:rPr lang="en-US" dirty="0"/>
-              <a:t>3. Channels: Defining the different channels through which the business will reach its customers and deliver its value proposition.</a:t>
-            </a:r>
-          </a:p>
-        </p:txBody>
-      </p:sp>
-      <p:sp>
-        <p:nvSpPr>
           <p:cNvPr id="4" name="Slide Number Placeholder 3">
             <a:extLst>
               <a:ext uri="{FF2B5EF4-FFF2-40B4-BE49-F238E27FC236}">
@@ -23983,10 +23943,45 @@
           </a:p>
         </p:txBody>
       </p:sp>
+      <p:pic>
+        <p:nvPicPr>
+          <p:cNvPr id="7" name="Picture 6">
+            <a:extLst>
+              <a:ext uri="{FF2B5EF4-FFF2-40B4-BE49-F238E27FC236}">
+                <a16:creationId xmlns:a16="http://schemas.microsoft.com/office/drawing/2014/main" id="{7CF035FF-5A96-4CFE-A8EE-63E48EF9AB3F}"/>
+              </a:ext>
+            </a:extLst>
+          </p:cNvPr>
+          <p:cNvPicPr>
+            <a:picLocks noChangeAspect="1"/>
+          </p:cNvPicPr>
+          <p:nvPr/>
+        </p:nvPicPr>
+        <p:blipFill rotWithShape="1">
+          <a:blip r:embed="rId2">
+            <a:extLst>
+              <a:ext uri="{28A0092B-C50C-407E-A947-70E740481C1C}">
+                <a14:useLocalDpi xmlns:a14="http://schemas.microsoft.com/office/drawing/2010/main" val="0"/>
+              </a:ext>
+            </a:extLst>
+          </a:blip>
+          <a:srcRect l="13948" t="19733" r="14772" b="3670"/>
+          <a:stretch/>
+        </p:blipFill>
+        <p:spPr>
+          <a:xfrm>
+            <a:off x="1106424" y="1207300"/>
+            <a:ext cx="8778240" cy="5211772"/>
+          </a:xfrm>
+          <a:prstGeom prst="rect">
+            <a:avLst/>
+          </a:prstGeom>
+        </p:spPr>
+      </p:pic>
     </p:spTree>
     <p:extLst>
       <p:ext uri="{BB962C8B-B14F-4D97-AF65-F5344CB8AC3E}">
-        <p14:creationId xmlns:p14="http://schemas.microsoft.com/office/powerpoint/2010/main" val="1269557588"/>
+        <p14:creationId xmlns:p14="http://schemas.microsoft.com/office/powerpoint/2010/main" val="2484869720"/>
       </p:ext>
     </p:extLst>
   </p:cSld>
@@ -24066,19 +24061,19 @@
           <a:p>
             <a:r>
               <a:rPr lang="en-US" dirty="0"/>
-              <a:t>4. Customer Relationships: Identifying the types of relationships that the business will establish with its customers, such as personal assistance, self-service, or automated services.</a:t>
+              <a:t>1. Customer Segments: Identifying the specific groups of customers that the business will serve.</a:t>
             </a:r>
           </a:p>
           <a:p>
             <a:r>
               <a:rPr lang="en-US" dirty="0"/>
-              <a:t>5. Revenue Streams: Identifying the ways in which the business will generate revenue, such as product sales, subscription fees, or usage-based fees.</a:t>
+              <a:t>2. Value Proposition: Describing the unique value that the business will offer to its customers.</a:t>
             </a:r>
           </a:p>
           <a:p>
             <a:r>
               <a:rPr lang="en-US" dirty="0"/>
-              <a:t>6. Key Resources: Identifying the essential resources that the business will need to create and deliver its value proposition, such as personnel, technology, or facilities.</a:t>
+              <a:t>3. Channels: Defining the different channels through which the business will reach its customers and deliver its value proposition.</a:t>
             </a:r>
           </a:p>
         </p:txBody>
@@ -24116,7 +24111,7 @@
     </p:spTree>
     <p:extLst>
       <p:ext uri="{BB962C8B-B14F-4D97-AF65-F5344CB8AC3E}">
-        <p14:creationId xmlns:p14="http://schemas.microsoft.com/office/powerpoint/2010/main" val="3963093967"/>
+        <p14:creationId xmlns:p14="http://schemas.microsoft.com/office/powerpoint/2010/main" val="1269557588"/>
       </p:ext>
     </p:extLst>
   </p:cSld>
@@ -24196,19 +24191,19 @@
           <a:p>
             <a:r>
               <a:rPr lang="en-US" dirty="0"/>
-              <a:t>7. Key Activities: Identifying the critical activities that the business will need to perform to create and deliver its value proposition, such as product development, marketing, or customer support.</a:t>
+              <a:t>4. Customer Relationships: Identifying the types of relationships that the business will establish with its customers, such as personal assistance, self-service, or automated services.</a:t>
             </a:r>
           </a:p>
           <a:p>
             <a:r>
               <a:rPr lang="en-US" dirty="0"/>
-              <a:t>8. Key Partners: Identifying the strategic partnerships that the business will form to support its operations, such as suppliers, distributors, or complementary service providers.</a:t>
+              <a:t>5. Revenue Streams: Identifying the ways in which the business will generate revenue, such as product sales, subscription fees, or usage-based fees.</a:t>
             </a:r>
           </a:p>
           <a:p>
             <a:r>
               <a:rPr lang="en-US" dirty="0"/>
-              <a:t>9. Cost Structure: Identifying the costs associated with creating and delivering the business's value proposition, including fixed and variable costs.</a:t>
+              <a:t>6. Key Resources: Identifying the essential resources that the business will need to create and deliver its value proposition, such as personnel, technology, or facilities.</a:t>
             </a:r>
           </a:p>
         </p:txBody>
@@ -24246,6 +24241,136 @@
     </p:spTree>
     <p:extLst>
       <p:ext uri="{BB962C8B-B14F-4D97-AF65-F5344CB8AC3E}">
+        <p14:creationId xmlns:p14="http://schemas.microsoft.com/office/powerpoint/2010/main" val="3963093967"/>
+      </p:ext>
+    </p:extLst>
+  </p:cSld>
+  <p:clrMapOvr>
+    <a:masterClrMapping/>
+  </p:clrMapOvr>
+</p:sld>
+</file>
+
+<file path=ppt/slides/slide24.xml><?xml version="1.0" encoding="utf-8"?>
+<p:sld xmlns:a="http://schemas.openxmlformats.org/drawingml/2006/main" xmlns:r="http://schemas.openxmlformats.org/officeDocument/2006/relationships" xmlns:p="http://schemas.openxmlformats.org/presentationml/2006/main">
+  <p:cSld>
+    <p:spTree>
+      <p:nvGrpSpPr>
+        <p:cNvPr id="1" name=""/>
+        <p:cNvGrpSpPr/>
+        <p:nvPr/>
+      </p:nvGrpSpPr>
+      <p:grpSpPr>
+        <a:xfrm>
+          <a:off x="0" y="0"/>
+          <a:ext cx="0" cy="0"/>
+          <a:chOff x="0" y="0"/>
+          <a:chExt cx="0" cy="0"/>
+        </a:xfrm>
+      </p:grpSpPr>
+      <p:sp>
+        <p:nvSpPr>
+          <p:cNvPr id="2" name="Title 1">
+            <a:extLst>
+              <a:ext uri="{FF2B5EF4-FFF2-40B4-BE49-F238E27FC236}">
+                <a16:creationId xmlns:a16="http://schemas.microsoft.com/office/drawing/2014/main" id="{8AD773E3-699E-50C6-8026-C4CA7AE8DF34}"/>
+              </a:ext>
+            </a:extLst>
+          </p:cNvPr>
+          <p:cNvSpPr>
+            <a:spLocks noGrp="1"/>
+          </p:cNvSpPr>
+          <p:nvPr>
+            <p:ph type="title"/>
+          </p:nvPr>
+        </p:nvSpPr>
+        <p:spPr/>
+        <p:txBody>
+          <a:bodyPr/>
+          <a:lstStyle/>
+          <a:p>
+            <a:r>
+              <a:rPr lang="en-US" dirty="0"/>
+              <a:t>Business Model Canvas</a:t>
+            </a:r>
+          </a:p>
+        </p:txBody>
+      </p:sp>
+      <p:sp>
+        <p:nvSpPr>
+          <p:cNvPr id="3" name="Content Placeholder 2">
+            <a:extLst>
+              <a:ext uri="{FF2B5EF4-FFF2-40B4-BE49-F238E27FC236}">
+                <a16:creationId xmlns:a16="http://schemas.microsoft.com/office/drawing/2014/main" id="{1B4BE255-954A-AFEA-C031-6365D567DFBE}"/>
+              </a:ext>
+            </a:extLst>
+          </p:cNvPr>
+          <p:cNvSpPr>
+            <a:spLocks noGrp="1"/>
+          </p:cNvSpPr>
+          <p:nvPr>
+            <p:ph idx="1"/>
+          </p:nvPr>
+        </p:nvSpPr>
+        <p:spPr/>
+        <p:txBody>
+          <a:bodyPr>
+            <a:normAutofit/>
+          </a:bodyPr>
+          <a:lstStyle/>
+          <a:p>
+            <a:r>
+              <a:rPr lang="en-US" dirty="0"/>
+              <a:t>7. Key Activities: Identifying the critical activities that the business will need to perform to create and deliver its value proposition, such as product development, marketing, or customer support.</a:t>
+            </a:r>
+          </a:p>
+          <a:p>
+            <a:r>
+              <a:rPr lang="en-US" dirty="0"/>
+              <a:t>8. Key Partners: Identifying the strategic partnerships that the business will form to support its operations, such as suppliers, distributors, or complementary service providers.</a:t>
+            </a:r>
+          </a:p>
+          <a:p>
+            <a:r>
+              <a:rPr lang="en-US" dirty="0"/>
+              <a:t>9. Cost Structure: Identifying the costs associated with creating and delivering the business's value proposition, including fixed and variable costs.</a:t>
+            </a:r>
+          </a:p>
+        </p:txBody>
+      </p:sp>
+      <p:sp>
+        <p:nvSpPr>
+          <p:cNvPr id="4" name="Slide Number Placeholder 3">
+            <a:extLst>
+              <a:ext uri="{FF2B5EF4-FFF2-40B4-BE49-F238E27FC236}">
+                <a16:creationId xmlns:a16="http://schemas.microsoft.com/office/drawing/2014/main" id="{8FBBA70F-04BF-319A-F7DA-88F407202197}"/>
+              </a:ext>
+            </a:extLst>
+          </p:cNvPr>
+          <p:cNvSpPr>
+            <a:spLocks noGrp="1"/>
+          </p:cNvSpPr>
+          <p:nvPr>
+            <p:ph type="sldNum" sz="quarter" idx="12"/>
+          </p:nvPr>
+        </p:nvSpPr>
+        <p:spPr/>
+        <p:txBody>
+          <a:bodyPr/>
+          <a:lstStyle/>
+          <a:p>
+            <a:fld id="{B8DACC02-A2BD-4578-8E03-6D891060A695}" type="slidenum">
+              <a:rPr lang="en-US" smtClean="0"/>
+              <a:pPr/>
+              <a:t>24</a:t>
+            </a:fld>
+            <a:endParaRPr lang="en-US" dirty="0"/>
+          </a:p>
+        </p:txBody>
+      </p:sp>
+    </p:spTree>
+    <p:extLst>
+      <p:ext uri="{BB962C8B-B14F-4D97-AF65-F5344CB8AC3E}">
         <p14:creationId xmlns:p14="http://schemas.microsoft.com/office/powerpoint/2010/main" val="2956916251"/>
       </p:ext>
     </p:extLst>
@@ -24256,7 +24381,7 @@
 </p:sld>
 </file>
 
-<file path=ppt/slides/slide24.xml><?xml version="1.0" encoding="utf-8"?>
+<file path=ppt/slides/slide25.xml><?xml version="1.0" encoding="utf-8"?>
 <p:sld xmlns:a="http://schemas.openxmlformats.org/drawingml/2006/main" xmlns:r="http://schemas.openxmlformats.org/officeDocument/2006/relationships" xmlns:p="http://schemas.openxmlformats.org/presentationml/2006/main">
   <p:cSld>
     <p:spTree>
@@ -24422,7 +24547,7 @@
             <a:fld id="{B8DACC02-A2BD-4578-8E03-6D891060A695}" type="slidenum">
               <a:rPr lang="en-US" smtClean="0"/>
               <a:pPr/>
-              <a:t>24</a:t>
+              <a:t>25</a:t>
             </a:fld>
             <a:endParaRPr lang="en-US" dirty="0"/>
           </a:p>
@@ -24461,130 +24586,6 @@
     <p:extLst>
       <p:ext uri="{BB962C8B-B14F-4D97-AF65-F5344CB8AC3E}">
         <p14:creationId xmlns:p14="http://schemas.microsoft.com/office/powerpoint/2010/main" val="2879368738"/>
-      </p:ext>
-    </p:extLst>
-  </p:cSld>
-  <p:clrMapOvr>
-    <a:masterClrMapping/>
-  </p:clrMapOvr>
-</p:sld>
-</file>
-
-<file path=ppt/slides/slide25.xml><?xml version="1.0" encoding="utf-8"?>
-<p:sld xmlns:a="http://schemas.openxmlformats.org/drawingml/2006/main" xmlns:r="http://schemas.openxmlformats.org/officeDocument/2006/relationships" xmlns:p="http://schemas.openxmlformats.org/presentationml/2006/main">
-  <p:cSld>
-    <p:spTree>
-      <p:nvGrpSpPr>
-        <p:cNvPr id="1" name=""/>
-        <p:cNvGrpSpPr/>
-        <p:nvPr/>
-      </p:nvGrpSpPr>
-      <p:grpSpPr>
-        <a:xfrm>
-          <a:off x="0" y="0"/>
-          <a:ext cx="0" cy="0"/>
-          <a:chOff x="0" y="0"/>
-          <a:chExt cx="0" cy="0"/>
-        </a:xfrm>
-      </p:grpSpPr>
-      <p:sp>
-        <p:nvSpPr>
-          <p:cNvPr id="2" name="Title 1">
-            <a:extLst>
-              <a:ext uri="{FF2B5EF4-FFF2-40B4-BE49-F238E27FC236}">
-                <a16:creationId xmlns:a16="http://schemas.microsoft.com/office/drawing/2014/main" id="{BFF3D89C-AA9F-C0C2-3FE8-1FE41CC45587}"/>
-              </a:ext>
-            </a:extLst>
-          </p:cNvPr>
-          <p:cNvSpPr>
-            <a:spLocks noGrp="1"/>
-          </p:cNvSpPr>
-          <p:nvPr>
-            <p:ph type="title"/>
-          </p:nvPr>
-        </p:nvSpPr>
-        <p:spPr/>
-        <p:txBody>
-          <a:bodyPr/>
-          <a:lstStyle/>
-          <a:p>
-            <a:r>
-              <a:rPr lang="en-US" dirty="0"/>
-              <a:t>Value Proposition Canvas</a:t>
-            </a:r>
-          </a:p>
-        </p:txBody>
-      </p:sp>
-      <p:sp>
-        <p:nvSpPr>
-          <p:cNvPr id="3" name="Content Placeholder 2">
-            <a:extLst>
-              <a:ext uri="{FF2B5EF4-FFF2-40B4-BE49-F238E27FC236}">
-                <a16:creationId xmlns:a16="http://schemas.microsoft.com/office/drawing/2014/main" id="{8426B1C2-28DE-9E89-879B-7DFC85BA65E1}"/>
-              </a:ext>
-            </a:extLst>
-          </p:cNvPr>
-          <p:cNvSpPr>
-            <a:spLocks noGrp="1"/>
-          </p:cNvSpPr>
-          <p:nvPr>
-            <p:ph idx="1"/>
-          </p:nvPr>
-        </p:nvSpPr>
-        <p:spPr/>
-        <p:txBody>
-          <a:bodyPr>
-            <a:normAutofit/>
-          </a:bodyPr>
-          <a:lstStyle/>
-          <a:p>
-            <a:r>
-              <a:rPr lang="en-US" dirty="0"/>
-              <a:t>It is a strategic management tool that helps businesses clarify their value proposition and identify the key elements that distinguish them from competitors. </a:t>
-            </a:r>
-          </a:p>
-          <a:p>
-            <a:r>
-              <a:rPr lang="en-US" dirty="0"/>
-              <a:t>It is a visual representation of the value that a business offers to its customers, and it is used to guide product development, marketing, and sales efforts.</a:t>
-            </a:r>
-          </a:p>
-        </p:txBody>
-      </p:sp>
-      <p:sp>
-        <p:nvSpPr>
-          <p:cNvPr id="4" name="Slide Number Placeholder 3">
-            <a:extLst>
-              <a:ext uri="{FF2B5EF4-FFF2-40B4-BE49-F238E27FC236}">
-                <a16:creationId xmlns:a16="http://schemas.microsoft.com/office/drawing/2014/main" id="{850F5507-9A77-7552-5AA7-285E4CDA40CB}"/>
-              </a:ext>
-            </a:extLst>
-          </p:cNvPr>
-          <p:cNvSpPr>
-            <a:spLocks noGrp="1"/>
-          </p:cNvSpPr>
-          <p:nvPr>
-            <p:ph type="sldNum" sz="quarter" idx="12"/>
-          </p:nvPr>
-        </p:nvSpPr>
-        <p:spPr/>
-        <p:txBody>
-          <a:bodyPr/>
-          <a:lstStyle/>
-          <a:p>
-            <a:fld id="{B8DACC02-A2BD-4578-8E03-6D891060A695}" type="slidenum">
-              <a:rPr lang="en-US" smtClean="0"/>
-              <a:pPr/>
-              <a:t>25</a:t>
-            </a:fld>
-            <a:endParaRPr lang="en-US" dirty="0"/>
-          </a:p>
-        </p:txBody>
-      </p:sp>
-    </p:spTree>
-    <p:extLst>
-      <p:ext uri="{BB962C8B-B14F-4D97-AF65-F5344CB8AC3E}">
-        <p14:creationId xmlns:p14="http://schemas.microsoft.com/office/powerpoint/2010/main" val="162964421"/>
       </p:ext>
     </p:extLst>
   </p:cSld>
@@ -24641,6 +24642,42 @@
       </p:sp>
       <p:sp>
         <p:nvSpPr>
+          <p:cNvPr id="3" name="Content Placeholder 2">
+            <a:extLst>
+              <a:ext uri="{FF2B5EF4-FFF2-40B4-BE49-F238E27FC236}">
+                <a16:creationId xmlns:a16="http://schemas.microsoft.com/office/drawing/2014/main" id="{8426B1C2-28DE-9E89-879B-7DFC85BA65E1}"/>
+              </a:ext>
+            </a:extLst>
+          </p:cNvPr>
+          <p:cNvSpPr>
+            <a:spLocks noGrp="1"/>
+          </p:cNvSpPr>
+          <p:nvPr>
+            <p:ph idx="1"/>
+          </p:nvPr>
+        </p:nvSpPr>
+        <p:spPr/>
+        <p:txBody>
+          <a:bodyPr>
+            <a:normAutofit/>
+          </a:bodyPr>
+          <a:lstStyle/>
+          <a:p>
+            <a:r>
+              <a:rPr lang="en-US" dirty="0"/>
+              <a:t>It is a strategic management tool that helps businesses clarify their value proposition and identify the key elements that distinguish them from competitors. </a:t>
+            </a:r>
+          </a:p>
+          <a:p>
+            <a:r>
+              <a:rPr lang="en-US" dirty="0"/>
+              <a:t>It is a visual representation of the value that a business offers to its customers, and it is used to guide product development, marketing, and sales efforts.</a:t>
+            </a:r>
+          </a:p>
+        </p:txBody>
+      </p:sp>
+      <p:sp>
+        <p:nvSpPr>
           <p:cNvPr id="4" name="Slide Number Placeholder 3">
             <a:extLst>
               <a:ext uri="{FF2B5EF4-FFF2-40B4-BE49-F238E27FC236}">
@@ -24664,6 +24701,94 @@
               <a:rPr lang="en-US" smtClean="0"/>
               <a:pPr/>
               <a:t>26</a:t>
+            </a:fld>
+            <a:endParaRPr lang="en-US" dirty="0"/>
+          </a:p>
+        </p:txBody>
+      </p:sp>
+    </p:spTree>
+    <p:extLst>
+      <p:ext uri="{BB962C8B-B14F-4D97-AF65-F5344CB8AC3E}">
+        <p14:creationId xmlns:p14="http://schemas.microsoft.com/office/powerpoint/2010/main" val="162964421"/>
+      </p:ext>
+    </p:extLst>
+  </p:cSld>
+  <p:clrMapOvr>
+    <a:masterClrMapping/>
+  </p:clrMapOvr>
+</p:sld>
+</file>
+
+<file path=ppt/slides/slide27.xml><?xml version="1.0" encoding="utf-8"?>
+<p:sld xmlns:a="http://schemas.openxmlformats.org/drawingml/2006/main" xmlns:r="http://schemas.openxmlformats.org/officeDocument/2006/relationships" xmlns:p="http://schemas.openxmlformats.org/presentationml/2006/main">
+  <p:cSld>
+    <p:spTree>
+      <p:nvGrpSpPr>
+        <p:cNvPr id="1" name=""/>
+        <p:cNvGrpSpPr/>
+        <p:nvPr/>
+      </p:nvGrpSpPr>
+      <p:grpSpPr>
+        <a:xfrm>
+          <a:off x="0" y="0"/>
+          <a:ext cx="0" cy="0"/>
+          <a:chOff x="0" y="0"/>
+          <a:chExt cx="0" cy="0"/>
+        </a:xfrm>
+      </p:grpSpPr>
+      <p:sp>
+        <p:nvSpPr>
+          <p:cNvPr id="2" name="Title 1">
+            <a:extLst>
+              <a:ext uri="{FF2B5EF4-FFF2-40B4-BE49-F238E27FC236}">
+                <a16:creationId xmlns:a16="http://schemas.microsoft.com/office/drawing/2014/main" id="{BFF3D89C-AA9F-C0C2-3FE8-1FE41CC45587}"/>
+              </a:ext>
+            </a:extLst>
+          </p:cNvPr>
+          <p:cNvSpPr>
+            <a:spLocks noGrp="1"/>
+          </p:cNvSpPr>
+          <p:nvPr>
+            <p:ph type="title"/>
+          </p:nvPr>
+        </p:nvSpPr>
+        <p:spPr/>
+        <p:txBody>
+          <a:bodyPr/>
+          <a:lstStyle/>
+          <a:p>
+            <a:r>
+              <a:rPr lang="en-US" dirty="0"/>
+              <a:t>Value Proposition Canvas</a:t>
+            </a:r>
+          </a:p>
+        </p:txBody>
+      </p:sp>
+      <p:sp>
+        <p:nvSpPr>
+          <p:cNvPr id="4" name="Slide Number Placeholder 3">
+            <a:extLst>
+              <a:ext uri="{FF2B5EF4-FFF2-40B4-BE49-F238E27FC236}">
+                <a16:creationId xmlns:a16="http://schemas.microsoft.com/office/drawing/2014/main" id="{850F5507-9A77-7552-5AA7-285E4CDA40CB}"/>
+              </a:ext>
+            </a:extLst>
+          </p:cNvPr>
+          <p:cNvSpPr>
+            <a:spLocks noGrp="1"/>
+          </p:cNvSpPr>
+          <p:nvPr>
+            <p:ph type="sldNum" sz="quarter" idx="12"/>
+          </p:nvPr>
+        </p:nvSpPr>
+        <p:spPr/>
+        <p:txBody>
+          <a:bodyPr/>
+          <a:lstStyle/>
+          <a:p>
+            <a:fld id="{B8DACC02-A2BD-4578-8E03-6D891060A695}" type="slidenum">
+              <a:rPr lang="en-US" smtClean="0"/>
+              <a:pPr/>
+              <a:t>27</a:t>
             </a:fld>
             <a:endParaRPr lang="en-US" dirty="0"/>
           </a:p>
@@ -24718,152 +24843,6 @@
 </p:sld>
 </file>
 
-<file path=ppt/slides/slide27.xml><?xml version="1.0" encoding="utf-8"?>
-<p:sld xmlns:a="http://schemas.openxmlformats.org/drawingml/2006/main" xmlns:r="http://schemas.openxmlformats.org/officeDocument/2006/relationships" xmlns:p="http://schemas.openxmlformats.org/presentationml/2006/main">
-  <p:cSld>
-    <p:spTree>
-      <p:nvGrpSpPr>
-        <p:cNvPr id="1" name=""/>
-        <p:cNvGrpSpPr/>
-        <p:nvPr/>
-      </p:nvGrpSpPr>
-      <p:grpSpPr>
-        <a:xfrm>
-          <a:off x="0" y="0"/>
-          <a:ext cx="0" cy="0"/>
-          <a:chOff x="0" y="0"/>
-          <a:chExt cx="0" cy="0"/>
-        </a:xfrm>
-      </p:grpSpPr>
-      <p:sp>
-        <p:nvSpPr>
-          <p:cNvPr id="2" name="Title 1">
-            <a:extLst>
-              <a:ext uri="{FF2B5EF4-FFF2-40B4-BE49-F238E27FC236}">
-                <a16:creationId xmlns:a16="http://schemas.microsoft.com/office/drawing/2014/main" id="{BFF3D89C-AA9F-C0C2-3FE8-1FE41CC45587}"/>
-              </a:ext>
-            </a:extLst>
-          </p:cNvPr>
-          <p:cNvSpPr>
-            <a:spLocks noGrp="1"/>
-          </p:cNvSpPr>
-          <p:nvPr>
-            <p:ph type="title"/>
-          </p:nvPr>
-        </p:nvSpPr>
-        <p:spPr/>
-        <p:txBody>
-          <a:bodyPr/>
-          <a:lstStyle/>
-          <a:p>
-            <a:r>
-              <a:rPr lang="en-US" dirty="0"/>
-              <a:t>Value Proposition Canvas</a:t>
-            </a:r>
-          </a:p>
-        </p:txBody>
-      </p:sp>
-      <p:sp>
-        <p:nvSpPr>
-          <p:cNvPr id="3" name="Content Placeholder 2">
-            <a:extLst>
-              <a:ext uri="{FF2B5EF4-FFF2-40B4-BE49-F238E27FC236}">
-                <a16:creationId xmlns:a16="http://schemas.microsoft.com/office/drawing/2014/main" id="{8426B1C2-28DE-9E89-879B-7DFC85BA65E1}"/>
-              </a:ext>
-            </a:extLst>
-          </p:cNvPr>
-          <p:cNvSpPr>
-            <a:spLocks noGrp="1"/>
-          </p:cNvSpPr>
-          <p:nvPr>
-            <p:ph idx="1"/>
-          </p:nvPr>
-        </p:nvSpPr>
-        <p:spPr/>
-        <p:txBody>
-          <a:bodyPr>
-            <a:normAutofit/>
-          </a:bodyPr>
-          <a:lstStyle/>
-          <a:p>
-            <a:r>
-              <a:rPr lang="en-US" dirty="0"/>
-              <a:t>The Value Proposition Canvas consists of two main components: the customer profile and the value map.</a:t>
-            </a:r>
-          </a:p>
-          <a:p>
-            <a:pPr lvl="1"/>
-            <a:r>
-              <a:rPr lang="en-US" dirty="0"/>
-              <a:t>Customer Profile</a:t>
-            </a:r>
-          </a:p>
-          <a:p>
-            <a:pPr lvl="2"/>
-            <a:r>
-              <a:rPr lang="en-US" dirty="0"/>
-              <a:t>This section of the canvas is used to describe the customer segment that the business is targeting. </a:t>
-            </a:r>
-          </a:p>
-          <a:p>
-            <a:pPr lvl="2"/>
-            <a:r>
-              <a:rPr lang="en-US" dirty="0"/>
-              <a:t>It includes details such as the customer's age, gender, location, income level, interests, and pain points. </a:t>
-            </a:r>
-          </a:p>
-          <a:p>
-            <a:pPr lvl="2"/>
-            <a:r>
-              <a:rPr lang="en-US" dirty="0"/>
-              <a:t>The customer profile helps businesses understand their target audience and tailor their value proposition to meet their needs.</a:t>
-            </a:r>
-          </a:p>
-        </p:txBody>
-      </p:sp>
-      <p:sp>
-        <p:nvSpPr>
-          <p:cNvPr id="4" name="Slide Number Placeholder 3">
-            <a:extLst>
-              <a:ext uri="{FF2B5EF4-FFF2-40B4-BE49-F238E27FC236}">
-                <a16:creationId xmlns:a16="http://schemas.microsoft.com/office/drawing/2014/main" id="{850F5507-9A77-7552-5AA7-285E4CDA40CB}"/>
-              </a:ext>
-            </a:extLst>
-          </p:cNvPr>
-          <p:cNvSpPr>
-            <a:spLocks noGrp="1"/>
-          </p:cNvSpPr>
-          <p:nvPr>
-            <p:ph type="sldNum" sz="quarter" idx="12"/>
-          </p:nvPr>
-        </p:nvSpPr>
-        <p:spPr/>
-        <p:txBody>
-          <a:bodyPr/>
-          <a:lstStyle/>
-          <a:p>
-            <a:fld id="{B8DACC02-A2BD-4578-8E03-6D891060A695}" type="slidenum">
-              <a:rPr lang="en-US" smtClean="0"/>
-              <a:pPr/>
-              <a:t>27</a:t>
-            </a:fld>
-            <a:endParaRPr lang="en-US" dirty="0"/>
-          </a:p>
-        </p:txBody>
-      </p:sp>
-    </p:spTree>
-    <p:extLst>
-      <p:ext uri="{BB962C8B-B14F-4D97-AF65-F5344CB8AC3E}">
-        <p14:creationId xmlns:p14="http://schemas.microsoft.com/office/powerpoint/2010/main" val="4151231481"/>
-      </p:ext>
-    </p:extLst>
-  </p:cSld>
-  <p:clrMapOvr>
-    <a:masterClrMapping/>
-  </p:clrMapOvr>
-</p:sld>
-</file>
-
 <file path=ppt/slides/slide28.xml><?xml version="1.0" encoding="utf-8"?>
 <p:sld xmlns:a="http://schemas.openxmlformats.org/drawingml/2006/main" xmlns:r="http://schemas.openxmlformats.org/officeDocument/2006/relationships" xmlns:p="http://schemas.openxmlformats.org/presentationml/2006/main">
   <p:cSld>
@@ -24911,85 +24890,6 @@
       </p:sp>
       <p:sp>
         <p:nvSpPr>
-          <p:cNvPr id="3" name="Content Placeholder 2">
-            <a:extLst>
-              <a:ext uri="{FF2B5EF4-FFF2-40B4-BE49-F238E27FC236}">
-                <a16:creationId xmlns:a16="http://schemas.microsoft.com/office/drawing/2014/main" id="{8426B1C2-28DE-9E89-879B-7DFC85BA65E1}"/>
-              </a:ext>
-            </a:extLst>
-          </p:cNvPr>
-          <p:cNvSpPr>
-            <a:spLocks noGrp="1"/>
-          </p:cNvSpPr>
-          <p:nvPr>
-            <p:ph idx="1"/>
-          </p:nvPr>
-        </p:nvSpPr>
-        <p:spPr/>
-        <p:txBody>
-          <a:bodyPr>
-            <a:normAutofit/>
-          </a:bodyPr>
-          <a:lstStyle/>
-          <a:p>
-            <a:r>
-              <a:rPr lang="en-US" dirty="0"/>
-              <a:t>The Value Proposition Canvas consists of two main components: the customer profile and the value map.</a:t>
-            </a:r>
-          </a:p>
-          <a:p>
-            <a:pPr lvl="1"/>
-            <a:r>
-              <a:rPr lang="en-US" dirty="0"/>
-              <a:t>Value Map</a:t>
-            </a:r>
-          </a:p>
-          <a:p>
-            <a:pPr lvl="2"/>
-            <a:r>
-              <a:rPr lang="en-US" dirty="0"/>
-              <a:t>This section of the canvas is used to describe the value that the business offers to its customers.</a:t>
-            </a:r>
-          </a:p>
-          <a:p>
-            <a:pPr lvl="2"/>
-            <a:r>
-              <a:rPr lang="en-US" dirty="0"/>
-              <a:t>It includes four key elements:</a:t>
-            </a:r>
-          </a:p>
-          <a:p>
-            <a:pPr lvl="3"/>
-            <a:r>
-              <a:rPr lang="en-US" dirty="0"/>
-              <a:t>Products and Services</a:t>
-            </a:r>
-          </a:p>
-          <a:p>
-            <a:pPr lvl="3"/>
-            <a:r>
-              <a:rPr lang="en-US" dirty="0"/>
-              <a:t>Pain Relievers</a:t>
-            </a:r>
-          </a:p>
-          <a:p>
-            <a:pPr lvl="3"/>
-            <a:r>
-              <a:rPr lang="en-US" dirty="0"/>
-              <a:t>Gain Creators</a:t>
-            </a:r>
-          </a:p>
-          <a:p>
-            <a:pPr lvl="3"/>
-            <a:r>
-              <a:rPr lang="en-US" dirty="0"/>
-              <a:t>Customer Experience</a:t>
-            </a:r>
-          </a:p>
-        </p:txBody>
-      </p:sp>
-      <p:sp>
-        <p:nvSpPr>
           <p:cNvPr id="4" name="Slide Number Placeholder 3">
             <a:extLst>
               <a:ext uri="{FF2B5EF4-FFF2-40B4-BE49-F238E27FC236}">
@@ -25018,10 +24918,55 @@
           </a:p>
         </p:txBody>
       </p:sp>
+      <p:pic>
+        <p:nvPicPr>
+          <p:cNvPr id="2050" name="Picture 2" descr="Creating the Value Proposition Canvas was a much harder exercise than I  first anticipated. | by Stephen Jones | Medium">
+            <a:extLst>
+              <a:ext uri="{FF2B5EF4-FFF2-40B4-BE49-F238E27FC236}">
+                <a16:creationId xmlns:a16="http://schemas.microsoft.com/office/drawing/2014/main" id="{384D94EE-7291-4441-9EA1-F30092870BD7}"/>
+              </a:ext>
+            </a:extLst>
+          </p:cNvPr>
+          <p:cNvPicPr>
+            <a:picLocks noChangeAspect="1" noChangeArrowheads="1"/>
+          </p:cNvPicPr>
+          <p:nvPr/>
+        </p:nvPicPr>
+        <p:blipFill rotWithShape="1">
+          <a:blip r:embed="rId2">
+            <a:extLst>
+              <a:ext uri="{28A0092B-C50C-407E-A947-70E740481C1C}">
+                <a14:useLocalDpi xmlns:a14="http://schemas.microsoft.com/office/drawing/2010/main" val="0"/>
+              </a:ext>
+            </a:extLst>
+          </a:blip>
+          <a:srcRect l="2616" t="10267" r="2458" b="10933"/>
+          <a:stretch/>
+        </p:blipFill>
+        <p:spPr bwMode="auto">
+          <a:xfrm>
+            <a:off x="969264" y="1214058"/>
+            <a:ext cx="9857232" cy="5272058"/>
+          </a:xfrm>
+          <a:prstGeom prst="rect">
+            <a:avLst/>
+          </a:prstGeom>
+          <a:noFill/>
+          <a:extLst>
+            <a:ext uri="{909E8E84-426E-40DD-AFC4-6F175D3DCCD1}">
+              <a14:hiddenFill xmlns:a14="http://schemas.microsoft.com/office/drawing/2010/main">
+                <a:solidFill>
+                  <a:srgbClr val="FFFFFF"/>
+                </a:solidFill>
+              </a14:hiddenFill>
+            </a:ext>
+          </a:extLst>
+        </p:spPr>
+      </p:pic>
     </p:spTree>
     <p:extLst>
       <p:ext uri="{BB962C8B-B14F-4D97-AF65-F5344CB8AC3E}">
-        <p14:creationId xmlns:p14="http://schemas.microsoft.com/office/powerpoint/2010/main" val="2181952802"/>
+        <p14:creationId xmlns:p14="http://schemas.microsoft.com/office/powerpoint/2010/main" val="3259877071"/>
       </p:ext>
     </p:extLst>
   </p:cSld>
@@ -25053,7 +24998,7 @@
           <p:cNvPr id="2" name="Title 1">
             <a:extLst>
               <a:ext uri="{FF2B5EF4-FFF2-40B4-BE49-F238E27FC236}">
-                <a16:creationId xmlns:a16="http://schemas.microsoft.com/office/drawing/2014/main" id="{1995A4CC-8194-952A-943A-B6CF6D133694}"/>
+                <a16:creationId xmlns:a16="http://schemas.microsoft.com/office/drawing/2014/main" id="{BFF3D89C-AA9F-C0C2-3FE8-1FE41CC45587}"/>
               </a:ext>
             </a:extLst>
           </p:cNvPr>
@@ -25081,7 +25026,7 @@
           <p:cNvPr id="3" name="Content Placeholder 2">
             <a:extLst>
               <a:ext uri="{FF2B5EF4-FFF2-40B4-BE49-F238E27FC236}">
-                <a16:creationId xmlns:a16="http://schemas.microsoft.com/office/drawing/2014/main" id="{A5E0C1B1-C7CA-D401-F1A4-A82CF93F0893}"/>
+                <a16:creationId xmlns:a16="http://schemas.microsoft.com/office/drawing/2014/main" id="{8426B1C2-28DE-9E89-879B-7DFC85BA65E1}"/>
               </a:ext>
             </a:extLst>
           </p:cNvPr>
@@ -25101,62 +25046,35 @@
           <a:p>
             <a:r>
               <a:rPr lang="en-US" dirty="0"/>
-              <a:t>Benefits</a:t>
+              <a:t>The Value Proposition Canvas consists of two main components: the customer profile and the value map.</a:t>
             </a:r>
           </a:p>
           <a:p>
-            <a:pPr lvl="1">
-              <a:lnSpc>
-                <a:spcPct val="150000"/>
-              </a:lnSpc>
-            </a:pPr>
+            <a:pPr lvl="1"/>
             <a:r>
               <a:rPr lang="en-US" dirty="0"/>
-              <a:t>Improved customer understanding</a:t>
+              <a:t>Customer Profile</a:t>
             </a:r>
           </a:p>
           <a:p>
-            <a:pPr lvl="1">
-              <a:lnSpc>
-                <a:spcPct val="150000"/>
-              </a:lnSpc>
-            </a:pPr>
+            <a:pPr lvl="2"/>
             <a:r>
               <a:rPr lang="en-US" dirty="0"/>
-              <a:t>Clearer value proposition</a:t>
+              <a:t>This section of the canvas is used to describe the customer segment that the business is targeting. </a:t>
             </a:r>
           </a:p>
           <a:p>
-            <a:pPr lvl="1">
-              <a:lnSpc>
-                <a:spcPct val="150000"/>
-              </a:lnSpc>
-            </a:pPr>
+            <a:pPr lvl="2"/>
             <a:r>
               <a:rPr lang="en-US" dirty="0"/>
-              <a:t>Better product development</a:t>
+              <a:t>It includes details such as the customer's age, gender, location, income level, interests, and pain points. </a:t>
             </a:r>
           </a:p>
           <a:p>
-            <a:pPr lvl="1">
-              <a:lnSpc>
-                <a:spcPct val="150000"/>
-              </a:lnSpc>
-            </a:pPr>
+            <a:pPr lvl="2"/>
             <a:r>
               <a:rPr lang="en-US" dirty="0"/>
-              <a:t>More effective marketing</a:t>
-            </a:r>
-          </a:p>
-          <a:p>
-            <a:pPr lvl="1">
-              <a:lnSpc>
-                <a:spcPct val="150000"/>
-              </a:lnSpc>
-            </a:pPr>
-            <a:r>
-              <a:rPr lang="en-US" dirty="0"/>
-              <a:t>Enhanced customer experience</a:t>
+              <a:t>The customer profile helps businesses understand their target audience and tailor their value proposition to meet their needs.</a:t>
             </a:r>
           </a:p>
         </p:txBody>
@@ -25166,7 +25084,7 @@
           <p:cNvPr id="4" name="Slide Number Placeholder 3">
             <a:extLst>
               <a:ext uri="{FF2B5EF4-FFF2-40B4-BE49-F238E27FC236}">
-                <a16:creationId xmlns:a16="http://schemas.microsoft.com/office/drawing/2014/main" id="{B7A0934E-8F2D-2119-F3C4-20B09F9A01F2}"/>
+                <a16:creationId xmlns:a16="http://schemas.microsoft.com/office/drawing/2014/main" id="{850F5507-9A77-7552-5AA7-285E4CDA40CB}"/>
               </a:ext>
             </a:extLst>
           </p:cNvPr>
@@ -25191,39 +25109,10 @@
           </a:p>
         </p:txBody>
       </p:sp>
-      <p:pic>
-        <p:nvPicPr>
-          <p:cNvPr id="5" name="Picture 4" descr="Silver metal newtons cradle">
-            <a:extLst>
-              <a:ext uri="{FF2B5EF4-FFF2-40B4-BE49-F238E27FC236}">
-                <a16:creationId xmlns:a16="http://schemas.microsoft.com/office/drawing/2014/main" id="{729078B9-81A7-1936-78D1-EC092E9AD3D7}"/>
-              </a:ext>
-            </a:extLst>
-          </p:cNvPr>
-          <p:cNvPicPr>
-            <a:picLocks noChangeAspect="1"/>
-          </p:cNvPicPr>
-          <p:nvPr/>
-        </p:nvPicPr>
-        <p:blipFill rotWithShape="1">
-          <a:blip r:embed="rId2"/>
-          <a:srcRect l="6274" r="8718" b="23787"/>
-          <a:stretch/>
-        </p:blipFill>
-        <p:spPr>
-          <a:xfrm>
-            <a:off x="5850795" y="1330036"/>
-            <a:ext cx="6241014" cy="3958668"/>
-          </a:xfrm>
-          <a:prstGeom prst="rect">
-            <a:avLst/>
-          </a:prstGeom>
-        </p:spPr>
-      </p:pic>
     </p:spTree>
     <p:extLst>
       <p:ext uri="{BB962C8B-B14F-4D97-AF65-F5344CB8AC3E}">
-        <p14:creationId xmlns:p14="http://schemas.microsoft.com/office/powerpoint/2010/main" val="907375295"/>
+        <p14:creationId xmlns:p14="http://schemas.microsoft.com/office/powerpoint/2010/main" val="4151231481"/>
       </p:ext>
     </p:extLst>
   </p:cSld>
@@ -25368,6 +25257,375 @@
           <p:cNvPr id="2" name="Title 1">
             <a:extLst>
               <a:ext uri="{FF2B5EF4-FFF2-40B4-BE49-F238E27FC236}">
+                <a16:creationId xmlns:a16="http://schemas.microsoft.com/office/drawing/2014/main" id="{BFF3D89C-AA9F-C0C2-3FE8-1FE41CC45587}"/>
+              </a:ext>
+            </a:extLst>
+          </p:cNvPr>
+          <p:cNvSpPr>
+            <a:spLocks noGrp="1"/>
+          </p:cNvSpPr>
+          <p:nvPr>
+            <p:ph type="title"/>
+          </p:nvPr>
+        </p:nvSpPr>
+        <p:spPr/>
+        <p:txBody>
+          <a:bodyPr/>
+          <a:lstStyle/>
+          <a:p>
+            <a:r>
+              <a:rPr lang="en-US" dirty="0"/>
+              <a:t>Value Proposition Canvas</a:t>
+            </a:r>
+          </a:p>
+        </p:txBody>
+      </p:sp>
+      <p:sp>
+        <p:nvSpPr>
+          <p:cNvPr id="3" name="Content Placeholder 2">
+            <a:extLst>
+              <a:ext uri="{FF2B5EF4-FFF2-40B4-BE49-F238E27FC236}">
+                <a16:creationId xmlns:a16="http://schemas.microsoft.com/office/drawing/2014/main" id="{8426B1C2-28DE-9E89-879B-7DFC85BA65E1}"/>
+              </a:ext>
+            </a:extLst>
+          </p:cNvPr>
+          <p:cNvSpPr>
+            <a:spLocks noGrp="1"/>
+          </p:cNvSpPr>
+          <p:nvPr>
+            <p:ph idx="1"/>
+          </p:nvPr>
+        </p:nvSpPr>
+        <p:spPr/>
+        <p:txBody>
+          <a:bodyPr>
+            <a:normAutofit/>
+          </a:bodyPr>
+          <a:lstStyle/>
+          <a:p>
+            <a:r>
+              <a:rPr lang="en-US" dirty="0"/>
+              <a:t>The Value Proposition Canvas consists of two main components: the customer profile and the value map.</a:t>
+            </a:r>
+          </a:p>
+          <a:p>
+            <a:pPr lvl="1"/>
+            <a:r>
+              <a:rPr lang="en-US" dirty="0"/>
+              <a:t>Value Map</a:t>
+            </a:r>
+          </a:p>
+          <a:p>
+            <a:pPr lvl="2"/>
+            <a:r>
+              <a:rPr lang="en-US" dirty="0"/>
+              <a:t>This section of the canvas is used to describe the value that the business offers to its customers.</a:t>
+            </a:r>
+          </a:p>
+          <a:p>
+            <a:pPr lvl="2"/>
+            <a:r>
+              <a:rPr lang="en-US" dirty="0"/>
+              <a:t>It includes four key elements:</a:t>
+            </a:r>
+          </a:p>
+          <a:p>
+            <a:pPr lvl="3"/>
+            <a:r>
+              <a:rPr lang="en-US" dirty="0"/>
+              <a:t>Products and Services</a:t>
+            </a:r>
+          </a:p>
+          <a:p>
+            <a:pPr lvl="3"/>
+            <a:r>
+              <a:rPr lang="en-US" dirty="0"/>
+              <a:t>Pain Relievers</a:t>
+            </a:r>
+          </a:p>
+          <a:p>
+            <a:pPr lvl="3"/>
+            <a:r>
+              <a:rPr lang="en-US" dirty="0"/>
+              <a:t>Gain Creators</a:t>
+            </a:r>
+          </a:p>
+          <a:p>
+            <a:pPr lvl="3"/>
+            <a:r>
+              <a:rPr lang="en-US" dirty="0"/>
+              <a:t>Customer Experience</a:t>
+            </a:r>
+          </a:p>
+        </p:txBody>
+      </p:sp>
+      <p:sp>
+        <p:nvSpPr>
+          <p:cNvPr id="4" name="Slide Number Placeholder 3">
+            <a:extLst>
+              <a:ext uri="{FF2B5EF4-FFF2-40B4-BE49-F238E27FC236}">
+                <a16:creationId xmlns:a16="http://schemas.microsoft.com/office/drawing/2014/main" id="{850F5507-9A77-7552-5AA7-285E4CDA40CB}"/>
+              </a:ext>
+            </a:extLst>
+          </p:cNvPr>
+          <p:cNvSpPr>
+            <a:spLocks noGrp="1"/>
+          </p:cNvSpPr>
+          <p:nvPr>
+            <p:ph type="sldNum" sz="quarter" idx="12"/>
+          </p:nvPr>
+        </p:nvSpPr>
+        <p:spPr/>
+        <p:txBody>
+          <a:bodyPr/>
+          <a:lstStyle/>
+          <a:p>
+            <a:fld id="{B8DACC02-A2BD-4578-8E03-6D891060A695}" type="slidenum">
+              <a:rPr lang="en-US" smtClean="0"/>
+              <a:pPr/>
+              <a:t>30</a:t>
+            </a:fld>
+            <a:endParaRPr lang="en-US" dirty="0"/>
+          </a:p>
+        </p:txBody>
+      </p:sp>
+    </p:spTree>
+    <p:extLst>
+      <p:ext uri="{BB962C8B-B14F-4D97-AF65-F5344CB8AC3E}">
+        <p14:creationId xmlns:p14="http://schemas.microsoft.com/office/powerpoint/2010/main" val="2181952802"/>
+      </p:ext>
+    </p:extLst>
+  </p:cSld>
+  <p:clrMapOvr>
+    <a:masterClrMapping/>
+  </p:clrMapOvr>
+</p:sld>
+</file>
+
+<file path=ppt/slides/slide31.xml><?xml version="1.0" encoding="utf-8"?>
+<p:sld xmlns:a="http://schemas.openxmlformats.org/drawingml/2006/main" xmlns:r="http://schemas.openxmlformats.org/officeDocument/2006/relationships" xmlns:p="http://schemas.openxmlformats.org/presentationml/2006/main">
+  <p:cSld>
+    <p:spTree>
+      <p:nvGrpSpPr>
+        <p:cNvPr id="1" name=""/>
+        <p:cNvGrpSpPr/>
+        <p:nvPr/>
+      </p:nvGrpSpPr>
+      <p:grpSpPr>
+        <a:xfrm>
+          <a:off x="0" y="0"/>
+          <a:ext cx="0" cy="0"/>
+          <a:chOff x="0" y="0"/>
+          <a:chExt cx="0" cy="0"/>
+        </a:xfrm>
+      </p:grpSpPr>
+      <p:sp>
+        <p:nvSpPr>
+          <p:cNvPr id="2" name="Title 1">
+            <a:extLst>
+              <a:ext uri="{FF2B5EF4-FFF2-40B4-BE49-F238E27FC236}">
+                <a16:creationId xmlns:a16="http://schemas.microsoft.com/office/drawing/2014/main" id="{1995A4CC-8194-952A-943A-B6CF6D133694}"/>
+              </a:ext>
+            </a:extLst>
+          </p:cNvPr>
+          <p:cNvSpPr>
+            <a:spLocks noGrp="1"/>
+          </p:cNvSpPr>
+          <p:nvPr>
+            <p:ph type="title"/>
+          </p:nvPr>
+        </p:nvSpPr>
+        <p:spPr/>
+        <p:txBody>
+          <a:bodyPr/>
+          <a:lstStyle/>
+          <a:p>
+            <a:r>
+              <a:rPr lang="en-US" dirty="0"/>
+              <a:t>Value Proposition Canvas</a:t>
+            </a:r>
+          </a:p>
+        </p:txBody>
+      </p:sp>
+      <p:sp>
+        <p:nvSpPr>
+          <p:cNvPr id="3" name="Content Placeholder 2">
+            <a:extLst>
+              <a:ext uri="{FF2B5EF4-FFF2-40B4-BE49-F238E27FC236}">
+                <a16:creationId xmlns:a16="http://schemas.microsoft.com/office/drawing/2014/main" id="{A5E0C1B1-C7CA-D401-F1A4-A82CF93F0893}"/>
+              </a:ext>
+            </a:extLst>
+          </p:cNvPr>
+          <p:cNvSpPr>
+            <a:spLocks noGrp="1"/>
+          </p:cNvSpPr>
+          <p:nvPr>
+            <p:ph idx="1"/>
+          </p:nvPr>
+        </p:nvSpPr>
+        <p:spPr/>
+        <p:txBody>
+          <a:bodyPr>
+            <a:normAutofit/>
+          </a:bodyPr>
+          <a:lstStyle/>
+          <a:p>
+            <a:r>
+              <a:rPr lang="en-US" dirty="0"/>
+              <a:t>Benefits</a:t>
+            </a:r>
+          </a:p>
+          <a:p>
+            <a:pPr lvl="1">
+              <a:lnSpc>
+                <a:spcPct val="150000"/>
+              </a:lnSpc>
+            </a:pPr>
+            <a:r>
+              <a:rPr lang="en-US" dirty="0"/>
+              <a:t>Improved customer understanding</a:t>
+            </a:r>
+          </a:p>
+          <a:p>
+            <a:pPr lvl="1">
+              <a:lnSpc>
+                <a:spcPct val="150000"/>
+              </a:lnSpc>
+            </a:pPr>
+            <a:r>
+              <a:rPr lang="en-US" dirty="0"/>
+              <a:t>Clearer value proposition</a:t>
+            </a:r>
+          </a:p>
+          <a:p>
+            <a:pPr lvl="1">
+              <a:lnSpc>
+                <a:spcPct val="150000"/>
+              </a:lnSpc>
+            </a:pPr>
+            <a:r>
+              <a:rPr lang="en-US" dirty="0"/>
+              <a:t>Better product development</a:t>
+            </a:r>
+          </a:p>
+          <a:p>
+            <a:pPr lvl="1">
+              <a:lnSpc>
+                <a:spcPct val="150000"/>
+              </a:lnSpc>
+            </a:pPr>
+            <a:r>
+              <a:rPr lang="en-US" dirty="0"/>
+              <a:t>More effective marketing</a:t>
+            </a:r>
+          </a:p>
+          <a:p>
+            <a:pPr lvl="1">
+              <a:lnSpc>
+                <a:spcPct val="150000"/>
+              </a:lnSpc>
+            </a:pPr>
+            <a:r>
+              <a:rPr lang="en-US" dirty="0"/>
+              <a:t>Enhanced customer experience</a:t>
+            </a:r>
+          </a:p>
+        </p:txBody>
+      </p:sp>
+      <p:sp>
+        <p:nvSpPr>
+          <p:cNvPr id="4" name="Slide Number Placeholder 3">
+            <a:extLst>
+              <a:ext uri="{FF2B5EF4-FFF2-40B4-BE49-F238E27FC236}">
+                <a16:creationId xmlns:a16="http://schemas.microsoft.com/office/drawing/2014/main" id="{B7A0934E-8F2D-2119-F3C4-20B09F9A01F2}"/>
+              </a:ext>
+            </a:extLst>
+          </p:cNvPr>
+          <p:cNvSpPr>
+            <a:spLocks noGrp="1"/>
+          </p:cNvSpPr>
+          <p:nvPr>
+            <p:ph type="sldNum" sz="quarter" idx="12"/>
+          </p:nvPr>
+        </p:nvSpPr>
+        <p:spPr/>
+        <p:txBody>
+          <a:bodyPr/>
+          <a:lstStyle/>
+          <a:p>
+            <a:fld id="{B8DACC02-A2BD-4578-8E03-6D891060A695}" type="slidenum">
+              <a:rPr lang="en-US" smtClean="0"/>
+              <a:pPr/>
+              <a:t>31</a:t>
+            </a:fld>
+            <a:endParaRPr lang="en-US" dirty="0"/>
+          </a:p>
+        </p:txBody>
+      </p:sp>
+      <p:pic>
+        <p:nvPicPr>
+          <p:cNvPr id="5" name="Picture 4" descr="Silver metal newtons cradle">
+            <a:extLst>
+              <a:ext uri="{FF2B5EF4-FFF2-40B4-BE49-F238E27FC236}">
+                <a16:creationId xmlns:a16="http://schemas.microsoft.com/office/drawing/2014/main" id="{729078B9-81A7-1936-78D1-EC092E9AD3D7}"/>
+              </a:ext>
+            </a:extLst>
+          </p:cNvPr>
+          <p:cNvPicPr>
+            <a:picLocks noChangeAspect="1"/>
+          </p:cNvPicPr>
+          <p:nvPr/>
+        </p:nvPicPr>
+        <p:blipFill rotWithShape="1">
+          <a:blip r:embed="rId2"/>
+          <a:srcRect l="6274" r="8718" b="23787"/>
+          <a:stretch/>
+        </p:blipFill>
+        <p:spPr>
+          <a:xfrm>
+            <a:off x="5850795" y="1330036"/>
+            <a:ext cx="6241014" cy="3958668"/>
+          </a:xfrm>
+          <a:prstGeom prst="rect">
+            <a:avLst/>
+          </a:prstGeom>
+        </p:spPr>
+      </p:pic>
+    </p:spTree>
+    <p:extLst>
+      <p:ext uri="{BB962C8B-B14F-4D97-AF65-F5344CB8AC3E}">
+        <p14:creationId xmlns:p14="http://schemas.microsoft.com/office/powerpoint/2010/main" val="907375295"/>
+      </p:ext>
+    </p:extLst>
+  </p:cSld>
+  <p:clrMapOvr>
+    <a:masterClrMapping/>
+  </p:clrMapOvr>
+</p:sld>
+</file>
+
+<file path=ppt/slides/slide32.xml><?xml version="1.0" encoding="utf-8"?>
+<p:sld xmlns:a="http://schemas.openxmlformats.org/drawingml/2006/main" xmlns:r="http://schemas.openxmlformats.org/officeDocument/2006/relationships" xmlns:p="http://schemas.openxmlformats.org/presentationml/2006/main">
+  <p:cSld>
+    <p:spTree>
+      <p:nvGrpSpPr>
+        <p:cNvPr id="1" name=""/>
+        <p:cNvGrpSpPr/>
+        <p:nvPr/>
+      </p:nvGrpSpPr>
+      <p:grpSpPr>
+        <a:xfrm>
+          <a:off x="0" y="0"/>
+          <a:ext cx="0" cy="0"/>
+          <a:chOff x="0" y="0"/>
+          <a:chExt cx="0" cy="0"/>
+        </a:xfrm>
+      </p:grpSpPr>
+      <p:sp>
+        <p:nvSpPr>
+          <p:cNvPr id="2" name="Title 1">
+            <a:extLst>
+              <a:ext uri="{FF2B5EF4-FFF2-40B4-BE49-F238E27FC236}">
                 <a16:creationId xmlns:a16="http://schemas.microsoft.com/office/drawing/2014/main" id="{A7F08269-20C7-7D73-D114-E3C89AA89088}"/>
               </a:ext>
             </a:extLst>
@@ -25441,7 +25699,7 @@
             <a:fld id="{B8DACC02-A2BD-4578-8E03-6D891060A695}" type="slidenum">
               <a:rPr lang="en-US" smtClean="0"/>
               <a:pPr/>
-              <a:t>30</a:t>
+              <a:t>32</a:t>
             </a:fld>
             <a:endParaRPr lang="en-US" dirty="0"/>
           </a:p>
@@ -25507,7 +25765,7 @@
 </p:sld>
 </file>
 
-<file path=ppt/slides/slide31.xml><?xml version="1.0" encoding="utf-8"?>
+<file path=ppt/slides/slide33.xml><?xml version="1.0" encoding="utf-8"?>
 <p:sld xmlns:a="http://schemas.openxmlformats.org/drawingml/2006/main" xmlns:r="http://schemas.openxmlformats.org/officeDocument/2006/relationships" xmlns:p="http://schemas.openxmlformats.org/presentationml/2006/main">
   <p:cSld>
     <p:spTree>
@@ -25619,7 +25877,7 @@
             <a:fld id="{B8DACC02-A2BD-4578-8E03-6D891060A695}" type="slidenum">
               <a:rPr lang="en-US" smtClean="0"/>
               <a:pPr/>
-              <a:t>31</a:t>
+              <a:t>33</a:t>
             </a:fld>
             <a:endParaRPr lang="en-US" dirty="0"/>
           </a:p>
@@ -25638,7 +25896,7 @@
 </p:sld>
 </file>
 
-<file path=ppt/slides/slide32.xml><?xml version="1.0" encoding="utf-8"?>
+<file path=ppt/slides/slide34.xml><?xml version="1.0" encoding="utf-8"?>
 <p:sld xmlns:a="http://schemas.openxmlformats.org/drawingml/2006/main" xmlns:r="http://schemas.openxmlformats.org/officeDocument/2006/relationships" xmlns:p="http://schemas.openxmlformats.org/presentationml/2006/main">
   <p:cSld>
     <p:spTree>
@@ -25732,7 +25990,7 @@
             <a:fld id="{B8DACC02-A2BD-4578-8E03-6D891060A695}" type="slidenum">
               <a:rPr lang="en-US" smtClean="0"/>
               <a:pPr/>
-              <a:t>32</a:t>
+              <a:t>34</a:t>
             </a:fld>
             <a:endParaRPr lang="en-US" dirty="0"/>
           </a:p>
@@ -25796,7 +26054,7 @@
 </p:sld>
 </file>
 
-<file path=ppt/slides/slide33.xml><?xml version="1.0" encoding="utf-8"?>
+<file path=ppt/slides/slide35.xml><?xml version="1.0" encoding="utf-8"?>
 <p:sld xmlns:a="http://schemas.openxmlformats.org/drawingml/2006/main" xmlns:r="http://schemas.openxmlformats.org/officeDocument/2006/relationships" xmlns:p="http://schemas.openxmlformats.org/presentationml/2006/main">
   <p:cSld>
     <p:spTree>
@@ -25928,7 +26186,7 @@
             <a:fld id="{B8DACC02-A2BD-4578-8E03-6D891060A695}" type="slidenum">
               <a:rPr lang="en-US" smtClean="0"/>
               <a:pPr/>
-              <a:t>33</a:t>
+              <a:t>35</a:t>
             </a:fld>
             <a:endParaRPr lang="en-US" dirty="0"/>
           </a:p>
@@ -25947,7 +26205,7 @@
 </p:sld>
 </file>
 
-<file path=ppt/slides/slide34.xml><?xml version="1.0" encoding="utf-8"?>
+<file path=ppt/slides/slide36.xml><?xml version="1.0" encoding="utf-8"?>
 <p:sld xmlns:a="http://schemas.openxmlformats.org/drawingml/2006/main" xmlns:r="http://schemas.openxmlformats.org/officeDocument/2006/relationships" xmlns:p="http://schemas.openxmlformats.org/presentationml/2006/main">
   <p:cSld>
     <p:spTree>
@@ -26066,7 +26324,7 @@
             <a:fld id="{B8DACC02-A2BD-4578-8E03-6D891060A695}" type="slidenum">
               <a:rPr lang="en-US" smtClean="0"/>
               <a:pPr/>
-              <a:t>34</a:t>
+              <a:t>36</a:t>
             </a:fld>
             <a:endParaRPr lang="en-US" dirty="0"/>
           </a:p>
@@ -26085,7 +26343,7 @@
 </p:sld>
 </file>
 
-<file path=ppt/slides/slide35.xml><?xml version="1.0" encoding="utf-8"?>
+<file path=ppt/slides/slide37.xml><?xml version="1.0" encoding="utf-8"?>
 <p:sld xmlns:a="http://schemas.openxmlformats.org/drawingml/2006/main" xmlns:r="http://schemas.openxmlformats.org/officeDocument/2006/relationships" xmlns:p="http://schemas.openxmlformats.org/presentationml/2006/main">
   <p:cSld>
     <p:spTree>
@@ -26185,7 +26443,7 @@
             <a:fld id="{B8DACC02-A2BD-4578-8E03-6D891060A695}" type="slidenum">
               <a:rPr lang="en-US" smtClean="0"/>
               <a:pPr/>
-              <a:t>35</a:t>
+              <a:t>37</a:t>
             </a:fld>
             <a:endParaRPr lang="en-US" dirty="0"/>
           </a:p>
@@ -26204,7 +26462,7 @@
 </p:sld>
 </file>
 
-<file path=ppt/slides/slide36.xml><?xml version="1.0" encoding="utf-8"?>
+<file path=ppt/slides/slide38.xml><?xml version="1.0" encoding="utf-8"?>
 <p:sld xmlns:a="http://schemas.openxmlformats.org/drawingml/2006/main" xmlns:r="http://schemas.openxmlformats.org/officeDocument/2006/relationships" xmlns:p="http://schemas.openxmlformats.org/presentationml/2006/main">
   <p:cSld>
     <p:spTree>
@@ -26298,7 +26556,7 @@
             <a:fld id="{B8DACC02-A2BD-4578-8E03-6D891060A695}" type="slidenum">
               <a:rPr lang="en-US" smtClean="0"/>
               <a:pPr/>
-              <a:t>36</a:t>
+              <a:t>38</a:t>
             </a:fld>
             <a:endParaRPr lang="en-US" dirty="0"/>
           </a:p>
@@ -26362,7 +26620,7 @@
 </p:sld>
 </file>
 
-<file path=ppt/slides/slide37.xml><?xml version="1.0" encoding="utf-8"?>
+<file path=ppt/slides/slide39.xml><?xml version="1.0" encoding="utf-8"?>
 <p:sld xmlns:a="http://schemas.openxmlformats.org/drawingml/2006/main" xmlns:r="http://schemas.openxmlformats.org/officeDocument/2006/relationships" xmlns:p="http://schemas.openxmlformats.org/presentationml/2006/main">
   <p:cSld>
     <p:spTree>
@@ -26462,7 +26720,7 @@
             <a:fld id="{B8DACC02-A2BD-4578-8E03-6D891060A695}" type="slidenum">
               <a:rPr lang="en-US" smtClean="0"/>
               <a:pPr/>
-              <a:t>37</a:t>
+              <a:t>39</a:t>
             </a:fld>
             <a:endParaRPr lang="en-US" dirty="0"/>
           </a:p>
@@ -26472,318 +26730,6 @@
     <p:extLst>
       <p:ext uri="{BB962C8B-B14F-4D97-AF65-F5344CB8AC3E}">
         <p14:creationId xmlns:p14="http://schemas.microsoft.com/office/powerpoint/2010/main" val="2800459568"/>
-      </p:ext>
-    </p:extLst>
-  </p:cSld>
-  <p:clrMapOvr>
-    <a:masterClrMapping/>
-  </p:clrMapOvr>
-</p:sld>
-</file>
-
-<file path=ppt/slides/slide38.xml><?xml version="1.0" encoding="utf-8"?>
-<p:sld xmlns:a="http://schemas.openxmlformats.org/drawingml/2006/main" xmlns:r="http://schemas.openxmlformats.org/officeDocument/2006/relationships" xmlns:p="http://schemas.openxmlformats.org/presentationml/2006/main">
-  <p:cSld>
-    <p:spTree>
-      <p:nvGrpSpPr>
-        <p:cNvPr id="1" name=""/>
-        <p:cNvGrpSpPr/>
-        <p:nvPr/>
-      </p:nvGrpSpPr>
-      <p:grpSpPr>
-        <a:xfrm>
-          <a:off x="0" y="0"/>
-          <a:ext cx="0" cy="0"/>
-          <a:chOff x="0" y="0"/>
-          <a:chExt cx="0" cy="0"/>
-        </a:xfrm>
-      </p:grpSpPr>
-      <p:sp>
-        <p:nvSpPr>
-          <p:cNvPr id="2" name="Title 1">
-            <a:extLst>
-              <a:ext uri="{FF2B5EF4-FFF2-40B4-BE49-F238E27FC236}">
-                <a16:creationId xmlns:a16="http://schemas.microsoft.com/office/drawing/2014/main" id="{F001DC26-9234-8A26-74E9-29448B7F93C0}"/>
-              </a:ext>
-            </a:extLst>
-          </p:cNvPr>
-          <p:cNvSpPr>
-            <a:spLocks noGrp="1"/>
-          </p:cNvSpPr>
-          <p:nvPr>
-            <p:ph type="title"/>
-          </p:nvPr>
-        </p:nvSpPr>
-        <p:spPr/>
-        <p:txBody>
-          <a:bodyPr/>
-          <a:lstStyle/>
-          <a:p>
-            <a:r>
-              <a:rPr lang="en-US" dirty="0"/>
-              <a:t>The Open Source Model</a:t>
-            </a:r>
-          </a:p>
-        </p:txBody>
-      </p:sp>
-      <p:sp>
-        <p:nvSpPr>
-          <p:cNvPr id="3" name="Content Placeholder 2">
-            <a:extLst>
-              <a:ext uri="{FF2B5EF4-FFF2-40B4-BE49-F238E27FC236}">
-                <a16:creationId xmlns:a16="http://schemas.microsoft.com/office/drawing/2014/main" id="{F1BC2A76-C964-03DC-AF4C-7573DA6FECC5}"/>
-              </a:ext>
-            </a:extLst>
-          </p:cNvPr>
-          <p:cNvSpPr>
-            <a:spLocks noGrp="1"/>
-          </p:cNvSpPr>
-          <p:nvPr>
-            <p:ph idx="1"/>
-          </p:nvPr>
-        </p:nvSpPr>
-        <p:spPr/>
-        <p:txBody>
-          <a:bodyPr/>
-          <a:lstStyle/>
-          <a:p>
-            <a:r>
-              <a:rPr lang="en-US" dirty="0"/>
-              <a:t> It is the practice of making the source code of software freely available to anyone who wants to access, modify, and distribute it. </a:t>
-            </a:r>
-          </a:p>
-          <a:p>
-            <a:r>
-              <a:rPr lang="en-US" dirty="0"/>
-              <a:t>This model is based on the principles of collaboration, transparency, and community-driven development. </a:t>
-            </a:r>
-          </a:p>
-          <a:p>
-            <a:r>
-              <a:rPr lang="en-US" dirty="0"/>
-              <a:t>In the open source model, the source code is released under a license that allows anyone to use, modify, and distribute the software without any restrictions.</a:t>
-            </a:r>
-          </a:p>
-        </p:txBody>
-      </p:sp>
-      <p:sp>
-        <p:nvSpPr>
-          <p:cNvPr id="4" name="Slide Number Placeholder 3">
-            <a:extLst>
-              <a:ext uri="{FF2B5EF4-FFF2-40B4-BE49-F238E27FC236}">
-                <a16:creationId xmlns:a16="http://schemas.microsoft.com/office/drawing/2014/main" id="{47E78E41-5834-18B0-344F-60575CD657E4}"/>
-              </a:ext>
-            </a:extLst>
-          </p:cNvPr>
-          <p:cNvSpPr>
-            <a:spLocks noGrp="1"/>
-          </p:cNvSpPr>
-          <p:nvPr>
-            <p:ph type="sldNum" sz="quarter" idx="12"/>
-          </p:nvPr>
-        </p:nvSpPr>
-        <p:spPr/>
-        <p:txBody>
-          <a:bodyPr/>
-          <a:lstStyle/>
-          <a:p>
-            <a:fld id="{B8DACC02-A2BD-4578-8E03-6D891060A695}" type="slidenum">
-              <a:rPr lang="en-US" smtClean="0"/>
-              <a:pPr/>
-              <a:t>38</a:t>
-            </a:fld>
-            <a:endParaRPr lang="en-US" dirty="0"/>
-          </a:p>
-        </p:txBody>
-      </p:sp>
-    </p:spTree>
-    <p:extLst>
-      <p:ext uri="{BB962C8B-B14F-4D97-AF65-F5344CB8AC3E}">
-        <p14:creationId xmlns:p14="http://schemas.microsoft.com/office/powerpoint/2010/main" val="3723019933"/>
-      </p:ext>
-    </p:extLst>
-  </p:cSld>
-  <p:clrMapOvr>
-    <a:masterClrMapping/>
-  </p:clrMapOvr>
-</p:sld>
-</file>
-
-<file path=ppt/slides/slide39.xml><?xml version="1.0" encoding="utf-8"?>
-<p:sld xmlns:a="http://schemas.openxmlformats.org/drawingml/2006/main" xmlns:r="http://schemas.openxmlformats.org/officeDocument/2006/relationships" xmlns:p="http://schemas.openxmlformats.org/presentationml/2006/main">
-  <p:cSld>
-    <p:spTree>
-      <p:nvGrpSpPr>
-        <p:cNvPr id="1" name=""/>
-        <p:cNvGrpSpPr/>
-        <p:nvPr/>
-      </p:nvGrpSpPr>
-      <p:grpSpPr>
-        <a:xfrm>
-          <a:off x="0" y="0"/>
-          <a:ext cx="0" cy="0"/>
-          <a:chOff x="0" y="0"/>
-          <a:chExt cx="0" cy="0"/>
-        </a:xfrm>
-      </p:grpSpPr>
-      <p:sp>
-        <p:nvSpPr>
-          <p:cNvPr id="2" name="Title 1">
-            <a:extLst>
-              <a:ext uri="{FF2B5EF4-FFF2-40B4-BE49-F238E27FC236}">
-                <a16:creationId xmlns:a16="http://schemas.microsoft.com/office/drawing/2014/main" id="{F001DC26-9234-8A26-74E9-29448B7F93C0}"/>
-              </a:ext>
-            </a:extLst>
-          </p:cNvPr>
-          <p:cNvSpPr>
-            <a:spLocks noGrp="1"/>
-          </p:cNvSpPr>
-          <p:nvPr>
-            <p:ph type="title"/>
-          </p:nvPr>
-        </p:nvSpPr>
-        <p:spPr/>
-        <p:txBody>
-          <a:bodyPr/>
-          <a:lstStyle/>
-          <a:p>
-            <a:r>
-              <a:rPr lang="en-US" dirty="0"/>
-              <a:t>The Open Source Model</a:t>
-            </a:r>
-          </a:p>
-        </p:txBody>
-      </p:sp>
-      <p:sp>
-        <p:nvSpPr>
-          <p:cNvPr id="3" name="Content Placeholder 2">
-            <a:extLst>
-              <a:ext uri="{FF2B5EF4-FFF2-40B4-BE49-F238E27FC236}">
-                <a16:creationId xmlns:a16="http://schemas.microsoft.com/office/drawing/2014/main" id="{F1BC2A76-C964-03DC-AF4C-7573DA6FECC5}"/>
-              </a:ext>
-            </a:extLst>
-          </p:cNvPr>
-          <p:cNvSpPr>
-            <a:spLocks noGrp="1"/>
-          </p:cNvSpPr>
-          <p:nvPr>
-            <p:ph idx="1"/>
-          </p:nvPr>
-        </p:nvSpPr>
-        <p:spPr/>
-        <p:txBody>
-          <a:bodyPr>
-            <a:normAutofit/>
-          </a:bodyPr>
-          <a:lstStyle/>
-          <a:p>
-            <a:r>
-              <a:rPr lang="en-US" dirty="0"/>
-              <a:t>Advantages</a:t>
-            </a:r>
-          </a:p>
-          <a:p>
-            <a:pPr lvl="1">
-              <a:lnSpc>
-                <a:spcPct val="150000"/>
-              </a:lnSpc>
-            </a:pPr>
-            <a:r>
-              <a:rPr lang="en-US" dirty="0"/>
-              <a:t>Reduced development costs</a:t>
-            </a:r>
-          </a:p>
-          <a:p>
-            <a:pPr lvl="1">
-              <a:lnSpc>
-                <a:spcPct val="150000"/>
-              </a:lnSpc>
-            </a:pPr>
-            <a:r>
-              <a:rPr lang="en-US" dirty="0"/>
-              <a:t>Faster time-to-market</a:t>
-            </a:r>
-          </a:p>
-          <a:p>
-            <a:pPr lvl="1">
-              <a:lnSpc>
-                <a:spcPct val="150000"/>
-              </a:lnSpc>
-            </a:pPr>
-            <a:r>
-              <a:rPr lang="en-US" dirty="0"/>
-              <a:t>Improved quality</a:t>
-            </a:r>
-          </a:p>
-          <a:p>
-            <a:pPr lvl="1">
-              <a:lnSpc>
-                <a:spcPct val="150000"/>
-              </a:lnSpc>
-            </a:pPr>
-            <a:r>
-              <a:rPr lang="en-US" dirty="0"/>
-              <a:t>Increased security</a:t>
-            </a:r>
-          </a:p>
-          <a:p>
-            <a:pPr lvl="1">
-              <a:lnSpc>
-                <a:spcPct val="150000"/>
-              </a:lnSpc>
-            </a:pPr>
-            <a:r>
-              <a:rPr lang="en-US" dirty="0"/>
-              <a:t>Greater flexibility</a:t>
-            </a:r>
-          </a:p>
-          <a:p>
-            <a:pPr lvl="1">
-              <a:lnSpc>
-                <a:spcPct val="150000"/>
-              </a:lnSpc>
-            </a:pPr>
-            <a:r>
-              <a:rPr lang="en-US" dirty="0"/>
-              <a:t>Community engagement</a:t>
-            </a:r>
-          </a:p>
-        </p:txBody>
-      </p:sp>
-      <p:sp>
-        <p:nvSpPr>
-          <p:cNvPr id="4" name="Slide Number Placeholder 3">
-            <a:extLst>
-              <a:ext uri="{FF2B5EF4-FFF2-40B4-BE49-F238E27FC236}">
-                <a16:creationId xmlns:a16="http://schemas.microsoft.com/office/drawing/2014/main" id="{47E78E41-5834-18B0-344F-60575CD657E4}"/>
-              </a:ext>
-            </a:extLst>
-          </p:cNvPr>
-          <p:cNvSpPr>
-            <a:spLocks noGrp="1"/>
-          </p:cNvSpPr>
-          <p:nvPr>
-            <p:ph type="sldNum" sz="quarter" idx="12"/>
-          </p:nvPr>
-        </p:nvSpPr>
-        <p:spPr/>
-        <p:txBody>
-          <a:bodyPr/>
-          <a:lstStyle/>
-          <a:p>
-            <a:fld id="{B8DACC02-A2BD-4578-8E03-6D891060A695}" type="slidenum">
-              <a:rPr lang="en-US" smtClean="0"/>
-              <a:pPr/>
-              <a:t>39</a:t>
-            </a:fld>
-            <a:endParaRPr lang="en-US" dirty="0"/>
-          </a:p>
-        </p:txBody>
-      </p:sp>
-    </p:spTree>
-    <p:extLst>
-      <p:ext uri="{BB962C8B-B14F-4D97-AF65-F5344CB8AC3E}">
-        <p14:creationId xmlns:p14="http://schemas.microsoft.com/office/powerpoint/2010/main" val="628452950"/>
       </p:ext>
     </p:extLst>
   </p:cSld>
@@ -26974,80 +26920,24 @@
         </p:nvSpPr>
         <p:spPr/>
         <p:txBody>
-          <a:bodyPr>
-            <a:normAutofit/>
-          </a:bodyPr>
+          <a:bodyPr/>
           <a:lstStyle/>
           <a:p>
             <a:r>
               <a:rPr lang="en-US" dirty="0"/>
-              <a:t> Business models</a:t>
+              <a:t> It is the practice of making the source code of software freely available to anyone who wants to access, modify, and distribute it. </a:t>
             </a:r>
           </a:p>
           <a:p>
-            <a:pPr lvl="1">
-              <a:lnSpc>
-                <a:spcPct val="150000"/>
-              </a:lnSpc>
-            </a:pPr>
             <a:r>
               <a:rPr lang="en-US" dirty="0"/>
-              <a:t>Support and services</a:t>
+              <a:t>This model is based on the principles of collaboration, transparency, and community-driven development. </a:t>
             </a:r>
           </a:p>
           <a:p>
-            <a:pPr lvl="1">
-              <a:lnSpc>
-                <a:spcPct val="150000"/>
-              </a:lnSpc>
-            </a:pPr>
             <a:r>
               <a:rPr lang="en-US" dirty="0"/>
-              <a:t>Dual-licensing</a:t>
-            </a:r>
-          </a:p>
-          <a:p>
-            <a:pPr lvl="1">
-              <a:lnSpc>
-                <a:spcPct val="150000"/>
-              </a:lnSpc>
-            </a:pPr>
-            <a:r>
-              <a:rPr lang="en-US" dirty="0"/>
-              <a:t>Open source products</a:t>
-            </a:r>
-          </a:p>
-          <a:p>
-            <a:pPr lvl="1">
-              <a:lnSpc>
-                <a:spcPct val="150000"/>
-              </a:lnSpc>
-            </a:pPr>
-            <a:r>
-              <a:rPr lang="en-US" dirty="0"/>
-              <a:t>Cloud-based services</a:t>
-            </a:r>
-          </a:p>
-          <a:p>
-            <a:pPr lvl="1">
-              <a:lnSpc>
-                <a:spcPct val="150000"/>
-              </a:lnSpc>
-            </a:pPr>
-            <a:r>
-              <a:rPr lang="en-US" dirty="0"/>
-              <a:t>Consulting</a:t>
-            </a:r>
-          </a:p>
-          <a:p>
-            <a:pPr lvl="1">
-              <a:lnSpc>
-                <a:spcPct val="150000"/>
-              </a:lnSpc>
-            </a:pPr>
-            <a:r>
-              <a:rPr lang="en-US" dirty="0"/>
-              <a:t>Sponsorship</a:t>
+              <a:t>In the open source model, the source code is released under a license that allows anyone to use, modify, and distribute the software without any restrictions.</a:t>
             </a:r>
           </a:p>
         </p:txBody>
@@ -27085,7 +26975,7 @@
     </p:spTree>
     <p:extLst>
       <p:ext uri="{BB962C8B-B14F-4D97-AF65-F5344CB8AC3E}">
-        <p14:creationId xmlns:p14="http://schemas.microsoft.com/office/powerpoint/2010/main" val="2663997279"/>
+        <p14:creationId xmlns:p14="http://schemas.microsoft.com/office/powerpoint/2010/main" val="3723019933"/>
       </p:ext>
     </p:extLst>
   </p:cSld>
@@ -27165,7 +27055,7 @@
           <a:p>
             <a:r>
               <a:rPr lang="en-US" dirty="0"/>
-              <a:t> Challenges</a:t>
+              <a:t>Advantages</a:t>
             </a:r>
           </a:p>
           <a:p>
@@ -27176,7 +27066,7 @@
             </a:pPr>
             <a:r>
               <a:rPr lang="en-US" dirty="0"/>
-              <a:t>Sustainability</a:t>
+              <a:t>Reduced development costs</a:t>
             </a:r>
           </a:p>
           <a:p>
@@ -27187,7 +27077,7 @@
             </a:pPr>
             <a:r>
               <a:rPr lang="en-US" dirty="0"/>
-              <a:t>Intellectual property</a:t>
+              <a:t>Faster time-to-market</a:t>
             </a:r>
           </a:p>
           <a:p>
@@ -27198,7 +27088,7 @@
             </a:pPr>
             <a:r>
               <a:rPr lang="en-US" dirty="0"/>
-              <a:t>Support and maintenance</a:t>
+              <a:t>Improved quality</a:t>
             </a:r>
           </a:p>
           <a:p>
@@ -27209,7 +27099,7 @@
             </a:pPr>
             <a:r>
               <a:rPr lang="en-US" dirty="0"/>
-              <a:t>Licensing</a:t>
+              <a:t>Increased security</a:t>
             </a:r>
           </a:p>
           <a:p>
@@ -27219,10 +27109,20 @@
               </a:lnSpc>
             </a:pPr>
             <a:r>
-              <a:rPr lang="en-US"/>
-              <a:t>Security</a:t>
+              <a:rPr lang="en-US" dirty="0"/>
+              <a:t>Greater flexibility</a:t>
             </a:r>
-            <a:endParaRPr lang="en-US" dirty="0"/>
+          </a:p>
+          <a:p>
+            <a:pPr lvl="1">
+              <a:lnSpc>
+                <a:spcPct val="150000"/>
+              </a:lnSpc>
+            </a:pPr>
+            <a:r>
+              <a:rPr lang="en-US" dirty="0"/>
+              <a:t>Community engagement</a:t>
+            </a:r>
           </a:p>
         </p:txBody>
       </p:sp>
@@ -27251,6 +27151,364 @@
               <a:rPr lang="en-US" smtClean="0"/>
               <a:pPr/>
               <a:t>41</a:t>
+            </a:fld>
+            <a:endParaRPr lang="en-US" dirty="0"/>
+          </a:p>
+        </p:txBody>
+      </p:sp>
+    </p:spTree>
+    <p:extLst>
+      <p:ext uri="{BB962C8B-B14F-4D97-AF65-F5344CB8AC3E}">
+        <p14:creationId xmlns:p14="http://schemas.microsoft.com/office/powerpoint/2010/main" val="628452950"/>
+      </p:ext>
+    </p:extLst>
+  </p:cSld>
+  <p:clrMapOvr>
+    <a:masterClrMapping/>
+  </p:clrMapOvr>
+</p:sld>
+</file>
+
+<file path=ppt/slides/slide42.xml><?xml version="1.0" encoding="utf-8"?>
+<p:sld xmlns:a="http://schemas.openxmlformats.org/drawingml/2006/main" xmlns:r="http://schemas.openxmlformats.org/officeDocument/2006/relationships" xmlns:p="http://schemas.openxmlformats.org/presentationml/2006/main">
+  <p:cSld>
+    <p:spTree>
+      <p:nvGrpSpPr>
+        <p:cNvPr id="1" name=""/>
+        <p:cNvGrpSpPr/>
+        <p:nvPr/>
+      </p:nvGrpSpPr>
+      <p:grpSpPr>
+        <a:xfrm>
+          <a:off x="0" y="0"/>
+          <a:ext cx="0" cy="0"/>
+          <a:chOff x="0" y="0"/>
+          <a:chExt cx="0" cy="0"/>
+        </a:xfrm>
+      </p:grpSpPr>
+      <p:sp>
+        <p:nvSpPr>
+          <p:cNvPr id="2" name="Title 1">
+            <a:extLst>
+              <a:ext uri="{FF2B5EF4-FFF2-40B4-BE49-F238E27FC236}">
+                <a16:creationId xmlns:a16="http://schemas.microsoft.com/office/drawing/2014/main" id="{F001DC26-9234-8A26-74E9-29448B7F93C0}"/>
+              </a:ext>
+            </a:extLst>
+          </p:cNvPr>
+          <p:cNvSpPr>
+            <a:spLocks noGrp="1"/>
+          </p:cNvSpPr>
+          <p:nvPr>
+            <p:ph type="title"/>
+          </p:nvPr>
+        </p:nvSpPr>
+        <p:spPr/>
+        <p:txBody>
+          <a:bodyPr/>
+          <a:lstStyle/>
+          <a:p>
+            <a:r>
+              <a:rPr lang="en-US" dirty="0"/>
+              <a:t>The Open Source Model</a:t>
+            </a:r>
+          </a:p>
+        </p:txBody>
+      </p:sp>
+      <p:sp>
+        <p:nvSpPr>
+          <p:cNvPr id="3" name="Content Placeholder 2">
+            <a:extLst>
+              <a:ext uri="{FF2B5EF4-FFF2-40B4-BE49-F238E27FC236}">
+                <a16:creationId xmlns:a16="http://schemas.microsoft.com/office/drawing/2014/main" id="{F1BC2A76-C964-03DC-AF4C-7573DA6FECC5}"/>
+              </a:ext>
+            </a:extLst>
+          </p:cNvPr>
+          <p:cNvSpPr>
+            <a:spLocks noGrp="1"/>
+          </p:cNvSpPr>
+          <p:nvPr>
+            <p:ph idx="1"/>
+          </p:nvPr>
+        </p:nvSpPr>
+        <p:spPr/>
+        <p:txBody>
+          <a:bodyPr>
+            <a:normAutofit/>
+          </a:bodyPr>
+          <a:lstStyle/>
+          <a:p>
+            <a:r>
+              <a:rPr lang="en-US" dirty="0"/>
+              <a:t> Business models</a:t>
+            </a:r>
+          </a:p>
+          <a:p>
+            <a:pPr lvl="1">
+              <a:lnSpc>
+                <a:spcPct val="150000"/>
+              </a:lnSpc>
+            </a:pPr>
+            <a:r>
+              <a:rPr lang="en-US" dirty="0"/>
+              <a:t>Support and services</a:t>
+            </a:r>
+          </a:p>
+          <a:p>
+            <a:pPr lvl="1">
+              <a:lnSpc>
+                <a:spcPct val="150000"/>
+              </a:lnSpc>
+            </a:pPr>
+            <a:r>
+              <a:rPr lang="en-US" dirty="0"/>
+              <a:t>Dual-licensing</a:t>
+            </a:r>
+          </a:p>
+          <a:p>
+            <a:pPr lvl="1">
+              <a:lnSpc>
+                <a:spcPct val="150000"/>
+              </a:lnSpc>
+            </a:pPr>
+            <a:r>
+              <a:rPr lang="en-US" dirty="0"/>
+              <a:t>Open source products</a:t>
+            </a:r>
+          </a:p>
+          <a:p>
+            <a:pPr lvl="1">
+              <a:lnSpc>
+                <a:spcPct val="150000"/>
+              </a:lnSpc>
+            </a:pPr>
+            <a:r>
+              <a:rPr lang="en-US" dirty="0"/>
+              <a:t>Cloud-based services</a:t>
+            </a:r>
+          </a:p>
+          <a:p>
+            <a:pPr lvl="1">
+              <a:lnSpc>
+                <a:spcPct val="150000"/>
+              </a:lnSpc>
+            </a:pPr>
+            <a:r>
+              <a:rPr lang="en-US" dirty="0"/>
+              <a:t>Consulting</a:t>
+            </a:r>
+          </a:p>
+          <a:p>
+            <a:pPr lvl="1">
+              <a:lnSpc>
+                <a:spcPct val="150000"/>
+              </a:lnSpc>
+            </a:pPr>
+            <a:r>
+              <a:rPr lang="en-US" dirty="0"/>
+              <a:t>Sponsorship</a:t>
+            </a:r>
+          </a:p>
+        </p:txBody>
+      </p:sp>
+      <p:sp>
+        <p:nvSpPr>
+          <p:cNvPr id="4" name="Slide Number Placeholder 3">
+            <a:extLst>
+              <a:ext uri="{FF2B5EF4-FFF2-40B4-BE49-F238E27FC236}">
+                <a16:creationId xmlns:a16="http://schemas.microsoft.com/office/drawing/2014/main" id="{47E78E41-5834-18B0-344F-60575CD657E4}"/>
+              </a:ext>
+            </a:extLst>
+          </p:cNvPr>
+          <p:cNvSpPr>
+            <a:spLocks noGrp="1"/>
+          </p:cNvSpPr>
+          <p:nvPr>
+            <p:ph type="sldNum" sz="quarter" idx="12"/>
+          </p:nvPr>
+        </p:nvSpPr>
+        <p:spPr/>
+        <p:txBody>
+          <a:bodyPr/>
+          <a:lstStyle/>
+          <a:p>
+            <a:fld id="{B8DACC02-A2BD-4578-8E03-6D891060A695}" type="slidenum">
+              <a:rPr lang="en-US" smtClean="0"/>
+              <a:pPr/>
+              <a:t>42</a:t>
+            </a:fld>
+            <a:endParaRPr lang="en-US" dirty="0"/>
+          </a:p>
+        </p:txBody>
+      </p:sp>
+    </p:spTree>
+    <p:extLst>
+      <p:ext uri="{BB962C8B-B14F-4D97-AF65-F5344CB8AC3E}">
+        <p14:creationId xmlns:p14="http://schemas.microsoft.com/office/powerpoint/2010/main" val="2663997279"/>
+      </p:ext>
+    </p:extLst>
+  </p:cSld>
+  <p:clrMapOvr>
+    <a:masterClrMapping/>
+  </p:clrMapOvr>
+</p:sld>
+</file>
+
+<file path=ppt/slides/slide43.xml><?xml version="1.0" encoding="utf-8"?>
+<p:sld xmlns:a="http://schemas.openxmlformats.org/drawingml/2006/main" xmlns:r="http://schemas.openxmlformats.org/officeDocument/2006/relationships" xmlns:p="http://schemas.openxmlformats.org/presentationml/2006/main">
+  <p:cSld>
+    <p:spTree>
+      <p:nvGrpSpPr>
+        <p:cNvPr id="1" name=""/>
+        <p:cNvGrpSpPr/>
+        <p:nvPr/>
+      </p:nvGrpSpPr>
+      <p:grpSpPr>
+        <a:xfrm>
+          <a:off x="0" y="0"/>
+          <a:ext cx="0" cy="0"/>
+          <a:chOff x="0" y="0"/>
+          <a:chExt cx="0" cy="0"/>
+        </a:xfrm>
+      </p:grpSpPr>
+      <p:sp>
+        <p:nvSpPr>
+          <p:cNvPr id="2" name="Title 1">
+            <a:extLst>
+              <a:ext uri="{FF2B5EF4-FFF2-40B4-BE49-F238E27FC236}">
+                <a16:creationId xmlns:a16="http://schemas.microsoft.com/office/drawing/2014/main" id="{F001DC26-9234-8A26-74E9-29448B7F93C0}"/>
+              </a:ext>
+            </a:extLst>
+          </p:cNvPr>
+          <p:cNvSpPr>
+            <a:spLocks noGrp="1"/>
+          </p:cNvSpPr>
+          <p:nvPr>
+            <p:ph type="title"/>
+          </p:nvPr>
+        </p:nvSpPr>
+        <p:spPr/>
+        <p:txBody>
+          <a:bodyPr/>
+          <a:lstStyle/>
+          <a:p>
+            <a:r>
+              <a:rPr lang="en-US" dirty="0"/>
+              <a:t>The Open Source Model</a:t>
+            </a:r>
+          </a:p>
+        </p:txBody>
+      </p:sp>
+      <p:sp>
+        <p:nvSpPr>
+          <p:cNvPr id="3" name="Content Placeholder 2">
+            <a:extLst>
+              <a:ext uri="{FF2B5EF4-FFF2-40B4-BE49-F238E27FC236}">
+                <a16:creationId xmlns:a16="http://schemas.microsoft.com/office/drawing/2014/main" id="{F1BC2A76-C964-03DC-AF4C-7573DA6FECC5}"/>
+              </a:ext>
+            </a:extLst>
+          </p:cNvPr>
+          <p:cNvSpPr>
+            <a:spLocks noGrp="1"/>
+          </p:cNvSpPr>
+          <p:nvPr>
+            <p:ph idx="1"/>
+          </p:nvPr>
+        </p:nvSpPr>
+        <p:spPr/>
+        <p:txBody>
+          <a:bodyPr>
+            <a:normAutofit/>
+          </a:bodyPr>
+          <a:lstStyle/>
+          <a:p>
+            <a:r>
+              <a:rPr lang="en-US" dirty="0"/>
+              <a:t> Challenges</a:t>
+            </a:r>
+          </a:p>
+          <a:p>
+            <a:pPr lvl="1">
+              <a:lnSpc>
+                <a:spcPct val="150000"/>
+              </a:lnSpc>
+            </a:pPr>
+            <a:r>
+              <a:rPr lang="en-US" dirty="0"/>
+              <a:t>Sustainability</a:t>
+            </a:r>
+          </a:p>
+          <a:p>
+            <a:pPr lvl="1">
+              <a:lnSpc>
+                <a:spcPct val="150000"/>
+              </a:lnSpc>
+            </a:pPr>
+            <a:r>
+              <a:rPr lang="en-US" dirty="0"/>
+              <a:t>Intellectual property</a:t>
+            </a:r>
+          </a:p>
+          <a:p>
+            <a:pPr lvl="1">
+              <a:lnSpc>
+                <a:spcPct val="150000"/>
+              </a:lnSpc>
+            </a:pPr>
+            <a:r>
+              <a:rPr lang="en-US" dirty="0"/>
+              <a:t>Support and maintenance</a:t>
+            </a:r>
+          </a:p>
+          <a:p>
+            <a:pPr lvl="1">
+              <a:lnSpc>
+                <a:spcPct val="150000"/>
+              </a:lnSpc>
+            </a:pPr>
+            <a:r>
+              <a:rPr lang="en-US" dirty="0"/>
+              <a:t>Licensing</a:t>
+            </a:r>
+          </a:p>
+          <a:p>
+            <a:pPr lvl="1">
+              <a:lnSpc>
+                <a:spcPct val="150000"/>
+              </a:lnSpc>
+            </a:pPr>
+            <a:r>
+              <a:rPr lang="en-US"/>
+              <a:t>Security</a:t>
+            </a:r>
+            <a:endParaRPr lang="en-US" dirty="0"/>
+          </a:p>
+        </p:txBody>
+      </p:sp>
+      <p:sp>
+        <p:nvSpPr>
+          <p:cNvPr id="4" name="Slide Number Placeholder 3">
+            <a:extLst>
+              <a:ext uri="{FF2B5EF4-FFF2-40B4-BE49-F238E27FC236}">
+                <a16:creationId xmlns:a16="http://schemas.microsoft.com/office/drawing/2014/main" id="{47E78E41-5834-18B0-344F-60575CD657E4}"/>
+              </a:ext>
+            </a:extLst>
+          </p:cNvPr>
+          <p:cNvSpPr>
+            <a:spLocks noGrp="1"/>
+          </p:cNvSpPr>
+          <p:nvPr>
+            <p:ph type="sldNum" sz="quarter" idx="12"/>
+          </p:nvPr>
+        </p:nvSpPr>
+        <p:spPr/>
+        <p:txBody>
+          <a:bodyPr/>
+          <a:lstStyle/>
+          <a:p>
+            <a:fld id="{B8DACC02-A2BD-4578-8E03-6D891060A695}" type="slidenum">
+              <a:rPr lang="en-US" smtClean="0"/>
+              <a:pPr/>
+              <a:t>43</a:t>
             </a:fld>
             <a:endParaRPr lang="en-US" dirty="0"/>
           </a:p>

--- a/SE495/Lectures/2-Models/Models.pptx
+++ b/SE495/Lectures/2-Models/Models.pptx
@@ -5,7 +5,7 @@
     <p:sldMasterId id="2147483648" r:id="rId1"/>
   </p:sldMasterIdLst>
   <p:notesMasterIdLst>
-    <p:notesMasterId r:id="rId45"/>
+    <p:notesMasterId r:id="rId48"/>
   </p:notesMasterIdLst>
   <p:sldIdLst>
     <p:sldId id="256" r:id="rId2"/>
@@ -26,31 +26,34 @@
     <p:sldId id="759" r:id="rId17"/>
     <p:sldId id="758" r:id="rId18"/>
     <p:sldId id="760" r:id="rId19"/>
-    <p:sldId id="761" r:id="rId20"/>
-    <p:sldId id="763" r:id="rId21"/>
-    <p:sldId id="784" r:id="rId22"/>
-    <p:sldId id="765" r:id="rId23"/>
-    <p:sldId id="766" r:id="rId24"/>
-    <p:sldId id="764" r:id="rId25"/>
-    <p:sldId id="767" r:id="rId26"/>
-    <p:sldId id="768" r:id="rId27"/>
-    <p:sldId id="769" r:id="rId28"/>
-    <p:sldId id="785" r:id="rId29"/>
-    <p:sldId id="770" r:id="rId30"/>
-    <p:sldId id="771" r:id="rId31"/>
-    <p:sldId id="772" r:id="rId32"/>
-    <p:sldId id="762" r:id="rId33"/>
-    <p:sldId id="774" r:id="rId34"/>
-    <p:sldId id="773" r:id="rId35"/>
-    <p:sldId id="775" r:id="rId36"/>
-    <p:sldId id="776" r:id="rId37"/>
-    <p:sldId id="777" r:id="rId38"/>
-    <p:sldId id="778" r:id="rId39"/>
-    <p:sldId id="779" r:id="rId40"/>
-    <p:sldId id="780" r:id="rId41"/>
-    <p:sldId id="781" r:id="rId42"/>
-    <p:sldId id="782" r:id="rId43"/>
-    <p:sldId id="783" r:id="rId44"/>
+    <p:sldId id="786" r:id="rId20"/>
+    <p:sldId id="787" r:id="rId21"/>
+    <p:sldId id="788" r:id="rId22"/>
+    <p:sldId id="761" r:id="rId23"/>
+    <p:sldId id="763" r:id="rId24"/>
+    <p:sldId id="784" r:id="rId25"/>
+    <p:sldId id="765" r:id="rId26"/>
+    <p:sldId id="766" r:id="rId27"/>
+    <p:sldId id="764" r:id="rId28"/>
+    <p:sldId id="767" r:id="rId29"/>
+    <p:sldId id="768" r:id="rId30"/>
+    <p:sldId id="769" r:id="rId31"/>
+    <p:sldId id="785" r:id="rId32"/>
+    <p:sldId id="770" r:id="rId33"/>
+    <p:sldId id="771" r:id="rId34"/>
+    <p:sldId id="772" r:id="rId35"/>
+    <p:sldId id="762" r:id="rId36"/>
+    <p:sldId id="774" r:id="rId37"/>
+    <p:sldId id="773" r:id="rId38"/>
+    <p:sldId id="775" r:id="rId39"/>
+    <p:sldId id="776" r:id="rId40"/>
+    <p:sldId id="777" r:id="rId41"/>
+    <p:sldId id="778" r:id="rId42"/>
+    <p:sldId id="779" r:id="rId43"/>
+    <p:sldId id="780" r:id="rId44"/>
+    <p:sldId id="781" r:id="rId45"/>
+    <p:sldId id="782" r:id="rId46"/>
+    <p:sldId id="783" r:id="rId47"/>
   </p:sldIdLst>
   <p:sldSz cx="12192000" cy="6858000"/>
   <p:notesSz cx="6858000" cy="9144000"/>
@@ -17774,7 +17777,7 @@
           <a:p>
             <a:fld id="{41DA9887-9249-49FD-809A-BACB264048C3}" type="datetimeFigureOut">
               <a:rPr lang="en-US" smtClean="0"/>
-              <a:t>11/21/2023</a:t>
+              <a:t>1/21/2024</a:t>
             </a:fld>
             <a:endParaRPr lang="en-US"/>
           </a:p>
@@ -18176,7 +18179,7 @@
           <a:p>
             <a:fld id="{EF213E56-3C1A-435A-851B-5B1F221C2038}" type="datetime1">
               <a:rPr lang="en-US" smtClean="0"/>
-              <a:t>11/21/2023</a:t>
+              <a:t>1/21/2024</a:t>
             </a:fld>
             <a:endParaRPr lang="en-US"/>
           </a:p>
@@ -18477,7 +18480,7 @@
           <a:p>
             <a:fld id="{B4696837-4851-4AA6-8AED-554226C981D1}" type="datetime1">
               <a:rPr lang="en-US" smtClean="0"/>
-              <a:t>11/21/2023</a:t>
+              <a:t>1/21/2024</a:t>
             </a:fld>
             <a:endParaRPr lang="en-US"/>
           </a:p>
@@ -18655,7 +18658,7 @@
           <a:p>
             <a:fld id="{BADD32E1-BB70-4827-BA33-FF5AFC435BE9}" type="datetime1">
               <a:rPr lang="en-US" smtClean="0"/>
-              <a:t>11/21/2023</a:t>
+              <a:t>1/21/2024</a:t>
             </a:fld>
             <a:endParaRPr lang="en-US"/>
           </a:p>
@@ -18898,7 +18901,7 @@
             </a:pPr>
             <a:fld id="{40B9EAF6-54F2-4DF5-9C6B-3F6F95B86356}" type="datetime1">
               <a:rPr lang="en-US" smtClean="0"/>
-              <a:t>11/21/2023</a:t>
+              <a:t>1/21/2024</a:t>
             </a:fld>
             <a:endParaRPr lang="en-US"/>
           </a:p>
@@ -19078,7 +19081,7 @@
             </a:pPr>
             <a:fld id="{D3D64A56-6FF4-479A-8655-719A18A98C4B}" type="datetime1">
               <a:rPr lang="en-US" smtClean="0"/>
-              <a:t>11/21/2023</a:t>
+              <a:t>1/21/2024</a:t>
             </a:fld>
             <a:endParaRPr lang="en-US"/>
           </a:p>
@@ -19359,7 +19362,7 @@
           <a:p>
             <a:fld id="{BB961044-FC46-4CBC-9061-59528F4899F3}" type="datetime1">
               <a:rPr lang="en-US" smtClean="0"/>
-              <a:t>11/21/2023</a:t>
+              <a:t>1/21/2024</a:t>
             </a:fld>
             <a:endParaRPr lang="en-US"/>
           </a:p>
@@ -19709,7 +19712,7 @@
           <a:p>
             <a:fld id="{4466A08C-77F3-471E-A5C4-1D2068144BAC}" type="datetime1">
               <a:rPr lang="en-US" smtClean="0"/>
-              <a:t>11/21/2023</a:t>
+              <a:t>1/21/2024</a:t>
             </a:fld>
             <a:endParaRPr lang="en-US"/>
           </a:p>
@@ -19938,7 +19941,7 @@
           <a:p>
             <a:fld id="{B90A7AD1-16F4-44C3-AE32-24C59A599E9D}" type="datetime1">
               <a:rPr lang="en-US" smtClean="0"/>
-              <a:t>11/21/2023</a:t>
+              <a:t>1/21/2024</a:t>
             </a:fld>
             <a:endParaRPr lang="en-US"/>
           </a:p>
@@ -20302,7 +20305,7 @@
           <a:p>
             <a:fld id="{B583DB4F-4316-4DF5-A229-BC1D787C82A0}" type="datetime1">
               <a:rPr lang="en-US" smtClean="0"/>
-              <a:t>11/21/2023</a:t>
+              <a:t>1/21/2024</a:t>
             </a:fld>
             <a:endParaRPr lang="en-US"/>
           </a:p>
@@ -20397,7 +20400,7 @@
           <a:p>
             <a:fld id="{AE6064B7-7A9F-432D-B7B9-6824267AA574}" type="datetime1">
               <a:rPr lang="en-US" smtClean="0"/>
-              <a:t>11/21/2023</a:t>
+              <a:t>1/21/2024</a:t>
             </a:fld>
             <a:endParaRPr lang="en-US"/>
           </a:p>
@@ -20622,7 +20625,7 @@
             <a:fld id="{B2F5E2FA-C428-4CE7-95B0-168D3259A5BB}" type="datetimeFigureOut">
               <a:rPr lang="en-US" smtClean="0"/>
               <a:pPr/>
-              <a:t>11/21/2023</a:t>
+              <a:t>1/21/2024</a:t>
             </a:fld>
             <a:endParaRPr lang="en-US"/>
           </a:p>
@@ -20799,7 +20802,7 @@
           <a:p>
             <a:fld id="{4E1C93A2-B712-486A-8AB5-D41B95D547BE}" type="datetime1">
               <a:rPr lang="en-US" smtClean="0"/>
-              <a:t>11/21/2023</a:t>
+              <a:t>1/21/2024</a:t>
             </a:fld>
             <a:endParaRPr lang="en-US"/>
           </a:p>
@@ -21074,7 +21077,7 @@
           <a:p>
             <a:fld id="{CAB2F318-F19F-4608-B7EF-F7FB8A482213}" type="datetime1">
               <a:rPr lang="en-US" smtClean="0"/>
-              <a:t>11/21/2023</a:t>
+              <a:t>1/21/2024</a:t>
             </a:fld>
             <a:endParaRPr lang="en-US"/>
           </a:p>
@@ -21326,7 +21329,7 @@
           <a:p>
             <a:fld id="{BB9CEF8C-69D6-4C3E-B892-F682F307A7B6}" type="datetime1">
               <a:rPr lang="en-US" smtClean="0"/>
-              <a:t>11/21/2023</a:t>
+              <a:t>1/21/2024</a:t>
             </a:fld>
             <a:endParaRPr lang="en-US"/>
           </a:p>
@@ -21537,7 +21540,7 @@
           <a:p>
             <a:fld id="{FB737C73-4A31-4C17-AFB7-7B8470027787}" type="datetime1">
               <a:rPr lang="en-US" smtClean="0"/>
-              <a:t>11/21/2023</a:t>
+              <a:t>1/21/2024</a:t>
             </a:fld>
             <a:endParaRPr lang="en-US"/>
           </a:p>
@@ -23489,87 +23492,10 @@
       </p:grpSpPr>
       <p:sp>
         <p:nvSpPr>
-          <p:cNvPr id="2" name="Title 1">
-            <a:extLst>
-              <a:ext uri="{FF2B5EF4-FFF2-40B4-BE49-F238E27FC236}">
-                <a16:creationId xmlns:a16="http://schemas.microsoft.com/office/drawing/2014/main" id="{8AD773E3-699E-50C6-8026-C4CA7AE8DF34}"/>
-              </a:ext>
-            </a:extLst>
-          </p:cNvPr>
-          <p:cNvSpPr>
-            <a:spLocks noGrp="1"/>
-          </p:cNvSpPr>
-          <p:nvPr>
-            <p:ph type="title"/>
-          </p:nvPr>
-        </p:nvSpPr>
-        <p:spPr/>
-        <p:txBody>
-          <a:bodyPr/>
-          <a:lstStyle/>
-          <a:p>
-            <a:r>
-              <a:rPr lang="en-US" dirty="0"/>
-              <a:t>Business Model Canvas</a:t>
-            </a:r>
-          </a:p>
-        </p:txBody>
-      </p:sp>
-      <p:sp>
-        <p:nvSpPr>
-          <p:cNvPr id="3" name="Content Placeholder 2">
-            <a:extLst>
-              <a:ext uri="{FF2B5EF4-FFF2-40B4-BE49-F238E27FC236}">
-                <a16:creationId xmlns:a16="http://schemas.microsoft.com/office/drawing/2014/main" id="{1B4BE255-954A-AFEA-C031-6365D567DFBE}"/>
-              </a:ext>
-            </a:extLst>
-          </p:cNvPr>
-          <p:cNvSpPr>
-            <a:spLocks noGrp="1"/>
-          </p:cNvSpPr>
-          <p:nvPr>
-            <p:ph idx="1"/>
-          </p:nvPr>
-        </p:nvSpPr>
-        <p:spPr/>
-        <p:txBody>
-          <a:bodyPr/>
-          <a:lstStyle/>
-          <a:p>
-            <a:r>
-              <a:rPr lang="en-US" dirty="0"/>
-              <a:t>The Business Model Canvas is a strategic management tool that allows businesses to visualize and design their business model. </a:t>
-            </a:r>
-          </a:p>
-          <a:p>
-            <a:r>
-              <a:rPr lang="en-US" dirty="0"/>
-              <a:t>It was developed by Alexander Osterwalder and Yves Pigneur and is widely used by entrepreneurs, innovators, and managers to create and iterate on their business models.</a:t>
-            </a:r>
-          </a:p>
-          <a:p>
-            <a:r>
-              <a:rPr lang="en-US" dirty="0"/>
-              <a:t>The Business Model Canvas is a flexible tool that allows businesses to iterate and refine their business models as they grow and learn. </a:t>
-            </a:r>
-          </a:p>
-          <a:p>
-            <a:r>
-              <a:rPr lang="en-US" dirty="0"/>
-              <a:t>It encourages a customer-centric approach, focusing on delivering value to customers while ensuring that the business can generate revenue and profit from its activities.</a:t>
-            </a:r>
-          </a:p>
-          <a:p>
-            <a:endParaRPr lang="en-US" dirty="0"/>
-          </a:p>
-        </p:txBody>
-      </p:sp>
-      <p:sp>
-        <p:nvSpPr>
           <p:cNvPr id="4" name="Slide Number Placeholder 3">
             <a:extLst>
               <a:ext uri="{FF2B5EF4-FFF2-40B4-BE49-F238E27FC236}">
-                <a16:creationId xmlns:a16="http://schemas.microsoft.com/office/drawing/2014/main" id="{8FBBA70F-04BF-319A-F7DA-88F407202197}"/>
+                <a16:creationId xmlns:a16="http://schemas.microsoft.com/office/drawing/2014/main" id="{AD38C747-9409-47C8-8AB2-D08BB68D4172}"/>
               </a:ext>
             </a:extLst>
           </p:cNvPr>
@@ -23594,10 +23520,57 @@
           </a:p>
         </p:txBody>
       </p:sp>
+      <p:pic>
+        <p:nvPicPr>
+          <p:cNvPr id="1026" name="Picture 2" descr="https://hbr.org/resources/images/article_assets/hbr/1305/R1305C_C_LG.gif">
+            <a:extLst>
+              <a:ext uri="{FF2B5EF4-FFF2-40B4-BE49-F238E27FC236}">
+                <a16:creationId xmlns:a16="http://schemas.microsoft.com/office/drawing/2014/main" id="{17F9DBAD-BE6F-4AAB-AB52-03AFDAF5F7FA}"/>
+              </a:ext>
+            </a:extLst>
+          </p:cNvPr>
+          <p:cNvPicPr>
+            <a:picLocks noChangeAspect="1" noChangeArrowheads="1"/>
+          </p:cNvPicPr>
+          <p:nvPr/>
+        </p:nvPicPr>
+        <p:blipFill>
+          <a:blip r:embed="rId2">
+            <a:extLst>
+              <a:ext uri="{28A0092B-C50C-407E-A947-70E740481C1C}">
+                <a14:useLocalDpi xmlns:a14="http://schemas.microsoft.com/office/drawing/2010/main" val="0"/>
+              </a:ext>
+            </a:extLst>
+          </a:blip>
+          <a:srcRect/>
+          <a:stretch>
+            <a:fillRect/>
+          </a:stretch>
+        </p:blipFill>
+        <p:spPr bwMode="auto">
+          <a:xfrm>
+            <a:off x="3414713" y="0"/>
+            <a:ext cx="5362575" cy="6858000"/>
+          </a:xfrm>
+          <a:prstGeom prst="rect">
+            <a:avLst/>
+          </a:prstGeom>
+          <a:noFill/>
+          <a:extLst>
+            <a:ext uri="{909E8E84-426E-40DD-AFC4-6F175D3DCCD1}">
+              <a14:hiddenFill xmlns:a14="http://schemas.microsoft.com/office/drawing/2010/main">
+                <a:solidFill>
+                  <a:srgbClr val="FFFFFF"/>
+                </a:solidFill>
+              </a14:hiddenFill>
+            </a:ext>
+          </a:extLst>
+        </p:spPr>
+      </p:pic>
     </p:spTree>
     <p:extLst>
       <p:ext uri="{BB962C8B-B14F-4D97-AF65-F5344CB8AC3E}">
-        <p14:creationId xmlns:p14="http://schemas.microsoft.com/office/powerpoint/2010/main" val="2128868351"/>
+        <p14:creationId xmlns:p14="http://schemas.microsoft.com/office/powerpoint/2010/main" val="33047684"/>
       </p:ext>
     </p:extLst>
   </p:cSld>
@@ -23754,6 +23727,418 @@
       </p:grpSpPr>
       <p:sp>
         <p:nvSpPr>
+          <p:cNvPr id="3" name="Title 2">
+            <a:extLst>
+              <a:ext uri="{FF2B5EF4-FFF2-40B4-BE49-F238E27FC236}">
+                <a16:creationId xmlns:a16="http://schemas.microsoft.com/office/drawing/2014/main" id="{3904B13D-1279-41D1-9D69-81D7ADFC30E2}"/>
+              </a:ext>
+            </a:extLst>
+          </p:cNvPr>
+          <p:cNvSpPr>
+            <a:spLocks noGrp="1"/>
+          </p:cNvSpPr>
+          <p:nvPr>
+            <p:ph type="title"/>
+          </p:nvPr>
+        </p:nvSpPr>
+        <p:spPr/>
+        <p:txBody>
+          <a:bodyPr/>
+          <a:lstStyle/>
+          <a:p>
+            <a:r>
+              <a:rPr lang="en-US" dirty="0"/>
+              <a:t>Dropbox</a:t>
+            </a:r>
+          </a:p>
+        </p:txBody>
+      </p:sp>
+      <p:sp>
+        <p:nvSpPr>
+          <p:cNvPr id="4" name="Content Placeholder 3">
+            <a:extLst>
+              <a:ext uri="{FF2B5EF4-FFF2-40B4-BE49-F238E27FC236}">
+                <a16:creationId xmlns:a16="http://schemas.microsoft.com/office/drawing/2014/main" id="{CE5EA547-22F5-4813-B7AF-D402994F6AD3}"/>
+              </a:ext>
+            </a:extLst>
+          </p:cNvPr>
+          <p:cNvSpPr>
+            <a:spLocks noGrp="1"/>
+          </p:cNvSpPr>
+          <p:nvPr>
+            <p:ph idx="1"/>
+          </p:nvPr>
+        </p:nvSpPr>
+        <p:spPr/>
+        <p:txBody>
+          <a:bodyPr>
+            <a:normAutofit/>
+          </a:bodyPr>
+          <a:lstStyle/>
+          <a:p>
+            <a:r>
+              <a:rPr lang="en-US" dirty="0"/>
+              <a:t>Dropbox is a cloud storage service that allows users to store and share files online. </a:t>
+            </a:r>
+          </a:p>
+          <a:p>
+            <a:r>
+              <a:rPr lang="en-US" dirty="0"/>
+              <a:t>The company was founded in 2007 by Drew Houston and </a:t>
+            </a:r>
+            <a:r>
+              <a:rPr lang="en-US" dirty="0" err="1"/>
+              <a:t>Arash</a:t>
+            </a:r>
+            <a:r>
+              <a:rPr lang="en-US" dirty="0"/>
+              <a:t> Ferdowsi, and it used the Lean Startup Model to develop and launch its product.</a:t>
+            </a:r>
+          </a:p>
+          <a:p>
+            <a:r>
+              <a:rPr lang="en-US" dirty="0"/>
+              <a:t>Here's how Dropbox applied the Lean Startup Model:</a:t>
+            </a:r>
+          </a:p>
+          <a:p>
+            <a:pPr lvl="1"/>
+            <a:r>
+              <a:rPr lang="en-US" dirty="0"/>
+              <a:t>Build: MVP allowed users to store and share files online. </a:t>
+            </a:r>
+          </a:p>
+          <a:p>
+            <a:pPr lvl="1"/>
+            <a:r>
+              <a:rPr lang="en-US" dirty="0"/>
+              <a:t>Measure: Tracking user engagement, such as the number of files uploaded, shared, and accessed. </a:t>
+            </a:r>
+          </a:p>
+          <a:p>
+            <a:pPr lvl="1"/>
+            <a:r>
+              <a:rPr lang="en-US" dirty="0"/>
+              <a:t>Learn: Learned that users were interested in storing and sharing files, but they wanted more features.</a:t>
+            </a:r>
+          </a:p>
+        </p:txBody>
+      </p:sp>
+      <p:sp>
+        <p:nvSpPr>
+          <p:cNvPr id="2" name="Slide Number Placeholder 1">
+            <a:extLst>
+              <a:ext uri="{FF2B5EF4-FFF2-40B4-BE49-F238E27FC236}">
+                <a16:creationId xmlns:a16="http://schemas.microsoft.com/office/drawing/2014/main" id="{21784AC4-ED2E-4DE6-A13F-B901795F2103}"/>
+              </a:ext>
+            </a:extLst>
+          </p:cNvPr>
+          <p:cNvSpPr>
+            <a:spLocks noGrp="1"/>
+          </p:cNvSpPr>
+          <p:nvPr>
+            <p:ph type="sldNum" sz="quarter" idx="12"/>
+          </p:nvPr>
+        </p:nvSpPr>
+        <p:spPr/>
+        <p:txBody>
+          <a:bodyPr/>
+          <a:lstStyle/>
+          <a:p>
+            <a:fld id="{B8DACC02-A2BD-4578-8E03-6D891060A695}" type="slidenum">
+              <a:rPr lang="en-US" smtClean="0"/>
+              <a:t>20</a:t>
+            </a:fld>
+            <a:endParaRPr lang="en-US"/>
+          </a:p>
+        </p:txBody>
+      </p:sp>
+      <p:pic>
+        <p:nvPicPr>
+          <p:cNvPr id="2050" name="Picture 2" descr="Dropbox - TjDeeD">
+            <a:extLst>
+              <a:ext uri="{FF2B5EF4-FFF2-40B4-BE49-F238E27FC236}">
+                <a16:creationId xmlns:a16="http://schemas.microsoft.com/office/drawing/2014/main" id="{E0E80EB8-8BCF-42AF-BA7A-39D68BE7FDAD}"/>
+              </a:ext>
+            </a:extLst>
+          </p:cNvPr>
+          <p:cNvPicPr>
+            <a:picLocks noChangeAspect="1" noChangeArrowheads="1"/>
+          </p:cNvPicPr>
+          <p:nvPr/>
+        </p:nvPicPr>
+        <p:blipFill>
+          <a:blip r:embed="rId2" cstate="print">
+            <a:extLst>
+              <a:ext uri="{28A0092B-C50C-407E-A947-70E740481C1C}">
+                <a14:useLocalDpi xmlns:a14="http://schemas.microsoft.com/office/drawing/2010/main" val="0"/>
+              </a:ext>
+            </a:extLst>
+          </a:blip>
+          <a:srcRect/>
+          <a:stretch>
+            <a:fillRect/>
+          </a:stretch>
+        </p:blipFill>
+        <p:spPr bwMode="auto">
+          <a:xfrm>
+            <a:off x="8668512" y="137877"/>
+            <a:ext cx="2965704" cy="929099"/>
+          </a:xfrm>
+          <a:prstGeom prst="rect">
+            <a:avLst/>
+          </a:prstGeom>
+          <a:noFill/>
+          <a:extLst>
+            <a:ext uri="{909E8E84-426E-40DD-AFC4-6F175D3DCCD1}">
+              <a14:hiddenFill xmlns:a14="http://schemas.microsoft.com/office/drawing/2010/main">
+                <a:solidFill>
+                  <a:srgbClr val="FFFFFF"/>
+                </a:solidFill>
+              </a14:hiddenFill>
+            </a:ext>
+          </a:extLst>
+        </p:spPr>
+      </p:pic>
+    </p:spTree>
+    <p:extLst>
+      <p:ext uri="{BB962C8B-B14F-4D97-AF65-F5344CB8AC3E}">
+        <p14:creationId xmlns:p14="http://schemas.microsoft.com/office/powerpoint/2010/main" val="369140507"/>
+      </p:ext>
+    </p:extLst>
+  </p:cSld>
+  <p:clrMapOvr>
+    <a:masterClrMapping/>
+  </p:clrMapOvr>
+</p:sld>
+</file>
+
+<file path=ppt/slides/slide21.xml><?xml version="1.0" encoding="utf-8"?>
+<p:sld xmlns:a="http://schemas.openxmlformats.org/drawingml/2006/main" xmlns:r="http://schemas.openxmlformats.org/officeDocument/2006/relationships" xmlns:p="http://schemas.openxmlformats.org/presentationml/2006/main">
+  <p:cSld>
+    <p:spTree>
+      <p:nvGrpSpPr>
+        <p:cNvPr id="1" name=""/>
+        <p:cNvGrpSpPr/>
+        <p:nvPr/>
+      </p:nvGrpSpPr>
+      <p:grpSpPr>
+        <a:xfrm>
+          <a:off x="0" y="0"/>
+          <a:ext cx="0" cy="0"/>
+          <a:chOff x="0" y="0"/>
+          <a:chExt cx="0" cy="0"/>
+        </a:xfrm>
+      </p:grpSpPr>
+      <p:sp>
+        <p:nvSpPr>
+          <p:cNvPr id="3" name="Title 2">
+            <a:extLst>
+              <a:ext uri="{FF2B5EF4-FFF2-40B4-BE49-F238E27FC236}">
+                <a16:creationId xmlns:a16="http://schemas.microsoft.com/office/drawing/2014/main" id="{3904B13D-1279-41D1-9D69-81D7ADFC30E2}"/>
+              </a:ext>
+            </a:extLst>
+          </p:cNvPr>
+          <p:cNvSpPr>
+            <a:spLocks noGrp="1"/>
+          </p:cNvSpPr>
+          <p:nvPr>
+            <p:ph type="title"/>
+          </p:nvPr>
+        </p:nvSpPr>
+        <p:spPr/>
+        <p:txBody>
+          <a:bodyPr/>
+          <a:lstStyle/>
+          <a:p>
+            <a:r>
+              <a:rPr lang="en-US" dirty="0"/>
+              <a:t>Dropbox</a:t>
+            </a:r>
+          </a:p>
+        </p:txBody>
+      </p:sp>
+      <p:sp>
+        <p:nvSpPr>
+          <p:cNvPr id="4" name="Content Placeholder 3">
+            <a:extLst>
+              <a:ext uri="{FF2B5EF4-FFF2-40B4-BE49-F238E27FC236}">
+                <a16:creationId xmlns:a16="http://schemas.microsoft.com/office/drawing/2014/main" id="{CE5EA547-22F5-4813-B7AF-D402994F6AD3}"/>
+              </a:ext>
+            </a:extLst>
+          </p:cNvPr>
+          <p:cNvSpPr>
+            <a:spLocks noGrp="1"/>
+          </p:cNvSpPr>
+          <p:nvPr>
+            <p:ph idx="1"/>
+          </p:nvPr>
+        </p:nvSpPr>
+        <p:spPr/>
+        <p:txBody>
+          <a:bodyPr>
+            <a:normAutofit/>
+          </a:bodyPr>
+          <a:lstStyle/>
+          <a:p>
+            <a:pPr lvl="1"/>
+            <a:r>
+              <a:rPr lang="en-US" dirty="0"/>
+              <a:t>Build: Build a more robust product with additional features.</a:t>
+            </a:r>
+          </a:p>
+          <a:p>
+            <a:pPr lvl="1"/>
+            <a:r>
+              <a:rPr lang="en-US" dirty="0"/>
+              <a:t>Measure: Continued to measure user engagement and gather feedback.</a:t>
+            </a:r>
+          </a:p>
+          <a:p>
+            <a:pPr lvl="1"/>
+            <a:r>
+              <a:rPr lang="en-US" dirty="0"/>
+              <a:t>Learn: Users were happy with the additional features, but they wanted even more functionality.</a:t>
+            </a:r>
+          </a:p>
+          <a:p>
+            <a:pPr lvl="1"/>
+            <a:r>
+              <a:rPr lang="en-US" dirty="0"/>
+              <a:t>Build: Continued to iterate on its product, adding new features.</a:t>
+            </a:r>
+          </a:p>
+          <a:p>
+            <a:pPr lvl="1"/>
+            <a:r>
+              <a:rPr lang="en-US" dirty="0"/>
+              <a:t>Measure: User engagement and satisfaction had increased significantly.</a:t>
+            </a:r>
+          </a:p>
+          <a:p>
+            <a:pPr lvl="1"/>
+            <a:r>
+              <a:rPr lang="en-US" dirty="0"/>
+              <a:t>Learn: Users were now using the product for a wide range of purposes, including personal and professional use.</a:t>
+            </a:r>
+          </a:p>
+          <a:p>
+            <a:pPr lvl="1"/>
+            <a:r>
+              <a:rPr lang="en-US" dirty="0"/>
+              <a:t>Scale: Scaled its product by expanding its user base and adding more features, such as integration with other apps and services.</a:t>
+            </a:r>
+          </a:p>
+        </p:txBody>
+      </p:sp>
+      <p:sp>
+        <p:nvSpPr>
+          <p:cNvPr id="2" name="Slide Number Placeholder 1">
+            <a:extLst>
+              <a:ext uri="{FF2B5EF4-FFF2-40B4-BE49-F238E27FC236}">
+                <a16:creationId xmlns:a16="http://schemas.microsoft.com/office/drawing/2014/main" id="{21784AC4-ED2E-4DE6-A13F-B901795F2103}"/>
+              </a:ext>
+            </a:extLst>
+          </p:cNvPr>
+          <p:cNvSpPr>
+            <a:spLocks noGrp="1"/>
+          </p:cNvSpPr>
+          <p:nvPr>
+            <p:ph type="sldNum" sz="quarter" idx="12"/>
+          </p:nvPr>
+        </p:nvSpPr>
+        <p:spPr/>
+        <p:txBody>
+          <a:bodyPr/>
+          <a:lstStyle/>
+          <a:p>
+            <a:fld id="{B8DACC02-A2BD-4578-8E03-6D891060A695}" type="slidenum">
+              <a:rPr lang="en-US" smtClean="0"/>
+              <a:t>21</a:t>
+            </a:fld>
+            <a:endParaRPr lang="en-US"/>
+          </a:p>
+        </p:txBody>
+      </p:sp>
+      <p:pic>
+        <p:nvPicPr>
+          <p:cNvPr id="2050" name="Picture 2" descr="Dropbox - TjDeeD">
+            <a:extLst>
+              <a:ext uri="{FF2B5EF4-FFF2-40B4-BE49-F238E27FC236}">
+                <a16:creationId xmlns:a16="http://schemas.microsoft.com/office/drawing/2014/main" id="{E0E80EB8-8BCF-42AF-BA7A-39D68BE7FDAD}"/>
+              </a:ext>
+            </a:extLst>
+          </p:cNvPr>
+          <p:cNvPicPr>
+            <a:picLocks noChangeAspect="1" noChangeArrowheads="1"/>
+          </p:cNvPicPr>
+          <p:nvPr/>
+        </p:nvPicPr>
+        <p:blipFill>
+          <a:blip r:embed="rId2" cstate="print">
+            <a:extLst>
+              <a:ext uri="{28A0092B-C50C-407E-A947-70E740481C1C}">
+                <a14:useLocalDpi xmlns:a14="http://schemas.microsoft.com/office/drawing/2010/main" val="0"/>
+              </a:ext>
+            </a:extLst>
+          </a:blip>
+          <a:srcRect/>
+          <a:stretch>
+            <a:fillRect/>
+          </a:stretch>
+        </p:blipFill>
+        <p:spPr bwMode="auto">
+          <a:xfrm>
+            <a:off x="8668512" y="137877"/>
+            <a:ext cx="2965704" cy="929099"/>
+          </a:xfrm>
+          <a:prstGeom prst="rect">
+            <a:avLst/>
+          </a:prstGeom>
+          <a:noFill/>
+          <a:extLst>
+            <a:ext uri="{909E8E84-426E-40DD-AFC4-6F175D3DCCD1}">
+              <a14:hiddenFill xmlns:a14="http://schemas.microsoft.com/office/drawing/2010/main">
+                <a:solidFill>
+                  <a:srgbClr val="FFFFFF"/>
+                </a:solidFill>
+              </a14:hiddenFill>
+            </a:ext>
+          </a:extLst>
+        </p:spPr>
+      </p:pic>
+    </p:spTree>
+    <p:extLst>
+      <p:ext uri="{BB962C8B-B14F-4D97-AF65-F5344CB8AC3E}">
+        <p14:creationId xmlns:p14="http://schemas.microsoft.com/office/powerpoint/2010/main" val="607853299"/>
+      </p:ext>
+    </p:extLst>
+  </p:cSld>
+  <p:clrMapOvr>
+    <a:masterClrMapping/>
+  </p:clrMapOvr>
+</p:sld>
+</file>
+
+<file path=ppt/slides/slide22.xml><?xml version="1.0" encoding="utf-8"?>
+<p:sld xmlns:a="http://schemas.openxmlformats.org/drawingml/2006/main" xmlns:r="http://schemas.openxmlformats.org/officeDocument/2006/relationships" xmlns:p="http://schemas.openxmlformats.org/presentationml/2006/main">
+  <p:cSld>
+    <p:spTree>
+      <p:nvGrpSpPr>
+        <p:cNvPr id="1" name=""/>
+        <p:cNvGrpSpPr/>
+        <p:nvPr/>
+      </p:nvGrpSpPr>
+      <p:grpSpPr>
+        <a:xfrm>
+          <a:off x="0" y="0"/>
+          <a:ext cx="0" cy="0"/>
+          <a:chOff x="0" y="0"/>
+          <a:chExt cx="0" cy="0"/>
+        </a:xfrm>
+      </p:grpSpPr>
+      <p:sp>
+        <p:nvSpPr>
           <p:cNvPr id="2" name="Title 1">
             <a:extLst>
               <a:ext uri="{FF2B5EF4-FFF2-40B4-BE49-F238E27FC236}">
@@ -23777,6 +24162,55 @@
               <a:rPr lang="en-US" dirty="0"/>
               <a:t>Business Model Canvas</a:t>
             </a:r>
+          </a:p>
+        </p:txBody>
+      </p:sp>
+      <p:sp>
+        <p:nvSpPr>
+          <p:cNvPr id="3" name="Content Placeholder 2">
+            <a:extLst>
+              <a:ext uri="{FF2B5EF4-FFF2-40B4-BE49-F238E27FC236}">
+                <a16:creationId xmlns:a16="http://schemas.microsoft.com/office/drawing/2014/main" id="{1B4BE255-954A-AFEA-C031-6365D567DFBE}"/>
+              </a:ext>
+            </a:extLst>
+          </p:cNvPr>
+          <p:cNvSpPr>
+            <a:spLocks noGrp="1"/>
+          </p:cNvSpPr>
+          <p:nvPr>
+            <p:ph idx="1"/>
+          </p:nvPr>
+        </p:nvSpPr>
+        <p:spPr/>
+        <p:txBody>
+          <a:bodyPr/>
+          <a:lstStyle/>
+          <a:p>
+            <a:r>
+              <a:rPr lang="en-US" dirty="0"/>
+              <a:t>The Business Model Canvas is a strategic management tool that allows businesses to visualize and design their business model. </a:t>
+            </a:r>
+          </a:p>
+          <a:p>
+            <a:r>
+              <a:rPr lang="en-US" dirty="0"/>
+              <a:t>It was developed by Alexander Osterwalder and Yves Pigneur and is widely used by entrepreneurs, innovators, and managers to create and iterate on their business models.</a:t>
+            </a:r>
+          </a:p>
+          <a:p>
+            <a:r>
+              <a:rPr lang="en-US" dirty="0"/>
+              <a:t>The Business Model Canvas is a flexible tool that allows businesses to iterate and refine their business models as they grow and learn. </a:t>
+            </a:r>
+          </a:p>
+          <a:p>
+            <a:r>
+              <a:rPr lang="en-US" dirty="0"/>
+              <a:t>It encourages a customer-centric approach, focusing on delivering value to customers while ensuring that the business can generate revenue and profit from its activities.</a:t>
+            </a:r>
+          </a:p>
+          <a:p>
+            <a:endParaRPr lang="en-US" dirty="0"/>
           </a:p>
         </p:txBody>
       </p:sp>
@@ -23804,7 +24238,95 @@
             <a:fld id="{B8DACC02-A2BD-4578-8E03-6D891060A695}" type="slidenum">
               <a:rPr lang="en-US" smtClean="0"/>
               <a:pPr/>
-              <a:t>20</a:t>
+              <a:t>22</a:t>
+            </a:fld>
+            <a:endParaRPr lang="en-US" dirty="0"/>
+          </a:p>
+        </p:txBody>
+      </p:sp>
+    </p:spTree>
+    <p:extLst>
+      <p:ext uri="{BB962C8B-B14F-4D97-AF65-F5344CB8AC3E}">
+        <p14:creationId xmlns:p14="http://schemas.microsoft.com/office/powerpoint/2010/main" val="2128868351"/>
+      </p:ext>
+    </p:extLst>
+  </p:cSld>
+  <p:clrMapOvr>
+    <a:masterClrMapping/>
+  </p:clrMapOvr>
+</p:sld>
+</file>
+
+<file path=ppt/slides/slide23.xml><?xml version="1.0" encoding="utf-8"?>
+<p:sld xmlns:a="http://schemas.openxmlformats.org/drawingml/2006/main" xmlns:r="http://schemas.openxmlformats.org/officeDocument/2006/relationships" xmlns:p="http://schemas.openxmlformats.org/presentationml/2006/main">
+  <p:cSld>
+    <p:spTree>
+      <p:nvGrpSpPr>
+        <p:cNvPr id="1" name=""/>
+        <p:cNvGrpSpPr/>
+        <p:nvPr/>
+      </p:nvGrpSpPr>
+      <p:grpSpPr>
+        <a:xfrm>
+          <a:off x="0" y="0"/>
+          <a:ext cx="0" cy="0"/>
+          <a:chOff x="0" y="0"/>
+          <a:chExt cx="0" cy="0"/>
+        </a:xfrm>
+      </p:grpSpPr>
+      <p:sp>
+        <p:nvSpPr>
+          <p:cNvPr id="2" name="Title 1">
+            <a:extLst>
+              <a:ext uri="{FF2B5EF4-FFF2-40B4-BE49-F238E27FC236}">
+                <a16:creationId xmlns:a16="http://schemas.microsoft.com/office/drawing/2014/main" id="{8AD773E3-699E-50C6-8026-C4CA7AE8DF34}"/>
+              </a:ext>
+            </a:extLst>
+          </p:cNvPr>
+          <p:cNvSpPr>
+            <a:spLocks noGrp="1"/>
+          </p:cNvSpPr>
+          <p:nvPr>
+            <p:ph type="title"/>
+          </p:nvPr>
+        </p:nvSpPr>
+        <p:spPr/>
+        <p:txBody>
+          <a:bodyPr/>
+          <a:lstStyle/>
+          <a:p>
+            <a:r>
+              <a:rPr lang="en-US" dirty="0"/>
+              <a:t>Business Model Canvas</a:t>
+            </a:r>
+          </a:p>
+        </p:txBody>
+      </p:sp>
+      <p:sp>
+        <p:nvSpPr>
+          <p:cNvPr id="4" name="Slide Number Placeholder 3">
+            <a:extLst>
+              <a:ext uri="{FF2B5EF4-FFF2-40B4-BE49-F238E27FC236}">
+                <a16:creationId xmlns:a16="http://schemas.microsoft.com/office/drawing/2014/main" id="{8FBBA70F-04BF-319A-F7DA-88F407202197}"/>
+              </a:ext>
+            </a:extLst>
+          </p:cNvPr>
+          <p:cNvSpPr>
+            <a:spLocks noGrp="1"/>
+          </p:cNvSpPr>
+          <p:nvPr>
+            <p:ph type="sldNum" sz="quarter" idx="12"/>
+          </p:nvPr>
+        </p:nvSpPr>
+        <p:spPr/>
+        <p:txBody>
+          <a:bodyPr/>
+          <a:lstStyle/>
+          <a:p>
+            <a:fld id="{B8DACC02-A2BD-4578-8E03-6D891060A695}" type="slidenum">
+              <a:rPr lang="en-US" smtClean="0"/>
+              <a:pPr/>
+              <a:t>23</a:t>
             </a:fld>
             <a:endParaRPr lang="en-US" dirty="0"/>
           </a:p>
@@ -23868,7 +24390,7 @@
 </p:sld>
 </file>
 
-<file path=ppt/slides/slide21.xml><?xml version="1.0" encoding="utf-8"?>
+<file path=ppt/slides/slide24.xml><?xml version="1.0" encoding="utf-8"?>
 <p:sld xmlns:a="http://schemas.openxmlformats.org/drawingml/2006/main" xmlns:r="http://schemas.openxmlformats.org/officeDocument/2006/relationships" xmlns:p="http://schemas.openxmlformats.org/presentationml/2006/main">
   <p:cSld>
     <p:spTree>
@@ -23937,7 +24459,7 @@
             <a:fld id="{B8DACC02-A2BD-4578-8E03-6D891060A695}" type="slidenum">
               <a:rPr lang="en-US" smtClean="0"/>
               <a:pPr/>
-              <a:t>21</a:t>
+              <a:t>24</a:t>
             </a:fld>
             <a:endParaRPr lang="en-US" dirty="0"/>
           </a:p>
@@ -23991,7 +24513,7 @@
 </p:sld>
 </file>
 
-<file path=ppt/slides/slide22.xml><?xml version="1.0" encoding="utf-8"?>
+<file path=ppt/slides/slide25.xml><?xml version="1.0" encoding="utf-8"?>
 <p:sld xmlns:a="http://schemas.openxmlformats.org/drawingml/2006/main" xmlns:r="http://schemas.openxmlformats.org/officeDocument/2006/relationships" xmlns:p="http://schemas.openxmlformats.org/presentationml/2006/main">
   <p:cSld>
     <p:spTree>
@@ -24061,19 +24583,19 @@
           <a:p>
             <a:r>
               <a:rPr lang="en-US" dirty="0"/>
-              <a:t>1. Customer Segments: Identifying the specific groups of customers that the business will serve.</a:t>
+              <a:t>Customer Segments: Identifying the specific groups of customers that the business will serve.</a:t>
             </a:r>
           </a:p>
           <a:p>
             <a:r>
               <a:rPr lang="en-US" dirty="0"/>
-              <a:t>2. Value Proposition: Describing the unique value that the business will offer to its customers.</a:t>
+              <a:t>Value Proposition: Describing the unique value that the business will offer to its customers.</a:t>
             </a:r>
           </a:p>
           <a:p>
             <a:r>
               <a:rPr lang="en-US" dirty="0"/>
-              <a:t>3. Channels: Defining the different channels through which the business will reach its customers and deliver its value proposition.</a:t>
+              <a:t>Channels: Defining the different channels through which the business will reach its customers and deliver its value proposition.</a:t>
             </a:r>
           </a:p>
         </p:txBody>
@@ -24102,7 +24624,7 @@
             <a:fld id="{B8DACC02-A2BD-4578-8E03-6D891060A695}" type="slidenum">
               <a:rPr lang="en-US" smtClean="0"/>
               <a:pPr/>
-              <a:t>22</a:t>
+              <a:t>25</a:t>
             </a:fld>
             <a:endParaRPr lang="en-US" dirty="0"/>
           </a:p>
@@ -24121,7 +24643,7 @@
 </p:sld>
 </file>
 
-<file path=ppt/slides/slide23.xml><?xml version="1.0" encoding="utf-8"?>
+<file path=ppt/slides/slide26.xml><?xml version="1.0" encoding="utf-8"?>
 <p:sld xmlns:a="http://schemas.openxmlformats.org/drawingml/2006/main" xmlns:r="http://schemas.openxmlformats.org/officeDocument/2006/relationships" xmlns:p="http://schemas.openxmlformats.org/presentationml/2006/main">
   <p:cSld>
     <p:spTree>
@@ -24191,19 +24713,19 @@
           <a:p>
             <a:r>
               <a:rPr lang="en-US" dirty="0"/>
-              <a:t>4. Customer Relationships: Identifying the types of relationships that the business will establish with its customers, such as personal assistance, self-service, or automated services.</a:t>
+              <a:t>Customer Relationships: Identifying the types of relationships that the business will establish with its customers, such as personal assistance, self-service, or automated services.</a:t>
             </a:r>
           </a:p>
           <a:p>
             <a:r>
               <a:rPr lang="en-US" dirty="0"/>
-              <a:t>5. Revenue Streams: Identifying the ways in which the business will generate revenue, such as product sales, subscription fees, or usage-based fees.</a:t>
+              <a:t>Revenue Streams: Identifying the ways in which the business will generate revenue, such as product sales, subscription fees, or usage-based fees.</a:t>
             </a:r>
           </a:p>
           <a:p>
             <a:r>
               <a:rPr lang="en-US" dirty="0"/>
-              <a:t>6. Key Resources: Identifying the essential resources that the business will need to create and deliver its value proposition, such as personnel, technology, or facilities.</a:t>
+              <a:t>Key Resources: Identifying the essential resources that the business will need to create and deliver its value proposition, such as personnel, technology, or facilities.</a:t>
             </a:r>
           </a:p>
         </p:txBody>
@@ -24232,7 +24754,7 @@
             <a:fld id="{B8DACC02-A2BD-4578-8E03-6D891060A695}" type="slidenum">
               <a:rPr lang="en-US" smtClean="0"/>
               <a:pPr/>
-              <a:t>23</a:t>
+              <a:t>26</a:t>
             </a:fld>
             <a:endParaRPr lang="en-US" dirty="0"/>
           </a:p>
@@ -24251,7 +24773,7 @@
 </p:sld>
 </file>
 
-<file path=ppt/slides/slide24.xml><?xml version="1.0" encoding="utf-8"?>
+<file path=ppt/slides/slide27.xml><?xml version="1.0" encoding="utf-8"?>
 <p:sld xmlns:a="http://schemas.openxmlformats.org/drawingml/2006/main" xmlns:r="http://schemas.openxmlformats.org/officeDocument/2006/relationships" xmlns:p="http://schemas.openxmlformats.org/presentationml/2006/main">
   <p:cSld>
     <p:spTree>
@@ -24321,19 +24843,19 @@
           <a:p>
             <a:r>
               <a:rPr lang="en-US" dirty="0"/>
-              <a:t>7. Key Activities: Identifying the critical activities that the business will need to perform to create and deliver its value proposition, such as product development, marketing, or customer support.</a:t>
+              <a:t>Key Activities: Identifying the critical activities that the business will need to perform to create and deliver its value proposition, such as product development, marketing, or customer support.</a:t>
             </a:r>
           </a:p>
           <a:p>
             <a:r>
               <a:rPr lang="en-US" dirty="0"/>
-              <a:t>8. Key Partners: Identifying the strategic partnerships that the business will form to support its operations, such as suppliers, distributors, or complementary service providers.</a:t>
+              <a:t>Key Partners: Identifying the strategic partnerships that the business will form to support its operations, such as suppliers, distributors, or complementary service providers.</a:t>
             </a:r>
           </a:p>
           <a:p>
             <a:r>
               <a:rPr lang="en-US" dirty="0"/>
-              <a:t>9. Cost Structure: Identifying the costs associated with creating and delivering the business's value proposition, including fixed and variable costs.</a:t>
+              <a:t>Cost Structure: Identifying the costs associated with creating and delivering the business's value proposition, including fixed and variable costs.</a:t>
             </a:r>
           </a:p>
         </p:txBody>
@@ -24362,7 +24884,7 @@
             <a:fld id="{B8DACC02-A2BD-4578-8E03-6D891060A695}" type="slidenum">
               <a:rPr lang="en-US" smtClean="0"/>
               <a:pPr/>
-              <a:t>24</a:t>
+              <a:t>27</a:t>
             </a:fld>
             <a:endParaRPr lang="en-US" dirty="0"/>
           </a:p>
@@ -24381,7 +24903,7 @@
 </p:sld>
 </file>
 
-<file path=ppt/slides/slide25.xml><?xml version="1.0" encoding="utf-8"?>
+<file path=ppt/slides/slide28.xml><?xml version="1.0" encoding="utf-8"?>
 <p:sld xmlns:a="http://schemas.openxmlformats.org/drawingml/2006/main" xmlns:r="http://schemas.openxmlformats.org/officeDocument/2006/relationships" xmlns:p="http://schemas.openxmlformats.org/presentationml/2006/main">
   <p:cSld>
     <p:spTree>
@@ -24547,7 +25069,7 @@
             <a:fld id="{B8DACC02-A2BD-4578-8E03-6D891060A695}" type="slidenum">
               <a:rPr lang="en-US" smtClean="0"/>
               <a:pPr/>
-              <a:t>25</a:t>
+              <a:t>28</a:t>
             </a:fld>
             <a:endParaRPr lang="en-US" dirty="0"/>
           </a:p>
@@ -24595,7 +25117,7 @@
 </p:sld>
 </file>
 
-<file path=ppt/slides/slide26.xml><?xml version="1.0" encoding="utf-8"?>
+<file path=ppt/slides/slide29.xml><?xml version="1.0" encoding="utf-8"?>
 <p:sld xmlns:a="http://schemas.openxmlformats.org/drawingml/2006/main" xmlns:r="http://schemas.openxmlformats.org/officeDocument/2006/relationships" xmlns:p="http://schemas.openxmlformats.org/presentationml/2006/main">
   <p:cSld>
     <p:spTree>
@@ -24700,7 +25222,7 @@
             <a:fld id="{B8DACC02-A2BD-4578-8E03-6D891060A695}" type="slidenum">
               <a:rPr lang="en-US" smtClean="0"/>
               <a:pPr/>
-              <a:t>26</a:t>
+              <a:t>29</a:t>
             </a:fld>
             <a:endParaRPr lang="en-US" dirty="0"/>
           </a:p>
@@ -24719,7 +25241,120 @@
 </p:sld>
 </file>
 
-<file path=ppt/slides/slide27.xml><?xml version="1.0" encoding="utf-8"?>
+<file path=ppt/slides/slide3.xml><?xml version="1.0" encoding="utf-8"?>
+<p:sld xmlns:a="http://schemas.openxmlformats.org/drawingml/2006/main" xmlns:r="http://schemas.openxmlformats.org/officeDocument/2006/relationships" xmlns:p="http://schemas.openxmlformats.org/presentationml/2006/main">
+  <p:cSld>
+    <p:spTree>
+      <p:nvGrpSpPr>
+        <p:cNvPr id="1" name=""/>
+        <p:cNvGrpSpPr/>
+        <p:nvPr/>
+      </p:nvGrpSpPr>
+      <p:grpSpPr>
+        <a:xfrm>
+          <a:off x="0" y="0"/>
+          <a:ext cx="0" cy="0"/>
+          <a:chOff x="0" y="0"/>
+          <a:chExt cx="0" cy="0"/>
+        </a:xfrm>
+      </p:grpSpPr>
+      <p:sp>
+        <p:nvSpPr>
+          <p:cNvPr id="5" name="Title 4">
+            <a:extLst>
+              <a:ext uri="{FF2B5EF4-FFF2-40B4-BE49-F238E27FC236}">
+                <a16:creationId xmlns:a16="http://schemas.microsoft.com/office/drawing/2014/main" id="{10FA249D-CC91-C9E2-B898-538AD4DC89A9}"/>
+              </a:ext>
+            </a:extLst>
+          </p:cNvPr>
+          <p:cNvSpPr>
+            <a:spLocks noGrp="1"/>
+          </p:cNvSpPr>
+          <p:nvPr>
+            <p:ph type="title"/>
+          </p:nvPr>
+        </p:nvSpPr>
+        <p:spPr/>
+        <p:txBody>
+          <a:bodyPr/>
+          <a:lstStyle/>
+          <a:p>
+            <a:r>
+              <a:rPr lang="en-US" dirty="0"/>
+              <a:t>Platforms</a:t>
+            </a:r>
+          </a:p>
+        </p:txBody>
+      </p:sp>
+      <p:sp>
+        <p:nvSpPr>
+          <p:cNvPr id="6" name="Text Placeholder 5">
+            <a:extLst>
+              <a:ext uri="{FF2B5EF4-FFF2-40B4-BE49-F238E27FC236}">
+                <a16:creationId xmlns:a16="http://schemas.microsoft.com/office/drawing/2014/main" id="{4CBA0FA8-29D7-33A6-975C-E2A3C5CEE049}"/>
+              </a:ext>
+            </a:extLst>
+          </p:cNvPr>
+          <p:cNvSpPr>
+            <a:spLocks noGrp="1"/>
+          </p:cNvSpPr>
+          <p:nvPr>
+            <p:ph type="body" idx="1"/>
+          </p:nvPr>
+        </p:nvSpPr>
+        <p:spPr/>
+        <p:txBody>
+          <a:bodyPr/>
+          <a:lstStyle/>
+          <a:p>
+            <a:endParaRPr lang="en-US"/>
+          </a:p>
+        </p:txBody>
+      </p:sp>
+      <p:sp>
+        <p:nvSpPr>
+          <p:cNvPr id="4" name="Slide Number Placeholder 3">
+            <a:extLst>
+              <a:ext uri="{FF2B5EF4-FFF2-40B4-BE49-F238E27FC236}">
+                <a16:creationId xmlns:a16="http://schemas.microsoft.com/office/drawing/2014/main" id="{03A3D644-68D1-CFB9-D8EA-BE320FC11FED}"/>
+              </a:ext>
+            </a:extLst>
+          </p:cNvPr>
+          <p:cNvSpPr>
+            <a:spLocks noGrp="1"/>
+          </p:cNvSpPr>
+          <p:nvPr>
+            <p:ph type="sldNum" sz="quarter" idx="12"/>
+          </p:nvPr>
+        </p:nvSpPr>
+        <p:spPr/>
+        <p:txBody>
+          <a:bodyPr/>
+          <a:lstStyle/>
+          <a:p>
+            <a:fld id="{B8DACC02-A2BD-4578-8E03-6D891060A695}" type="slidenum">
+              <a:rPr lang="en-US" smtClean="0"/>
+              <a:pPr/>
+              <a:t>3</a:t>
+            </a:fld>
+            <a:endParaRPr lang="en-US" dirty="0"/>
+          </a:p>
+        </p:txBody>
+      </p:sp>
+    </p:spTree>
+    <p:extLst>
+      <p:ext uri="{BB962C8B-B14F-4D97-AF65-F5344CB8AC3E}">
+        <p14:creationId xmlns:p14="http://schemas.microsoft.com/office/powerpoint/2010/main" val="2103261992"/>
+      </p:ext>
+    </p:extLst>
+  </p:cSld>
+  <p:clrMapOvr>
+    <a:masterClrMapping/>
+  </p:clrMapOvr>
+</p:sld>
+</file>
+
+<file path=ppt/slides/slide30.xml><?xml version="1.0" encoding="utf-8"?>
 <p:sld xmlns:a="http://schemas.openxmlformats.org/drawingml/2006/main" xmlns:r="http://schemas.openxmlformats.org/officeDocument/2006/relationships" xmlns:p="http://schemas.openxmlformats.org/presentationml/2006/main">
   <p:cSld>
     <p:spTree>
@@ -24788,7 +25423,7 @@
             <a:fld id="{B8DACC02-A2BD-4578-8E03-6D891060A695}" type="slidenum">
               <a:rPr lang="en-US" smtClean="0"/>
               <a:pPr/>
-              <a:t>27</a:t>
+              <a:t>30</a:t>
             </a:fld>
             <a:endParaRPr lang="en-US" dirty="0"/>
           </a:p>
@@ -24843,7 +25478,7 @@
 </p:sld>
 </file>
 
-<file path=ppt/slides/slide28.xml><?xml version="1.0" encoding="utf-8"?>
+<file path=ppt/slides/slide31.xml><?xml version="1.0" encoding="utf-8"?>
 <p:sld xmlns:a="http://schemas.openxmlformats.org/drawingml/2006/main" xmlns:r="http://schemas.openxmlformats.org/officeDocument/2006/relationships" xmlns:p="http://schemas.openxmlformats.org/presentationml/2006/main">
   <p:cSld>
     <p:spTree>
@@ -24912,7 +25547,7 @@
             <a:fld id="{B8DACC02-A2BD-4578-8E03-6D891060A695}" type="slidenum">
               <a:rPr lang="en-US" smtClean="0"/>
               <a:pPr/>
-              <a:t>28</a:t>
+              <a:t>31</a:t>
             </a:fld>
             <a:endParaRPr lang="en-US" dirty="0"/>
           </a:p>
@@ -24976,7 +25611,7 @@
 </p:sld>
 </file>
 
-<file path=ppt/slides/slide29.xml><?xml version="1.0" encoding="utf-8"?>
+<file path=ppt/slides/slide32.xml><?xml version="1.0" encoding="utf-8"?>
 <p:sld xmlns:a="http://schemas.openxmlformats.org/drawingml/2006/main" xmlns:r="http://schemas.openxmlformats.org/officeDocument/2006/relationships" xmlns:p="http://schemas.openxmlformats.org/presentationml/2006/main">
   <p:cSld>
     <p:spTree>
@@ -25103,7 +25738,7 @@
             <a:fld id="{B8DACC02-A2BD-4578-8E03-6D891060A695}" type="slidenum">
               <a:rPr lang="en-US" smtClean="0"/>
               <a:pPr/>
-              <a:t>29</a:t>
+              <a:t>32</a:t>
             </a:fld>
             <a:endParaRPr lang="en-US" dirty="0"/>
           </a:p>
@@ -25122,120 +25757,7 @@
 </p:sld>
 </file>
 
-<file path=ppt/slides/slide3.xml><?xml version="1.0" encoding="utf-8"?>
-<p:sld xmlns:a="http://schemas.openxmlformats.org/drawingml/2006/main" xmlns:r="http://schemas.openxmlformats.org/officeDocument/2006/relationships" xmlns:p="http://schemas.openxmlformats.org/presentationml/2006/main">
-  <p:cSld>
-    <p:spTree>
-      <p:nvGrpSpPr>
-        <p:cNvPr id="1" name=""/>
-        <p:cNvGrpSpPr/>
-        <p:nvPr/>
-      </p:nvGrpSpPr>
-      <p:grpSpPr>
-        <a:xfrm>
-          <a:off x="0" y="0"/>
-          <a:ext cx="0" cy="0"/>
-          <a:chOff x="0" y="0"/>
-          <a:chExt cx="0" cy="0"/>
-        </a:xfrm>
-      </p:grpSpPr>
-      <p:sp>
-        <p:nvSpPr>
-          <p:cNvPr id="5" name="Title 4">
-            <a:extLst>
-              <a:ext uri="{FF2B5EF4-FFF2-40B4-BE49-F238E27FC236}">
-                <a16:creationId xmlns:a16="http://schemas.microsoft.com/office/drawing/2014/main" id="{10FA249D-CC91-C9E2-B898-538AD4DC89A9}"/>
-              </a:ext>
-            </a:extLst>
-          </p:cNvPr>
-          <p:cNvSpPr>
-            <a:spLocks noGrp="1"/>
-          </p:cNvSpPr>
-          <p:nvPr>
-            <p:ph type="title"/>
-          </p:nvPr>
-        </p:nvSpPr>
-        <p:spPr/>
-        <p:txBody>
-          <a:bodyPr/>
-          <a:lstStyle/>
-          <a:p>
-            <a:r>
-              <a:rPr lang="en-US" dirty="0"/>
-              <a:t>Platforms</a:t>
-            </a:r>
-          </a:p>
-        </p:txBody>
-      </p:sp>
-      <p:sp>
-        <p:nvSpPr>
-          <p:cNvPr id="6" name="Text Placeholder 5">
-            <a:extLst>
-              <a:ext uri="{FF2B5EF4-FFF2-40B4-BE49-F238E27FC236}">
-                <a16:creationId xmlns:a16="http://schemas.microsoft.com/office/drawing/2014/main" id="{4CBA0FA8-29D7-33A6-975C-E2A3C5CEE049}"/>
-              </a:ext>
-            </a:extLst>
-          </p:cNvPr>
-          <p:cNvSpPr>
-            <a:spLocks noGrp="1"/>
-          </p:cNvSpPr>
-          <p:nvPr>
-            <p:ph type="body" idx="1"/>
-          </p:nvPr>
-        </p:nvSpPr>
-        <p:spPr/>
-        <p:txBody>
-          <a:bodyPr/>
-          <a:lstStyle/>
-          <a:p>
-            <a:endParaRPr lang="en-US"/>
-          </a:p>
-        </p:txBody>
-      </p:sp>
-      <p:sp>
-        <p:nvSpPr>
-          <p:cNvPr id="4" name="Slide Number Placeholder 3">
-            <a:extLst>
-              <a:ext uri="{FF2B5EF4-FFF2-40B4-BE49-F238E27FC236}">
-                <a16:creationId xmlns:a16="http://schemas.microsoft.com/office/drawing/2014/main" id="{03A3D644-68D1-CFB9-D8EA-BE320FC11FED}"/>
-              </a:ext>
-            </a:extLst>
-          </p:cNvPr>
-          <p:cNvSpPr>
-            <a:spLocks noGrp="1"/>
-          </p:cNvSpPr>
-          <p:nvPr>
-            <p:ph type="sldNum" sz="quarter" idx="12"/>
-          </p:nvPr>
-        </p:nvSpPr>
-        <p:spPr/>
-        <p:txBody>
-          <a:bodyPr/>
-          <a:lstStyle/>
-          <a:p>
-            <a:fld id="{B8DACC02-A2BD-4578-8E03-6D891060A695}" type="slidenum">
-              <a:rPr lang="en-US" smtClean="0"/>
-              <a:pPr/>
-              <a:t>3</a:t>
-            </a:fld>
-            <a:endParaRPr lang="en-US" dirty="0"/>
-          </a:p>
-        </p:txBody>
-      </p:sp>
-    </p:spTree>
-    <p:extLst>
-      <p:ext uri="{BB962C8B-B14F-4D97-AF65-F5344CB8AC3E}">
-        <p14:creationId xmlns:p14="http://schemas.microsoft.com/office/powerpoint/2010/main" val="2103261992"/>
-      </p:ext>
-    </p:extLst>
-  </p:cSld>
-  <p:clrMapOvr>
-    <a:masterClrMapping/>
-  </p:clrMapOvr>
-</p:sld>
-</file>
-
-<file path=ppt/slides/slide30.xml><?xml version="1.0" encoding="utf-8"?>
+<file path=ppt/slides/slide33.xml><?xml version="1.0" encoding="utf-8"?>
 <p:sld xmlns:a="http://schemas.openxmlformats.org/drawingml/2006/main" xmlns:r="http://schemas.openxmlformats.org/officeDocument/2006/relationships" xmlns:p="http://schemas.openxmlformats.org/presentationml/2006/main">
   <p:cSld>
     <p:spTree>
@@ -25383,7 +25905,7 @@
             <a:fld id="{B8DACC02-A2BD-4578-8E03-6D891060A695}" type="slidenum">
               <a:rPr lang="en-US" smtClean="0"/>
               <a:pPr/>
-              <a:t>30</a:t>
+              <a:t>33</a:t>
             </a:fld>
             <a:endParaRPr lang="en-US" dirty="0"/>
           </a:p>
@@ -25402,7 +25924,7 @@
 </p:sld>
 </file>
 
-<file path=ppt/slides/slide31.xml><?xml version="1.0" encoding="utf-8"?>
+<file path=ppt/slides/slide34.xml><?xml version="1.0" encoding="utf-8"?>
 <p:sld xmlns:a="http://schemas.openxmlformats.org/drawingml/2006/main" xmlns:r="http://schemas.openxmlformats.org/officeDocument/2006/relationships" xmlns:p="http://schemas.openxmlformats.org/presentationml/2006/main">
   <p:cSld>
     <p:spTree>
@@ -25556,7 +26078,7 @@
             <a:fld id="{B8DACC02-A2BD-4578-8E03-6D891060A695}" type="slidenum">
               <a:rPr lang="en-US" smtClean="0"/>
               <a:pPr/>
-              <a:t>31</a:t>
+              <a:t>34</a:t>
             </a:fld>
             <a:endParaRPr lang="en-US" dirty="0"/>
           </a:p>
@@ -25604,7 +26126,7 @@
 </p:sld>
 </file>
 
-<file path=ppt/slides/slide32.xml><?xml version="1.0" encoding="utf-8"?>
+<file path=ppt/slides/slide35.xml><?xml version="1.0" encoding="utf-8"?>
 <p:sld xmlns:a="http://schemas.openxmlformats.org/drawingml/2006/main" xmlns:r="http://schemas.openxmlformats.org/officeDocument/2006/relationships" xmlns:p="http://schemas.openxmlformats.org/presentationml/2006/main">
   <p:cSld>
     <p:spTree>
@@ -25699,7 +26221,7 @@
             <a:fld id="{B8DACC02-A2BD-4578-8E03-6D891060A695}" type="slidenum">
               <a:rPr lang="en-US" smtClean="0"/>
               <a:pPr/>
-              <a:t>32</a:t>
+              <a:t>35</a:t>
             </a:fld>
             <a:endParaRPr lang="en-US" dirty="0"/>
           </a:p>
@@ -25765,7 +26287,7 @@
 </p:sld>
 </file>
 
-<file path=ppt/slides/slide33.xml><?xml version="1.0" encoding="utf-8"?>
+<file path=ppt/slides/slide36.xml><?xml version="1.0" encoding="utf-8"?>
 <p:sld xmlns:a="http://schemas.openxmlformats.org/drawingml/2006/main" xmlns:r="http://schemas.openxmlformats.org/officeDocument/2006/relationships" xmlns:p="http://schemas.openxmlformats.org/presentationml/2006/main">
   <p:cSld>
     <p:spTree>
@@ -25877,7 +26399,7 @@
             <a:fld id="{B8DACC02-A2BD-4578-8E03-6D891060A695}" type="slidenum">
               <a:rPr lang="en-US" smtClean="0"/>
               <a:pPr/>
-              <a:t>33</a:t>
+              <a:t>36</a:t>
             </a:fld>
             <a:endParaRPr lang="en-US" dirty="0"/>
           </a:p>
@@ -25896,7 +26418,7 @@
 </p:sld>
 </file>
 
-<file path=ppt/slides/slide34.xml><?xml version="1.0" encoding="utf-8"?>
+<file path=ppt/slides/slide37.xml><?xml version="1.0" encoding="utf-8"?>
 <p:sld xmlns:a="http://schemas.openxmlformats.org/drawingml/2006/main" xmlns:r="http://schemas.openxmlformats.org/officeDocument/2006/relationships" xmlns:p="http://schemas.openxmlformats.org/presentationml/2006/main">
   <p:cSld>
     <p:spTree>
@@ -25990,7 +26512,7 @@
             <a:fld id="{B8DACC02-A2BD-4578-8E03-6D891060A695}" type="slidenum">
               <a:rPr lang="en-US" smtClean="0"/>
               <a:pPr/>
-              <a:t>34</a:t>
+              <a:t>37</a:t>
             </a:fld>
             <a:endParaRPr lang="en-US" dirty="0"/>
           </a:p>
@@ -26054,7 +26576,7 @@
 </p:sld>
 </file>
 
-<file path=ppt/slides/slide35.xml><?xml version="1.0" encoding="utf-8"?>
+<file path=ppt/slides/slide38.xml><?xml version="1.0" encoding="utf-8"?>
 <p:sld xmlns:a="http://schemas.openxmlformats.org/drawingml/2006/main" xmlns:r="http://schemas.openxmlformats.org/officeDocument/2006/relationships" xmlns:p="http://schemas.openxmlformats.org/presentationml/2006/main">
   <p:cSld>
     <p:spTree>
@@ -26186,7 +26708,7 @@
             <a:fld id="{B8DACC02-A2BD-4578-8E03-6D891060A695}" type="slidenum">
               <a:rPr lang="en-US" smtClean="0"/>
               <a:pPr/>
-              <a:t>35</a:t>
+              <a:t>38</a:t>
             </a:fld>
             <a:endParaRPr lang="en-US" dirty="0"/>
           </a:p>
@@ -26205,7 +26727,7 @@
 </p:sld>
 </file>
 
-<file path=ppt/slides/slide36.xml><?xml version="1.0" encoding="utf-8"?>
+<file path=ppt/slides/slide39.xml><?xml version="1.0" encoding="utf-8"?>
 <p:sld xmlns:a="http://schemas.openxmlformats.org/drawingml/2006/main" xmlns:r="http://schemas.openxmlformats.org/officeDocument/2006/relationships" xmlns:p="http://schemas.openxmlformats.org/presentationml/2006/main">
   <p:cSld>
     <p:spTree>
@@ -26324,7 +26846,7 @@
             <a:fld id="{B8DACC02-A2BD-4578-8E03-6D891060A695}" type="slidenum">
               <a:rPr lang="en-US" smtClean="0"/>
               <a:pPr/>
-              <a:t>36</a:t>
+              <a:t>39</a:t>
             </a:fld>
             <a:endParaRPr lang="en-US" dirty="0"/>
           </a:p>
@@ -26343,7 +26865,125 @@
 </p:sld>
 </file>
 
-<file path=ppt/slides/slide37.xml><?xml version="1.0" encoding="utf-8"?>
+<file path=ppt/slides/slide4.xml><?xml version="1.0" encoding="utf-8"?>
+<p:sld xmlns:a="http://schemas.openxmlformats.org/drawingml/2006/main" xmlns:r="http://schemas.openxmlformats.org/officeDocument/2006/relationships" xmlns:p="http://schemas.openxmlformats.org/presentationml/2006/main">
+  <p:cSld>
+    <p:spTree>
+      <p:nvGrpSpPr>
+        <p:cNvPr id="1" name=""/>
+        <p:cNvGrpSpPr/>
+        <p:nvPr/>
+      </p:nvGrpSpPr>
+      <p:grpSpPr>
+        <a:xfrm>
+          <a:off x="0" y="0"/>
+          <a:ext cx="0" cy="0"/>
+          <a:chOff x="0" y="0"/>
+          <a:chExt cx="0" cy="0"/>
+        </a:xfrm>
+      </p:grpSpPr>
+      <p:sp>
+        <p:nvSpPr>
+          <p:cNvPr id="5" name="Title 4">
+            <a:extLst>
+              <a:ext uri="{FF2B5EF4-FFF2-40B4-BE49-F238E27FC236}">
+                <a16:creationId xmlns:a16="http://schemas.microsoft.com/office/drawing/2014/main" id="{B223F967-4958-A00B-5562-D03B1A42D816}"/>
+              </a:ext>
+            </a:extLst>
+          </p:cNvPr>
+          <p:cNvSpPr>
+            <a:spLocks noGrp="1"/>
+          </p:cNvSpPr>
+          <p:nvPr>
+            <p:ph type="title"/>
+          </p:nvPr>
+        </p:nvSpPr>
+        <p:spPr/>
+        <p:txBody>
+          <a:bodyPr/>
+          <a:lstStyle/>
+          <a:p>
+            <a:r>
+              <a:rPr lang="en-US" dirty="0"/>
+              <a:t>Platforms</a:t>
+            </a:r>
+          </a:p>
+        </p:txBody>
+      </p:sp>
+      <p:graphicFrame>
+        <p:nvGraphicFramePr>
+          <p:cNvPr id="8" name="Content Placeholder 5">
+            <a:extLst>
+              <a:ext uri="{FF2B5EF4-FFF2-40B4-BE49-F238E27FC236}">
+                <a16:creationId xmlns:a16="http://schemas.microsoft.com/office/drawing/2014/main" id="{551773BC-119C-F5C6-4DAC-B962711E41D3}"/>
+              </a:ext>
+            </a:extLst>
+          </p:cNvPr>
+          <p:cNvGraphicFramePr>
+            <a:graphicFrameLocks noGrp="1"/>
+          </p:cNvGraphicFramePr>
+          <p:nvPr>
+            <p:ph idx="1"/>
+            <p:extLst>
+              <p:ext uri="{D42A27DB-BD31-4B8C-83A1-F6EECF244321}">
+                <p14:modId xmlns:p14="http://schemas.microsoft.com/office/powerpoint/2010/main" val="112038772"/>
+              </p:ext>
+            </p:extLst>
+          </p:nvPr>
+        </p:nvGraphicFramePr>
+        <p:xfrm>
+          <a:off x="347526" y="1406880"/>
+          <a:ext cx="11650767" cy="4746091"/>
+        </p:xfrm>
+        <a:graphic>
+          <a:graphicData uri="http://schemas.openxmlformats.org/drawingml/2006/diagram">
+            <dgm:relIds xmlns:dgm="http://schemas.openxmlformats.org/drawingml/2006/diagram" xmlns:r="http://schemas.openxmlformats.org/officeDocument/2006/relationships" r:dm="rId2" r:lo="rId3" r:qs="rId4" r:cs="rId5"/>
+          </a:graphicData>
+        </a:graphic>
+      </p:graphicFrame>
+      <p:sp>
+        <p:nvSpPr>
+          <p:cNvPr id="4" name="Slide Number Placeholder 3">
+            <a:extLst>
+              <a:ext uri="{FF2B5EF4-FFF2-40B4-BE49-F238E27FC236}">
+                <a16:creationId xmlns:a16="http://schemas.microsoft.com/office/drawing/2014/main" id="{1F094925-4A1C-1456-21FD-3BE99B67AD01}"/>
+              </a:ext>
+            </a:extLst>
+          </p:cNvPr>
+          <p:cNvSpPr>
+            <a:spLocks noGrp="1"/>
+          </p:cNvSpPr>
+          <p:nvPr>
+            <p:ph type="sldNum" sz="quarter" idx="12"/>
+          </p:nvPr>
+        </p:nvSpPr>
+        <p:spPr/>
+        <p:txBody>
+          <a:bodyPr/>
+          <a:lstStyle/>
+          <a:p>
+            <a:fld id="{B8DACC02-A2BD-4578-8E03-6D891060A695}" type="slidenum">
+              <a:rPr lang="en-US" smtClean="0"/>
+              <a:t>4</a:t>
+            </a:fld>
+            <a:endParaRPr lang="en-US"/>
+          </a:p>
+        </p:txBody>
+      </p:sp>
+    </p:spTree>
+    <p:extLst>
+      <p:ext uri="{BB962C8B-B14F-4D97-AF65-F5344CB8AC3E}">
+        <p14:creationId xmlns:p14="http://schemas.microsoft.com/office/powerpoint/2010/main" val="1921611952"/>
+      </p:ext>
+    </p:extLst>
+  </p:cSld>
+  <p:clrMapOvr>
+    <a:masterClrMapping/>
+  </p:clrMapOvr>
+</p:sld>
+</file>
+
+<file path=ppt/slides/slide40.xml><?xml version="1.0" encoding="utf-8"?>
 <p:sld xmlns:a="http://schemas.openxmlformats.org/drawingml/2006/main" xmlns:r="http://schemas.openxmlformats.org/officeDocument/2006/relationships" xmlns:p="http://schemas.openxmlformats.org/presentationml/2006/main">
   <p:cSld>
     <p:spTree>
@@ -26443,7 +27083,7 @@
             <a:fld id="{B8DACC02-A2BD-4578-8E03-6D891060A695}" type="slidenum">
               <a:rPr lang="en-US" smtClean="0"/>
               <a:pPr/>
-              <a:t>37</a:t>
+              <a:t>40</a:t>
             </a:fld>
             <a:endParaRPr lang="en-US" dirty="0"/>
           </a:p>
@@ -26462,7 +27102,7 @@
 </p:sld>
 </file>
 
-<file path=ppt/slides/slide38.xml><?xml version="1.0" encoding="utf-8"?>
+<file path=ppt/slides/slide41.xml><?xml version="1.0" encoding="utf-8"?>
 <p:sld xmlns:a="http://schemas.openxmlformats.org/drawingml/2006/main" xmlns:r="http://schemas.openxmlformats.org/officeDocument/2006/relationships" xmlns:p="http://schemas.openxmlformats.org/presentationml/2006/main">
   <p:cSld>
     <p:spTree>
@@ -26556,7 +27196,7 @@
             <a:fld id="{B8DACC02-A2BD-4578-8E03-6D891060A695}" type="slidenum">
               <a:rPr lang="en-US" smtClean="0"/>
               <a:pPr/>
-              <a:t>38</a:t>
+              <a:t>41</a:t>
             </a:fld>
             <a:endParaRPr lang="en-US" dirty="0"/>
           </a:p>
@@ -26620,7 +27260,7 @@
 </p:sld>
 </file>
 
-<file path=ppt/slides/slide39.xml><?xml version="1.0" encoding="utf-8"?>
+<file path=ppt/slides/slide42.xml><?xml version="1.0" encoding="utf-8"?>
 <p:sld xmlns:a="http://schemas.openxmlformats.org/drawingml/2006/main" xmlns:r="http://schemas.openxmlformats.org/officeDocument/2006/relationships" xmlns:p="http://schemas.openxmlformats.org/presentationml/2006/main">
   <p:cSld>
     <p:spTree>
@@ -26720,7 +27360,7 @@
             <a:fld id="{B8DACC02-A2BD-4578-8E03-6D891060A695}" type="slidenum">
               <a:rPr lang="en-US" smtClean="0"/>
               <a:pPr/>
-              <a:t>39</a:t>
+              <a:t>42</a:t>
             </a:fld>
             <a:endParaRPr lang="en-US" dirty="0"/>
           </a:p>
@@ -26730,620 +27370,6 @@
     <p:extLst>
       <p:ext uri="{BB962C8B-B14F-4D97-AF65-F5344CB8AC3E}">
         <p14:creationId xmlns:p14="http://schemas.microsoft.com/office/powerpoint/2010/main" val="2800459568"/>
-      </p:ext>
-    </p:extLst>
-  </p:cSld>
-  <p:clrMapOvr>
-    <a:masterClrMapping/>
-  </p:clrMapOvr>
-</p:sld>
-</file>
-
-<file path=ppt/slides/slide4.xml><?xml version="1.0" encoding="utf-8"?>
-<p:sld xmlns:a="http://schemas.openxmlformats.org/drawingml/2006/main" xmlns:r="http://schemas.openxmlformats.org/officeDocument/2006/relationships" xmlns:p="http://schemas.openxmlformats.org/presentationml/2006/main">
-  <p:cSld>
-    <p:spTree>
-      <p:nvGrpSpPr>
-        <p:cNvPr id="1" name=""/>
-        <p:cNvGrpSpPr/>
-        <p:nvPr/>
-      </p:nvGrpSpPr>
-      <p:grpSpPr>
-        <a:xfrm>
-          <a:off x="0" y="0"/>
-          <a:ext cx="0" cy="0"/>
-          <a:chOff x="0" y="0"/>
-          <a:chExt cx="0" cy="0"/>
-        </a:xfrm>
-      </p:grpSpPr>
-      <p:sp>
-        <p:nvSpPr>
-          <p:cNvPr id="5" name="Title 4">
-            <a:extLst>
-              <a:ext uri="{FF2B5EF4-FFF2-40B4-BE49-F238E27FC236}">
-                <a16:creationId xmlns:a16="http://schemas.microsoft.com/office/drawing/2014/main" id="{B223F967-4958-A00B-5562-D03B1A42D816}"/>
-              </a:ext>
-            </a:extLst>
-          </p:cNvPr>
-          <p:cNvSpPr>
-            <a:spLocks noGrp="1"/>
-          </p:cNvSpPr>
-          <p:nvPr>
-            <p:ph type="title"/>
-          </p:nvPr>
-        </p:nvSpPr>
-        <p:spPr/>
-        <p:txBody>
-          <a:bodyPr/>
-          <a:lstStyle/>
-          <a:p>
-            <a:r>
-              <a:rPr lang="en-US" dirty="0"/>
-              <a:t>Platforms</a:t>
-            </a:r>
-          </a:p>
-        </p:txBody>
-      </p:sp>
-      <p:graphicFrame>
-        <p:nvGraphicFramePr>
-          <p:cNvPr id="8" name="Content Placeholder 5">
-            <a:extLst>
-              <a:ext uri="{FF2B5EF4-FFF2-40B4-BE49-F238E27FC236}">
-                <a16:creationId xmlns:a16="http://schemas.microsoft.com/office/drawing/2014/main" id="{551773BC-119C-F5C6-4DAC-B962711E41D3}"/>
-              </a:ext>
-            </a:extLst>
-          </p:cNvPr>
-          <p:cNvGraphicFramePr>
-            <a:graphicFrameLocks noGrp="1"/>
-          </p:cNvGraphicFramePr>
-          <p:nvPr>
-            <p:ph idx="1"/>
-            <p:extLst>
-              <p:ext uri="{D42A27DB-BD31-4B8C-83A1-F6EECF244321}">
-                <p14:modId xmlns:p14="http://schemas.microsoft.com/office/powerpoint/2010/main" val="112038772"/>
-              </p:ext>
-            </p:extLst>
-          </p:nvPr>
-        </p:nvGraphicFramePr>
-        <p:xfrm>
-          <a:off x="347526" y="1406880"/>
-          <a:ext cx="11650767" cy="4746091"/>
-        </p:xfrm>
-        <a:graphic>
-          <a:graphicData uri="http://schemas.openxmlformats.org/drawingml/2006/diagram">
-            <dgm:relIds xmlns:dgm="http://schemas.openxmlformats.org/drawingml/2006/diagram" xmlns:r="http://schemas.openxmlformats.org/officeDocument/2006/relationships" r:dm="rId2" r:lo="rId3" r:qs="rId4" r:cs="rId5"/>
-          </a:graphicData>
-        </a:graphic>
-      </p:graphicFrame>
-      <p:sp>
-        <p:nvSpPr>
-          <p:cNvPr id="4" name="Slide Number Placeholder 3">
-            <a:extLst>
-              <a:ext uri="{FF2B5EF4-FFF2-40B4-BE49-F238E27FC236}">
-                <a16:creationId xmlns:a16="http://schemas.microsoft.com/office/drawing/2014/main" id="{1F094925-4A1C-1456-21FD-3BE99B67AD01}"/>
-              </a:ext>
-            </a:extLst>
-          </p:cNvPr>
-          <p:cNvSpPr>
-            <a:spLocks noGrp="1"/>
-          </p:cNvSpPr>
-          <p:nvPr>
-            <p:ph type="sldNum" sz="quarter" idx="12"/>
-          </p:nvPr>
-        </p:nvSpPr>
-        <p:spPr/>
-        <p:txBody>
-          <a:bodyPr/>
-          <a:lstStyle/>
-          <a:p>
-            <a:fld id="{B8DACC02-A2BD-4578-8E03-6D891060A695}" type="slidenum">
-              <a:rPr lang="en-US" smtClean="0"/>
-              <a:t>4</a:t>
-            </a:fld>
-            <a:endParaRPr lang="en-US"/>
-          </a:p>
-        </p:txBody>
-      </p:sp>
-    </p:spTree>
-    <p:extLst>
-      <p:ext uri="{BB962C8B-B14F-4D97-AF65-F5344CB8AC3E}">
-        <p14:creationId xmlns:p14="http://schemas.microsoft.com/office/powerpoint/2010/main" val="1921611952"/>
-      </p:ext>
-    </p:extLst>
-  </p:cSld>
-  <p:clrMapOvr>
-    <a:masterClrMapping/>
-  </p:clrMapOvr>
-</p:sld>
-</file>
-
-<file path=ppt/slides/slide40.xml><?xml version="1.0" encoding="utf-8"?>
-<p:sld xmlns:a="http://schemas.openxmlformats.org/drawingml/2006/main" xmlns:r="http://schemas.openxmlformats.org/officeDocument/2006/relationships" xmlns:p="http://schemas.openxmlformats.org/presentationml/2006/main">
-  <p:cSld>
-    <p:spTree>
-      <p:nvGrpSpPr>
-        <p:cNvPr id="1" name=""/>
-        <p:cNvGrpSpPr/>
-        <p:nvPr/>
-      </p:nvGrpSpPr>
-      <p:grpSpPr>
-        <a:xfrm>
-          <a:off x="0" y="0"/>
-          <a:ext cx="0" cy="0"/>
-          <a:chOff x="0" y="0"/>
-          <a:chExt cx="0" cy="0"/>
-        </a:xfrm>
-      </p:grpSpPr>
-      <p:sp>
-        <p:nvSpPr>
-          <p:cNvPr id="2" name="Title 1">
-            <a:extLst>
-              <a:ext uri="{FF2B5EF4-FFF2-40B4-BE49-F238E27FC236}">
-                <a16:creationId xmlns:a16="http://schemas.microsoft.com/office/drawing/2014/main" id="{F001DC26-9234-8A26-74E9-29448B7F93C0}"/>
-              </a:ext>
-            </a:extLst>
-          </p:cNvPr>
-          <p:cNvSpPr>
-            <a:spLocks noGrp="1"/>
-          </p:cNvSpPr>
-          <p:nvPr>
-            <p:ph type="title"/>
-          </p:nvPr>
-        </p:nvSpPr>
-        <p:spPr/>
-        <p:txBody>
-          <a:bodyPr/>
-          <a:lstStyle/>
-          <a:p>
-            <a:r>
-              <a:rPr lang="en-US" dirty="0"/>
-              <a:t>The Open Source Model</a:t>
-            </a:r>
-          </a:p>
-        </p:txBody>
-      </p:sp>
-      <p:sp>
-        <p:nvSpPr>
-          <p:cNvPr id="3" name="Content Placeholder 2">
-            <a:extLst>
-              <a:ext uri="{FF2B5EF4-FFF2-40B4-BE49-F238E27FC236}">
-                <a16:creationId xmlns:a16="http://schemas.microsoft.com/office/drawing/2014/main" id="{F1BC2A76-C964-03DC-AF4C-7573DA6FECC5}"/>
-              </a:ext>
-            </a:extLst>
-          </p:cNvPr>
-          <p:cNvSpPr>
-            <a:spLocks noGrp="1"/>
-          </p:cNvSpPr>
-          <p:nvPr>
-            <p:ph idx="1"/>
-          </p:nvPr>
-        </p:nvSpPr>
-        <p:spPr/>
-        <p:txBody>
-          <a:bodyPr/>
-          <a:lstStyle/>
-          <a:p>
-            <a:r>
-              <a:rPr lang="en-US" dirty="0"/>
-              <a:t> It is the practice of making the source code of software freely available to anyone who wants to access, modify, and distribute it. </a:t>
-            </a:r>
-          </a:p>
-          <a:p>
-            <a:r>
-              <a:rPr lang="en-US" dirty="0"/>
-              <a:t>This model is based on the principles of collaboration, transparency, and community-driven development. </a:t>
-            </a:r>
-          </a:p>
-          <a:p>
-            <a:r>
-              <a:rPr lang="en-US" dirty="0"/>
-              <a:t>In the open source model, the source code is released under a license that allows anyone to use, modify, and distribute the software without any restrictions.</a:t>
-            </a:r>
-          </a:p>
-        </p:txBody>
-      </p:sp>
-      <p:sp>
-        <p:nvSpPr>
-          <p:cNvPr id="4" name="Slide Number Placeholder 3">
-            <a:extLst>
-              <a:ext uri="{FF2B5EF4-FFF2-40B4-BE49-F238E27FC236}">
-                <a16:creationId xmlns:a16="http://schemas.microsoft.com/office/drawing/2014/main" id="{47E78E41-5834-18B0-344F-60575CD657E4}"/>
-              </a:ext>
-            </a:extLst>
-          </p:cNvPr>
-          <p:cNvSpPr>
-            <a:spLocks noGrp="1"/>
-          </p:cNvSpPr>
-          <p:nvPr>
-            <p:ph type="sldNum" sz="quarter" idx="12"/>
-          </p:nvPr>
-        </p:nvSpPr>
-        <p:spPr/>
-        <p:txBody>
-          <a:bodyPr/>
-          <a:lstStyle/>
-          <a:p>
-            <a:fld id="{B8DACC02-A2BD-4578-8E03-6D891060A695}" type="slidenum">
-              <a:rPr lang="en-US" smtClean="0"/>
-              <a:pPr/>
-              <a:t>40</a:t>
-            </a:fld>
-            <a:endParaRPr lang="en-US" dirty="0"/>
-          </a:p>
-        </p:txBody>
-      </p:sp>
-    </p:spTree>
-    <p:extLst>
-      <p:ext uri="{BB962C8B-B14F-4D97-AF65-F5344CB8AC3E}">
-        <p14:creationId xmlns:p14="http://schemas.microsoft.com/office/powerpoint/2010/main" val="3723019933"/>
-      </p:ext>
-    </p:extLst>
-  </p:cSld>
-  <p:clrMapOvr>
-    <a:masterClrMapping/>
-  </p:clrMapOvr>
-</p:sld>
-</file>
-
-<file path=ppt/slides/slide41.xml><?xml version="1.0" encoding="utf-8"?>
-<p:sld xmlns:a="http://schemas.openxmlformats.org/drawingml/2006/main" xmlns:r="http://schemas.openxmlformats.org/officeDocument/2006/relationships" xmlns:p="http://schemas.openxmlformats.org/presentationml/2006/main">
-  <p:cSld>
-    <p:spTree>
-      <p:nvGrpSpPr>
-        <p:cNvPr id="1" name=""/>
-        <p:cNvGrpSpPr/>
-        <p:nvPr/>
-      </p:nvGrpSpPr>
-      <p:grpSpPr>
-        <a:xfrm>
-          <a:off x="0" y="0"/>
-          <a:ext cx="0" cy="0"/>
-          <a:chOff x="0" y="0"/>
-          <a:chExt cx="0" cy="0"/>
-        </a:xfrm>
-      </p:grpSpPr>
-      <p:sp>
-        <p:nvSpPr>
-          <p:cNvPr id="2" name="Title 1">
-            <a:extLst>
-              <a:ext uri="{FF2B5EF4-FFF2-40B4-BE49-F238E27FC236}">
-                <a16:creationId xmlns:a16="http://schemas.microsoft.com/office/drawing/2014/main" id="{F001DC26-9234-8A26-74E9-29448B7F93C0}"/>
-              </a:ext>
-            </a:extLst>
-          </p:cNvPr>
-          <p:cNvSpPr>
-            <a:spLocks noGrp="1"/>
-          </p:cNvSpPr>
-          <p:nvPr>
-            <p:ph type="title"/>
-          </p:nvPr>
-        </p:nvSpPr>
-        <p:spPr/>
-        <p:txBody>
-          <a:bodyPr/>
-          <a:lstStyle/>
-          <a:p>
-            <a:r>
-              <a:rPr lang="en-US" dirty="0"/>
-              <a:t>The Open Source Model</a:t>
-            </a:r>
-          </a:p>
-        </p:txBody>
-      </p:sp>
-      <p:sp>
-        <p:nvSpPr>
-          <p:cNvPr id="3" name="Content Placeholder 2">
-            <a:extLst>
-              <a:ext uri="{FF2B5EF4-FFF2-40B4-BE49-F238E27FC236}">
-                <a16:creationId xmlns:a16="http://schemas.microsoft.com/office/drawing/2014/main" id="{F1BC2A76-C964-03DC-AF4C-7573DA6FECC5}"/>
-              </a:ext>
-            </a:extLst>
-          </p:cNvPr>
-          <p:cNvSpPr>
-            <a:spLocks noGrp="1"/>
-          </p:cNvSpPr>
-          <p:nvPr>
-            <p:ph idx="1"/>
-          </p:nvPr>
-        </p:nvSpPr>
-        <p:spPr/>
-        <p:txBody>
-          <a:bodyPr>
-            <a:normAutofit/>
-          </a:bodyPr>
-          <a:lstStyle/>
-          <a:p>
-            <a:r>
-              <a:rPr lang="en-US" dirty="0"/>
-              <a:t>Advantages</a:t>
-            </a:r>
-          </a:p>
-          <a:p>
-            <a:pPr lvl="1">
-              <a:lnSpc>
-                <a:spcPct val="150000"/>
-              </a:lnSpc>
-            </a:pPr>
-            <a:r>
-              <a:rPr lang="en-US" dirty="0"/>
-              <a:t>Reduced development costs</a:t>
-            </a:r>
-          </a:p>
-          <a:p>
-            <a:pPr lvl="1">
-              <a:lnSpc>
-                <a:spcPct val="150000"/>
-              </a:lnSpc>
-            </a:pPr>
-            <a:r>
-              <a:rPr lang="en-US" dirty="0"/>
-              <a:t>Faster time-to-market</a:t>
-            </a:r>
-          </a:p>
-          <a:p>
-            <a:pPr lvl="1">
-              <a:lnSpc>
-                <a:spcPct val="150000"/>
-              </a:lnSpc>
-            </a:pPr>
-            <a:r>
-              <a:rPr lang="en-US" dirty="0"/>
-              <a:t>Improved quality</a:t>
-            </a:r>
-          </a:p>
-          <a:p>
-            <a:pPr lvl="1">
-              <a:lnSpc>
-                <a:spcPct val="150000"/>
-              </a:lnSpc>
-            </a:pPr>
-            <a:r>
-              <a:rPr lang="en-US" dirty="0"/>
-              <a:t>Increased security</a:t>
-            </a:r>
-          </a:p>
-          <a:p>
-            <a:pPr lvl="1">
-              <a:lnSpc>
-                <a:spcPct val="150000"/>
-              </a:lnSpc>
-            </a:pPr>
-            <a:r>
-              <a:rPr lang="en-US" dirty="0"/>
-              <a:t>Greater flexibility</a:t>
-            </a:r>
-          </a:p>
-          <a:p>
-            <a:pPr lvl="1">
-              <a:lnSpc>
-                <a:spcPct val="150000"/>
-              </a:lnSpc>
-            </a:pPr>
-            <a:r>
-              <a:rPr lang="en-US" dirty="0"/>
-              <a:t>Community engagement</a:t>
-            </a:r>
-          </a:p>
-        </p:txBody>
-      </p:sp>
-      <p:sp>
-        <p:nvSpPr>
-          <p:cNvPr id="4" name="Slide Number Placeholder 3">
-            <a:extLst>
-              <a:ext uri="{FF2B5EF4-FFF2-40B4-BE49-F238E27FC236}">
-                <a16:creationId xmlns:a16="http://schemas.microsoft.com/office/drawing/2014/main" id="{47E78E41-5834-18B0-344F-60575CD657E4}"/>
-              </a:ext>
-            </a:extLst>
-          </p:cNvPr>
-          <p:cNvSpPr>
-            <a:spLocks noGrp="1"/>
-          </p:cNvSpPr>
-          <p:nvPr>
-            <p:ph type="sldNum" sz="quarter" idx="12"/>
-          </p:nvPr>
-        </p:nvSpPr>
-        <p:spPr/>
-        <p:txBody>
-          <a:bodyPr/>
-          <a:lstStyle/>
-          <a:p>
-            <a:fld id="{B8DACC02-A2BD-4578-8E03-6D891060A695}" type="slidenum">
-              <a:rPr lang="en-US" smtClean="0"/>
-              <a:pPr/>
-              <a:t>41</a:t>
-            </a:fld>
-            <a:endParaRPr lang="en-US" dirty="0"/>
-          </a:p>
-        </p:txBody>
-      </p:sp>
-    </p:spTree>
-    <p:extLst>
-      <p:ext uri="{BB962C8B-B14F-4D97-AF65-F5344CB8AC3E}">
-        <p14:creationId xmlns:p14="http://schemas.microsoft.com/office/powerpoint/2010/main" val="628452950"/>
-      </p:ext>
-    </p:extLst>
-  </p:cSld>
-  <p:clrMapOvr>
-    <a:masterClrMapping/>
-  </p:clrMapOvr>
-</p:sld>
-</file>
-
-<file path=ppt/slides/slide42.xml><?xml version="1.0" encoding="utf-8"?>
-<p:sld xmlns:a="http://schemas.openxmlformats.org/drawingml/2006/main" xmlns:r="http://schemas.openxmlformats.org/officeDocument/2006/relationships" xmlns:p="http://schemas.openxmlformats.org/presentationml/2006/main">
-  <p:cSld>
-    <p:spTree>
-      <p:nvGrpSpPr>
-        <p:cNvPr id="1" name=""/>
-        <p:cNvGrpSpPr/>
-        <p:nvPr/>
-      </p:nvGrpSpPr>
-      <p:grpSpPr>
-        <a:xfrm>
-          <a:off x="0" y="0"/>
-          <a:ext cx="0" cy="0"/>
-          <a:chOff x="0" y="0"/>
-          <a:chExt cx="0" cy="0"/>
-        </a:xfrm>
-      </p:grpSpPr>
-      <p:sp>
-        <p:nvSpPr>
-          <p:cNvPr id="2" name="Title 1">
-            <a:extLst>
-              <a:ext uri="{FF2B5EF4-FFF2-40B4-BE49-F238E27FC236}">
-                <a16:creationId xmlns:a16="http://schemas.microsoft.com/office/drawing/2014/main" id="{F001DC26-9234-8A26-74E9-29448B7F93C0}"/>
-              </a:ext>
-            </a:extLst>
-          </p:cNvPr>
-          <p:cNvSpPr>
-            <a:spLocks noGrp="1"/>
-          </p:cNvSpPr>
-          <p:nvPr>
-            <p:ph type="title"/>
-          </p:nvPr>
-        </p:nvSpPr>
-        <p:spPr/>
-        <p:txBody>
-          <a:bodyPr/>
-          <a:lstStyle/>
-          <a:p>
-            <a:r>
-              <a:rPr lang="en-US" dirty="0"/>
-              <a:t>The Open Source Model</a:t>
-            </a:r>
-          </a:p>
-        </p:txBody>
-      </p:sp>
-      <p:sp>
-        <p:nvSpPr>
-          <p:cNvPr id="3" name="Content Placeholder 2">
-            <a:extLst>
-              <a:ext uri="{FF2B5EF4-FFF2-40B4-BE49-F238E27FC236}">
-                <a16:creationId xmlns:a16="http://schemas.microsoft.com/office/drawing/2014/main" id="{F1BC2A76-C964-03DC-AF4C-7573DA6FECC5}"/>
-              </a:ext>
-            </a:extLst>
-          </p:cNvPr>
-          <p:cNvSpPr>
-            <a:spLocks noGrp="1"/>
-          </p:cNvSpPr>
-          <p:nvPr>
-            <p:ph idx="1"/>
-          </p:nvPr>
-        </p:nvSpPr>
-        <p:spPr/>
-        <p:txBody>
-          <a:bodyPr>
-            <a:normAutofit/>
-          </a:bodyPr>
-          <a:lstStyle/>
-          <a:p>
-            <a:r>
-              <a:rPr lang="en-US" dirty="0"/>
-              <a:t> Business models</a:t>
-            </a:r>
-          </a:p>
-          <a:p>
-            <a:pPr lvl="1">
-              <a:lnSpc>
-                <a:spcPct val="150000"/>
-              </a:lnSpc>
-            </a:pPr>
-            <a:r>
-              <a:rPr lang="en-US" dirty="0"/>
-              <a:t>Support and services</a:t>
-            </a:r>
-          </a:p>
-          <a:p>
-            <a:pPr lvl="1">
-              <a:lnSpc>
-                <a:spcPct val="150000"/>
-              </a:lnSpc>
-            </a:pPr>
-            <a:r>
-              <a:rPr lang="en-US" dirty="0"/>
-              <a:t>Dual-licensing</a:t>
-            </a:r>
-          </a:p>
-          <a:p>
-            <a:pPr lvl="1">
-              <a:lnSpc>
-                <a:spcPct val="150000"/>
-              </a:lnSpc>
-            </a:pPr>
-            <a:r>
-              <a:rPr lang="en-US" dirty="0"/>
-              <a:t>Open source products</a:t>
-            </a:r>
-          </a:p>
-          <a:p>
-            <a:pPr lvl="1">
-              <a:lnSpc>
-                <a:spcPct val="150000"/>
-              </a:lnSpc>
-            </a:pPr>
-            <a:r>
-              <a:rPr lang="en-US" dirty="0"/>
-              <a:t>Cloud-based services</a:t>
-            </a:r>
-          </a:p>
-          <a:p>
-            <a:pPr lvl="1">
-              <a:lnSpc>
-                <a:spcPct val="150000"/>
-              </a:lnSpc>
-            </a:pPr>
-            <a:r>
-              <a:rPr lang="en-US" dirty="0"/>
-              <a:t>Consulting</a:t>
-            </a:r>
-          </a:p>
-          <a:p>
-            <a:pPr lvl="1">
-              <a:lnSpc>
-                <a:spcPct val="150000"/>
-              </a:lnSpc>
-            </a:pPr>
-            <a:r>
-              <a:rPr lang="en-US" dirty="0"/>
-              <a:t>Sponsorship</a:t>
-            </a:r>
-          </a:p>
-        </p:txBody>
-      </p:sp>
-      <p:sp>
-        <p:nvSpPr>
-          <p:cNvPr id="4" name="Slide Number Placeholder 3">
-            <a:extLst>
-              <a:ext uri="{FF2B5EF4-FFF2-40B4-BE49-F238E27FC236}">
-                <a16:creationId xmlns:a16="http://schemas.microsoft.com/office/drawing/2014/main" id="{47E78E41-5834-18B0-344F-60575CD657E4}"/>
-              </a:ext>
-            </a:extLst>
-          </p:cNvPr>
-          <p:cNvSpPr>
-            <a:spLocks noGrp="1"/>
-          </p:cNvSpPr>
-          <p:nvPr>
-            <p:ph type="sldNum" sz="quarter" idx="12"/>
-          </p:nvPr>
-        </p:nvSpPr>
-        <p:spPr/>
-        <p:txBody>
-          <a:bodyPr/>
-          <a:lstStyle/>
-          <a:p>
-            <a:fld id="{B8DACC02-A2BD-4578-8E03-6D891060A695}" type="slidenum">
-              <a:rPr lang="en-US" smtClean="0"/>
-              <a:pPr/>
-              <a:t>42</a:t>
-            </a:fld>
-            <a:endParaRPr lang="en-US" dirty="0"/>
-          </a:p>
-        </p:txBody>
-      </p:sp>
-    </p:spTree>
-    <p:extLst>
-      <p:ext uri="{BB962C8B-B14F-4D97-AF65-F5344CB8AC3E}">
-        <p14:creationId xmlns:p14="http://schemas.microsoft.com/office/powerpoint/2010/main" val="2663997279"/>
       </p:ext>
     </p:extLst>
   </p:cSld>
@@ -27416,71 +27442,25 @@
         </p:nvSpPr>
         <p:spPr/>
         <p:txBody>
-          <a:bodyPr>
-            <a:normAutofit/>
-          </a:bodyPr>
+          <a:bodyPr/>
           <a:lstStyle/>
           <a:p>
             <a:r>
               <a:rPr lang="en-US" dirty="0"/>
-              <a:t> Challenges</a:t>
+              <a:t> It is the practice of making the source code of software freely available to anyone who wants to access, modify, and distribute it. </a:t>
             </a:r>
           </a:p>
           <a:p>
-            <a:pPr lvl="1">
-              <a:lnSpc>
-                <a:spcPct val="150000"/>
-              </a:lnSpc>
-            </a:pPr>
             <a:r>
               <a:rPr lang="en-US" dirty="0"/>
-              <a:t>Sustainability</a:t>
+              <a:t>This model is based on the principles of collaboration, transparency, and community-driven development. </a:t>
             </a:r>
           </a:p>
           <a:p>
-            <a:pPr lvl="1">
-              <a:lnSpc>
-                <a:spcPct val="150000"/>
-              </a:lnSpc>
-            </a:pPr>
             <a:r>
               <a:rPr lang="en-US" dirty="0"/>
-              <a:t>Intellectual property</a:t>
+              <a:t>In the open source model, the source code is released under a license that allows anyone to use, modify, and distribute the software without any restrictions.</a:t>
             </a:r>
-          </a:p>
-          <a:p>
-            <a:pPr lvl="1">
-              <a:lnSpc>
-                <a:spcPct val="150000"/>
-              </a:lnSpc>
-            </a:pPr>
-            <a:r>
-              <a:rPr lang="en-US" dirty="0"/>
-              <a:t>Support and maintenance</a:t>
-            </a:r>
-          </a:p>
-          <a:p>
-            <a:pPr lvl="1">
-              <a:lnSpc>
-                <a:spcPct val="150000"/>
-              </a:lnSpc>
-            </a:pPr>
-            <a:r>
-              <a:rPr lang="en-US" dirty="0"/>
-              <a:t>Licensing</a:t>
-            </a:r>
-          </a:p>
-          <a:p>
-            <a:pPr lvl="1">
-              <a:lnSpc>
-                <a:spcPct val="150000"/>
-              </a:lnSpc>
-            </a:pPr>
-            <a:r>
-              <a:rPr lang="en-US"/>
-              <a:t>Security</a:t>
-            </a:r>
-            <a:endParaRPr lang="en-US" dirty="0"/>
           </a:p>
         </p:txBody>
       </p:sp>
@@ -27509,6 +27489,548 @@
               <a:rPr lang="en-US" smtClean="0"/>
               <a:pPr/>
               <a:t>43</a:t>
+            </a:fld>
+            <a:endParaRPr lang="en-US" dirty="0"/>
+          </a:p>
+        </p:txBody>
+      </p:sp>
+    </p:spTree>
+    <p:extLst>
+      <p:ext uri="{BB962C8B-B14F-4D97-AF65-F5344CB8AC3E}">
+        <p14:creationId xmlns:p14="http://schemas.microsoft.com/office/powerpoint/2010/main" val="3723019933"/>
+      </p:ext>
+    </p:extLst>
+  </p:cSld>
+  <p:clrMapOvr>
+    <a:masterClrMapping/>
+  </p:clrMapOvr>
+</p:sld>
+</file>
+
+<file path=ppt/slides/slide44.xml><?xml version="1.0" encoding="utf-8"?>
+<p:sld xmlns:a="http://schemas.openxmlformats.org/drawingml/2006/main" xmlns:r="http://schemas.openxmlformats.org/officeDocument/2006/relationships" xmlns:p="http://schemas.openxmlformats.org/presentationml/2006/main">
+  <p:cSld>
+    <p:spTree>
+      <p:nvGrpSpPr>
+        <p:cNvPr id="1" name=""/>
+        <p:cNvGrpSpPr/>
+        <p:nvPr/>
+      </p:nvGrpSpPr>
+      <p:grpSpPr>
+        <a:xfrm>
+          <a:off x="0" y="0"/>
+          <a:ext cx="0" cy="0"/>
+          <a:chOff x="0" y="0"/>
+          <a:chExt cx="0" cy="0"/>
+        </a:xfrm>
+      </p:grpSpPr>
+      <p:sp>
+        <p:nvSpPr>
+          <p:cNvPr id="2" name="Title 1">
+            <a:extLst>
+              <a:ext uri="{FF2B5EF4-FFF2-40B4-BE49-F238E27FC236}">
+                <a16:creationId xmlns:a16="http://schemas.microsoft.com/office/drawing/2014/main" id="{F001DC26-9234-8A26-74E9-29448B7F93C0}"/>
+              </a:ext>
+            </a:extLst>
+          </p:cNvPr>
+          <p:cNvSpPr>
+            <a:spLocks noGrp="1"/>
+          </p:cNvSpPr>
+          <p:nvPr>
+            <p:ph type="title"/>
+          </p:nvPr>
+        </p:nvSpPr>
+        <p:spPr/>
+        <p:txBody>
+          <a:bodyPr/>
+          <a:lstStyle/>
+          <a:p>
+            <a:r>
+              <a:rPr lang="en-US" dirty="0"/>
+              <a:t>The Open Source Model</a:t>
+            </a:r>
+          </a:p>
+        </p:txBody>
+      </p:sp>
+      <p:sp>
+        <p:nvSpPr>
+          <p:cNvPr id="3" name="Content Placeholder 2">
+            <a:extLst>
+              <a:ext uri="{FF2B5EF4-FFF2-40B4-BE49-F238E27FC236}">
+                <a16:creationId xmlns:a16="http://schemas.microsoft.com/office/drawing/2014/main" id="{F1BC2A76-C964-03DC-AF4C-7573DA6FECC5}"/>
+              </a:ext>
+            </a:extLst>
+          </p:cNvPr>
+          <p:cNvSpPr>
+            <a:spLocks noGrp="1"/>
+          </p:cNvSpPr>
+          <p:nvPr>
+            <p:ph idx="1"/>
+          </p:nvPr>
+        </p:nvSpPr>
+        <p:spPr/>
+        <p:txBody>
+          <a:bodyPr>
+            <a:normAutofit/>
+          </a:bodyPr>
+          <a:lstStyle/>
+          <a:p>
+            <a:r>
+              <a:rPr lang="en-US" dirty="0"/>
+              <a:t>Advantages</a:t>
+            </a:r>
+          </a:p>
+          <a:p>
+            <a:pPr lvl="1">
+              <a:lnSpc>
+                <a:spcPct val="150000"/>
+              </a:lnSpc>
+            </a:pPr>
+            <a:r>
+              <a:rPr lang="en-US" dirty="0"/>
+              <a:t>Reduced development costs</a:t>
+            </a:r>
+          </a:p>
+          <a:p>
+            <a:pPr lvl="1">
+              <a:lnSpc>
+                <a:spcPct val="150000"/>
+              </a:lnSpc>
+            </a:pPr>
+            <a:r>
+              <a:rPr lang="en-US" dirty="0"/>
+              <a:t>Faster time-to-market</a:t>
+            </a:r>
+          </a:p>
+          <a:p>
+            <a:pPr lvl="1">
+              <a:lnSpc>
+                <a:spcPct val="150000"/>
+              </a:lnSpc>
+            </a:pPr>
+            <a:r>
+              <a:rPr lang="en-US" dirty="0"/>
+              <a:t>Improved quality</a:t>
+            </a:r>
+          </a:p>
+          <a:p>
+            <a:pPr lvl="1">
+              <a:lnSpc>
+                <a:spcPct val="150000"/>
+              </a:lnSpc>
+            </a:pPr>
+            <a:r>
+              <a:rPr lang="en-US" dirty="0"/>
+              <a:t>Increased security</a:t>
+            </a:r>
+          </a:p>
+          <a:p>
+            <a:pPr lvl="1">
+              <a:lnSpc>
+                <a:spcPct val="150000"/>
+              </a:lnSpc>
+            </a:pPr>
+            <a:r>
+              <a:rPr lang="en-US" dirty="0"/>
+              <a:t>Greater flexibility</a:t>
+            </a:r>
+          </a:p>
+          <a:p>
+            <a:pPr lvl="1">
+              <a:lnSpc>
+                <a:spcPct val="150000"/>
+              </a:lnSpc>
+            </a:pPr>
+            <a:r>
+              <a:rPr lang="en-US" dirty="0"/>
+              <a:t>Community engagement</a:t>
+            </a:r>
+          </a:p>
+        </p:txBody>
+      </p:sp>
+      <p:sp>
+        <p:nvSpPr>
+          <p:cNvPr id="4" name="Slide Number Placeholder 3">
+            <a:extLst>
+              <a:ext uri="{FF2B5EF4-FFF2-40B4-BE49-F238E27FC236}">
+                <a16:creationId xmlns:a16="http://schemas.microsoft.com/office/drawing/2014/main" id="{47E78E41-5834-18B0-344F-60575CD657E4}"/>
+              </a:ext>
+            </a:extLst>
+          </p:cNvPr>
+          <p:cNvSpPr>
+            <a:spLocks noGrp="1"/>
+          </p:cNvSpPr>
+          <p:nvPr>
+            <p:ph type="sldNum" sz="quarter" idx="12"/>
+          </p:nvPr>
+        </p:nvSpPr>
+        <p:spPr/>
+        <p:txBody>
+          <a:bodyPr/>
+          <a:lstStyle/>
+          <a:p>
+            <a:fld id="{B8DACC02-A2BD-4578-8E03-6D891060A695}" type="slidenum">
+              <a:rPr lang="en-US" smtClean="0"/>
+              <a:pPr/>
+              <a:t>44</a:t>
+            </a:fld>
+            <a:endParaRPr lang="en-US" dirty="0"/>
+          </a:p>
+        </p:txBody>
+      </p:sp>
+    </p:spTree>
+    <p:extLst>
+      <p:ext uri="{BB962C8B-B14F-4D97-AF65-F5344CB8AC3E}">
+        <p14:creationId xmlns:p14="http://schemas.microsoft.com/office/powerpoint/2010/main" val="628452950"/>
+      </p:ext>
+    </p:extLst>
+  </p:cSld>
+  <p:clrMapOvr>
+    <a:masterClrMapping/>
+  </p:clrMapOvr>
+</p:sld>
+</file>
+
+<file path=ppt/slides/slide45.xml><?xml version="1.0" encoding="utf-8"?>
+<p:sld xmlns:a="http://schemas.openxmlformats.org/drawingml/2006/main" xmlns:r="http://schemas.openxmlformats.org/officeDocument/2006/relationships" xmlns:p="http://schemas.openxmlformats.org/presentationml/2006/main">
+  <p:cSld>
+    <p:spTree>
+      <p:nvGrpSpPr>
+        <p:cNvPr id="1" name=""/>
+        <p:cNvGrpSpPr/>
+        <p:nvPr/>
+      </p:nvGrpSpPr>
+      <p:grpSpPr>
+        <a:xfrm>
+          <a:off x="0" y="0"/>
+          <a:ext cx="0" cy="0"/>
+          <a:chOff x="0" y="0"/>
+          <a:chExt cx="0" cy="0"/>
+        </a:xfrm>
+      </p:grpSpPr>
+      <p:sp>
+        <p:nvSpPr>
+          <p:cNvPr id="2" name="Title 1">
+            <a:extLst>
+              <a:ext uri="{FF2B5EF4-FFF2-40B4-BE49-F238E27FC236}">
+                <a16:creationId xmlns:a16="http://schemas.microsoft.com/office/drawing/2014/main" id="{F001DC26-9234-8A26-74E9-29448B7F93C0}"/>
+              </a:ext>
+            </a:extLst>
+          </p:cNvPr>
+          <p:cNvSpPr>
+            <a:spLocks noGrp="1"/>
+          </p:cNvSpPr>
+          <p:nvPr>
+            <p:ph type="title"/>
+          </p:nvPr>
+        </p:nvSpPr>
+        <p:spPr/>
+        <p:txBody>
+          <a:bodyPr/>
+          <a:lstStyle/>
+          <a:p>
+            <a:r>
+              <a:rPr lang="en-US" dirty="0"/>
+              <a:t>The Open Source Model</a:t>
+            </a:r>
+          </a:p>
+        </p:txBody>
+      </p:sp>
+      <p:sp>
+        <p:nvSpPr>
+          <p:cNvPr id="3" name="Content Placeholder 2">
+            <a:extLst>
+              <a:ext uri="{FF2B5EF4-FFF2-40B4-BE49-F238E27FC236}">
+                <a16:creationId xmlns:a16="http://schemas.microsoft.com/office/drawing/2014/main" id="{F1BC2A76-C964-03DC-AF4C-7573DA6FECC5}"/>
+              </a:ext>
+            </a:extLst>
+          </p:cNvPr>
+          <p:cNvSpPr>
+            <a:spLocks noGrp="1"/>
+          </p:cNvSpPr>
+          <p:nvPr>
+            <p:ph idx="1"/>
+          </p:nvPr>
+        </p:nvSpPr>
+        <p:spPr/>
+        <p:txBody>
+          <a:bodyPr>
+            <a:normAutofit/>
+          </a:bodyPr>
+          <a:lstStyle/>
+          <a:p>
+            <a:r>
+              <a:rPr lang="en-US" dirty="0"/>
+              <a:t> Business models</a:t>
+            </a:r>
+          </a:p>
+          <a:p>
+            <a:pPr lvl="1">
+              <a:lnSpc>
+                <a:spcPct val="150000"/>
+              </a:lnSpc>
+            </a:pPr>
+            <a:r>
+              <a:rPr lang="en-US" dirty="0"/>
+              <a:t>Support and services</a:t>
+            </a:r>
+          </a:p>
+          <a:p>
+            <a:pPr lvl="1">
+              <a:lnSpc>
+                <a:spcPct val="150000"/>
+              </a:lnSpc>
+            </a:pPr>
+            <a:r>
+              <a:rPr lang="en-US" dirty="0"/>
+              <a:t>Dual-licensing</a:t>
+            </a:r>
+          </a:p>
+          <a:p>
+            <a:pPr lvl="1">
+              <a:lnSpc>
+                <a:spcPct val="150000"/>
+              </a:lnSpc>
+            </a:pPr>
+            <a:r>
+              <a:rPr lang="en-US" dirty="0"/>
+              <a:t>Open source products</a:t>
+            </a:r>
+          </a:p>
+          <a:p>
+            <a:pPr lvl="1">
+              <a:lnSpc>
+                <a:spcPct val="150000"/>
+              </a:lnSpc>
+            </a:pPr>
+            <a:r>
+              <a:rPr lang="en-US" dirty="0"/>
+              <a:t>Cloud-based services</a:t>
+            </a:r>
+          </a:p>
+          <a:p>
+            <a:pPr lvl="1">
+              <a:lnSpc>
+                <a:spcPct val="150000"/>
+              </a:lnSpc>
+            </a:pPr>
+            <a:r>
+              <a:rPr lang="en-US" dirty="0"/>
+              <a:t>Consulting</a:t>
+            </a:r>
+          </a:p>
+          <a:p>
+            <a:pPr lvl="1">
+              <a:lnSpc>
+                <a:spcPct val="150000"/>
+              </a:lnSpc>
+            </a:pPr>
+            <a:r>
+              <a:rPr lang="en-US" dirty="0"/>
+              <a:t>Sponsorship</a:t>
+            </a:r>
+          </a:p>
+        </p:txBody>
+      </p:sp>
+      <p:sp>
+        <p:nvSpPr>
+          <p:cNvPr id="4" name="Slide Number Placeholder 3">
+            <a:extLst>
+              <a:ext uri="{FF2B5EF4-FFF2-40B4-BE49-F238E27FC236}">
+                <a16:creationId xmlns:a16="http://schemas.microsoft.com/office/drawing/2014/main" id="{47E78E41-5834-18B0-344F-60575CD657E4}"/>
+              </a:ext>
+            </a:extLst>
+          </p:cNvPr>
+          <p:cNvSpPr>
+            <a:spLocks noGrp="1"/>
+          </p:cNvSpPr>
+          <p:nvPr>
+            <p:ph type="sldNum" sz="quarter" idx="12"/>
+          </p:nvPr>
+        </p:nvSpPr>
+        <p:spPr/>
+        <p:txBody>
+          <a:bodyPr/>
+          <a:lstStyle/>
+          <a:p>
+            <a:fld id="{B8DACC02-A2BD-4578-8E03-6D891060A695}" type="slidenum">
+              <a:rPr lang="en-US" smtClean="0"/>
+              <a:pPr/>
+              <a:t>45</a:t>
+            </a:fld>
+            <a:endParaRPr lang="en-US" dirty="0"/>
+          </a:p>
+        </p:txBody>
+      </p:sp>
+    </p:spTree>
+    <p:extLst>
+      <p:ext uri="{BB962C8B-B14F-4D97-AF65-F5344CB8AC3E}">
+        <p14:creationId xmlns:p14="http://schemas.microsoft.com/office/powerpoint/2010/main" val="2663997279"/>
+      </p:ext>
+    </p:extLst>
+  </p:cSld>
+  <p:clrMapOvr>
+    <a:masterClrMapping/>
+  </p:clrMapOvr>
+</p:sld>
+</file>
+
+<file path=ppt/slides/slide46.xml><?xml version="1.0" encoding="utf-8"?>
+<p:sld xmlns:a="http://schemas.openxmlformats.org/drawingml/2006/main" xmlns:r="http://schemas.openxmlformats.org/officeDocument/2006/relationships" xmlns:p="http://schemas.openxmlformats.org/presentationml/2006/main">
+  <p:cSld>
+    <p:spTree>
+      <p:nvGrpSpPr>
+        <p:cNvPr id="1" name=""/>
+        <p:cNvGrpSpPr/>
+        <p:nvPr/>
+      </p:nvGrpSpPr>
+      <p:grpSpPr>
+        <a:xfrm>
+          <a:off x="0" y="0"/>
+          <a:ext cx="0" cy="0"/>
+          <a:chOff x="0" y="0"/>
+          <a:chExt cx="0" cy="0"/>
+        </a:xfrm>
+      </p:grpSpPr>
+      <p:sp>
+        <p:nvSpPr>
+          <p:cNvPr id="2" name="Title 1">
+            <a:extLst>
+              <a:ext uri="{FF2B5EF4-FFF2-40B4-BE49-F238E27FC236}">
+                <a16:creationId xmlns:a16="http://schemas.microsoft.com/office/drawing/2014/main" id="{F001DC26-9234-8A26-74E9-29448B7F93C0}"/>
+              </a:ext>
+            </a:extLst>
+          </p:cNvPr>
+          <p:cNvSpPr>
+            <a:spLocks noGrp="1"/>
+          </p:cNvSpPr>
+          <p:nvPr>
+            <p:ph type="title"/>
+          </p:nvPr>
+        </p:nvSpPr>
+        <p:spPr/>
+        <p:txBody>
+          <a:bodyPr/>
+          <a:lstStyle/>
+          <a:p>
+            <a:r>
+              <a:rPr lang="en-US" dirty="0"/>
+              <a:t>The Open Source Model</a:t>
+            </a:r>
+          </a:p>
+        </p:txBody>
+      </p:sp>
+      <p:sp>
+        <p:nvSpPr>
+          <p:cNvPr id="3" name="Content Placeholder 2">
+            <a:extLst>
+              <a:ext uri="{FF2B5EF4-FFF2-40B4-BE49-F238E27FC236}">
+                <a16:creationId xmlns:a16="http://schemas.microsoft.com/office/drawing/2014/main" id="{F1BC2A76-C964-03DC-AF4C-7573DA6FECC5}"/>
+              </a:ext>
+            </a:extLst>
+          </p:cNvPr>
+          <p:cNvSpPr>
+            <a:spLocks noGrp="1"/>
+          </p:cNvSpPr>
+          <p:nvPr>
+            <p:ph idx="1"/>
+          </p:nvPr>
+        </p:nvSpPr>
+        <p:spPr/>
+        <p:txBody>
+          <a:bodyPr>
+            <a:normAutofit/>
+          </a:bodyPr>
+          <a:lstStyle/>
+          <a:p>
+            <a:r>
+              <a:rPr lang="en-US" dirty="0"/>
+              <a:t> Challenges</a:t>
+            </a:r>
+          </a:p>
+          <a:p>
+            <a:pPr lvl="1">
+              <a:lnSpc>
+                <a:spcPct val="150000"/>
+              </a:lnSpc>
+            </a:pPr>
+            <a:r>
+              <a:rPr lang="en-US" dirty="0"/>
+              <a:t>Sustainability</a:t>
+            </a:r>
+          </a:p>
+          <a:p>
+            <a:pPr lvl="1">
+              <a:lnSpc>
+                <a:spcPct val="150000"/>
+              </a:lnSpc>
+            </a:pPr>
+            <a:r>
+              <a:rPr lang="en-US" dirty="0"/>
+              <a:t>Intellectual property</a:t>
+            </a:r>
+          </a:p>
+          <a:p>
+            <a:pPr lvl="1">
+              <a:lnSpc>
+                <a:spcPct val="150000"/>
+              </a:lnSpc>
+            </a:pPr>
+            <a:r>
+              <a:rPr lang="en-US" dirty="0"/>
+              <a:t>Support and maintenance</a:t>
+            </a:r>
+          </a:p>
+          <a:p>
+            <a:pPr lvl="1">
+              <a:lnSpc>
+                <a:spcPct val="150000"/>
+              </a:lnSpc>
+            </a:pPr>
+            <a:r>
+              <a:rPr lang="en-US" dirty="0"/>
+              <a:t>Licensing</a:t>
+            </a:r>
+          </a:p>
+          <a:p>
+            <a:pPr lvl="1">
+              <a:lnSpc>
+                <a:spcPct val="150000"/>
+              </a:lnSpc>
+            </a:pPr>
+            <a:r>
+              <a:rPr lang="en-US"/>
+              <a:t>Security</a:t>
+            </a:r>
+            <a:endParaRPr lang="en-US" dirty="0"/>
+          </a:p>
+        </p:txBody>
+      </p:sp>
+      <p:sp>
+        <p:nvSpPr>
+          <p:cNvPr id="4" name="Slide Number Placeholder 3">
+            <a:extLst>
+              <a:ext uri="{FF2B5EF4-FFF2-40B4-BE49-F238E27FC236}">
+                <a16:creationId xmlns:a16="http://schemas.microsoft.com/office/drawing/2014/main" id="{47E78E41-5834-18B0-344F-60575CD657E4}"/>
+              </a:ext>
+            </a:extLst>
+          </p:cNvPr>
+          <p:cNvSpPr>
+            <a:spLocks noGrp="1"/>
+          </p:cNvSpPr>
+          <p:nvPr>
+            <p:ph type="sldNum" sz="quarter" idx="12"/>
+          </p:nvPr>
+        </p:nvSpPr>
+        <p:spPr/>
+        <p:txBody>
+          <a:bodyPr/>
+          <a:lstStyle/>
+          <a:p>
+            <a:fld id="{B8DACC02-A2BD-4578-8E03-6D891060A695}" type="slidenum">
+              <a:rPr lang="en-US" smtClean="0"/>
+              <a:pPr/>
+              <a:t>46</a:t>
             </a:fld>
             <a:endParaRPr lang="en-US" dirty="0"/>
           </a:p>

--- a/SE495/Lectures/2-Models/Models.pptx
+++ b/SE495/Lectures/2-Models/Models.pptx
@@ -5,7 +5,7 @@
     <p:sldMasterId id="2147483648" r:id="rId1"/>
   </p:sldMasterIdLst>
   <p:notesMasterIdLst>
-    <p:notesMasterId r:id="rId48"/>
+    <p:notesMasterId r:id="rId49"/>
   </p:notesMasterIdLst>
   <p:sldIdLst>
     <p:sldId id="256" r:id="rId2"/>
@@ -36,24 +36,25 @@
     <p:sldId id="766" r:id="rId27"/>
     <p:sldId id="764" r:id="rId28"/>
     <p:sldId id="767" r:id="rId29"/>
-    <p:sldId id="768" r:id="rId30"/>
-    <p:sldId id="769" r:id="rId31"/>
-    <p:sldId id="785" r:id="rId32"/>
-    <p:sldId id="770" r:id="rId33"/>
-    <p:sldId id="771" r:id="rId34"/>
-    <p:sldId id="772" r:id="rId35"/>
-    <p:sldId id="762" r:id="rId36"/>
-    <p:sldId id="774" r:id="rId37"/>
-    <p:sldId id="773" r:id="rId38"/>
-    <p:sldId id="775" r:id="rId39"/>
-    <p:sldId id="776" r:id="rId40"/>
-    <p:sldId id="777" r:id="rId41"/>
-    <p:sldId id="778" r:id="rId42"/>
-    <p:sldId id="779" r:id="rId43"/>
-    <p:sldId id="780" r:id="rId44"/>
-    <p:sldId id="781" r:id="rId45"/>
-    <p:sldId id="782" r:id="rId46"/>
-    <p:sldId id="783" r:id="rId47"/>
+    <p:sldId id="789" r:id="rId30"/>
+    <p:sldId id="768" r:id="rId31"/>
+    <p:sldId id="769" r:id="rId32"/>
+    <p:sldId id="785" r:id="rId33"/>
+    <p:sldId id="770" r:id="rId34"/>
+    <p:sldId id="771" r:id="rId35"/>
+    <p:sldId id="772" r:id="rId36"/>
+    <p:sldId id="762" r:id="rId37"/>
+    <p:sldId id="774" r:id="rId38"/>
+    <p:sldId id="773" r:id="rId39"/>
+    <p:sldId id="775" r:id="rId40"/>
+    <p:sldId id="776" r:id="rId41"/>
+    <p:sldId id="777" r:id="rId42"/>
+    <p:sldId id="778" r:id="rId43"/>
+    <p:sldId id="779" r:id="rId44"/>
+    <p:sldId id="780" r:id="rId45"/>
+    <p:sldId id="781" r:id="rId46"/>
+    <p:sldId id="782" r:id="rId47"/>
+    <p:sldId id="783" r:id="rId48"/>
   </p:sldIdLst>
   <p:sldSz cx="12192000" cy="6858000"/>
   <p:notesSz cx="6858000" cy="9144000"/>
@@ -17777,7 +17778,7 @@
           <a:p>
             <a:fld id="{41DA9887-9249-49FD-809A-BACB264048C3}" type="datetimeFigureOut">
               <a:rPr lang="en-US" smtClean="0"/>
-              <a:t>1/21/2024</a:t>
+              <a:t>1/22/2024</a:t>
             </a:fld>
             <a:endParaRPr lang="en-US"/>
           </a:p>
@@ -18179,7 +18180,7 @@
           <a:p>
             <a:fld id="{EF213E56-3C1A-435A-851B-5B1F221C2038}" type="datetime1">
               <a:rPr lang="en-US" smtClean="0"/>
-              <a:t>1/21/2024</a:t>
+              <a:t>1/22/2024</a:t>
             </a:fld>
             <a:endParaRPr lang="en-US"/>
           </a:p>
@@ -18480,7 +18481,7 @@
           <a:p>
             <a:fld id="{B4696837-4851-4AA6-8AED-554226C981D1}" type="datetime1">
               <a:rPr lang="en-US" smtClean="0"/>
-              <a:t>1/21/2024</a:t>
+              <a:t>1/22/2024</a:t>
             </a:fld>
             <a:endParaRPr lang="en-US"/>
           </a:p>
@@ -18658,7 +18659,7 @@
           <a:p>
             <a:fld id="{BADD32E1-BB70-4827-BA33-FF5AFC435BE9}" type="datetime1">
               <a:rPr lang="en-US" smtClean="0"/>
-              <a:t>1/21/2024</a:t>
+              <a:t>1/22/2024</a:t>
             </a:fld>
             <a:endParaRPr lang="en-US"/>
           </a:p>
@@ -18901,7 +18902,7 @@
             </a:pPr>
             <a:fld id="{40B9EAF6-54F2-4DF5-9C6B-3F6F95B86356}" type="datetime1">
               <a:rPr lang="en-US" smtClean="0"/>
-              <a:t>1/21/2024</a:t>
+              <a:t>1/22/2024</a:t>
             </a:fld>
             <a:endParaRPr lang="en-US"/>
           </a:p>
@@ -19081,7 +19082,7 @@
             </a:pPr>
             <a:fld id="{D3D64A56-6FF4-479A-8655-719A18A98C4B}" type="datetime1">
               <a:rPr lang="en-US" smtClean="0"/>
-              <a:t>1/21/2024</a:t>
+              <a:t>1/22/2024</a:t>
             </a:fld>
             <a:endParaRPr lang="en-US"/>
           </a:p>
@@ -19362,7 +19363,7 @@
           <a:p>
             <a:fld id="{BB961044-FC46-4CBC-9061-59528F4899F3}" type="datetime1">
               <a:rPr lang="en-US" smtClean="0"/>
-              <a:t>1/21/2024</a:t>
+              <a:t>1/22/2024</a:t>
             </a:fld>
             <a:endParaRPr lang="en-US"/>
           </a:p>
@@ -19712,7 +19713,7 @@
           <a:p>
             <a:fld id="{4466A08C-77F3-471E-A5C4-1D2068144BAC}" type="datetime1">
               <a:rPr lang="en-US" smtClean="0"/>
-              <a:t>1/21/2024</a:t>
+              <a:t>1/22/2024</a:t>
             </a:fld>
             <a:endParaRPr lang="en-US"/>
           </a:p>
@@ -19941,7 +19942,7 @@
           <a:p>
             <a:fld id="{B90A7AD1-16F4-44C3-AE32-24C59A599E9D}" type="datetime1">
               <a:rPr lang="en-US" smtClean="0"/>
-              <a:t>1/21/2024</a:t>
+              <a:t>1/22/2024</a:t>
             </a:fld>
             <a:endParaRPr lang="en-US"/>
           </a:p>
@@ -20305,7 +20306,7 @@
           <a:p>
             <a:fld id="{B583DB4F-4316-4DF5-A229-BC1D787C82A0}" type="datetime1">
               <a:rPr lang="en-US" smtClean="0"/>
-              <a:t>1/21/2024</a:t>
+              <a:t>1/22/2024</a:t>
             </a:fld>
             <a:endParaRPr lang="en-US"/>
           </a:p>
@@ -20400,7 +20401,7 @@
           <a:p>
             <a:fld id="{AE6064B7-7A9F-432D-B7B9-6824267AA574}" type="datetime1">
               <a:rPr lang="en-US" smtClean="0"/>
-              <a:t>1/21/2024</a:t>
+              <a:t>1/22/2024</a:t>
             </a:fld>
             <a:endParaRPr lang="en-US"/>
           </a:p>
@@ -20625,7 +20626,7 @@
             <a:fld id="{B2F5E2FA-C428-4CE7-95B0-168D3259A5BB}" type="datetimeFigureOut">
               <a:rPr lang="en-US" smtClean="0"/>
               <a:pPr/>
-              <a:t>1/21/2024</a:t>
+              <a:t>1/22/2024</a:t>
             </a:fld>
             <a:endParaRPr lang="en-US"/>
           </a:p>
@@ -20802,7 +20803,7 @@
           <a:p>
             <a:fld id="{4E1C93A2-B712-486A-8AB5-D41B95D547BE}" type="datetime1">
               <a:rPr lang="en-US" smtClean="0"/>
-              <a:t>1/21/2024</a:t>
+              <a:t>1/22/2024</a:t>
             </a:fld>
             <a:endParaRPr lang="en-US"/>
           </a:p>
@@ -21077,7 +21078,7 @@
           <a:p>
             <a:fld id="{CAB2F318-F19F-4608-B7EF-F7FB8A482213}" type="datetime1">
               <a:rPr lang="en-US" smtClean="0"/>
-              <a:t>1/21/2024</a:t>
+              <a:t>1/22/2024</a:t>
             </a:fld>
             <a:endParaRPr lang="en-US"/>
           </a:p>
@@ -21329,7 +21330,7 @@
           <a:p>
             <a:fld id="{BB9CEF8C-69D6-4C3E-B892-F682F307A7B6}" type="datetime1">
               <a:rPr lang="en-US" smtClean="0"/>
-              <a:t>1/21/2024</a:t>
+              <a:t>1/22/2024</a:t>
             </a:fld>
             <a:endParaRPr lang="en-US"/>
           </a:p>
@@ -21540,7 +21541,7 @@
           <a:p>
             <a:fld id="{FB737C73-4A31-4C17-AFB7-7B8470027787}" type="datetime1">
               <a:rPr lang="en-US" smtClean="0"/>
-              <a:t>1/21/2024</a:t>
+              <a:t>1/22/2024</a:t>
             </a:fld>
             <a:endParaRPr lang="en-US"/>
           </a:p>
@@ -25136,74 +25137,10 @@
       </p:grpSpPr>
       <p:sp>
         <p:nvSpPr>
-          <p:cNvPr id="2" name="Title 1">
-            <a:extLst>
-              <a:ext uri="{FF2B5EF4-FFF2-40B4-BE49-F238E27FC236}">
-                <a16:creationId xmlns:a16="http://schemas.microsoft.com/office/drawing/2014/main" id="{BFF3D89C-AA9F-C0C2-3FE8-1FE41CC45587}"/>
-              </a:ext>
-            </a:extLst>
-          </p:cNvPr>
-          <p:cNvSpPr>
-            <a:spLocks noGrp="1"/>
-          </p:cNvSpPr>
-          <p:nvPr>
-            <p:ph type="title"/>
-          </p:nvPr>
-        </p:nvSpPr>
-        <p:spPr/>
-        <p:txBody>
-          <a:bodyPr/>
-          <a:lstStyle/>
-          <a:p>
-            <a:r>
-              <a:rPr lang="en-US" dirty="0"/>
-              <a:t>Value Proposition Canvas</a:t>
-            </a:r>
-          </a:p>
-        </p:txBody>
-      </p:sp>
-      <p:sp>
-        <p:nvSpPr>
-          <p:cNvPr id="3" name="Content Placeholder 2">
-            <a:extLst>
-              <a:ext uri="{FF2B5EF4-FFF2-40B4-BE49-F238E27FC236}">
-                <a16:creationId xmlns:a16="http://schemas.microsoft.com/office/drawing/2014/main" id="{8426B1C2-28DE-9E89-879B-7DFC85BA65E1}"/>
-              </a:ext>
-            </a:extLst>
-          </p:cNvPr>
-          <p:cNvSpPr>
-            <a:spLocks noGrp="1"/>
-          </p:cNvSpPr>
-          <p:nvPr>
-            <p:ph idx="1"/>
-          </p:nvPr>
-        </p:nvSpPr>
-        <p:spPr/>
-        <p:txBody>
-          <a:bodyPr>
-            <a:normAutofit/>
-          </a:bodyPr>
-          <a:lstStyle/>
-          <a:p>
-            <a:r>
-              <a:rPr lang="en-US" dirty="0"/>
-              <a:t>It is a strategic management tool that helps businesses clarify their value proposition and identify the key elements that distinguish them from competitors. </a:t>
-            </a:r>
-          </a:p>
-          <a:p>
-            <a:r>
-              <a:rPr lang="en-US" dirty="0"/>
-              <a:t>It is a visual representation of the value that a business offers to its customers, and it is used to guide product development, marketing, and sales efforts.</a:t>
-            </a:r>
-          </a:p>
-        </p:txBody>
-      </p:sp>
-      <p:sp>
-        <p:nvSpPr>
           <p:cNvPr id="4" name="Slide Number Placeholder 3">
             <a:extLst>
               <a:ext uri="{FF2B5EF4-FFF2-40B4-BE49-F238E27FC236}">
-                <a16:creationId xmlns:a16="http://schemas.microsoft.com/office/drawing/2014/main" id="{850F5507-9A77-7552-5AA7-285E4CDA40CB}"/>
+                <a16:creationId xmlns:a16="http://schemas.microsoft.com/office/drawing/2014/main" id="{DD386D9E-2594-448D-9FC3-58E63ACE4401}"/>
               </a:ext>
             </a:extLst>
           </p:cNvPr>
@@ -25228,10 +25165,57 @@
           </a:p>
         </p:txBody>
       </p:sp>
+      <p:pic>
+        <p:nvPicPr>
+          <p:cNvPr id="1026" name="Picture 2" descr="Building blocks of a business model canvas">
+            <a:extLst>
+              <a:ext uri="{FF2B5EF4-FFF2-40B4-BE49-F238E27FC236}">
+                <a16:creationId xmlns:a16="http://schemas.microsoft.com/office/drawing/2014/main" id="{EEA3E06E-242E-434C-9E23-FABC17CC568D}"/>
+              </a:ext>
+            </a:extLst>
+          </p:cNvPr>
+          <p:cNvPicPr>
+            <a:picLocks noChangeAspect="1" noChangeArrowheads="1"/>
+          </p:cNvPicPr>
+          <p:nvPr/>
+        </p:nvPicPr>
+        <p:blipFill>
+          <a:blip r:embed="rId2">
+            <a:extLst>
+              <a:ext uri="{28A0092B-C50C-407E-A947-70E740481C1C}">
+                <a14:useLocalDpi xmlns:a14="http://schemas.microsoft.com/office/drawing/2010/main" val="0"/>
+              </a:ext>
+            </a:extLst>
+          </a:blip>
+          <a:srcRect/>
+          <a:stretch>
+            <a:fillRect/>
+          </a:stretch>
+        </p:blipFill>
+        <p:spPr bwMode="auto">
+          <a:xfrm>
+            <a:off x="3759200" y="0"/>
+            <a:ext cx="4672013" cy="6858000"/>
+          </a:xfrm>
+          <a:prstGeom prst="rect">
+            <a:avLst/>
+          </a:prstGeom>
+          <a:noFill/>
+          <a:extLst>
+            <a:ext uri="{909E8E84-426E-40DD-AFC4-6F175D3DCCD1}">
+              <a14:hiddenFill xmlns:a14="http://schemas.microsoft.com/office/drawing/2010/main">
+                <a:solidFill>
+                  <a:srgbClr val="FFFFFF"/>
+                </a:solidFill>
+              </a14:hiddenFill>
+            </a:ext>
+          </a:extLst>
+        </p:spPr>
+      </p:pic>
     </p:spTree>
     <p:extLst>
       <p:ext uri="{BB962C8B-B14F-4D97-AF65-F5344CB8AC3E}">
-        <p14:creationId xmlns:p14="http://schemas.microsoft.com/office/powerpoint/2010/main" val="162964421"/>
+        <p14:creationId xmlns:p14="http://schemas.microsoft.com/office/powerpoint/2010/main" val="3154762351"/>
       </p:ext>
     </p:extLst>
   </p:cSld>
@@ -25401,6 +25385,42 @@
       </p:sp>
       <p:sp>
         <p:nvSpPr>
+          <p:cNvPr id="3" name="Content Placeholder 2">
+            <a:extLst>
+              <a:ext uri="{FF2B5EF4-FFF2-40B4-BE49-F238E27FC236}">
+                <a16:creationId xmlns:a16="http://schemas.microsoft.com/office/drawing/2014/main" id="{8426B1C2-28DE-9E89-879B-7DFC85BA65E1}"/>
+              </a:ext>
+            </a:extLst>
+          </p:cNvPr>
+          <p:cNvSpPr>
+            <a:spLocks noGrp="1"/>
+          </p:cNvSpPr>
+          <p:nvPr>
+            <p:ph idx="1"/>
+          </p:nvPr>
+        </p:nvSpPr>
+        <p:spPr/>
+        <p:txBody>
+          <a:bodyPr>
+            <a:normAutofit/>
+          </a:bodyPr>
+          <a:lstStyle/>
+          <a:p>
+            <a:r>
+              <a:rPr lang="en-US" dirty="0"/>
+              <a:t>It is a strategic management tool that helps businesses clarify their value proposition and identify the key elements that distinguish them from competitors. </a:t>
+            </a:r>
+          </a:p>
+          <a:p>
+            <a:r>
+              <a:rPr lang="en-US" dirty="0"/>
+              <a:t>It is a visual representation of the value that a business offers to its customers, and it is used to guide product development, marketing, and sales efforts.</a:t>
+            </a:r>
+          </a:p>
+        </p:txBody>
+      </p:sp>
+      <p:sp>
+        <p:nvSpPr>
           <p:cNvPr id="4" name="Slide Number Placeholder 3">
             <a:extLst>
               <a:ext uri="{FF2B5EF4-FFF2-40B4-BE49-F238E27FC236}">
@@ -25424,6 +25444,94 @@
               <a:rPr lang="en-US" smtClean="0"/>
               <a:pPr/>
               <a:t>30</a:t>
+            </a:fld>
+            <a:endParaRPr lang="en-US" dirty="0"/>
+          </a:p>
+        </p:txBody>
+      </p:sp>
+    </p:spTree>
+    <p:extLst>
+      <p:ext uri="{BB962C8B-B14F-4D97-AF65-F5344CB8AC3E}">
+        <p14:creationId xmlns:p14="http://schemas.microsoft.com/office/powerpoint/2010/main" val="162964421"/>
+      </p:ext>
+    </p:extLst>
+  </p:cSld>
+  <p:clrMapOvr>
+    <a:masterClrMapping/>
+  </p:clrMapOvr>
+</p:sld>
+</file>
+
+<file path=ppt/slides/slide31.xml><?xml version="1.0" encoding="utf-8"?>
+<p:sld xmlns:a="http://schemas.openxmlformats.org/drawingml/2006/main" xmlns:r="http://schemas.openxmlformats.org/officeDocument/2006/relationships" xmlns:p="http://schemas.openxmlformats.org/presentationml/2006/main">
+  <p:cSld>
+    <p:spTree>
+      <p:nvGrpSpPr>
+        <p:cNvPr id="1" name=""/>
+        <p:cNvGrpSpPr/>
+        <p:nvPr/>
+      </p:nvGrpSpPr>
+      <p:grpSpPr>
+        <a:xfrm>
+          <a:off x="0" y="0"/>
+          <a:ext cx="0" cy="0"/>
+          <a:chOff x="0" y="0"/>
+          <a:chExt cx="0" cy="0"/>
+        </a:xfrm>
+      </p:grpSpPr>
+      <p:sp>
+        <p:nvSpPr>
+          <p:cNvPr id="2" name="Title 1">
+            <a:extLst>
+              <a:ext uri="{FF2B5EF4-FFF2-40B4-BE49-F238E27FC236}">
+                <a16:creationId xmlns:a16="http://schemas.microsoft.com/office/drawing/2014/main" id="{BFF3D89C-AA9F-C0C2-3FE8-1FE41CC45587}"/>
+              </a:ext>
+            </a:extLst>
+          </p:cNvPr>
+          <p:cNvSpPr>
+            <a:spLocks noGrp="1"/>
+          </p:cNvSpPr>
+          <p:nvPr>
+            <p:ph type="title"/>
+          </p:nvPr>
+        </p:nvSpPr>
+        <p:spPr/>
+        <p:txBody>
+          <a:bodyPr/>
+          <a:lstStyle/>
+          <a:p>
+            <a:r>
+              <a:rPr lang="en-US" dirty="0"/>
+              <a:t>Value Proposition Canvas</a:t>
+            </a:r>
+          </a:p>
+        </p:txBody>
+      </p:sp>
+      <p:sp>
+        <p:nvSpPr>
+          <p:cNvPr id="4" name="Slide Number Placeholder 3">
+            <a:extLst>
+              <a:ext uri="{FF2B5EF4-FFF2-40B4-BE49-F238E27FC236}">
+                <a16:creationId xmlns:a16="http://schemas.microsoft.com/office/drawing/2014/main" id="{850F5507-9A77-7552-5AA7-285E4CDA40CB}"/>
+              </a:ext>
+            </a:extLst>
+          </p:cNvPr>
+          <p:cNvSpPr>
+            <a:spLocks noGrp="1"/>
+          </p:cNvSpPr>
+          <p:nvPr>
+            <p:ph type="sldNum" sz="quarter" idx="12"/>
+          </p:nvPr>
+        </p:nvSpPr>
+        <p:spPr/>
+        <p:txBody>
+          <a:bodyPr/>
+          <a:lstStyle/>
+          <a:p>
+            <a:fld id="{B8DACC02-A2BD-4578-8E03-6D891060A695}" type="slidenum">
+              <a:rPr lang="en-US" smtClean="0"/>
+              <a:pPr/>
+              <a:t>31</a:t>
             </a:fld>
             <a:endParaRPr lang="en-US" dirty="0"/>
           </a:p>
@@ -25478,7 +25586,7 @@
 </p:sld>
 </file>
 
-<file path=ppt/slides/slide31.xml><?xml version="1.0" encoding="utf-8"?>
+<file path=ppt/slides/slide32.xml><?xml version="1.0" encoding="utf-8"?>
 <p:sld xmlns:a="http://schemas.openxmlformats.org/drawingml/2006/main" xmlns:r="http://schemas.openxmlformats.org/officeDocument/2006/relationships" xmlns:p="http://schemas.openxmlformats.org/presentationml/2006/main">
   <p:cSld>
     <p:spTree>
@@ -25547,7 +25655,7 @@
             <a:fld id="{B8DACC02-A2BD-4578-8E03-6D891060A695}" type="slidenum">
               <a:rPr lang="en-US" smtClean="0"/>
               <a:pPr/>
-              <a:t>31</a:t>
+              <a:t>32</a:t>
             </a:fld>
             <a:endParaRPr lang="en-US" dirty="0"/>
           </a:p>
@@ -25611,152 +25719,6 @@
 </p:sld>
 </file>
 
-<file path=ppt/slides/slide32.xml><?xml version="1.0" encoding="utf-8"?>
-<p:sld xmlns:a="http://schemas.openxmlformats.org/drawingml/2006/main" xmlns:r="http://schemas.openxmlformats.org/officeDocument/2006/relationships" xmlns:p="http://schemas.openxmlformats.org/presentationml/2006/main">
-  <p:cSld>
-    <p:spTree>
-      <p:nvGrpSpPr>
-        <p:cNvPr id="1" name=""/>
-        <p:cNvGrpSpPr/>
-        <p:nvPr/>
-      </p:nvGrpSpPr>
-      <p:grpSpPr>
-        <a:xfrm>
-          <a:off x="0" y="0"/>
-          <a:ext cx="0" cy="0"/>
-          <a:chOff x="0" y="0"/>
-          <a:chExt cx="0" cy="0"/>
-        </a:xfrm>
-      </p:grpSpPr>
-      <p:sp>
-        <p:nvSpPr>
-          <p:cNvPr id="2" name="Title 1">
-            <a:extLst>
-              <a:ext uri="{FF2B5EF4-FFF2-40B4-BE49-F238E27FC236}">
-                <a16:creationId xmlns:a16="http://schemas.microsoft.com/office/drawing/2014/main" id="{BFF3D89C-AA9F-C0C2-3FE8-1FE41CC45587}"/>
-              </a:ext>
-            </a:extLst>
-          </p:cNvPr>
-          <p:cNvSpPr>
-            <a:spLocks noGrp="1"/>
-          </p:cNvSpPr>
-          <p:nvPr>
-            <p:ph type="title"/>
-          </p:nvPr>
-        </p:nvSpPr>
-        <p:spPr/>
-        <p:txBody>
-          <a:bodyPr/>
-          <a:lstStyle/>
-          <a:p>
-            <a:r>
-              <a:rPr lang="en-US" dirty="0"/>
-              <a:t>Value Proposition Canvas</a:t>
-            </a:r>
-          </a:p>
-        </p:txBody>
-      </p:sp>
-      <p:sp>
-        <p:nvSpPr>
-          <p:cNvPr id="3" name="Content Placeholder 2">
-            <a:extLst>
-              <a:ext uri="{FF2B5EF4-FFF2-40B4-BE49-F238E27FC236}">
-                <a16:creationId xmlns:a16="http://schemas.microsoft.com/office/drawing/2014/main" id="{8426B1C2-28DE-9E89-879B-7DFC85BA65E1}"/>
-              </a:ext>
-            </a:extLst>
-          </p:cNvPr>
-          <p:cNvSpPr>
-            <a:spLocks noGrp="1"/>
-          </p:cNvSpPr>
-          <p:nvPr>
-            <p:ph idx="1"/>
-          </p:nvPr>
-        </p:nvSpPr>
-        <p:spPr/>
-        <p:txBody>
-          <a:bodyPr>
-            <a:normAutofit/>
-          </a:bodyPr>
-          <a:lstStyle/>
-          <a:p>
-            <a:r>
-              <a:rPr lang="en-US" dirty="0"/>
-              <a:t>The Value Proposition Canvas consists of two main components: the customer profile and the value map.</a:t>
-            </a:r>
-          </a:p>
-          <a:p>
-            <a:pPr lvl="1"/>
-            <a:r>
-              <a:rPr lang="en-US" dirty="0"/>
-              <a:t>Customer Profile</a:t>
-            </a:r>
-          </a:p>
-          <a:p>
-            <a:pPr lvl="2"/>
-            <a:r>
-              <a:rPr lang="en-US" dirty="0"/>
-              <a:t>This section of the canvas is used to describe the customer segment that the business is targeting. </a:t>
-            </a:r>
-          </a:p>
-          <a:p>
-            <a:pPr lvl="2"/>
-            <a:r>
-              <a:rPr lang="en-US" dirty="0"/>
-              <a:t>It includes details such as the customer's age, gender, location, income level, interests, and pain points. </a:t>
-            </a:r>
-          </a:p>
-          <a:p>
-            <a:pPr lvl="2"/>
-            <a:r>
-              <a:rPr lang="en-US" dirty="0"/>
-              <a:t>The customer profile helps businesses understand their target audience and tailor their value proposition to meet their needs.</a:t>
-            </a:r>
-          </a:p>
-        </p:txBody>
-      </p:sp>
-      <p:sp>
-        <p:nvSpPr>
-          <p:cNvPr id="4" name="Slide Number Placeholder 3">
-            <a:extLst>
-              <a:ext uri="{FF2B5EF4-FFF2-40B4-BE49-F238E27FC236}">
-                <a16:creationId xmlns:a16="http://schemas.microsoft.com/office/drawing/2014/main" id="{850F5507-9A77-7552-5AA7-285E4CDA40CB}"/>
-              </a:ext>
-            </a:extLst>
-          </p:cNvPr>
-          <p:cNvSpPr>
-            <a:spLocks noGrp="1"/>
-          </p:cNvSpPr>
-          <p:nvPr>
-            <p:ph type="sldNum" sz="quarter" idx="12"/>
-          </p:nvPr>
-        </p:nvSpPr>
-        <p:spPr/>
-        <p:txBody>
-          <a:bodyPr/>
-          <a:lstStyle/>
-          <a:p>
-            <a:fld id="{B8DACC02-A2BD-4578-8E03-6D891060A695}" type="slidenum">
-              <a:rPr lang="en-US" smtClean="0"/>
-              <a:pPr/>
-              <a:t>32</a:t>
-            </a:fld>
-            <a:endParaRPr lang="en-US" dirty="0"/>
-          </a:p>
-        </p:txBody>
-      </p:sp>
-    </p:spTree>
-    <p:extLst>
-      <p:ext uri="{BB962C8B-B14F-4D97-AF65-F5344CB8AC3E}">
-        <p14:creationId xmlns:p14="http://schemas.microsoft.com/office/powerpoint/2010/main" val="4151231481"/>
-      </p:ext>
-    </p:extLst>
-  </p:cSld>
-  <p:clrMapOvr>
-    <a:masterClrMapping/>
-  </p:clrMapOvr>
-</p:sld>
-</file>
-
 <file path=ppt/slides/slide33.xml><?xml version="1.0" encoding="utf-8"?>
 <p:sld xmlns:a="http://schemas.openxmlformats.org/drawingml/2006/main" xmlns:r="http://schemas.openxmlformats.org/officeDocument/2006/relationships" xmlns:p="http://schemas.openxmlformats.org/presentationml/2006/main">
   <p:cSld>
@@ -25834,49 +25796,28 @@
             <a:pPr lvl="1"/>
             <a:r>
               <a:rPr lang="en-US" dirty="0"/>
-              <a:t>Value Map</a:t>
+              <a:t>Customer Profile</a:t>
             </a:r>
           </a:p>
           <a:p>
             <a:pPr lvl="2"/>
             <a:r>
               <a:rPr lang="en-US" dirty="0"/>
-              <a:t>This section of the canvas is used to describe the value that the business offers to its customers.</a:t>
+              <a:t>This section of the canvas is used to describe the customer segment that the business is targeting. </a:t>
             </a:r>
           </a:p>
           <a:p>
             <a:pPr lvl="2"/>
             <a:r>
               <a:rPr lang="en-US" dirty="0"/>
-              <a:t>It includes four key elements:</a:t>
+              <a:t>It includes details such as the customer's age, gender, location, income level, interests, and pain points. </a:t>
             </a:r>
           </a:p>
           <a:p>
-            <a:pPr lvl="3"/>
+            <a:pPr lvl="2"/>
             <a:r>
               <a:rPr lang="en-US" dirty="0"/>
-              <a:t>Products and Services</a:t>
-            </a:r>
-          </a:p>
-          <a:p>
-            <a:pPr lvl="3"/>
-            <a:r>
-              <a:rPr lang="en-US" dirty="0"/>
-              <a:t>Pain Relievers</a:t>
-            </a:r>
-          </a:p>
-          <a:p>
-            <a:pPr lvl="3"/>
-            <a:r>
-              <a:rPr lang="en-US" dirty="0"/>
-              <a:t>Gain Creators</a:t>
-            </a:r>
-          </a:p>
-          <a:p>
-            <a:pPr lvl="3"/>
-            <a:r>
-              <a:rPr lang="en-US" dirty="0"/>
-              <a:t>Customer Experience</a:t>
+              <a:t>The customer profile helps businesses understand their target audience and tailor their value proposition to meet their needs.</a:t>
             </a:r>
           </a:p>
         </p:txBody>
@@ -25914,6 +25855,173 @@
     </p:spTree>
     <p:extLst>
       <p:ext uri="{BB962C8B-B14F-4D97-AF65-F5344CB8AC3E}">
+        <p14:creationId xmlns:p14="http://schemas.microsoft.com/office/powerpoint/2010/main" val="4151231481"/>
+      </p:ext>
+    </p:extLst>
+  </p:cSld>
+  <p:clrMapOvr>
+    <a:masterClrMapping/>
+  </p:clrMapOvr>
+</p:sld>
+</file>
+
+<file path=ppt/slides/slide34.xml><?xml version="1.0" encoding="utf-8"?>
+<p:sld xmlns:a="http://schemas.openxmlformats.org/drawingml/2006/main" xmlns:r="http://schemas.openxmlformats.org/officeDocument/2006/relationships" xmlns:p="http://schemas.openxmlformats.org/presentationml/2006/main">
+  <p:cSld>
+    <p:spTree>
+      <p:nvGrpSpPr>
+        <p:cNvPr id="1" name=""/>
+        <p:cNvGrpSpPr/>
+        <p:nvPr/>
+      </p:nvGrpSpPr>
+      <p:grpSpPr>
+        <a:xfrm>
+          <a:off x="0" y="0"/>
+          <a:ext cx="0" cy="0"/>
+          <a:chOff x="0" y="0"/>
+          <a:chExt cx="0" cy="0"/>
+        </a:xfrm>
+      </p:grpSpPr>
+      <p:sp>
+        <p:nvSpPr>
+          <p:cNvPr id="2" name="Title 1">
+            <a:extLst>
+              <a:ext uri="{FF2B5EF4-FFF2-40B4-BE49-F238E27FC236}">
+                <a16:creationId xmlns:a16="http://schemas.microsoft.com/office/drawing/2014/main" id="{BFF3D89C-AA9F-C0C2-3FE8-1FE41CC45587}"/>
+              </a:ext>
+            </a:extLst>
+          </p:cNvPr>
+          <p:cNvSpPr>
+            <a:spLocks noGrp="1"/>
+          </p:cNvSpPr>
+          <p:nvPr>
+            <p:ph type="title"/>
+          </p:nvPr>
+        </p:nvSpPr>
+        <p:spPr/>
+        <p:txBody>
+          <a:bodyPr/>
+          <a:lstStyle/>
+          <a:p>
+            <a:r>
+              <a:rPr lang="en-US" dirty="0"/>
+              <a:t>Value Proposition Canvas</a:t>
+            </a:r>
+          </a:p>
+        </p:txBody>
+      </p:sp>
+      <p:sp>
+        <p:nvSpPr>
+          <p:cNvPr id="3" name="Content Placeholder 2">
+            <a:extLst>
+              <a:ext uri="{FF2B5EF4-FFF2-40B4-BE49-F238E27FC236}">
+                <a16:creationId xmlns:a16="http://schemas.microsoft.com/office/drawing/2014/main" id="{8426B1C2-28DE-9E89-879B-7DFC85BA65E1}"/>
+              </a:ext>
+            </a:extLst>
+          </p:cNvPr>
+          <p:cNvSpPr>
+            <a:spLocks noGrp="1"/>
+          </p:cNvSpPr>
+          <p:nvPr>
+            <p:ph idx="1"/>
+          </p:nvPr>
+        </p:nvSpPr>
+        <p:spPr/>
+        <p:txBody>
+          <a:bodyPr>
+            <a:normAutofit/>
+          </a:bodyPr>
+          <a:lstStyle/>
+          <a:p>
+            <a:r>
+              <a:rPr lang="en-US" dirty="0"/>
+              <a:t>The Value Proposition Canvas consists of two main components: the customer profile and the value map.</a:t>
+            </a:r>
+          </a:p>
+          <a:p>
+            <a:pPr lvl="1"/>
+            <a:r>
+              <a:rPr lang="en-US" dirty="0"/>
+              <a:t>Value Map</a:t>
+            </a:r>
+          </a:p>
+          <a:p>
+            <a:pPr lvl="2"/>
+            <a:r>
+              <a:rPr lang="en-US" dirty="0"/>
+              <a:t>This section of the canvas is used to describe the value that the business offers to its customers.</a:t>
+            </a:r>
+          </a:p>
+          <a:p>
+            <a:pPr lvl="2"/>
+            <a:r>
+              <a:rPr lang="en-US" dirty="0"/>
+              <a:t>It includes four key elements:</a:t>
+            </a:r>
+          </a:p>
+          <a:p>
+            <a:pPr lvl="3"/>
+            <a:r>
+              <a:rPr lang="en-US" dirty="0"/>
+              <a:t>Products and Services</a:t>
+            </a:r>
+          </a:p>
+          <a:p>
+            <a:pPr lvl="3"/>
+            <a:r>
+              <a:rPr lang="en-US" dirty="0"/>
+              <a:t>Pain Relievers</a:t>
+            </a:r>
+          </a:p>
+          <a:p>
+            <a:pPr lvl="3"/>
+            <a:r>
+              <a:rPr lang="en-US" dirty="0"/>
+              <a:t>Gain Creators</a:t>
+            </a:r>
+          </a:p>
+          <a:p>
+            <a:pPr lvl="3"/>
+            <a:r>
+              <a:rPr lang="en-US" dirty="0"/>
+              <a:t>Customer Experience</a:t>
+            </a:r>
+          </a:p>
+        </p:txBody>
+      </p:sp>
+      <p:sp>
+        <p:nvSpPr>
+          <p:cNvPr id="4" name="Slide Number Placeholder 3">
+            <a:extLst>
+              <a:ext uri="{FF2B5EF4-FFF2-40B4-BE49-F238E27FC236}">
+                <a16:creationId xmlns:a16="http://schemas.microsoft.com/office/drawing/2014/main" id="{850F5507-9A77-7552-5AA7-285E4CDA40CB}"/>
+              </a:ext>
+            </a:extLst>
+          </p:cNvPr>
+          <p:cNvSpPr>
+            <a:spLocks noGrp="1"/>
+          </p:cNvSpPr>
+          <p:nvPr>
+            <p:ph type="sldNum" sz="quarter" idx="12"/>
+          </p:nvPr>
+        </p:nvSpPr>
+        <p:spPr/>
+        <p:txBody>
+          <a:bodyPr/>
+          <a:lstStyle/>
+          <a:p>
+            <a:fld id="{B8DACC02-A2BD-4578-8E03-6D891060A695}" type="slidenum">
+              <a:rPr lang="en-US" smtClean="0"/>
+              <a:pPr/>
+              <a:t>34</a:t>
+            </a:fld>
+            <a:endParaRPr lang="en-US" dirty="0"/>
+          </a:p>
+        </p:txBody>
+      </p:sp>
+    </p:spTree>
+    <p:extLst>
+      <p:ext uri="{BB962C8B-B14F-4D97-AF65-F5344CB8AC3E}">
         <p14:creationId xmlns:p14="http://schemas.microsoft.com/office/powerpoint/2010/main" val="2181952802"/>
       </p:ext>
     </p:extLst>
@@ -25924,7 +26032,7 @@
 </p:sld>
 </file>
 
-<file path=ppt/slides/slide34.xml><?xml version="1.0" encoding="utf-8"?>
+<file path=ppt/slides/slide35.xml><?xml version="1.0" encoding="utf-8"?>
 <p:sld xmlns:a="http://schemas.openxmlformats.org/drawingml/2006/main" xmlns:r="http://schemas.openxmlformats.org/officeDocument/2006/relationships" xmlns:p="http://schemas.openxmlformats.org/presentationml/2006/main">
   <p:cSld>
     <p:spTree>
@@ -26078,7 +26186,7 @@
             <a:fld id="{B8DACC02-A2BD-4578-8E03-6D891060A695}" type="slidenum">
               <a:rPr lang="en-US" smtClean="0"/>
               <a:pPr/>
-              <a:t>34</a:t>
+              <a:t>35</a:t>
             </a:fld>
             <a:endParaRPr lang="en-US" dirty="0"/>
           </a:p>
@@ -26126,7 +26234,7 @@
 </p:sld>
 </file>
 
-<file path=ppt/slides/slide35.xml><?xml version="1.0" encoding="utf-8"?>
+<file path=ppt/slides/slide36.xml><?xml version="1.0" encoding="utf-8"?>
 <p:sld xmlns:a="http://schemas.openxmlformats.org/drawingml/2006/main" xmlns:r="http://schemas.openxmlformats.org/officeDocument/2006/relationships" xmlns:p="http://schemas.openxmlformats.org/presentationml/2006/main">
   <p:cSld>
     <p:spTree>
@@ -26221,7 +26329,7 @@
             <a:fld id="{B8DACC02-A2BD-4578-8E03-6D891060A695}" type="slidenum">
               <a:rPr lang="en-US" smtClean="0"/>
               <a:pPr/>
-              <a:t>35</a:t>
+              <a:t>36</a:t>
             </a:fld>
             <a:endParaRPr lang="en-US" dirty="0"/>
           </a:p>
@@ -26287,137 +26395,6 @@
 </p:sld>
 </file>
 
-<file path=ppt/slides/slide36.xml><?xml version="1.0" encoding="utf-8"?>
-<p:sld xmlns:a="http://schemas.openxmlformats.org/drawingml/2006/main" xmlns:r="http://schemas.openxmlformats.org/officeDocument/2006/relationships" xmlns:p="http://schemas.openxmlformats.org/presentationml/2006/main">
-  <p:cSld>
-    <p:spTree>
-      <p:nvGrpSpPr>
-        <p:cNvPr id="1" name=""/>
-        <p:cNvGrpSpPr/>
-        <p:nvPr/>
-      </p:nvGrpSpPr>
-      <p:grpSpPr>
-        <a:xfrm>
-          <a:off x="0" y="0"/>
-          <a:ext cx="0" cy="0"/>
-          <a:chOff x="0" y="0"/>
-          <a:chExt cx="0" cy="0"/>
-        </a:xfrm>
-      </p:grpSpPr>
-      <p:sp>
-        <p:nvSpPr>
-          <p:cNvPr id="2" name="Title 1">
-            <a:extLst>
-              <a:ext uri="{FF2B5EF4-FFF2-40B4-BE49-F238E27FC236}">
-                <a16:creationId xmlns:a16="http://schemas.microsoft.com/office/drawing/2014/main" id="{34269D96-4A86-7F95-FCE6-BD515639FD83}"/>
-              </a:ext>
-            </a:extLst>
-          </p:cNvPr>
-          <p:cNvSpPr>
-            <a:spLocks noGrp="1"/>
-          </p:cNvSpPr>
-          <p:nvPr>
-            <p:ph type="title"/>
-          </p:nvPr>
-        </p:nvSpPr>
-        <p:spPr/>
-        <p:txBody>
-          <a:bodyPr/>
-          <a:lstStyle/>
-          <a:p>
-            <a:r>
-              <a:rPr lang="en-US" dirty="0"/>
-              <a:t>Design Thinking</a:t>
-            </a:r>
-          </a:p>
-        </p:txBody>
-      </p:sp>
-      <p:sp>
-        <p:nvSpPr>
-          <p:cNvPr id="3" name="Content Placeholder 2">
-            <a:extLst>
-              <a:ext uri="{FF2B5EF4-FFF2-40B4-BE49-F238E27FC236}">
-                <a16:creationId xmlns:a16="http://schemas.microsoft.com/office/drawing/2014/main" id="{CCAEDB0C-A8A3-00BB-5794-865E452258EA}"/>
-              </a:ext>
-            </a:extLst>
-          </p:cNvPr>
-          <p:cNvSpPr>
-            <a:spLocks noGrp="1"/>
-          </p:cNvSpPr>
-          <p:nvPr>
-            <p:ph idx="1"/>
-          </p:nvPr>
-        </p:nvSpPr>
-        <p:spPr/>
-        <p:txBody>
-          <a:bodyPr/>
-          <a:lstStyle/>
-          <a:p>
-            <a:r>
-              <a:rPr lang="en-US" dirty="0"/>
-              <a:t>It is a problem-solving approach that involves understanding the needs and desires of the end-users of a product or service. </a:t>
-            </a:r>
-          </a:p>
-          <a:p>
-            <a:r>
-              <a:rPr lang="en-US" dirty="0"/>
-              <a:t>It is a human-centered approach that focuses on empathy, creativity, and experimentation to develop innovative solutions to complex problems.</a:t>
-            </a:r>
-          </a:p>
-          <a:p>
-            <a:r>
-              <a:rPr lang="en-US" dirty="0"/>
-              <a:t>It is iterative, meaning that designers may go back and forth between the different stages as they refine their solutions. </a:t>
-            </a:r>
-          </a:p>
-          <a:p>
-            <a:endParaRPr lang="en-US" dirty="0"/>
-          </a:p>
-        </p:txBody>
-      </p:sp>
-      <p:sp>
-        <p:nvSpPr>
-          <p:cNvPr id="4" name="Slide Number Placeholder 3">
-            <a:extLst>
-              <a:ext uri="{FF2B5EF4-FFF2-40B4-BE49-F238E27FC236}">
-                <a16:creationId xmlns:a16="http://schemas.microsoft.com/office/drawing/2014/main" id="{A3D7E878-3B9F-2D84-610B-12F45783A8F4}"/>
-              </a:ext>
-            </a:extLst>
-          </p:cNvPr>
-          <p:cNvSpPr>
-            <a:spLocks noGrp="1"/>
-          </p:cNvSpPr>
-          <p:nvPr>
-            <p:ph type="sldNum" sz="quarter" idx="12"/>
-          </p:nvPr>
-        </p:nvSpPr>
-        <p:spPr/>
-        <p:txBody>
-          <a:bodyPr/>
-          <a:lstStyle/>
-          <a:p>
-            <a:fld id="{B8DACC02-A2BD-4578-8E03-6D891060A695}" type="slidenum">
-              <a:rPr lang="en-US" smtClean="0"/>
-              <a:pPr/>
-              <a:t>36</a:t>
-            </a:fld>
-            <a:endParaRPr lang="en-US" dirty="0"/>
-          </a:p>
-        </p:txBody>
-      </p:sp>
-    </p:spTree>
-    <p:extLst>
-      <p:ext uri="{BB962C8B-B14F-4D97-AF65-F5344CB8AC3E}">
-        <p14:creationId xmlns:p14="http://schemas.microsoft.com/office/powerpoint/2010/main" val="2298082916"/>
-      </p:ext>
-    </p:extLst>
-  </p:cSld>
-  <p:clrMapOvr>
-    <a:masterClrMapping/>
-  </p:clrMapOvr>
-</p:sld>
-</file>
-
 <file path=ppt/slides/slide37.xml><?xml version="1.0" encoding="utf-8"?>
 <p:sld xmlns:a="http://schemas.openxmlformats.org/drawingml/2006/main" xmlns:r="http://schemas.openxmlformats.org/officeDocument/2006/relationships" xmlns:p="http://schemas.openxmlformats.org/presentationml/2006/main">
   <p:cSld>
@@ -26484,6 +26461,24 @@
           <a:bodyPr/>
           <a:lstStyle/>
           <a:p>
+            <a:r>
+              <a:rPr lang="en-US" dirty="0"/>
+              <a:t>It is a problem-solving approach that involves understanding the needs and desires of the end-users of a product or service. </a:t>
+            </a:r>
+          </a:p>
+          <a:p>
+            <a:r>
+              <a:rPr lang="en-US" dirty="0"/>
+              <a:t>It is a human-centered approach that focuses on empathy, creativity, and experimentation to develop innovative solutions to complex problems.</a:t>
+            </a:r>
+          </a:p>
+          <a:p>
+            <a:r>
+              <a:rPr lang="en-US" dirty="0"/>
+              <a:t>It is iterative, meaning that designers may go back and forth between the different stages as they refine their solutions. </a:t>
+            </a:r>
+          </a:p>
+          <a:p>
             <a:endParaRPr lang="en-US" dirty="0"/>
           </a:p>
         </p:txBody>
@@ -26513,6 +26508,119 @@
               <a:rPr lang="en-US" smtClean="0"/>
               <a:pPr/>
               <a:t>37</a:t>
+            </a:fld>
+            <a:endParaRPr lang="en-US" dirty="0"/>
+          </a:p>
+        </p:txBody>
+      </p:sp>
+    </p:spTree>
+    <p:extLst>
+      <p:ext uri="{BB962C8B-B14F-4D97-AF65-F5344CB8AC3E}">
+        <p14:creationId xmlns:p14="http://schemas.microsoft.com/office/powerpoint/2010/main" val="2298082916"/>
+      </p:ext>
+    </p:extLst>
+  </p:cSld>
+  <p:clrMapOvr>
+    <a:masterClrMapping/>
+  </p:clrMapOvr>
+</p:sld>
+</file>
+
+<file path=ppt/slides/slide38.xml><?xml version="1.0" encoding="utf-8"?>
+<p:sld xmlns:a="http://schemas.openxmlformats.org/drawingml/2006/main" xmlns:r="http://schemas.openxmlformats.org/officeDocument/2006/relationships" xmlns:p="http://schemas.openxmlformats.org/presentationml/2006/main">
+  <p:cSld>
+    <p:spTree>
+      <p:nvGrpSpPr>
+        <p:cNvPr id="1" name=""/>
+        <p:cNvGrpSpPr/>
+        <p:nvPr/>
+      </p:nvGrpSpPr>
+      <p:grpSpPr>
+        <a:xfrm>
+          <a:off x="0" y="0"/>
+          <a:ext cx="0" cy="0"/>
+          <a:chOff x="0" y="0"/>
+          <a:chExt cx="0" cy="0"/>
+        </a:xfrm>
+      </p:grpSpPr>
+      <p:sp>
+        <p:nvSpPr>
+          <p:cNvPr id="2" name="Title 1">
+            <a:extLst>
+              <a:ext uri="{FF2B5EF4-FFF2-40B4-BE49-F238E27FC236}">
+                <a16:creationId xmlns:a16="http://schemas.microsoft.com/office/drawing/2014/main" id="{34269D96-4A86-7F95-FCE6-BD515639FD83}"/>
+              </a:ext>
+            </a:extLst>
+          </p:cNvPr>
+          <p:cNvSpPr>
+            <a:spLocks noGrp="1"/>
+          </p:cNvSpPr>
+          <p:nvPr>
+            <p:ph type="title"/>
+          </p:nvPr>
+        </p:nvSpPr>
+        <p:spPr/>
+        <p:txBody>
+          <a:bodyPr/>
+          <a:lstStyle/>
+          <a:p>
+            <a:r>
+              <a:rPr lang="en-US" dirty="0"/>
+              <a:t>Design Thinking</a:t>
+            </a:r>
+          </a:p>
+        </p:txBody>
+      </p:sp>
+      <p:sp>
+        <p:nvSpPr>
+          <p:cNvPr id="3" name="Content Placeholder 2">
+            <a:extLst>
+              <a:ext uri="{FF2B5EF4-FFF2-40B4-BE49-F238E27FC236}">
+                <a16:creationId xmlns:a16="http://schemas.microsoft.com/office/drawing/2014/main" id="{CCAEDB0C-A8A3-00BB-5794-865E452258EA}"/>
+              </a:ext>
+            </a:extLst>
+          </p:cNvPr>
+          <p:cNvSpPr>
+            <a:spLocks noGrp="1"/>
+          </p:cNvSpPr>
+          <p:nvPr>
+            <p:ph idx="1"/>
+          </p:nvPr>
+        </p:nvSpPr>
+        <p:spPr/>
+        <p:txBody>
+          <a:bodyPr/>
+          <a:lstStyle/>
+          <a:p>
+            <a:endParaRPr lang="en-US" dirty="0"/>
+          </a:p>
+        </p:txBody>
+      </p:sp>
+      <p:sp>
+        <p:nvSpPr>
+          <p:cNvPr id="4" name="Slide Number Placeholder 3">
+            <a:extLst>
+              <a:ext uri="{FF2B5EF4-FFF2-40B4-BE49-F238E27FC236}">
+                <a16:creationId xmlns:a16="http://schemas.microsoft.com/office/drawing/2014/main" id="{A3D7E878-3B9F-2D84-610B-12F45783A8F4}"/>
+              </a:ext>
+            </a:extLst>
+          </p:cNvPr>
+          <p:cNvSpPr>
+            <a:spLocks noGrp="1"/>
+          </p:cNvSpPr>
+          <p:nvPr>
+            <p:ph type="sldNum" sz="quarter" idx="12"/>
+          </p:nvPr>
+        </p:nvSpPr>
+        <p:spPr/>
+        <p:txBody>
+          <a:bodyPr/>
+          <a:lstStyle/>
+          <a:p>
+            <a:fld id="{B8DACC02-A2BD-4578-8E03-6D891060A695}" type="slidenum">
+              <a:rPr lang="en-US" smtClean="0"/>
+              <a:pPr/>
+              <a:t>38</a:t>
             </a:fld>
             <a:endParaRPr lang="en-US" dirty="0"/>
           </a:p>
@@ -26576,157 +26684,6 @@
 </p:sld>
 </file>
 
-<file path=ppt/slides/slide38.xml><?xml version="1.0" encoding="utf-8"?>
-<p:sld xmlns:a="http://schemas.openxmlformats.org/drawingml/2006/main" xmlns:r="http://schemas.openxmlformats.org/officeDocument/2006/relationships" xmlns:p="http://schemas.openxmlformats.org/presentationml/2006/main">
-  <p:cSld>
-    <p:spTree>
-      <p:nvGrpSpPr>
-        <p:cNvPr id="1" name=""/>
-        <p:cNvGrpSpPr/>
-        <p:nvPr/>
-      </p:nvGrpSpPr>
-      <p:grpSpPr>
-        <a:xfrm>
-          <a:off x="0" y="0"/>
-          <a:ext cx="0" cy="0"/>
-          <a:chOff x="0" y="0"/>
-          <a:chExt cx="0" cy="0"/>
-        </a:xfrm>
-      </p:grpSpPr>
-      <p:sp>
-        <p:nvSpPr>
-          <p:cNvPr id="2" name="Title 1">
-            <a:extLst>
-              <a:ext uri="{FF2B5EF4-FFF2-40B4-BE49-F238E27FC236}">
-                <a16:creationId xmlns:a16="http://schemas.microsoft.com/office/drawing/2014/main" id="{34269D96-4A86-7F95-FCE6-BD515639FD83}"/>
-              </a:ext>
-            </a:extLst>
-          </p:cNvPr>
-          <p:cNvSpPr>
-            <a:spLocks noGrp="1"/>
-          </p:cNvSpPr>
-          <p:nvPr>
-            <p:ph type="title"/>
-          </p:nvPr>
-        </p:nvSpPr>
-        <p:spPr/>
-        <p:txBody>
-          <a:bodyPr/>
-          <a:lstStyle/>
-          <a:p>
-            <a:r>
-              <a:rPr lang="en-US" dirty="0"/>
-              <a:t>Design Thinking</a:t>
-            </a:r>
-          </a:p>
-        </p:txBody>
-      </p:sp>
-      <p:sp>
-        <p:nvSpPr>
-          <p:cNvPr id="3" name="Content Placeholder 2">
-            <a:extLst>
-              <a:ext uri="{FF2B5EF4-FFF2-40B4-BE49-F238E27FC236}">
-                <a16:creationId xmlns:a16="http://schemas.microsoft.com/office/drawing/2014/main" id="{CCAEDB0C-A8A3-00BB-5794-865E452258EA}"/>
-              </a:ext>
-            </a:extLst>
-          </p:cNvPr>
-          <p:cNvSpPr>
-            <a:spLocks noGrp="1"/>
-          </p:cNvSpPr>
-          <p:nvPr>
-            <p:ph idx="1"/>
-          </p:nvPr>
-        </p:nvSpPr>
-        <p:spPr/>
-        <p:txBody>
-          <a:bodyPr>
-            <a:normAutofit/>
-          </a:bodyPr>
-          <a:lstStyle/>
-          <a:p>
-            <a:r>
-              <a:rPr lang="en-US" dirty="0"/>
-              <a:t>Empathize</a:t>
-            </a:r>
-          </a:p>
-          <a:p>
-            <a:pPr lvl="1"/>
-            <a:r>
-              <a:rPr lang="en-US" dirty="0"/>
-              <a:t>Designers gather insights into users' needs, behaviors, motivations, pain points, and goals through research and qualitative data collection.</a:t>
-            </a:r>
-          </a:p>
-          <a:p>
-            <a:r>
-              <a:rPr lang="en-US" dirty="0"/>
-              <a:t>Define</a:t>
-            </a:r>
-          </a:p>
-          <a:p>
-            <a:pPr lvl="1"/>
-            <a:r>
-              <a:rPr lang="en-US" dirty="0"/>
-              <a:t>Designers define the problem or opportunity statement based on insights gathered in the empathize stage. They identify key challenges and create a design brief.</a:t>
-            </a:r>
-          </a:p>
-          <a:p>
-            <a:r>
-              <a:rPr lang="en-US" dirty="0"/>
-              <a:t>Ideate</a:t>
-            </a:r>
-          </a:p>
-          <a:p>
-            <a:pPr lvl="1"/>
-            <a:r>
-              <a:rPr lang="en-US" dirty="0"/>
-              <a:t>Designers generate a wide range of solution ideas using brainstorming techniques, encouraging creativity without worrying about feasibility.</a:t>
-            </a:r>
-          </a:p>
-        </p:txBody>
-      </p:sp>
-      <p:sp>
-        <p:nvSpPr>
-          <p:cNvPr id="4" name="Slide Number Placeholder 3">
-            <a:extLst>
-              <a:ext uri="{FF2B5EF4-FFF2-40B4-BE49-F238E27FC236}">
-                <a16:creationId xmlns:a16="http://schemas.microsoft.com/office/drawing/2014/main" id="{A3D7E878-3B9F-2D84-610B-12F45783A8F4}"/>
-              </a:ext>
-            </a:extLst>
-          </p:cNvPr>
-          <p:cNvSpPr>
-            <a:spLocks noGrp="1"/>
-          </p:cNvSpPr>
-          <p:nvPr>
-            <p:ph type="sldNum" sz="quarter" idx="12"/>
-          </p:nvPr>
-        </p:nvSpPr>
-        <p:spPr/>
-        <p:txBody>
-          <a:bodyPr/>
-          <a:lstStyle/>
-          <a:p>
-            <a:fld id="{B8DACC02-A2BD-4578-8E03-6D891060A695}" type="slidenum">
-              <a:rPr lang="en-US" smtClean="0"/>
-              <a:pPr/>
-              <a:t>38</a:t>
-            </a:fld>
-            <a:endParaRPr lang="en-US" dirty="0"/>
-          </a:p>
-        </p:txBody>
-      </p:sp>
-    </p:spTree>
-    <p:extLst>
-      <p:ext uri="{BB962C8B-B14F-4D97-AF65-F5344CB8AC3E}">
-        <p14:creationId xmlns:p14="http://schemas.microsoft.com/office/powerpoint/2010/main" val="2766925339"/>
-      </p:ext>
-    </p:extLst>
-  </p:cSld>
-  <p:clrMapOvr>
-    <a:masterClrMapping/>
-  </p:clrMapOvr>
-</p:sld>
-</file>
-
 <file path=ppt/slides/slide39.xml><?xml version="1.0" encoding="utf-8"?>
 <p:sld xmlns:a="http://schemas.openxmlformats.org/drawingml/2006/main" xmlns:r="http://schemas.openxmlformats.org/officeDocument/2006/relationships" xmlns:p="http://schemas.openxmlformats.org/presentationml/2006/main">
   <p:cSld>
@@ -26797,27 +26754,40 @@
           <a:p>
             <a:r>
               <a:rPr lang="en-US" dirty="0"/>
-              <a:t>Prototype</a:t>
+              <a:t>Empathize</a:t>
             </a:r>
           </a:p>
           <a:p>
             <a:pPr lvl="1"/>
             <a:r>
               <a:rPr lang="en-US" dirty="0"/>
-              <a:t>Designers create tangible representations of their ideas, ranging from low-fidelity sketches to high-fidelity functional models, which can be tested and validated with users.</a:t>
+              <a:t>Designers gather insights into users' needs, behaviors, motivations, pain points, and goals through research and qualitative data collection.</a:t>
             </a:r>
           </a:p>
           <a:p>
             <a:r>
               <a:rPr lang="en-US" dirty="0"/>
-              <a:t>Test</a:t>
+              <a:t>Define</a:t>
             </a:r>
           </a:p>
           <a:p>
             <a:pPr lvl="1"/>
             <a:r>
               <a:rPr lang="en-US" dirty="0"/>
-              <a:t>Designers test the prototypes with users, gathering feedback and refining the solutions. They observe user interactions, identify usability issues, and improve the designs based on user experiences.</a:t>
+              <a:t>Designers define the problem or opportunity statement based on insights gathered in the empathize stage. They identify key challenges and create a design brief.</a:t>
+            </a:r>
+          </a:p>
+          <a:p>
+            <a:r>
+              <a:rPr lang="en-US" dirty="0"/>
+              <a:t>Ideate</a:t>
+            </a:r>
+          </a:p>
+          <a:p>
+            <a:pPr lvl="1"/>
+            <a:r>
+              <a:rPr lang="en-US" dirty="0"/>
+              <a:t>Designers generate a wide range of solution ideas using brainstorming techniques, encouraging creativity without worrying about feasibility.</a:t>
             </a:r>
           </a:p>
         </p:txBody>
@@ -26855,7 +26825,7 @@
     </p:spTree>
     <p:extLst>
       <p:ext uri="{BB962C8B-B14F-4D97-AF65-F5344CB8AC3E}">
-        <p14:creationId xmlns:p14="http://schemas.microsoft.com/office/powerpoint/2010/main" val="2129669609"/>
+        <p14:creationId xmlns:p14="http://schemas.microsoft.com/office/powerpoint/2010/main" val="2766925339"/>
       </p:ext>
     </p:extLst>
   </p:cSld>
@@ -27005,6 +26975,144 @@
           <p:cNvPr id="2" name="Title 1">
             <a:extLst>
               <a:ext uri="{FF2B5EF4-FFF2-40B4-BE49-F238E27FC236}">
+                <a16:creationId xmlns:a16="http://schemas.microsoft.com/office/drawing/2014/main" id="{34269D96-4A86-7F95-FCE6-BD515639FD83}"/>
+              </a:ext>
+            </a:extLst>
+          </p:cNvPr>
+          <p:cNvSpPr>
+            <a:spLocks noGrp="1"/>
+          </p:cNvSpPr>
+          <p:nvPr>
+            <p:ph type="title"/>
+          </p:nvPr>
+        </p:nvSpPr>
+        <p:spPr/>
+        <p:txBody>
+          <a:bodyPr/>
+          <a:lstStyle/>
+          <a:p>
+            <a:r>
+              <a:rPr lang="en-US" dirty="0"/>
+              <a:t>Design Thinking</a:t>
+            </a:r>
+          </a:p>
+        </p:txBody>
+      </p:sp>
+      <p:sp>
+        <p:nvSpPr>
+          <p:cNvPr id="3" name="Content Placeholder 2">
+            <a:extLst>
+              <a:ext uri="{FF2B5EF4-FFF2-40B4-BE49-F238E27FC236}">
+                <a16:creationId xmlns:a16="http://schemas.microsoft.com/office/drawing/2014/main" id="{CCAEDB0C-A8A3-00BB-5794-865E452258EA}"/>
+              </a:ext>
+            </a:extLst>
+          </p:cNvPr>
+          <p:cNvSpPr>
+            <a:spLocks noGrp="1"/>
+          </p:cNvSpPr>
+          <p:nvPr>
+            <p:ph idx="1"/>
+          </p:nvPr>
+        </p:nvSpPr>
+        <p:spPr/>
+        <p:txBody>
+          <a:bodyPr>
+            <a:normAutofit/>
+          </a:bodyPr>
+          <a:lstStyle/>
+          <a:p>
+            <a:r>
+              <a:rPr lang="en-US" dirty="0"/>
+              <a:t>Prototype</a:t>
+            </a:r>
+          </a:p>
+          <a:p>
+            <a:pPr lvl="1"/>
+            <a:r>
+              <a:rPr lang="en-US" dirty="0"/>
+              <a:t>Designers create tangible representations of their ideas, ranging from low-fidelity sketches to high-fidelity functional models, which can be tested and validated with users.</a:t>
+            </a:r>
+          </a:p>
+          <a:p>
+            <a:r>
+              <a:rPr lang="en-US" dirty="0"/>
+              <a:t>Test</a:t>
+            </a:r>
+          </a:p>
+          <a:p>
+            <a:pPr lvl="1"/>
+            <a:r>
+              <a:rPr lang="en-US" dirty="0"/>
+              <a:t>Designers test the prototypes with users, gathering feedback and refining the solutions. They observe user interactions, identify usability issues, and improve the designs based on user experiences.</a:t>
+            </a:r>
+          </a:p>
+        </p:txBody>
+      </p:sp>
+      <p:sp>
+        <p:nvSpPr>
+          <p:cNvPr id="4" name="Slide Number Placeholder 3">
+            <a:extLst>
+              <a:ext uri="{FF2B5EF4-FFF2-40B4-BE49-F238E27FC236}">
+                <a16:creationId xmlns:a16="http://schemas.microsoft.com/office/drawing/2014/main" id="{A3D7E878-3B9F-2D84-610B-12F45783A8F4}"/>
+              </a:ext>
+            </a:extLst>
+          </p:cNvPr>
+          <p:cNvSpPr>
+            <a:spLocks noGrp="1"/>
+          </p:cNvSpPr>
+          <p:nvPr>
+            <p:ph type="sldNum" sz="quarter" idx="12"/>
+          </p:nvPr>
+        </p:nvSpPr>
+        <p:spPr/>
+        <p:txBody>
+          <a:bodyPr/>
+          <a:lstStyle/>
+          <a:p>
+            <a:fld id="{B8DACC02-A2BD-4578-8E03-6D891060A695}" type="slidenum">
+              <a:rPr lang="en-US" smtClean="0"/>
+              <a:pPr/>
+              <a:t>40</a:t>
+            </a:fld>
+            <a:endParaRPr lang="en-US" dirty="0"/>
+          </a:p>
+        </p:txBody>
+      </p:sp>
+    </p:spTree>
+    <p:extLst>
+      <p:ext uri="{BB962C8B-B14F-4D97-AF65-F5344CB8AC3E}">
+        <p14:creationId xmlns:p14="http://schemas.microsoft.com/office/powerpoint/2010/main" val="2129669609"/>
+      </p:ext>
+    </p:extLst>
+  </p:cSld>
+  <p:clrMapOvr>
+    <a:masterClrMapping/>
+  </p:clrMapOvr>
+</p:sld>
+</file>
+
+<file path=ppt/slides/slide41.xml><?xml version="1.0" encoding="utf-8"?>
+<p:sld xmlns:a="http://schemas.openxmlformats.org/drawingml/2006/main" xmlns:r="http://schemas.openxmlformats.org/officeDocument/2006/relationships" xmlns:p="http://schemas.openxmlformats.org/presentationml/2006/main">
+  <p:cSld>
+    <p:spTree>
+      <p:nvGrpSpPr>
+        <p:cNvPr id="1" name=""/>
+        <p:cNvGrpSpPr/>
+        <p:nvPr/>
+      </p:nvGrpSpPr>
+      <p:grpSpPr>
+        <a:xfrm>
+          <a:off x="0" y="0"/>
+          <a:ext cx="0" cy="0"/>
+          <a:chOff x="0" y="0"/>
+          <a:chExt cx="0" cy="0"/>
+        </a:xfrm>
+      </p:grpSpPr>
+      <p:sp>
+        <p:nvSpPr>
+          <p:cNvPr id="2" name="Title 1">
+            <a:extLst>
+              <a:ext uri="{FF2B5EF4-FFF2-40B4-BE49-F238E27FC236}">
                 <a16:creationId xmlns:a16="http://schemas.microsoft.com/office/drawing/2014/main" id="{5245028D-762D-750B-68E3-C1DB299C8188}"/>
               </a:ext>
             </a:extLst>
@@ -27083,7 +27191,7 @@
             <a:fld id="{B8DACC02-A2BD-4578-8E03-6D891060A695}" type="slidenum">
               <a:rPr lang="en-US" smtClean="0"/>
               <a:pPr/>
-              <a:t>40</a:t>
+              <a:t>41</a:t>
             </a:fld>
             <a:endParaRPr lang="en-US" dirty="0"/>
           </a:p>
@@ -27102,7 +27210,7 @@
 </p:sld>
 </file>
 
-<file path=ppt/slides/slide41.xml><?xml version="1.0" encoding="utf-8"?>
+<file path=ppt/slides/slide42.xml><?xml version="1.0" encoding="utf-8"?>
 <p:sld xmlns:a="http://schemas.openxmlformats.org/drawingml/2006/main" xmlns:r="http://schemas.openxmlformats.org/officeDocument/2006/relationships" xmlns:p="http://schemas.openxmlformats.org/presentationml/2006/main">
   <p:cSld>
     <p:spTree>
@@ -27196,7 +27304,7 @@
             <a:fld id="{B8DACC02-A2BD-4578-8E03-6D891060A695}" type="slidenum">
               <a:rPr lang="en-US" smtClean="0"/>
               <a:pPr/>
-              <a:t>41</a:t>
+              <a:t>42</a:t>
             </a:fld>
             <a:endParaRPr lang="en-US" dirty="0"/>
           </a:p>
@@ -27260,7 +27368,7 @@
 </p:sld>
 </file>
 
-<file path=ppt/slides/slide42.xml><?xml version="1.0" encoding="utf-8"?>
+<file path=ppt/slides/slide43.xml><?xml version="1.0" encoding="utf-8"?>
 <p:sld xmlns:a="http://schemas.openxmlformats.org/drawingml/2006/main" xmlns:r="http://schemas.openxmlformats.org/officeDocument/2006/relationships" xmlns:p="http://schemas.openxmlformats.org/presentationml/2006/main">
   <p:cSld>
     <p:spTree>
@@ -27360,7 +27468,7 @@
             <a:fld id="{B8DACC02-A2BD-4578-8E03-6D891060A695}" type="slidenum">
               <a:rPr lang="en-US" smtClean="0"/>
               <a:pPr/>
-              <a:t>42</a:t>
+              <a:t>43</a:t>
             </a:fld>
             <a:endParaRPr lang="en-US" dirty="0"/>
           </a:p>
@@ -27370,134 +27478,6 @@
     <p:extLst>
       <p:ext uri="{BB962C8B-B14F-4D97-AF65-F5344CB8AC3E}">
         <p14:creationId xmlns:p14="http://schemas.microsoft.com/office/powerpoint/2010/main" val="2800459568"/>
-      </p:ext>
-    </p:extLst>
-  </p:cSld>
-  <p:clrMapOvr>
-    <a:masterClrMapping/>
-  </p:clrMapOvr>
-</p:sld>
-</file>
-
-<file path=ppt/slides/slide43.xml><?xml version="1.0" encoding="utf-8"?>
-<p:sld xmlns:a="http://schemas.openxmlformats.org/drawingml/2006/main" xmlns:r="http://schemas.openxmlformats.org/officeDocument/2006/relationships" xmlns:p="http://schemas.openxmlformats.org/presentationml/2006/main">
-  <p:cSld>
-    <p:spTree>
-      <p:nvGrpSpPr>
-        <p:cNvPr id="1" name=""/>
-        <p:cNvGrpSpPr/>
-        <p:nvPr/>
-      </p:nvGrpSpPr>
-      <p:grpSpPr>
-        <a:xfrm>
-          <a:off x="0" y="0"/>
-          <a:ext cx="0" cy="0"/>
-          <a:chOff x="0" y="0"/>
-          <a:chExt cx="0" cy="0"/>
-        </a:xfrm>
-      </p:grpSpPr>
-      <p:sp>
-        <p:nvSpPr>
-          <p:cNvPr id="2" name="Title 1">
-            <a:extLst>
-              <a:ext uri="{FF2B5EF4-FFF2-40B4-BE49-F238E27FC236}">
-                <a16:creationId xmlns:a16="http://schemas.microsoft.com/office/drawing/2014/main" id="{F001DC26-9234-8A26-74E9-29448B7F93C0}"/>
-              </a:ext>
-            </a:extLst>
-          </p:cNvPr>
-          <p:cNvSpPr>
-            <a:spLocks noGrp="1"/>
-          </p:cNvSpPr>
-          <p:nvPr>
-            <p:ph type="title"/>
-          </p:nvPr>
-        </p:nvSpPr>
-        <p:spPr/>
-        <p:txBody>
-          <a:bodyPr/>
-          <a:lstStyle/>
-          <a:p>
-            <a:r>
-              <a:rPr lang="en-US" dirty="0"/>
-              <a:t>The Open Source Model</a:t>
-            </a:r>
-          </a:p>
-        </p:txBody>
-      </p:sp>
-      <p:sp>
-        <p:nvSpPr>
-          <p:cNvPr id="3" name="Content Placeholder 2">
-            <a:extLst>
-              <a:ext uri="{FF2B5EF4-FFF2-40B4-BE49-F238E27FC236}">
-                <a16:creationId xmlns:a16="http://schemas.microsoft.com/office/drawing/2014/main" id="{F1BC2A76-C964-03DC-AF4C-7573DA6FECC5}"/>
-              </a:ext>
-            </a:extLst>
-          </p:cNvPr>
-          <p:cNvSpPr>
-            <a:spLocks noGrp="1"/>
-          </p:cNvSpPr>
-          <p:nvPr>
-            <p:ph idx="1"/>
-          </p:nvPr>
-        </p:nvSpPr>
-        <p:spPr/>
-        <p:txBody>
-          <a:bodyPr/>
-          <a:lstStyle/>
-          <a:p>
-            <a:r>
-              <a:rPr lang="en-US" dirty="0"/>
-              <a:t> It is the practice of making the source code of software freely available to anyone who wants to access, modify, and distribute it. </a:t>
-            </a:r>
-          </a:p>
-          <a:p>
-            <a:r>
-              <a:rPr lang="en-US" dirty="0"/>
-              <a:t>This model is based on the principles of collaboration, transparency, and community-driven development. </a:t>
-            </a:r>
-          </a:p>
-          <a:p>
-            <a:r>
-              <a:rPr lang="en-US" dirty="0"/>
-              <a:t>In the open source model, the source code is released under a license that allows anyone to use, modify, and distribute the software without any restrictions.</a:t>
-            </a:r>
-          </a:p>
-        </p:txBody>
-      </p:sp>
-      <p:sp>
-        <p:nvSpPr>
-          <p:cNvPr id="4" name="Slide Number Placeholder 3">
-            <a:extLst>
-              <a:ext uri="{FF2B5EF4-FFF2-40B4-BE49-F238E27FC236}">
-                <a16:creationId xmlns:a16="http://schemas.microsoft.com/office/drawing/2014/main" id="{47E78E41-5834-18B0-344F-60575CD657E4}"/>
-              </a:ext>
-            </a:extLst>
-          </p:cNvPr>
-          <p:cNvSpPr>
-            <a:spLocks noGrp="1"/>
-          </p:cNvSpPr>
-          <p:nvPr>
-            <p:ph type="sldNum" sz="quarter" idx="12"/>
-          </p:nvPr>
-        </p:nvSpPr>
-        <p:spPr/>
-        <p:txBody>
-          <a:bodyPr/>
-          <a:lstStyle/>
-          <a:p>
-            <a:fld id="{B8DACC02-A2BD-4578-8E03-6D891060A695}" type="slidenum">
-              <a:rPr lang="en-US" smtClean="0"/>
-              <a:pPr/>
-              <a:t>43</a:t>
-            </a:fld>
-            <a:endParaRPr lang="en-US" dirty="0"/>
-          </a:p>
-        </p:txBody>
-      </p:sp>
-    </p:spTree>
-    <p:extLst>
-      <p:ext uri="{BB962C8B-B14F-4D97-AF65-F5344CB8AC3E}">
-        <p14:creationId xmlns:p14="http://schemas.microsoft.com/office/powerpoint/2010/main" val="3723019933"/>
       </p:ext>
     </p:extLst>
   </p:cSld>
@@ -27570,80 +27550,24 @@
         </p:nvSpPr>
         <p:spPr/>
         <p:txBody>
-          <a:bodyPr>
-            <a:normAutofit/>
-          </a:bodyPr>
+          <a:bodyPr/>
           <a:lstStyle/>
           <a:p>
             <a:r>
               <a:rPr lang="en-US" dirty="0"/>
-              <a:t>Advantages</a:t>
+              <a:t> It is the practice of making the source code of software freely available to anyone who wants to access, modify, and distribute it. </a:t>
             </a:r>
           </a:p>
           <a:p>
-            <a:pPr lvl="1">
-              <a:lnSpc>
-                <a:spcPct val="150000"/>
-              </a:lnSpc>
-            </a:pPr>
             <a:r>
               <a:rPr lang="en-US" dirty="0"/>
-              <a:t>Reduced development costs</a:t>
+              <a:t>This model is based on the principles of collaboration, transparency, and community-driven development. </a:t>
             </a:r>
           </a:p>
           <a:p>
-            <a:pPr lvl="1">
-              <a:lnSpc>
-                <a:spcPct val="150000"/>
-              </a:lnSpc>
-            </a:pPr>
             <a:r>
               <a:rPr lang="en-US" dirty="0"/>
-              <a:t>Faster time-to-market</a:t>
-            </a:r>
-          </a:p>
-          <a:p>
-            <a:pPr lvl="1">
-              <a:lnSpc>
-                <a:spcPct val="150000"/>
-              </a:lnSpc>
-            </a:pPr>
-            <a:r>
-              <a:rPr lang="en-US" dirty="0"/>
-              <a:t>Improved quality</a:t>
-            </a:r>
-          </a:p>
-          <a:p>
-            <a:pPr lvl="1">
-              <a:lnSpc>
-                <a:spcPct val="150000"/>
-              </a:lnSpc>
-            </a:pPr>
-            <a:r>
-              <a:rPr lang="en-US" dirty="0"/>
-              <a:t>Increased security</a:t>
-            </a:r>
-          </a:p>
-          <a:p>
-            <a:pPr lvl="1">
-              <a:lnSpc>
-                <a:spcPct val="150000"/>
-              </a:lnSpc>
-            </a:pPr>
-            <a:r>
-              <a:rPr lang="en-US" dirty="0"/>
-              <a:t>Greater flexibility</a:t>
-            </a:r>
-          </a:p>
-          <a:p>
-            <a:pPr lvl="1">
-              <a:lnSpc>
-                <a:spcPct val="150000"/>
-              </a:lnSpc>
-            </a:pPr>
-            <a:r>
-              <a:rPr lang="en-US" dirty="0"/>
-              <a:t>Community engagement</a:t>
+              <a:t>In the open source model, the source code is released under a license that allows anyone to use, modify, and distribute the software without any restrictions.</a:t>
             </a:r>
           </a:p>
         </p:txBody>
@@ -27681,7 +27605,7 @@
     </p:spTree>
     <p:extLst>
       <p:ext uri="{BB962C8B-B14F-4D97-AF65-F5344CB8AC3E}">
-        <p14:creationId xmlns:p14="http://schemas.microsoft.com/office/powerpoint/2010/main" val="628452950"/>
+        <p14:creationId xmlns:p14="http://schemas.microsoft.com/office/powerpoint/2010/main" val="3723019933"/>
       </p:ext>
     </p:extLst>
   </p:cSld>
@@ -27761,7 +27685,7 @@
           <a:p>
             <a:r>
               <a:rPr lang="en-US" dirty="0"/>
-              <a:t> Business models</a:t>
+              <a:t>Advantages</a:t>
             </a:r>
           </a:p>
           <a:p>
@@ -27772,7 +27696,7 @@
             </a:pPr>
             <a:r>
               <a:rPr lang="en-US" dirty="0"/>
-              <a:t>Support and services</a:t>
+              <a:t>Reduced development costs</a:t>
             </a:r>
           </a:p>
           <a:p>
@@ -27783,7 +27707,7 @@
             </a:pPr>
             <a:r>
               <a:rPr lang="en-US" dirty="0"/>
-              <a:t>Dual-licensing</a:t>
+              <a:t>Faster time-to-market</a:t>
             </a:r>
           </a:p>
           <a:p>
@@ -27794,7 +27718,7 @@
             </a:pPr>
             <a:r>
               <a:rPr lang="en-US" dirty="0"/>
-              <a:t>Open source products</a:t>
+              <a:t>Improved quality</a:t>
             </a:r>
           </a:p>
           <a:p>
@@ -27805,7 +27729,7 @@
             </a:pPr>
             <a:r>
               <a:rPr lang="en-US" dirty="0"/>
-              <a:t>Cloud-based services</a:t>
+              <a:t>Increased security</a:t>
             </a:r>
           </a:p>
           <a:p>
@@ -27816,7 +27740,7 @@
             </a:pPr>
             <a:r>
               <a:rPr lang="en-US" dirty="0"/>
-              <a:t>Consulting</a:t>
+              <a:t>Greater flexibility</a:t>
             </a:r>
           </a:p>
           <a:p>
@@ -27827,7 +27751,7 @@
             </a:pPr>
             <a:r>
               <a:rPr lang="en-US" dirty="0"/>
-              <a:t>Sponsorship</a:t>
+              <a:t>Community engagement</a:t>
             </a:r>
           </a:p>
         </p:txBody>
@@ -27865,7 +27789,7 @@
     </p:spTree>
     <p:extLst>
       <p:ext uri="{BB962C8B-B14F-4D97-AF65-F5344CB8AC3E}">
-        <p14:creationId xmlns:p14="http://schemas.microsoft.com/office/powerpoint/2010/main" val="2663997279"/>
+        <p14:creationId xmlns:p14="http://schemas.microsoft.com/office/powerpoint/2010/main" val="628452950"/>
       </p:ext>
     </p:extLst>
   </p:cSld>
@@ -27945,7 +27869,7 @@
           <a:p>
             <a:r>
               <a:rPr lang="en-US" dirty="0"/>
-              <a:t> Challenges</a:t>
+              <a:t> Business models</a:t>
             </a:r>
           </a:p>
           <a:p>
@@ -27956,7 +27880,7 @@
             </a:pPr>
             <a:r>
               <a:rPr lang="en-US" dirty="0"/>
-              <a:t>Sustainability</a:t>
+              <a:t>Support and services</a:t>
             </a:r>
           </a:p>
           <a:p>
@@ -27967,7 +27891,7 @@
             </a:pPr>
             <a:r>
               <a:rPr lang="en-US" dirty="0"/>
-              <a:t>Intellectual property</a:t>
+              <a:t>Dual-licensing</a:t>
             </a:r>
           </a:p>
           <a:p>
@@ -27978,7 +27902,7 @@
             </a:pPr>
             <a:r>
               <a:rPr lang="en-US" dirty="0"/>
-              <a:t>Support and maintenance</a:t>
+              <a:t>Open source products</a:t>
             </a:r>
           </a:p>
           <a:p>
@@ -27989,7 +27913,7 @@
             </a:pPr>
             <a:r>
               <a:rPr lang="en-US" dirty="0"/>
-              <a:t>Licensing</a:t>
+              <a:t>Cloud-based services</a:t>
             </a:r>
           </a:p>
           <a:p>
@@ -27999,10 +27923,20 @@
               </a:lnSpc>
             </a:pPr>
             <a:r>
-              <a:rPr lang="en-US"/>
-              <a:t>Security</a:t>
+              <a:rPr lang="en-US" dirty="0"/>
+              <a:t>Consulting</a:t>
             </a:r>
-            <a:endParaRPr lang="en-US" dirty="0"/>
+          </a:p>
+          <a:p>
+            <a:pPr lvl="1">
+              <a:lnSpc>
+                <a:spcPct val="150000"/>
+              </a:lnSpc>
+            </a:pPr>
+            <a:r>
+              <a:rPr lang="en-US" dirty="0"/>
+              <a:t>Sponsorship</a:t>
+            </a:r>
           </a:p>
         </p:txBody>
       </p:sp>
@@ -28031,6 +27965,180 @@
               <a:rPr lang="en-US" smtClean="0"/>
               <a:pPr/>
               <a:t>46</a:t>
+            </a:fld>
+            <a:endParaRPr lang="en-US" dirty="0"/>
+          </a:p>
+        </p:txBody>
+      </p:sp>
+    </p:spTree>
+    <p:extLst>
+      <p:ext uri="{BB962C8B-B14F-4D97-AF65-F5344CB8AC3E}">
+        <p14:creationId xmlns:p14="http://schemas.microsoft.com/office/powerpoint/2010/main" val="2663997279"/>
+      </p:ext>
+    </p:extLst>
+  </p:cSld>
+  <p:clrMapOvr>
+    <a:masterClrMapping/>
+  </p:clrMapOvr>
+</p:sld>
+</file>
+
+<file path=ppt/slides/slide47.xml><?xml version="1.0" encoding="utf-8"?>
+<p:sld xmlns:a="http://schemas.openxmlformats.org/drawingml/2006/main" xmlns:r="http://schemas.openxmlformats.org/officeDocument/2006/relationships" xmlns:p="http://schemas.openxmlformats.org/presentationml/2006/main">
+  <p:cSld>
+    <p:spTree>
+      <p:nvGrpSpPr>
+        <p:cNvPr id="1" name=""/>
+        <p:cNvGrpSpPr/>
+        <p:nvPr/>
+      </p:nvGrpSpPr>
+      <p:grpSpPr>
+        <a:xfrm>
+          <a:off x="0" y="0"/>
+          <a:ext cx="0" cy="0"/>
+          <a:chOff x="0" y="0"/>
+          <a:chExt cx="0" cy="0"/>
+        </a:xfrm>
+      </p:grpSpPr>
+      <p:sp>
+        <p:nvSpPr>
+          <p:cNvPr id="2" name="Title 1">
+            <a:extLst>
+              <a:ext uri="{FF2B5EF4-FFF2-40B4-BE49-F238E27FC236}">
+                <a16:creationId xmlns:a16="http://schemas.microsoft.com/office/drawing/2014/main" id="{F001DC26-9234-8A26-74E9-29448B7F93C0}"/>
+              </a:ext>
+            </a:extLst>
+          </p:cNvPr>
+          <p:cNvSpPr>
+            <a:spLocks noGrp="1"/>
+          </p:cNvSpPr>
+          <p:nvPr>
+            <p:ph type="title"/>
+          </p:nvPr>
+        </p:nvSpPr>
+        <p:spPr/>
+        <p:txBody>
+          <a:bodyPr/>
+          <a:lstStyle/>
+          <a:p>
+            <a:r>
+              <a:rPr lang="en-US" dirty="0"/>
+              <a:t>The Open Source Model</a:t>
+            </a:r>
+          </a:p>
+        </p:txBody>
+      </p:sp>
+      <p:sp>
+        <p:nvSpPr>
+          <p:cNvPr id="3" name="Content Placeholder 2">
+            <a:extLst>
+              <a:ext uri="{FF2B5EF4-FFF2-40B4-BE49-F238E27FC236}">
+                <a16:creationId xmlns:a16="http://schemas.microsoft.com/office/drawing/2014/main" id="{F1BC2A76-C964-03DC-AF4C-7573DA6FECC5}"/>
+              </a:ext>
+            </a:extLst>
+          </p:cNvPr>
+          <p:cNvSpPr>
+            <a:spLocks noGrp="1"/>
+          </p:cNvSpPr>
+          <p:nvPr>
+            <p:ph idx="1"/>
+          </p:nvPr>
+        </p:nvSpPr>
+        <p:spPr/>
+        <p:txBody>
+          <a:bodyPr>
+            <a:normAutofit/>
+          </a:bodyPr>
+          <a:lstStyle/>
+          <a:p>
+            <a:r>
+              <a:rPr lang="en-US" dirty="0"/>
+              <a:t> Challenges</a:t>
+            </a:r>
+          </a:p>
+          <a:p>
+            <a:pPr lvl="1">
+              <a:lnSpc>
+                <a:spcPct val="150000"/>
+              </a:lnSpc>
+            </a:pPr>
+            <a:r>
+              <a:rPr lang="en-US" dirty="0"/>
+              <a:t>Sustainability</a:t>
+            </a:r>
+          </a:p>
+          <a:p>
+            <a:pPr lvl="1">
+              <a:lnSpc>
+                <a:spcPct val="150000"/>
+              </a:lnSpc>
+            </a:pPr>
+            <a:r>
+              <a:rPr lang="en-US" dirty="0"/>
+              <a:t>Intellectual property</a:t>
+            </a:r>
+          </a:p>
+          <a:p>
+            <a:pPr lvl="1">
+              <a:lnSpc>
+                <a:spcPct val="150000"/>
+              </a:lnSpc>
+            </a:pPr>
+            <a:r>
+              <a:rPr lang="en-US" dirty="0"/>
+              <a:t>Support and maintenance</a:t>
+            </a:r>
+          </a:p>
+          <a:p>
+            <a:pPr lvl="1">
+              <a:lnSpc>
+                <a:spcPct val="150000"/>
+              </a:lnSpc>
+            </a:pPr>
+            <a:r>
+              <a:rPr lang="en-US" dirty="0"/>
+              <a:t>Licensing</a:t>
+            </a:r>
+          </a:p>
+          <a:p>
+            <a:pPr lvl="1">
+              <a:lnSpc>
+                <a:spcPct val="150000"/>
+              </a:lnSpc>
+            </a:pPr>
+            <a:r>
+              <a:rPr lang="en-US"/>
+              <a:t>Security</a:t>
+            </a:r>
+            <a:endParaRPr lang="en-US" dirty="0"/>
+          </a:p>
+        </p:txBody>
+      </p:sp>
+      <p:sp>
+        <p:nvSpPr>
+          <p:cNvPr id="4" name="Slide Number Placeholder 3">
+            <a:extLst>
+              <a:ext uri="{FF2B5EF4-FFF2-40B4-BE49-F238E27FC236}">
+                <a16:creationId xmlns:a16="http://schemas.microsoft.com/office/drawing/2014/main" id="{47E78E41-5834-18B0-344F-60575CD657E4}"/>
+              </a:ext>
+            </a:extLst>
+          </p:cNvPr>
+          <p:cNvSpPr>
+            <a:spLocks noGrp="1"/>
+          </p:cNvSpPr>
+          <p:nvPr>
+            <p:ph type="sldNum" sz="quarter" idx="12"/>
+          </p:nvPr>
+        </p:nvSpPr>
+        <p:spPr/>
+        <p:txBody>
+          <a:bodyPr/>
+          <a:lstStyle/>
+          <a:p>
+            <a:fld id="{B8DACC02-A2BD-4578-8E03-6D891060A695}" type="slidenum">
+              <a:rPr lang="en-US" smtClean="0"/>
+              <a:pPr/>
+              <a:t>47</a:t>
             </a:fld>
             <a:endParaRPr lang="en-US" dirty="0"/>
           </a:p>

--- a/SE495/Lectures/2-Models/Models.pptx
+++ b/SE495/Lectures/2-Models/Models.pptx
@@ -5,7 +5,7 @@
     <p:sldMasterId id="2147483648" r:id="rId1"/>
   </p:sldMasterIdLst>
   <p:notesMasterIdLst>
-    <p:notesMasterId r:id="rId49"/>
+    <p:notesMasterId r:id="rId57"/>
   </p:notesMasterIdLst>
   <p:sldIdLst>
     <p:sldId id="256" r:id="rId2"/>
@@ -48,13 +48,21 @@
     <p:sldId id="773" r:id="rId39"/>
     <p:sldId id="775" r:id="rId40"/>
     <p:sldId id="776" r:id="rId41"/>
-    <p:sldId id="777" r:id="rId42"/>
-    <p:sldId id="778" r:id="rId43"/>
-    <p:sldId id="779" r:id="rId44"/>
-    <p:sldId id="780" r:id="rId45"/>
-    <p:sldId id="781" r:id="rId46"/>
-    <p:sldId id="782" r:id="rId47"/>
-    <p:sldId id="783" r:id="rId48"/>
+    <p:sldId id="796" r:id="rId42"/>
+    <p:sldId id="797" r:id="rId43"/>
+    <p:sldId id="777" r:id="rId44"/>
+    <p:sldId id="778" r:id="rId45"/>
+    <p:sldId id="779" r:id="rId46"/>
+    <p:sldId id="780" r:id="rId47"/>
+    <p:sldId id="781" r:id="rId48"/>
+    <p:sldId id="782" r:id="rId49"/>
+    <p:sldId id="783" r:id="rId50"/>
+    <p:sldId id="790" r:id="rId51"/>
+    <p:sldId id="791" r:id="rId52"/>
+    <p:sldId id="792" r:id="rId53"/>
+    <p:sldId id="793" r:id="rId54"/>
+    <p:sldId id="794" r:id="rId55"/>
+    <p:sldId id="795" r:id="rId56"/>
   </p:sldIdLst>
   <p:sldSz cx="12192000" cy="6858000"/>
   <p:notesSz cx="6858000" cy="9144000"/>
@@ -17778,7 +17786,7 @@
           <a:p>
             <a:fld id="{41DA9887-9249-49FD-809A-BACB264048C3}" type="datetimeFigureOut">
               <a:rPr lang="en-US" smtClean="0"/>
-              <a:t>1/22/2024</a:t>
+              <a:t>1/23/2024</a:t>
             </a:fld>
             <a:endParaRPr lang="en-US"/>
           </a:p>
@@ -18180,7 +18188,7 @@
           <a:p>
             <a:fld id="{EF213E56-3C1A-435A-851B-5B1F221C2038}" type="datetime1">
               <a:rPr lang="en-US" smtClean="0"/>
-              <a:t>1/22/2024</a:t>
+              <a:t>1/23/2024</a:t>
             </a:fld>
             <a:endParaRPr lang="en-US"/>
           </a:p>
@@ -18481,7 +18489,7 @@
           <a:p>
             <a:fld id="{B4696837-4851-4AA6-8AED-554226C981D1}" type="datetime1">
               <a:rPr lang="en-US" smtClean="0"/>
-              <a:t>1/22/2024</a:t>
+              <a:t>1/23/2024</a:t>
             </a:fld>
             <a:endParaRPr lang="en-US"/>
           </a:p>
@@ -18659,7 +18667,7 @@
           <a:p>
             <a:fld id="{BADD32E1-BB70-4827-BA33-FF5AFC435BE9}" type="datetime1">
               <a:rPr lang="en-US" smtClean="0"/>
-              <a:t>1/22/2024</a:t>
+              <a:t>1/23/2024</a:t>
             </a:fld>
             <a:endParaRPr lang="en-US"/>
           </a:p>
@@ -18902,7 +18910,7 @@
             </a:pPr>
             <a:fld id="{40B9EAF6-54F2-4DF5-9C6B-3F6F95B86356}" type="datetime1">
               <a:rPr lang="en-US" smtClean="0"/>
-              <a:t>1/22/2024</a:t>
+              <a:t>1/23/2024</a:t>
             </a:fld>
             <a:endParaRPr lang="en-US"/>
           </a:p>
@@ -19082,7 +19090,7 @@
             </a:pPr>
             <a:fld id="{D3D64A56-6FF4-479A-8655-719A18A98C4B}" type="datetime1">
               <a:rPr lang="en-US" smtClean="0"/>
-              <a:t>1/22/2024</a:t>
+              <a:t>1/23/2024</a:t>
             </a:fld>
             <a:endParaRPr lang="en-US"/>
           </a:p>
@@ -19363,7 +19371,7 @@
           <a:p>
             <a:fld id="{BB961044-FC46-4CBC-9061-59528F4899F3}" type="datetime1">
               <a:rPr lang="en-US" smtClean="0"/>
-              <a:t>1/22/2024</a:t>
+              <a:t>1/23/2024</a:t>
             </a:fld>
             <a:endParaRPr lang="en-US"/>
           </a:p>
@@ -19713,7 +19721,7 @@
           <a:p>
             <a:fld id="{4466A08C-77F3-471E-A5C4-1D2068144BAC}" type="datetime1">
               <a:rPr lang="en-US" smtClean="0"/>
-              <a:t>1/22/2024</a:t>
+              <a:t>1/23/2024</a:t>
             </a:fld>
             <a:endParaRPr lang="en-US"/>
           </a:p>
@@ -19942,7 +19950,7 @@
           <a:p>
             <a:fld id="{B90A7AD1-16F4-44C3-AE32-24C59A599E9D}" type="datetime1">
               <a:rPr lang="en-US" smtClean="0"/>
-              <a:t>1/22/2024</a:t>
+              <a:t>1/23/2024</a:t>
             </a:fld>
             <a:endParaRPr lang="en-US"/>
           </a:p>
@@ -20306,7 +20314,7 @@
           <a:p>
             <a:fld id="{B583DB4F-4316-4DF5-A229-BC1D787C82A0}" type="datetime1">
               <a:rPr lang="en-US" smtClean="0"/>
-              <a:t>1/22/2024</a:t>
+              <a:t>1/23/2024</a:t>
             </a:fld>
             <a:endParaRPr lang="en-US"/>
           </a:p>
@@ -20401,7 +20409,7 @@
           <a:p>
             <a:fld id="{AE6064B7-7A9F-432D-B7B9-6824267AA574}" type="datetime1">
               <a:rPr lang="en-US" smtClean="0"/>
-              <a:t>1/22/2024</a:t>
+              <a:t>1/23/2024</a:t>
             </a:fld>
             <a:endParaRPr lang="en-US"/>
           </a:p>
@@ -20626,7 +20634,7 @@
             <a:fld id="{B2F5E2FA-C428-4CE7-95B0-168D3259A5BB}" type="datetimeFigureOut">
               <a:rPr lang="en-US" smtClean="0"/>
               <a:pPr/>
-              <a:t>1/22/2024</a:t>
+              <a:t>1/23/2024</a:t>
             </a:fld>
             <a:endParaRPr lang="en-US"/>
           </a:p>
@@ -20803,7 +20811,7 @@
           <a:p>
             <a:fld id="{4E1C93A2-B712-486A-8AB5-D41B95D547BE}" type="datetime1">
               <a:rPr lang="en-US" smtClean="0"/>
-              <a:t>1/22/2024</a:t>
+              <a:t>1/23/2024</a:t>
             </a:fld>
             <a:endParaRPr lang="en-US"/>
           </a:p>
@@ -21078,7 +21086,7 @@
           <a:p>
             <a:fld id="{CAB2F318-F19F-4608-B7EF-F7FB8A482213}" type="datetime1">
               <a:rPr lang="en-US" smtClean="0"/>
-              <a:t>1/22/2024</a:t>
+              <a:t>1/23/2024</a:t>
             </a:fld>
             <a:endParaRPr lang="en-US"/>
           </a:p>
@@ -21330,7 +21338,7 @@
           <a:p>
             <a:fld id="{BB9CEF8C-69D6-4C3E-B892-F682F307A7B6}" type="datetime1">
               <a:rPr lang="en-US" smtClean="0"/>
-              <a:t>1/22/2024</a:t>
+              <a:t>1/23/2024</a:t>
             </a:fld>
             <a:endParaRPr lang="en-US"/>
           </a:p>
@@ -21541,7 +21549,7 @@
           <a:p>
             <a:fld id="{FB737C73-4A31-4C17-AFB7-7B8470027787}" type="datetime1">
               <a:rPr lang="en-US" smtClean="0"/>
-              <a:t>1/22/2024</a:t>
+              <a:t>1/23/2024</a:t>
             </a:fld>
             <a:endParaRPr lang="en-US"/>
           </a:p>
@@ -27110,6 +27118,346 @@
       </p:grpSpPr>
       <p:sp>
         <p:nvSpPr>
+          <p:cNvPr id="3" name="Content Placeholder 2">
+            <a:extLst>
+              <a:ext uri="{FF2B5EF4-FFF2-40B4-BE49-F238E27FC236}">
+                <a16:creationId xmlns:a16="http://schemas.microsoft.com/office/drawing/2014/main" id="{5CCC6729-5DF1-4704-9A11-ADA93A8E9007}"/>
+              </a:ext>
+            </a:extLst>
+          </p:cNvPr>
+          <p:cNvSpPr>
+            <a:spLocks noGrp="1"/>
+          </p:cNvSpPr>
+          <p:nvPr>
+            <p:ph idx="1"/>
+          </p:nvPr>
+        </p:nvSpPr>
+        <p:spPr/>
+        <p:txBody>
+          <a:bodyPr>
+            <a:normAutofit lnSpcReduction="10000"/>
+          </a:bodyPr>
+          <a:lstStyle/>
+          <a:p>
+            <a:r>
+              <a:rPr lang="en-US" dirty="0"/>
+              <a:t>Empathize</a:t>
+            </a:r>
+          </a:p>
+          <a:p>
+            <a:pPr lvl="1"/>
+            <a:r>
+              <a:rPr lang="en-US" dirty="0"/>
+              <a:t>The team at Uber Eats observed and empathized with the various stakeholders involved in the food delivery process. They spent time understanding the pain points and challenges faced by restaurant workers, delivery partners, and customers.</a:t>
+            </a:r>
+          </a:p>
+          <a:p>
+            <a:r>
+              <a:rPr lang="en-US" dirty="0"/>
+              <a:t>Define</a:t>
+            </a:r>
+          </a:p>
+          <a:p>
+            <a:pPr lvl="1"/>
+            <a:r>
+              <a:rPr lang="en-US" dirty="0"/>
+              <a:t>Based on their observations and empathy, Uber Eats defined the core problems and needs of each stakeholder group. They identified areas where improvements could be made to enhance the overall food delivery experience.</a:t>
+            </a:r>
+          </a:p>
+          <a:p>
+            <a:r>
+              <a:rPr lang="en-US" dirty="0"/>
+              <a:t>Ideate</a:t>
+            </a:r>
+          </a:p>
+          <a:p>
+            <a:pPr lvl="1"/>
+            <a:r>
+              <a:rPr lang="en-US" dirty="0"/>
+              <a:t>The team brainstormed potential solutions to address the identified problems and needs. They encouraged creativity and innovation, exploring different ideas and possibilities.</a:t>
+            </a:r>
+          </a:p>
+        </p:txBody>
+      </p:sp>
+      <p:sp>
+        <p:nvSpPr>
+          <p:cNvPr id="4" name="Slide Number Placeholder 3">
+            <a:extLst>
+              <a:ext uri="{FF2B5EF4-FFF2-40B4-BE49-F238E27FC236}">
+                <a16:creationId xmlns:a16="http://schemas.microsoft.com/office/drawing/2014/main" id="{6D1A6F53-0A2C-49FE-A106-77FE427D8878}"/>
+              </a:ext>
+            </a:extLst>
+          </p:cNvPr>
+          <p:cNvSpPr>
+            <a:spLocks noGrp="1"/>
+          </p:cNvSpPr>
+          <p:nvPr>
+            <p:ph type="sldNum" sz="quarter" idx="12"/>
+          </p:nvPr>
+        </p:nvSpPr>
+        <p:spPr/>
+        <p:txBody>
+          <a:bodyPr/>
+          <a:lstStyle/>
+          <a:p>
+            <a:fld id="{B8DACC02-A2BD-4578-8E03-6D891060A695}" type="slidenum">
+              <a:rPr lang="en-US" smtClean="0"/>
+              <a:pPr/>
+              <a:t>41</a:t>
+            </a:fld>
+            <a:endParaRPr lang="en-US" dirty="0"/>
+          </a:p>
+        </p:txBody>
+      </p:sp>
+      <p:pic>
+        <p:nvPicPr>
+          <p:cNvPr id="1026" name="Picture 2" descr="ملف:Uber Eats 2020 logo.svg - ويكيبيديا">
+            <a:extLst>
+              <a:ext uri="{FF2B5EF4-FFF2-40B4-BE49-F238E27FC236}">
+                <a16:creationId xmlns:a16="http://schemas.microsoft.com/office/drawing/2014/main" id="{55E06DA3-A9CF-4B4B-A32D-BD0895A69649}"/>
+              </a:ext>
+            </a:extLst>
+          </p:cNvPr>
+          <p:cNvPicPr>
+            <a:picLocks noChangeAspect="1" noChangeArrowheads="1"/>
+          </p:cNvPicPr>
+          <p:nvPr/>
+        </p:nvPicPr>
+        <p:blipFill>
+          <a:blip r:embed="rId2" cstate="print">
+            <a:extLst>
+              <a:ext uri="{28A0092B-C50C-407E-A947-70E740481C1C}">
+                <a14:useLocalDpi xmlns:a14="http://schemas.microsoft.com/office/drawing/2010/main" val="0"/>
+              </a:ext>
+            </a:extLst>
+          </a:blip>
+          <a:srcRect/>
+          <a:stretch>
+            <a:fillRect/>
+          </a:stretch>
+        </p:blipFill>
+        <p:spPr bwMode="auto">
+          <a:xfrm>
+            <a:off x="512064" y="119438"/>
+            <a:ext cx="5888736" cy="968421"/>
+          </a:xfrm>
+          <a:prstGeom prst="rect">
+            <a:avLst/>
+          </a:prstGeom>
+          <a:noFill/>
+          <a:extLst>
+            <a:ext uri="{909E8E84-426E-40DD-AFC4-6F175D3DCCD1}">
+              <a14:hiddenFill xmlns:a14="http://schemas.microsoft.com/office/drawing/2010/main">
+                <a:solidFill>
+                  <a:srgbClr val="FFFFFF"/>
+                </a:solidFill>
+              </a14:hiddenFill>
+            </a:ext>
+          </a:extLst>
+        </p:spPr>
+      </p:pic>
+    </p:spTree>
+    <p:extLst>
+      <p:ext uri="{BB962C8B-B14F-4D97-AF65-F5344CB8AC3E}">
+        <p14:creationId xmlns:p14="http://schemas.microsoft.com/office/powerpoint/2010/main" val="1207275937"/>
+      </p:ext>
+    </p:extLst>
+  </p:cSld>
+  <p:clrMapOvr>
+    <a:masterClrMapping/>
+  </p:clrMapOvr>
+</p:sld>
+</file>
+
+<file path=ppt/slides/slide42.xml><?xml version="1.0" encoding="utf-8"?>
+<p:sld xmlns:a="http://schemas.openxmlformats.org/drawingml/2006/main" xmlns:r="http://schemas.openxmlformats.org/officeDocument/2006/relationships" xmlns:p="http://schemas.openxmlformats.org/presentationml/2006/main">
+  <p:cSld>
+    <p:spTree>
+      <p:nvGrpSpPr>
+        <p:cNvPr id="1" name=""/>
+        <p:cNvGrpSpPr/>
+        <p:nvPr/>
+      </p:nvGrpSpPr>
+      <p:grpSpPr>
+        <a:xfrm>
+          <a:off x="0" y="0"/>
+          <a:ext cx="0" cy="0"/>
+          <a:chOff x="0" y="0"/>
+          <a:chExt cx="0" cy="0"/>
+        </a:xfrm>
+      </p:grpSpPr>
+      <p:sp>
+        <p:nvSpPr>
+          <p:cNvPr id="3" name="Content Placeholder 2">
+            <a:extLst>
+              <a:ext uri="{FF2B5EF4-FFF2-40B4-BE49-F238E27FC236}">
+                <a16:creationId xmlns:a16="http://schemas.microsoft.com/office/drawing/2014/main" id="{5CCC6729-5DF1-4704-9A11-ADA93A8E9007}"/>
+              </a:ext>
+            </a:extLst>
+          </p:cNvPr>
+          <p:cNvSpPr>
+            <a:spLocks noGrp="1"/>
+          </p:cNvSpPr>
+          <p:nvPr>
+            <p:ph idx="1"/>
+          </p:nvPr>
+        </p:nvSpPr>
+        <p:spPr/>
+        <p:txBody>
+          <a:bodyPr>
+            <a:normAutofit/>
+          </a:bodyPr>
+          <a:lstStyle/>
+          <a:p>
+            <a:r>
+              <a:rPr lang="en-US" dirty="0"/>
+              <a:t>Prototype</a:t>
+            </a:r>
+          </a:p>
+          <a:p>
+            <a:pPr lvl="1"/>
+            <a:r>
+              <a:rPr lang="en-US" dirty="0"/>
+              <a:t>Uber Eats developed prototypes of their app and service, incorporating the solutions generated during the ideation phase. These prototypes allowed them to test and refine their ideas before implementing them on a larger scale.</a:t>
+            </a:r>
+          </a:p>
+          <a:p>
+            <a:r>
+              <a:rPr lang="en-US" dirty="0"/>
+              <a:t>Test</a:t>
+            </a:r>
+          </a:p>
+          <a:p>
+            <a:pPr lvl="1"/>
+            <a:r>
+              <a:rPr lang="en-US" dirty="0"/>
+              <a:t>The prototypes were tested with real users, including restaurant workers, delivery partners, and customers. Feedback was collected and used to iterate and improve the app and service.</a:t>
+            </a:r>
+          </a:p>
+          <a:p>
+            <a:r>
+              <a:rPr lang="en-US" dirty="0"/>
+              <a:t>Implement</a:t>
+            </a:r>
+          </a:p>
+          <a:p>
+            <a:pPr lvl="1"/>
+            <a:r>
+              <a:rPr lang="en-US" dirty="0"/>
+              <a:t>After several rounds of testing and refinement, Uber Eats implemented the final solution. They continuously monitor and gather feedback from users to make further improvements and enhancements.</a:t>
+            </a:r>
+          </a:p>
+        </p:txBody>
+      </p:sp>
+      <p:sp>
+        <p:nvSpPr>
+          <p:cNvPr id="4" name="Slide Number Placeholder 3">
+            <a:extLst>
+              <a:ext uri="{FF2B5EF4-FFF2-40B4-BE49-F238E27FC236}">
+                <a16:creationId xmlns:a16="http://schemas.microsoft.com/office/drawing/2014/main" id="{6D1A6F53-0A2C-49FE-A106-77FE427D8878}"/>
+              </a:ext>
+            </a:extLst>
+          </p:cNvPr>
+          <p:cNvSpPr>
+            <a:spLocks noGrp="1"/>
+          </p:cNvSpPr>
+          <p:nvPr>
+            <p:ph type="sldNum" sz="quarter" idx="12"/>
+          </p:nvPr>
+        </p:nvSpPr>
+        <p:spPr/>
+        <p:txBody>
+          <a:bodyPr/>
+          <a:lstStyle/>
+          <a:p>
+            <a:fld id="{B8DACC02-A2BD-4578-8E03-6D891060A695}" type="slidenum">
+              <a:rPr lang="en-US" smtClean="0"/>
+              <a:pPr/>
+              <a:t>42</a:t>
+            </a:fld>
+            <a:endParaRPr lang="en-US" dirty="0"/>
+          </a:p>
+        </p:txBody>
+      </p:sp>
+      <p:pic>
+        <p:nvPicPr>
+          <p:cNvPr id="1026" name="Picture 2" descr="ملف:Uber Eats 2020 logo.svg - ويكيبيديا">
+            <a:extLst>
+              <a:ext uri="{FF2B5EF4-FFF2-40B4-BE49-F238E27FC236}">
+                <a16:creationId xmlns:a16="http://schemas.microsoft.com/office/drawing/2014/main" id="{55E06DA3-A9CF-4B4B-A32D-BD0895A69649}"/>
+              </a:ext>
+            </a:extLst>
+          </p:cNvPr>
+          <p:cNvPicPr>
+            <a:picLocks noChangeAspect="1" noChangeArrowheads="1"/>
+          </p:cNvPicPr>
+          <p:nvPr/>
+        </p:nvPicPr>
+        <p:blipFill>
+          <a:blip r:embed="rId2" cstate="print">
+            <a:extLst>
+              <a:ext uri="{28A0092B-C50C-407E-A947-70E740481C1C}">
+                <a14:useLocalDpi xmlns:a14="http://schemas.microsoft.com/office/drawing/2010/main" val="0"/>
+              </a:ext>
+            </a:extLst>
+          </a:blip>
+          <a:srcRect/>
+          <a:stretch>
+            <a:fillRect/>
+          </a:stretch>
+        </p:blipFill>
+        <p:spPr bwMode="auto">
+          <a:xfrm>
+            <a:off x="512064" y="119438"/>
+            <a:ext cx="5888736" cy="968421"/>
+          </a:xfrm>
+          <a:prstGeom prst="rect">
+            <a:avLst/>
+          </a:prstGeom>
+          <a:noFill/>
+          <a:extLst>
+            <a:ext uri="{909E8E84-426E-40DD-AFC4-6F175D3DCCD1}">
+              <a14:hiddenFill xmlns:a14="http://schemas.microsoft.com/office/drawing/2010/main">
+                <a:solidFill>
+                  <a:srgbClr val="FFFFFF"/>
+                </a:solidFill>
+              </a14:hiddenFill>
+            </a:ext>
+          </a:extLst>
+        </p:spPr>
+      </p:pic>
+    </p:spTree>
+    <p:extLst>
+      <p:ext uri="{BB962C8B-B14F-4D97-AF65-F5344CB8AC3E}">
+        <p14:creationId xmlns:p14="http://schemas.microsoft.com/office/powerpoint/2010/main" val="1363731040"/>
+      </p:ext>
+    </p:extLst>
+  </p:cSld>
+  <p:clrMapOvr>
+    <a:masterClrMapping/>
+  </p:clrMapOvr>
+</p:sld>
+</file>
+
+<file path=ppt/slides/slide43.xml><?xml version="1.0" encoding="utf-8"?>
+<p:sld xmlns:a="http://schemas.openxmlformats.org/drawingml/2006/main" xmlns:r="http://schemas.openxmlformats.org/officeDocument/2006/relationships" xmlns:p="http://schemas.openxmlformats.org/presentationml/2006/main">
+  <p:cSld>
+    <p:spTree>
+      <p:nvGrpSpPr>
+        <p:cNvPr id="1" name=""/>
+        <p:cNvGrpSpPr/>
+        <p:nvPr/>
+      </p:nvGrpSpPr>
+      <p:grpSpPr>
+        <a:xfrm>
+          <a:off x="0" y="0"/>
+          <a:ext cx="0" cy="0"/>
+          <a:chOff x="0" y="0"/>
+          <a:chExt cx="0" cy="0"/>
+        </a:xfrm>
+      </p:grpSpPr>
+      <p:sp>
+        <p:nvSpPr>
           <p:cNvPr id="2" name="Title 1">
             <a:extLst>
               <a:ext uri="{FF2B5EF4-FFF2-40B4-BE49-F238E27FC236}">
@@ -27191,7 +27539,7 @@
             <a:fld id="{B8DACC02-A2BD-4578-8E03-6D891060A695}" type="slidenum">
               <a:rPr lang="en-US" smtClean="0"/>
               <a:pPr/>
-              <a:t>41</a:t>
+              <a:t>43</a:t>
             </a:fld>
             <a:endParaRPr lang="en-US" dirty="0"/>
           </a:p>
@@ -27210,7 +27558,7 @@
 </p:sld>
 </file>
 
-<file path=ppt/slides/slide42.xml><?xml version="1.0" encoding="utf-8"?>
+<file path=ppt/slides/slide44.xml><?xml version="1.0" encoding="utf-8"?>
 <p:sld xmlns:a="http://schemas.openxmlformats.org/drawingml/2006/main" xmlns:r="http://schemas.openxmlformats.org/officeDocument/2006/relationships" xmlns:p="http://schemas.openxmlformats.org/presentationml/2006/main">
   <p:cSld>
     <p:spTree>
@@ -27304,7 +27652,7 @@
             <a:fld id="{B8DACC02-A2BD-4578-8E03-6D891060A695}" type="slidenum">
               <a:rPr lang="en-US" smtClean="0"/>
               <a:pPr/>
-              <a:t>42</a:t>
+              <a:t>44</a:t>
             </a:fld>
             <a:endParaRPr lang="en-US" dirty="0"/>
           </a:p>
@@ -27368,7 +27716,7 @@
 </p:sld>
 </file>
 
-<file path=ppt/slides/slide43.xml><?xml version="1.0" encoding="utf-8"?>
+<file path=ppt/slides/slide45.xml><?xml version="1.0" encoding="utf-8"?>
 <p:sld xmlns:a="http://schemas.openxmlformats.org/drawingml/2006/main" xmlns:r="http://schemas.openxmlformats.org/officeDocument/2006/relationships" xmlns:p="http://schemas.openxmlformats.org/presentationml/2006/main">
   <p:cSld>
     <p:spTree>
@@ -27468,7 +27816,7 @@
             <a:fld id="{B8DACC02-A2BD-4578-8E03-6D891060A695}" type="slidenum">
               <a:rPr lang="en-US" smtClean="0"/>
               <a:pPr/>
-              <a:t>43</a:t>
+              <a:t>45</a:t>
             </a:fld>
             <a:endParaRPr lang="en-US" dirty="0"/>
           </a:p>
@@ -27478,318 +27826,6 @@
     <p:extLst>
       <p:ext uri="{BB962C8B-B14F-4D97-AF65-F5344CB8AC3E}">
         <p14:creationId xmlns:p14="http://schemas.microsoft.com/office/powerpoint/2010/main" val="2800459568"/>
-      </p:ext>
-    </p:extLst>
-  </p:cSld>
-  <p:clrMapOvr>
-    <a:masterClrMapping/>
-  </p:clrMapOvr>
-</p:sld>
-</file>
-
-<file path=ppt/slides/slide44.xml><?xml version="1.0" encoding="utf-8"?>
-<p:sld xmlns:a="http://schemas.openxmlformats.org/drawingml/2006/main" xmlns:r="http://schemas.openxmlformats.org/officeDocument/2006/relationships" xmlns:p="http://schemas.openxmlformats.org/presentationml/2006/main">
-  <p:cSld>
-    <p:spTree>
-      <p:nvGrpSpPr>
-        <p:cNvPr id="1" name=""/>
-        <p:cNvGrpSpPr/>
-        <p:nvPr/>
-      </p:nvGrpSpPr>
-      <p:grpSpPr>
-        <a:xfrm>
-          <a:off x="0" y="0"/>
-          <a:ext cx="0" cy="0"/>
-          <a:chOff x="0" y="0"/>
-          <a:chExt cx="0" cy="0"/>
-        </a:xfrm>
-      </p:grpSpPr>
-      <p:sp>
-        <p:nvSpPr>
-          <p:cNvPr id="2" name="Title 1">
-            <a:extLst>
-              <a:ext uri="{FF2B5EF4-FFF2-40B4-BE49-F238E27FC236}">
-                <a16:creationId xmlns:a16="http://schemas.microsoft.com/office/drawing/2014/main" id="{F001DC26-9234-8A26-74E9-29448B7F93C0}"/>
-              </a:ext>
-            </a:extLst>
-          </p:cNvPr>
-          <p:cNvSpPr>
-            <a:spLocks noGrp="1"/>
-          </p:cNvSpPr>
-          <p:nvPr>
-            <p:ph type="title"/>
-          </p:nvPr>
-        </p:nvSpPr>
-        <p:spPr/>
-        <p:txBody>
-          <a:bodyPr/>
-          <a:lstStyle/>
-          <a:p>
-            <a:r>
-              <a:rPr lang="en-US" dirty="0"/>
-              <a:t>The Open Source Model</a:t>
-            </a:r>
-          </a:p>
-        </p:txBody>
-      </p:sp>
-      <p:sp>
-        <p:nvSpPr>
-          <p:cNvPr id="3" name="Content Placeholder 2">
-            <a:extLst>
-              <a:ext uri="{FF2B5EF4-FFF2-40B4-BE49-F238E27FC236}">
-                <a16:creationId xmlns:a16="http://schemas.microsoft.com/office/drawing/2014/main" id="{F1BC2A76-C964-03DC-AF4C-7573DA6FECC5}"/>
-              </a:ext>
-            </a:extLst>
-          </p:cNvPr>
-          <p:cNvSpPr>
-            <a:spLocks noGrp="1"/>
-          </p:cNvSpPr>
-          <p:nvPr>
-            <p:ph idx="1"/>
-          </p:nvPr>
-        </p:nvSpPr>
-        <p:spPr/>
-        <p:txBody>
-          <a:bodyPr/>
-          <a:lstStyle/>
-          <a:p>
-            <a:r>
-              <a:rPr lang="en-US" dirty="0"/>
-              <a:t> It is the practice of making the source code of software freely available to anyone who wants to access, modify, and distribute it. </a:t>
-            </a:r>
-          </a:p>
-          <a:p>
-            <a:r>
-              <a:rPr lang="en-US" dirty="0"/>
-              <a:t>This model is based on the principles of collaboration, transparency, and community-driven development. </a:t>
-            </a:r>
-          </a:p>
-          <a:p>
-            <a:r>
-              <a:rPr lang="en-US" dirty="0"/>
-              <a:t>In the open source model, the source code is released under a license that allows anyone to use, modify, and distribute the software without any restrictions.</a:t>
-            </a:r>
-          </a:p>
-        </p:txBody>
-      </p:sp>
-      <p:sp>
-        <p:nvSpPr>
-          <p:cNvPr id="4" name="Slide Number Placeholder 3">
-            <a:extLst>
-              <a:ext uri="{FF2B5EF4-FFF2-40B4-BE49-F238E27FC236}">
-                <a16:creationId xmlns:a16="http://schemas.microsoft.com/office/drawing/2014/main" id="{47E78E41-5834-18B0-344F-60575CD657E4}"/>
-              </a:ext>
-            </a:extLst>
-          </p:cNvPr>
-          <p:cNvSpPr>
-            <a:spLocks noGrp="1"/>
-          </p:cNvSpPr>
-          <p:nvPr>
-            <p:ph type="sldNum" sz="quarter" idx="12"/>
-          </p:nvPr>
-        </p:nvSpPr>
-        <p:spPr/>
-        <p:txBody>
-          <a:bodyPr/>
-          <a:lstStyle/>
-          <a:p>
-            <a:fld id="{B8DACC02-A2BD-4578-8E03-6D891060A695}" type="slidenum">
-              <a:rPr lang="en-US" smtClean="0"/>
-              <a:pPr/>
-              <a:t>44</a:t>
-            </a:fld>
-            <a:endParaRPr lang="en-US" dirty="0"/>
-          </a:p>
-        </p:txBody>
-      </p:sp>
-    </p:spTree>
-    <p:extLst>
-      <p:ext uri="{BB962C8B-B14F-4D97-AF65-F5344CB8AC3E}">
-        <p14:creationId xmlns:p14="http://schemas.microsoft.com/office/powerpoint/2010/main" val="3723019933"/>
-      </p:ext>
-    </p:extLst>
-  </p:cSld>
-  <p:clrMapOvr>
-    <a:masterClrMapping/>
-  </p:clrMapOvr>
-</p:sld>
-</file>
-
-<file path=ppt/slides/slide45.xml><?xml version="1.0" encoding="utf-8"?>
-<p:sld xmlns:a="http://schemas.openxmlformats.org/drawingml/2006/main" xmlns:r="http://schemas.openxmlformats.org/officeDocument/2006/relationships" xmlns:p="http://schemas.openxmlformats.org/presentationml/2006/main">
-  <p:cSld>
-    <p:spTree>
-      <p:nvGrpSpPr>
-        <p:cNvPr id="1" name=""/>
-        <p:cNvGrpSpPr/>
-        <p:nvPr/>
-      </p:nvGrpSpPr>
-      <p:grpSpPr>
-        <a:xfrm>
-          <a:off x="0" y="0"/>
-          <a:ext cx="0" cy="0"/>
-          <a:chOff x="0" y="0"/>
-          <a:chExt cx="0" cy="0"/>
-        </a:xfrm>
-      </p:grpSpPr>
-      <p:sp>
-        <p:nvSpPr>
-          <p:cNvPr id="2" name="Title 1">
-            <a:extLst>
-              <a:ext uri="{FF2B5EF4-FFF2-40B4-BE49-F238E27FC236}">
-                <a16:creationId xmlns:a16="http://schemas.microsoft.com/office/drawing/2014/main" id="{F001DC26-9234-8A26-74E9-29448B7F93C0}"/>
-              </a:ext>
-            </a:extLst>
-          </p:cNvPr>
-          <p:cNvSpPr>
-            <a:spLocks noGrp="1"/>
-          </p:cNvSpPr>
-          <p:nvPr>
-            <p:ph type="title"/>
-          </p:nvPr>
-        </p:nvSpPr>
-        <p:spPr/>
-        <p:txBody>
-          <a:bodyPr/>
-          <a:lstStyle/>
-          <a:p>
-            <a:r>
-              <a:rPr lang="en-US" dirty="0"/>
-              <a:t>The Open Source Model</a:t>
-            </a:r>
-          </a:p>
-        </p:txBody>
-      </p:sp>
-      <p:sp>
-        <p:nvSpPr>
-          <p:cNvPr id="3" name="Content Placeholder 2">
-            <a:extLst>
-              <a:ext uri="{FF2B5EF4-FFF2-40B4-BE49-F238E27FC236}">
-                <a16:creationId xmlns:a16="http://schemas.microsoft.com/office/drawing/2014/main" id="{F1BC2A76-C964-03DC-AF4C-7573DA6FECC5}"/>
-              </a:ext>
-            </a:extLst>
-          </p:cNvPr>
-          <p:cNvSpPr>
-            <a:spLocks noGrp="1"/>
-          </p:cNvSpPr>
-          <p:nvPr>
-            <p:ph idx="1"/>
-          </p:nvPr>
-        </p:nvSpPr>
-        <p:spPr/>
-        <p:txBody>
-          <a:bodyPr>
-            <a:normAutofit/>
-          </a:bodyPr>
-          <a:lstStyle/>
-          <a:p>
-            <a:r>
-              <a:rPr lang="en-US" dirty="0"/>
-              <a:t>Advantages</a:t>
-            </a:r>
-          </a:p>
-          <a:p>
-            <a:pPr lvl="1">
-              <a:lnSpc>
-                <a:spcPct val="150000"/>
-              </a:lnSpc>
-            </a:pPr>
-            <a:r>
-              <a:rPr lang="en-US" dirty="0"/>
-              <a:t>Reduced development costs</a:t>
-            </a:r>
-          </a:p>
-          <a:p>
-            <a:pPr lvl="1">
-              <a:lnSpc>
-                <a:spcPct val="150000"/>
-              </a:lnSpc>
-            </a:pPr>
-            <a:r>
-              <a:rPr lang="en-US" dirty="0"/>
-              <a:t>Faster time-to-market</a:t>
-            </a:r>
-          </a:p>
-          <a:p>
-            <a:pPr lvl="1">
-              <a:lnSpc>
-                <a:spcPct val="150000"/>
-              </a:lnSpc>
-            </a:pPr>
-            <a:r>
-              <a:rPr lang="en-US" dirty="0"/>
-              <a:t>Improved quality</a:t>
-            </a:r>
-          </a:p>
-          <a:p>
-            <a:pPr lvl="1">
-              <a:lnSpc>
-                <a:spcPct val="150000"/>
-              </a:lnSpc>
-            </a:pPr>
-            <a:r>
-              <a:rPr lang="en-US" dirty="0"/>
-              <a:t>Increased security</a:t>
-            </a:r>
-          </a:p>
-          <a:p>
-            <a:pPr lvl="1">
-              <a:lnSpc>
-                <a:spcPct val="150000"/>
-              </a:lnSpc>
-            </a:pPr>
-            <a:r>
-              <a:rPr lang="en-US" dirty="0"/>
-              <a:t>Greater flexibility</a:t>
-            </a:r>
-          </a:p>
-          <a:p>
-            <a:pPr lvl="1">
-              <a:lnSpc>
-                <a:spcPct val="150000"/>
-              </a:lnSpc>
-            </a:pPr>
-            <a:r>
-              <a:rPr lang="en-US" dirty="0"/>
-              <a:t>Community engagement</a:t>
-            </a:r>
-          </a:p>
-        </p:txBody>
-      </p:sp>
-      <p:sp>
-        <p:nvSpPr>
-          <p:cNvPr id="4" name="Slide Number Placeholder 3">
-            <a:extLst>
-              <a:ext uri="{FF2B5EF4-FFF2-40B4-BE49-F238E27FC236}">
-                <a16:creationId xmlns:a16="http://schemas.microsoft.com/office/drawing/2014/main" id="{47E78E41-5834-18B0-344F-60575CD657E4}"/>
-              </a:ext>
-            </a:extLst>
-          </p:cNvPr>
-          <p:cNvSpPr>
-            <a:spLocks noGrp="1"/>
-          </p:cNvSpPr>
-          <p:nvPr>
-            <p:ph type="sldNum" sz="quarter" idx="12"/>
-          </p:nvPr>
-        </p:nvSpPr>
-        <p:spPr/>
-        <p:txBody>
-          <a:bodyPr/>
-          <a:lstStyle/>
-          <a:p>
-            <a:fld id="{B8DACC02-A2BD-4578-8E03-6D891060A695}" type="slidenum">
-              <a:rPr lang="en-US" smtClean="0"/>
-              <a:pPr/>
-              <a:t>45</a:t>
-            </a:fld>
-            <a:endParaRPr lang="en-US" dirty="0"/>
-          </a:p>
-        </p:txBody>
-      </p:sp>
-    </p:spTree>
-    <p:extLst>
-      <p:ext uri="{BB962C8B-B14F-4D97-AF65-F5344CB8AC3E}">
-        <p14:creationId xmlns:p14="http://schemas.microsoft.com/office/powerpoint/2010/main" val="628452950"/>
       </p:ext>
     </p:extLst>
   </p:cSld>
@@ -27862,80 +27898,24 @@
         </p:nvSpPr>
         <p:spPr/>
         <p:txBody>
-          <a:bodyPr>
-            <a:normAutofit/>
-          </a:bodyPr>
+          <a:bodyPr/>
           <a:lstStyle/>
           <a:p>
             <a:r>
               <a:rPr lang="en-US" dirty="0"/>
-              <a:t> Business models</a:t>
-            </a:r>
-          </a:p>
-          <a:p>
-            <a:pPr lvl="1">
-              <a:lnSpc>
-                <a:spcPct val="150000"/>
-              </a:lnSpc>
-            </a:pPr>
+              <a:t> It is the practice of making the source code of software freely available to anyone who wants to access, modify, and distribute it. </a:t>
+            </a:r>
+          </a:p>
+          <a:p>
             <a:r>
               <a:rPr lang="en-US" dirty="0"/>
-              <a:t>Support and services</a:t>
-            </a:r>
-          </a:p>
-          <a:p>
-            <a:pPr lvl="1">
-              <a:lnSpc>
-                <a:spcPct val="150000"/>
-              </a:lnSpc>
-            </a:pPr>
+              <a:t>This model is based on the principles of collaboration, transparency, and community-driven development. </a:t>
+            </a:r>
+          </a:p>
+          <a:p>
             <a:r>
               <a:rPr lang="en-US" dirty="0"/>
-              <a:t>Dual-licensing</a:t>
-            </a:r>
-          </a:p>
-          <a:p>
-            <a:pPr lvl="1">
-              <a:lnSpc>
-                <a:spcPct val="150000"/>
-              </a:lnSpc>
-            </a:pPr>
-            <a:r>
-              <a:rPr lang="en-US" dirty="0"/>
-              <a:t>Open source products</a:t>
-            </a:r>
-          </a:p>
-          <a:p>
-            <a:pPr lvl="1">
-              <a:lnSpc>
-                <a:spcPct val="150000"/>
-              </a:lnSpc>
-            </a:pPr>
-            <a:r>
-              <a:rPr lang="en-US" dirty="0"/>
-              <a:t>Cloud-based services</a:t>
-            </a:r>
-          </a:p>
-          <a:p>
-            <a:pPr lvl="1">
-              <a:lnSpc>
-                <a:spcPct val="150000"/>
-              </a:lnSpc>
-            </a:pPr>
-            <a:r>
-              <a:rPr lang="en-US" dirty="0"/>
-              <a:t>Consulting</a:t>
-            </a:r>
-          </a:p>
-          <a:p>
-            <a:pPr lvl="1">
-              <a:lnSpc>
-                <a:spcPct val="150000"/>
-              </a:lnSpc>
-            </a:pPr>
-            <a:r>
-              <a:rPr lang="en-US" dirty="0"/>
-              <a:t>Sponsorship</a:t>
+              <a:t>In the open source model, the source code is released under a license that allows anyone to use, modify, and distribute the software without any restrictions.</a:t>
             </a:r>
           </a:p>
         </p:txBody>
@@ -27973,7 +27953,7 @@
     </p:spTree>
     <p:extLst>
       <p:ext uri="{BB962C8B-B14F-4D97-AF65-F5344CB8AC3E}">
-        <p14:creationId xmlns:p14="http://schemas.microsoft.com/office/powerpoint/2010/main" val="2663997279"/>
+        <p14:creationId xmlns:p14="http://schemas.microsoft.com/office/powerpoint/2010/main" val="3723019933"/>
       </p:ext>
     </p:extLst>
   </p:cSld>
@@ -28053,7 +28033,7 @@
           <a:p>
             <a:r>
               <a:rPr lang="en-US" dirty="0"/>
-              <a:t> Challenges</a:t>
+              <a:t>Advantages</a:t>
             </a:r>
           </a:p>
           <a:p>
@@ -28064,7 +28044,7 @@
             </a:pPr>
             <a:r>
               <a:rPr lang="en-US" dirty="0"/>
-              <a:t>Sustainability</a:t>
+              <a:t>Reduced development costs</a:t>
             </a:r>
           </a:p>
           <a:p>
@@ -28075,7 +28055,7 @@
             </a:pPr>
             <a:r>
               <a:rPr lang="en-US" dirty="0"/>
-              <a:t>Intellectual property</a:t>
+              <a:t>Faster time-to-market</a:t>
             </a:r>
           </a:p>
           <a:p>
@@ -28086,7 +28066,7 @@
             </a:pPr>
             <a:r>
               <a:rPr lang="en-US" dirty="0"/>
-              <a:t>Support and maintenance</a:t>
+              <a:t>Improved quality</a:t>
             </a:r>
           </a:p>
           <a:p>
@@ -28097,7 +28077,7 @@
             </a:pPr>
             <a:r>
               <a:rPr lang="en-US" dirty="0"/>
-              <a:t>Licensing</a:t>
+              <a:t>Increased security</a:t>
             </a:r>
           </a:p>
           <a:p>
@@ -28107,10 +28087,20 @@
               </a:lnSpc>
             </a:pPr>
             <a:r>
-              <a:rPr lang="en-US"/>
-              <a:t>Security</a:t>
-            </a:r>
-            <a:endParaRPr lang="en-US" dirty="0"/>
+              <a:rPr lang="en-US" dirty="0"/>
+              <a:t>Greater flexibility</a:t>
+            </a:r>
+          </a:p>
+          <a:p>
+            <a:pPr lvl="1">
+              <a:lnSpc>
+                <a:spcPct val="150000"/>
+              </a:lnSpc>
+            </a:pPr>
+            <a:r>
+              <a:rPr lang="en-US" dirty="0"/>
+              <a:t>Community engagement</a:t>
+            </a:r>
           </a:p>
         </p:txBody>
       </p:sp>
@@ -28139,6 +28129,364 @@
               <a:rPr lang="en-US" smtClean="0"/>
               <a:pPr/>
               <a:t>47</a:t>
+            </a:fld>
+            <a:endParaRPr lang="en-US" dirty="0"/>
+          </a:p>
+        </p:txBody>
+      </p:sp>
+    </p:spTree>
+    <p:extLst>
+      <p:ext uri="{BB962C8B-B14F-4D97-AF65-F5344CB8AC3E}">
+        <p14:creationId xmlns:p14="http://schemas.microsoft.com/office/powerpoint/2010/main" val="628452950"/>
+      </p:ext>
+    </p:extLst>
+  </p:cSld>
+  <p:clrMapOvr>
+    <a:masterClrMapping/>
+  </p:clrMapOvr>
+</p:sld>
+</file>
+
+<file path=ppt/slides/slide48.xml><?xml version="1.0" encoding="utf-8"?>
+<p:sld xmlns:a="http://schemas.openxmlformats.org/drawingml/2006/main" xmlns:r="http://schemas.openxmlformats.org/officeDocument/2006/relationships" xmlns:p="http://schemas.openxmlformats.org/presentationml/2006/main">
+  <p:cSld>
+    <p:spTree>
+      <p:nvGrpSpPr>
+        <p:cNvPr id="1" name=""/>
+        <p:cNvGrpSpPr/>
+        <p:nvPr/>
+      </p:nvGrpSpPr>
+      <p:grpSpPr>
+        <a:xfrm>
+          <a:off x="0" y="0"/>
+          <a:ext cx="0" cy="0"/>
+          <a:chOff x="0" y="0"/>
+          <a:chExt cx="0" cy="0"/>
+        </a:xfrm>
+      </p:grpSpPr>
+      <p:sp>
+        <p:nvSpPr>
+          <p:cNvPr id="2" name="Title 1">
+            <a:extLst>
+              <a:ext uri="{FF2B5EF4-FFF2-40B4-BE49-F238E27FC236}">
+                <a16:creationId xmlns:a16="http://schemas.microsoft.com/office/drawing/2014/main" id="{F001DC26-9234-8A26-74E9-29448B7F93C0}"/>
+              </a:ext>
+            </a:extLst>
+          </p:cNvPr>
+          <p:cNvSpPr>
+            <a:spLocks noGrp="1"/>
+          </p:cNvSpPr>
+          <p:nvPr>
+            <p:ph type="title"/>
+          </p:nvPr>
+        </p:nvSpPr>
+        <p:spPr/>
+        <p:txBody>
+          <a:bodyPr/>
+          <a:lstStyle/>
+          <a:p>
+            <a:r>
+              <a:rPr lang="en-US" dirty="0"/>
+              <a:t>The Open Source Model</a:t>
+            </a:r>
+          </a:p>
+        </p:txBody>
+      </p:sp>
+      <p:sp>
+        <p:nvSpPr>
+          <p:cNvPr id="3" name="Content Placeholder 2">
+            <a:extLst>
+              <a:ext uri="{FF2B5EF4-FFF2-40B4-BE49-F238E27FC236}">
+                <a16:creationId xmlns:a16="http://schemas.microsoft.com/office/drawing/2014/main" id="{F1BC2A76-C964-03DC-AF4C-7573DA6FECC5}"/>
+              </a:ext>
+            </a:extLst>
+          </p:cNvPr>
+          <p:cNvSpPr>
+            <a:spLocks noGrp="1"/>
+          </p:cNvSpPr>
+          <p:nvPr>
+            <p:ph idx="1"/>
+          </p:nvPr>
+        </p:nvSpPr>
+        <p:spPr/>
+        <p:txBody>
+          <a:bodyPr>
+            <a:normAutofit/>
+          </a:bodyPr>
+          <a:lstStyle/>
+          <a:p>
+            <a:r>
+              <a:rPr lang="en-US" dirty="0"/>
+              <a:t> Business models</a:t>
+            </a:r>
+          </a:p>
+          <a:p>
+            <a:pPr lvl="1">
+              <a:lnSpc>
+                <a:spcPct val="150000"/>
+              </a:lnSpc>
+            </a:pPr>
+            <a:r>
+              <a:rPr lang="en-US" dirty="0"/>
+              <a:t>Support and services</a:t>
+            </a:r>
+          </a:p>
+          <a:p>
+            <a:pPr lvl="1">
+              <a:lnSpc>
+                <a:spcPct val="150000"/>
+              </a:lnSpc>
+            </a:pPr>
+            <a:r>
+              <a:rPr lang="en-US" dirty="0"/>
+              <a:t>Dual-licensing</a:t>
+            </a:r>
+          </a:p>
+          <a:p>
+            <a:pPr lvl="1">
+              <a:lnSpc>
+                <a:spcPct val="150000"/>
+              </a:lnSpc>
+            </a:pPr>
+            <a:r>
+              <a:rPr lang="en-US" dirty="0"/>
+              <a:t>Open source products</a:t>
+            </a:r>
+          </a:p>
+          <a:p>
+            <a:pPr lvl="1">
+              <a:lnSpc>
+                <a:spcPct val="150000"/>
+              </a:lnSpc>
+            </a:pPr>
+            <a:r>
+              <a:rPr lang="en-US" dirty="0"/>
+              <a:t>Cloud-based services</a:t>
+            </a:r>
+          </a:p>
+          <a:p>
+            <a:pPr lvl="1">
+              <a:lnSpc>
+                <a:spcPct val="150000"/>
+              </a:lnSpc>
+            </a:pPr>
+            <a:r>
+              <a:rPr lang="en-US" dirty="0"/>
+              <a:t>Consulting</a:t>
+            </a:r>
+          </a:p>
+          <a:p>
+            <a:pPr lvl="1">
+              <a:lnSpc>
+                <a:spcPct val="150000"/>
+              </a:lnSpc>
+            </a:pPr>
+            <a:r>
+              <a:rPr lang="en-US" dirty="0"/>
+              <a:t>Sponsorship</a:t>
+            </a:r>
+          </a:p>
+        </p:txBody>
+      </p:sp>
+      <p:sp>
+        <p:nvSpPr>
+          <p:cNvPr id="4" name="Slide Number Placeholder 3">
+            <a:extLst>
+              <a:ext uri="{FF2B5EF4-FFF2-40B4-BE49-F238E27FC236}">
+                <a16:creationId xmlns:a16="http://schemas.microsoft.com/office/drawing/2014/main" id="{47E78E41-5834-18B0-344F-60575CD657E4}"/>
+              </a:ext>
+            </a:extLst>
+          </p:cNvPr>
+          <p:cNvSpPr>
+            <a:spLocks noGrp="1"/>
+          </p:cNvSpPr>
+          <p:nvPr>
+            <p:ph type="sldNum" sz="quarter" idx="12"/>
+          </p:nvPr>
+        </p:nvSpPr>
+        <p:spPr/>
+        <p:txBody>
+          <a:bodyPr/>
+          <a:lstStyle/>
+          <a:p>
+            <a:fld id="{B8DACC02-A2BD-4578-8E03-6D891060A695}" type="slidenum">
+              <a:rPr lang="en-US" smtClean="0"/>
+              <a:pPr/>
+              <a:t>48</a:t>
+            </a:fld>
+            <a:endParaRPr lang="en-US" dirty="0"/>
+          </a:p>
+        </p:txBody>
+      </p:sp>
+    </p:spTree>
+    <p:extLst>
+      <p:ext uri="{BB962C8B-B14F-4D97-AF65-F5344CB8AC3E}">
+        <p14:creationId xmlns:p14="http://schemas.microsoft.com/office/powerpoint/2010/main" val="2663997279"/>
+      </p:ext>
+    </p:extLst>
+  </p:cSld>
+  <p:clrMapOvr>
+    <a:masterClrMapping/>
+  </p:clrMapOvr>
+</p:sld>
+</file>
+
+<file path=ppt/slides/slide49.xml><?xml version="1.0" encoding="utf-8"?>
+<p:sld xmlns:a="http://schemas.openxmlformats.org/drawingml/2006/main" xmlns:r="http://schemas.openxmlformats.org/officeDocument/2006/relationships" xmlns:p="http://schemas.openxmlformats.org/presentationml/2006/main">
+  <p:cSld>
+    <p:spTree>
+      <p:nvGrpSpPr>
+        <p:cNvPr id="1" name=""/>
+        <p:cNvGrpSpPr/>
+        <p:nvPr/>
+      </p:nvGrpSpPr>
+      <p:grpSpPr>
+        <a:xfrm>
+          <a:off x="0" y="0"/>
+          <a:ext cx="0" cy="0"/>
+          <a:chOff x="0" y="0"/>
+          <a:chExt cx="0" cy="0"/>
+        </a:xfrm>
+      </p:grpSpPr>
+      <p:sp>
+        <p:nvSpPr>
+          <p:cNvPr id="2" name="Title 1">
+            <a:extLst>
+              <a:ext uri="{FF2B5EF4-FFF2-40B4-BE49-F238E27FC236}">
+                <a16:creationId xmlns:a16="http://schemas.microsoft.com/office/drawing/2014/main" id="{F001DC26-9234-8A26-74E9-29448B7F93C0}"/>
+              </a:ext>
+            </a:extLst>
+          </p:cNvPr>
+          <p:cNvSpPr>
+            <a:spLocks noGrp="1"/>
+          </p:cNvSpPr>
+          <p:nvPr>
+            <p:ph type="title"/>
+          </p:nvPr>
+        </p:nvSpPr>
+        <p:spPr/>
+        <p:txBody>
+          <a:bodyPr/>
+          <a:lstStyle/>
+          <a:p>
+            <a:r>
+              <a:rPr lang="en-US" dirty="0"/>
+              <a:t>The Open Source Model</a:t>
+            </a:r>
+          </a:p>
+        </p:txBody>
+      </p:sp>
+      <p:sp>
+        <p:nvSpPr>
+          <p:cNvPr id="3" name="Content Placeholder 2">
+            <a:extLst>
+              <a:ext uri="{FF2B5EF4-FFF2-40B4-BE49-F238E27FC236}">
+                <a16:creationId xmlns:a16="http://schemas.microsoft.com/office/drawing/2014/main" id="{F1BC2A76-C964-03DC-AF4C-7573DA6FECC5}"/>
+              </a:ext>
+            </a:extLst>
+          </p:cNvPr>
+          <p:cNvSpPr>
+            <a:spLocks noGrp="1"/>
+          </p:cNvSpPr>
+          <p:nvPr>
+            <p:ph idx="1"/>
+          </p:nvPr>
+        </p:nvSpPr>
+        <p:spPr/>
+        <p:txBody>
+          <a:bodyPr>
+            <a:normAutofit/>
+          </a:bodyPr>
+          <a:lstStyle/>
+          <a:p>
+            <a:r>
+              <a:rPr lang="en-US" dirty="0"/>
+              <a:t> Challenges</a:t>
+            </a:r>
+          </a:p>
+          <a:p>
+            <a:pPr lvl="1">
+              <a:lnSpc>
+                <a:spcPct val="150000"/>
+              </a:lnSpc>
+            </a:pPr>
+            <a:r>
+              <a:rPr lang="en-US" dirty="0"/>
+              <a:t>Sustainability</a:t>
+            </a:r>
+          </a:p>
+          <a:p>
+            <a:pPr lvl="1">
+              <a:lnSpc>
+                <a:spcPct val="150000"/>
+              </a:lnSpc>
+            </a:pPr>
+            <a:r>
+              <a:rPr lang="en-US" dirty="0"/>
+              <a:t>Intellectual property</a:t>
+            </a:r>
+          </a:p>
+          <a:p>
+            <a:pPr lvl="1">
+              <a:lnSpc>
+                <a:spcPct val="150000"/>
+              </a:lnSpc>
+            </a:pPr>
+            <a:r>
+              <a:rPr lang="en-US" dirty="0"/>
+              <a:t>Support and maintenance</a:t>
+            </a:r>
+          </a:p>
+          <a:p>
+            <a:pPr lvl="1">
+              <a:lnSpc>
+                <a:spcPct val="150000"/>
+              </a:lnSpc>
+            </a:pPr>
+            <a:r>
+              <a:rPr lang="en-US" dirty="0"/>
+              <a:t>Licensing</a:t>
+            </a:r>
+          </a:p>
+          <a:p>
+            <a:pPr lvl="1">
+              <a:lnSpc>
+                <a:spcPct val="150000"/>
+              </a:lnSpc>
+            </a:pPr>
+            <a:r>
+              <a:rPr lang="en-US"/>
+              <a:t>Security</a:t>
+            </a:r>
+            <a:endParaRPr lang="en-US" dirty="0"/>
+          </a:p>
+        </p:txBody>
+      </p:sp>
+      <p:sp>
+        <p:nvSpPr>
+          <p:cNvPr id="4" name="Slide Number Placeholder 3">
+            <a:extLst>
+              <a:ext uri="{FF2B5EF4-FFF2-40B4-BE49-F238E27FC236}">
+                <a16:creationId xmlns:a16="http://schemas.microsoft.com/office/drawing/2014/main" id="{47E78E41-5834-18B0-344F-60575CD657E4}"/>
+              </a:ext>
+            </a:extLst>
+          </p:cNvPr>
+          <p:cNvSpPr>
+            <a:spLocks noGrp="1"/>
+          </p:cNvSpPr>
+          <p:nvPr>
+            <p:ph type="sldNum" sz="quarter" idx="12"/>
+          </p:nvPr>
+        </p:nvSpPr>
+        <p:spPr/>
+        <p:txBody>
+          <a:bodyPr/>
+          <a:lstStyle/>
+          <a:p>
+            <a:fld id="{B8DACC02-A2BD-4578-8E03-6D891060A695}" type="slidenum">
+              <a:rPr lang="en-US" smtClean="0"/>
+              <a:pPr/>
+              <a:t>49</a:t>
             </a:fld>
             <a:endParaRPr lang="en-US" dirty="0"/>
           </a:p>
@@ -28267,6 +28615,1058 @@
     <p:extLst>
       <p:ext uri="{BB962C8B-B14F-4D97-AF65-F5344CB8AC3E}">
         <p14:creationId xmlns:p14="http://schemas.microsoft.com/office/powerpoint/2010/main" val="3165339063"/>
+      </p:ext>
+    </p:extLst>
+  </p:cSld>
+  <p:clrMapOvr>
+    <a:masterClrMapping/>
+  </p:clrMapOvr>
+</p:sld>
+</file>
+
+<file path=ppt/slides/slide50.xml><?xml version="1.0" encoding="utf-8"?>
+<p:sld xmlns:a="http://schemas.openxmlformats.org/drawingml/2006/main" xmlns:r="http://schemas.openxmlformats.org/officeDocument/2006/relationships" xmlns:p="http://schemas.openxmlformats.org/presentationml/2006/main">
+  <p:cSld>
+    <p:spTree>
+      <p:nvGrpSpPr>
+        <p:cNvPr id="1" name=""/>
+        <p:cNvGrpSpPr/>
+        <p:nvPr/>
+      </p:nvGrpSpPr>
+      <p:grpSpPr>
+        <a:xfrm>
+          <a:off x="0" y="0"/>
+          <a:ext cx="0" cy="0"/>
+          <a:chOff x="0" y="0"/>
+          <a:chExt cx="0" cy="0"/>
+        </a:xfrm>
+      </p:grpSpPr>
+      <p:sp>
+        <p:nvSpPr>
+          <p:cNvPr id="2" name="Title 1">
+            <a:extLst>
+              <a:ext uri="{FF2B5EF4-FFF2-40B4-BE49-F238E27FC236}">
+                <a16:creationId xmlns:a16="http://schemas.microsoft.com/office/drawing/2014/main" id="{C314C14C-A9C0-43DB-BEC8-4333800D6B91}"/>
+              </a:ext>
+            </a:extLst>
+          </p:cNvPr>
+          <p:cNvSpPr>
+            <a:spLocks noGrp="1"/>
+          </p:cNvSpPr>
+          <p:nvPr>
+            <p:ph type="title"/>
+          </p:nvPr>
+        </p:nvSpPr>
+        <p:spPr/>
+        <p:txBody>
+          <a:bodyPr>
+            <a:normAutofit/>
+          </a:bodyPr>
+          <a:lstStyle/>
+          <a:p>
+            <a:r>
+              <a:rPr lang="en-US" dirty="0"/>
+              <a:t>Choosing the Right Model</a:t>
+            </a:r>
+          </a:p>
+        </p:txBody>
+      </p:sp>
+      <p:sp>
+        <p:nvSpPr>
+          <p:cNvPr id="3" name="Content Placeholder 2">
+            <a:extLst>
+              <a:ext uri="{FF2B5EF4-FFF2-40B4-BE49-F238E27FC236}">
+                <a16:creationId xmlns:a16="http://schemas.microsoft.com/office/drawing/2014/main" id="{6DB5AF23-FDE1-410B-9405-24D11A733A0F}"/>
+              </a:ext>
+            </a:extLst>
+          </p:cNvPr>
+          <p:cNvSpPr>
+            <a:spLocks noGrp="1"/>
+          </p:cNvSpPr>
+          <p:nvPr>
+            <p:ph idx="1"/>
+          </p:nvPr>
+        </p:nvSpPr>
+        <p:spPr/>
+        <p:txBody>
+          <a:bodyPr>
+            <a:normAutofit/>
+          </a:bodyPr>
+          <a:lstStyle/>
+          <a:p>
+            <a:r>
+              <a:rPr lang="en-US" dirty="0"/>
+              <a:t>Lean Startup Model</a:t>
+            </a:r>
+          </a:p>
+          <a:p>
+            <a:pPr lvl="1"/>
+            <a:r>
+              <a:rPr lang="en-US" dirty="0"/>
+              <a:t>Ideal for early-stage startups with limited resources and a focus on rapid experimentation and customer feedback.</a:t>
+            </a:r>
+          </a:p>
+          <a:p>
+            <a:r>
+              <a:rPr lang="en-US" dirty="0"/>
+              <a:t>Business Model Canvas</a:t>
+            </a:r>
+          </a:p>
+          <a:p>
+            <a:pPr lvl="1"/>
+            <a:r>
+              <a:rPr lang="en-US" dirty="0"/>
+              <a:t>Suitable for startups with a clear value proposition and a focus on developing a scalable business model.</a:t>
+            </a:r>
+          </a:p>
+        </p:txBody>
+      </p:sp>
+      <p:sp>
+        <p:nvSpPr>
+          <p:cNvPr id="4" name="Slide Number Placeholder 3">
+            <a:extLst>
+              <a:ext uri="{FF2B5EF4-FFF2-40B4-BE49-F238E27FC236}">
+                <a16:creationId xmlns:a16="http://schemas.microsoft.com/office/drawing/2014/main" id="{A145D0AD-B221-4882-BC38-A690EA9627B9}"/>
+              </a:ext>
+            </a:extLst>
+          </p:cNvPr>
+          <p:cNvSpPr>
+            <a:spLocks noGrp="1"/>
+          </p:cNvSpPr>
+          <p:nvPr>
+            <p:ph type="sldNum" sz="quarter" idx="12"/>
+          </p:nvPr>
+        </p:nvSpPr>
+        <p:spPr/>
+        <p:txBody>
+          <a:bodyPr/>
+          <a:lstStyle/>
+          <a:p>
+            <a:fld id="{B8DACC02-A2BD-4578-8E03-6D891060A695}" type="slidenum">
+              <a:rPr lang="en-US" smtClean="0"/>
+              <a:pPr/>
+              <a:t>50</a:t>
+            </a:fld>
+            <a:endParaRPr lang="en-US" dirty="0"/>
+          </a:p>
+        </p:txBody>
+      </p:sp>
+    </p:spTree>
+    <p:extLst>
+      <p:ext uri="{BB962C8B-B14F-4D97-AF65-F5344CB8AC3E}">
+        <p14:creationId xmlns:p14="http://schemas.microsoft.com/office/powerpoint/2010/main" val="317420291"/>
+      </p:ext>
+    </p:extLst>
+  </p:cSld>
+  <p:clrMapOvr>
+    <a:masterClrMapping/>
+  </p:clrMapOvr>
+</p:sld>
+</file>
+
+<file path=ppt/slides/slide51.xml><?xml version="1.0" encoding="utf-8"?>
+<p:sld xmlns:a="http://schemas.openxmlformats.org/drawingml/2006/main" xmlns:r="http://schemas.openxmlformats.org/officeDocument/2006/relationships" xmlns:p="http://schemas.openxmlformats.org/presentationml/2006/main">
+  <p:cSld>
+    <p:spTree>
+      <p:nvGrpSpPr>
+        <p:cNvPr id="1" name=""/>
+        <p:cNvGrpSpPr/>
+        <p:nvPr/>
+      </p:nvGrpSpPr>
+      <p:grpSpPr>
+        <a:xfrm>
+          <a:off x="0" y="0"/>
+          <a:ext cx="0" cy="0"/>
+          <a:chOff x="0" y="0"/>
+          <a:chExt cx="0" cy="0"/>
+        </a:xfrm>
+      </p:grpSpPr>
+      <p:sp>
+        <p:nvSpPr>
+          <p:cNvPr id="2" name="Title 1">
+            <a:extLst>
+              <a:ext uri="{FF2B5EF4-FFF2-40B4-BE49-F238E27FC236}">
+                <a16:creationId xmlns:a16="http://schemas.microsoft.com/office/drawing/2014/main" id="{C314C14C-A9C0-43DB-BEC8-4333800D6B91}"/>
+              </a:ext>
+            </a:extLst>
+          </p:cNvPr>
+          <p:cNvSpPr>
+            <a:spLocks noGrp="1"/>
+          </p:cNvSpPr>
+          <p:nvPr>
+            <p:ph type="title"/>
+          </p:nvPr>
+        </p:nvSpPr>
+        <p:spPr/>
+        <p:txBody>
+          <a:bodyPr>
+            <a:normAutofit/>
+          </a:bodyPr>
+          <a:lstStyle/>
+          <a:p>
+            <a:r>
+              <a:rPr lang="en-US" dirty="0"/>
+              <a:t>Choosing the Right Model</a:t>
+            </a:r>
+          </a:p>
+        </p:txBody>
+      </p:sp>
+      <p:sp>
+        <p:nvSpPr>
+          <p:cNvPr id="3" name="Content Placeholder 2">
+            <a:extLst>
+              <a:ext uri="{FF2B5EF4-FFF2-40B4-BE49-F238E27FC236}">
+                <a16:creationId xmlns:a16="http://schemas.microsoft.com/office/drawing/2014/main" id="{6DB5AF23-FDE1-410B-9405-24D11A733A0F}"/>
+              </a:ext>
+            </a:extLst>
+          </p:cNvPr>
+          <p:cNvSpPr>
+            <a:spLocks noGrp="1"/>
+          </p:cNvSpPr>
+          <p:nvPr>
+            <p:ph idx="1"/>
+          </p:nvPr>
+        </p:nvSpPr>
+        <p:spPr/>
+        <p:txBody>
+          <a:bodyPr>
+            <a:normAutofit/>
+          </a:bodyPr>
+          <a:lstStyle/>
+          <a:p>
+            <a:r>
+              <a:rPr lang="en-US" dirty="0"/>
+              <a:t>Value Proposition Canvas</a:t>
+            </a:r>
+          </a:p>
+          <a:p>
+            <a:pPr lvl="1"/>
+            <a:r>
+              <a:rPr lang="en-US" dirty="0"/>
+              <a:t>Useful for startups that need to clarify their value proposition and customer segments.</a:t>
+            </a:r>
+          </a:p>
+          <a:p>
+            <a:r>
+              <a:rPr lang="en-US" dirty="0"/>
+              <a:t>Design Thinking Model</a:t>
+            </a:r>
+          </a:p>
+          <a:p>
+            <a:pPr lvl="1"/>
+            <a:r>
+              <a:rPr lang="en-US" dirty="0"/>
+              <a:t>Best for startups that want to solve complex problems and create innovative solutions through a human-centered approach.</a:t>
+            </a:r>
+          </a:p>
+        </p:txBody>
+      </p:sp>
+      <p:sp>
+        <p:nvSpPr>
+          <p:cNvPr id="4" name="Slide Number Placeholder 3">
+            <a:extLst>
+              <a:ext uri="{FF2B5EF4-FFF2-40B4-BE49-F238E27FC236}">
+                <a16:creationId xmlns:a16="http://schemas.microsoft.com/office/drawing/2014/main" id="{A145D0AD-B221-4882-BC38-A690EA9627B9}"/>
+              </a:ext>
+            </a:extLst>
+          </p:cNvPr>
+          <p:cNvSpPr>
+            <a:spLocks noGrp="1"/>
+          </p:cNvSpPr>
+          <p:nvPr>
+            <p:ph type="sldNum" sz="quarter" idx="12"/>
+          </p:nvPr>
+        </p:nvSpPr>
+        <p:spPr/>
+        <p:txBody>
+          <a:bodyPr/>
+          <a:lstStyle/>
+          <a:p>
+            <a:fld id="{B8DACC02-A2BD-4578-8E03-6D891060A695}" type="slidenum">
+              <a:rPr lang="en-US" smtClean="0"/>
+              <a:pPr/>
+              <a:t>51</a:t>
+            </a:fld>
+            <a:endParaRPr lang="en-US" dirty="0"/>
+          </a:p>
+        </p:txBody>
+      </p:sp>
+    </p:spTree>
+    <p:extLst>
+      <p:ext uri="{BB962C8B-B14F-4D97-AF65-F5344CB8AC3E}">
+        <p14:creationId xmlns:p14="http://schemas.microsoft.com/office/powerpoint/2010/main" val="4211546937"/>
+      </p:ext>
+    </p:extLst>
+  </p:cSld>
+  <p:clrMapOvr>
+    <a:masterClrMapping/>
+  </p:clrMapOvr>
+</p:sld>
+</file>
+
+<file path=ppt/slides/slide52.xml><?xml version="1.0" encoding="utf-8"?>
+<p:sld xmlns:a="http://schemas.openxmlformats.org/drawingml/2006/main" xmlns:r="http://schemas.openxmlformats.org/officeDocument/2006/relationships" xmlns:p="http://schemas.openxmlformats.org/presentationml/2006/main">
+  <p:cSld>
+    <p:spTree>
+      <p:nvGrpSpPr>
+        <p:cNvPr id="1" name=""/>
+        <p:cNvGrpSpPr/>
+        <p:nvPr/>
+      </p:nvGrpSpPr>
+      <p:grpSpPr>
+        <a:xfrm>
+          <a:off x="0" y="0"/>
+          <a:ext cx="0" cy="0"/>
+          <a:chOff x="0" y="0"/>
+          <a:chExt cx="0" cy="0"/>
+        </a:xfrm>
+      </p:grpSpPr>
+      <p:sp>
+        <p:nvSpPr>
+          <p:cNvPr id="2" name="Title 1">
+            <a:extLst>
+              <a:ext uri="{FF2B5EF4-FFF2-40B4-BE49-F238E27FC236}">
+                <a16:creationId xmlns:a16="http://schemas.microsoft.com/office/drawing/2014/main" id="{C314C14C-A9C0-43DB-BEC8-4333800D6B91}"/>
+              </a:ext>
+            </a:extLst>
+          </p:cNvPr>
+          <p:cNvSpPr>
+            <a:spLocks noGrp="1"/>
+          </p:cNvSpPr>
+          <p:nvPr>
+            <p:ph type="title"/>
+          </p:nvPr>
+        </p:nvSpPr>
+        <p:spPr/>
+        <p:txBody>
+          <a:bodyPr>
+            <a:normAutofit/>
+          </a:bodyPr>
+          <a:lstStyle/>
+          <a:p>
+            <a:r>
+              <a:rPr lang="en-US" dirty="0"/>
+              <a:t>Lean Startup Model: When to Use and Why</a:t>
+            </a:r>
+          </a:p>
+        </p:txBody>
+      </p:sp>
+      <p:sp>
+        <p:nvSpPr>
+          <p:cNvPr id="3" name="Content Placeholder 2">
+            <a:extLst>
+              <a:ext uri="{FF2B5EF4-FFF2-40B4-BE49-F238E27FC236}">
+                <a16:creationId xmlns:a16="http://schemas.microsoft.com/office/drawing/2014/main" id="{6DB5AF23-FDE1-410B-9405-24D11A733A0F}"/>
+              </a:ext>
+            </a:extLst>
+          </p:cNvPr>
+          <p:cNvSpPr>
+            <a:spLocks noGrp="1"/>
+          </p:cNvSpPr>
+          <p:nvPr>
+            <p:ph idx="1"/>
+          </p:nvPr>
+        </p:nvSpPr>
+        <p:spPr/>
+        <p:txBody>
+          <a:bodyPr>
+            <a:normAutofit fontScale="92500" lnSpcReduction="10000"/>
+          </a:bodyPr>
+          <a:lstStyle/>
+          <a:p>
+            <a:r>
+              <a:rPr lang="en-US" dirty="0"/>
+              <a:t>Ideal for Early-Stage Startups with Limited Resources</a:t>
+            </a:r>
+          </a:p>
+          <a:p>
+            <a:r>
+              <a:rPr lang="en-US" dirty="0"/>
+              <a:t>Advantages:</a:t>
+            </a:r>
+          </a:p>
+          <a:p>
+            <a:pPr lvl="1"/>
+            <a:r>
+              <a:rPr lang="en-US" dirty="0"/>
+              <a:t>Allows for rapid experimentation and customer feedback.</a:t>
+            </a:r>
+          </a:p>
+          <a:p>
+            <a:pPr lvl="1"/>
+            <a:r>
+              <a:rPr lang="en-US" dirty="0"/>
+              <a:t>Fosters a culture of continuous learning and iteration.</a:t>
+            </a:r>
+          </a:p>
+          <a:p>
+            <a:pPr lvl="1"/>
+            <a:r>
+              <a:rPr lang="en-US" dirty="0"/>
+              <a:t>Encourages lean thinking and resource efficiency.</a:t>
+            </a:r>
+          </a:p>
+          <a:p>
+            <a:r>
+              <a:rPr lang="en-US" dirty="0"/>
+              <a:t>Disadvantages:</a:t>
+            </a:r>
+          </a:p>
+          <a:p>
+            <a:pPr lvl="1"/>
+            <a:r>
+              <a:rPr lang="en-US" dirty="0"/>
+              <a:t>May not be suitable for startups with a well-defined value proposition and business model.</a:t>
+            </a:r>
+          </a:p>
+          <a:p>
+            <a:pPr lvl="1"/>
+            <a:r>
+              <a:rPr lang="en-US" dirty="0"/>
+              <a:t>Can be challenging to scale as the startup grows.</a:t>
+            </a:r>
+          </a:p>
+          <a:p>
+            <a:r>
+              <a:rPr lang="en-US" dirty="0"/>
+              <a:t>When to use:</a:t>
+            </a:r>
+          </a:p>
+          <a:p>
+            <a:pPr lvl="1"/>
+            <a:r>
+              <a:rPr lang="en-US" dirty="0"/>
+              <a:t>When you have a hypothesis about your product or service.</a:t>
+            </a:r>
+          </a:p>
+          <a:p>
+            <a:pPr lvl="1"/>
+            <a:r>
+              <a:rPr lang="en-US" dirty="0"/>
+              <a:t>When you need to validate your assumptions about your customers.</a:t>
+            </a:r>
+          </a:p>
+          <a:p>
+            <a:pPr lvl="1"/>
+            <a:r>
+              <a:rPr lang="en-US" dirty="0"/>
+              <a:t>When you want to iterate quickly and adapt to changing market conditions.</a:t>
+            </a:r>
+          </a:p>
+        </p:txBody>
+      </p:sp>
+      <p:sp>
+        <p:nvSpPr>
+          <p:cNvPr id="4" name="Slide Number Placeholder 3">
+            <a:extLst>
+              <a:ext uri="{FF2B5EF4-FFF2-40B4-BE49-F238E27FC236}">
+                <a16:creationId xmlns:a16="http://schemas.microsoft.com/office/drawing/2014/main" id="{A145D0AD-B221-4882-BC38-A690EA9627B9}"/>
+              </a:ext>
+            </a:extLst>
+          </p:cNvPr>
+          <p:cNvSpPr>
+            <a:spLocks noGrp="1"/>
+          </p:cNvSpPr>
+          <p:nvPr>
+            <p:ph type="sldNum" sz="quarter" idx="12"/>
+          </p:nvPr>
+        </p:nvSpPr>
+        <p:spPr/>
+        <p:txBody>
+          <a:bodyPr/>
+          <a:lstStyle/>
+          <a:p>
+            <a:fld id="{B8DACC02-A2BD-4578-8E03-6D891060A695}" type="slidenum">
+              <a:rPr lang="en-US" smtClean="0"/>
+              <a:pPr/>
+              <a:t>52</a:t>
+            </a:fld>
+            <a:endParaRPr lang="en-US" dirty="0"/>
+          </a:p>
+        </p:txBody>
+      </p:sp>
+    </p:spTree>
+    <p:extLst>
+      <p:ext uri="{BB962C8B-B14F-4D97-AF65-F5344CB8AC3E}">
+        <p14:creationId xmlns:p14="http://schemas.microsoft.com/office/powerpoint/2010/main" val="2177025270"/>
+      </p:ext>
+    </p:extLst>
+  </p:cSld>
+  <p:clrMapOvr>
+    <a:masterClrMapping/>
+  </p:clrMapOvr>
+</p:sld>
+</file>
+
+<file path=ppt/slides/slide53.xml><?xml version="1.0" encoding="utf-8"?>
+<p:sld xmlns:a="http://schemas.openxmlformats.org/drawingml/2006/main" xmlns:r="http://schemas.openxmlformats.org/officeDocument/2006/relationships" xmlns:p="http://schemas.openxmlformats.org/presentationml/2006/main">
+  <p:cSld>
+    <p:spTree>
+      <p:nvGrpSpPr>
+        <p:cNvPr id="1" name=""/>
+        <p:cNvGrpSpPr/>
+        <p:nvPr/>
+      </p:nvGrpSpPr>
+      <p:grpSpPr>
+        <a:xfrm>
+          <a:off x="0" y="0"/>
+          <a:ext cx="0" cy="0"/>
+          <a:chOff x="0" y="0"/>
+          <a:chExt cx="0" cy="0"/>
+        </a:xfrm>
+      </p:grpSpPr>
+      <p:sp>
+        <p:nvSpPr>
+          <p:cNvPr id="2" name="Title 1">
+            <a:extLst>
+              <a:ext uri="{FF2B5EF4-FFF2-40B4-BE49-F238E27FC236}">
+                <a16:creationId xmlns:a16="http://schemas.microsoft.com/office/drawing/2014/main" id="{C70E4785-D3F8-4270-A580-426F57AFB47E}"/>
+              </a:ext>
+            </a:extLst>
+          </p:cNvPr>
+          <p:cNvSpPr>
+            <a:spLocks noGrp="1"/>
+          </p:cNvSpPr>
+          <p:nvPr>
+            <p:ph type="title"/>
+          </p:nvPr>
+        </p:nvSpPr>
+        <p:spPr/>
+        <p:txBody>
+          <a:bodyPr/>
+          <a:lstStyle/>
+          <a:p>
+            <a:r>
+              <a:rPr lang="en-US" dirty="0"/>
+              <a:t>Business Model Canvas: When to Use and Why</a:t>
+            </a:r>
+          </a:p>
+        </p:txBody>
+      </p:sp>
+      <p:sp>
+        <p:nvSpPr>
+          <p:cNvPr id="3" name="Content Placeholder 2">
+            <a:extLst>
+              <a:ext uri="{FF2B5EF4-FFF2-40B4-BE49-F238E27FC236}">
+                <a16:creationId xmlns:a16="http://schemas.microsoft.com/office/drawing/2014/main" id="{6A698B19-3868-4527-A3FF-0955D957B29F}"/>
+              </a:ext>
+            </a:extLst>
+          </p:cNvPr>
+          <p:cNvSpPr>
+            <a:spLocks noGrp="1"/>
+          </p:cNvSpPr>
+          <p:nvPr>
+            <p:ph idx="1"/>
+          </p:nvPr>
+        </p:nvSpPr>
+        <p:spPr/>
+        <p:txBody>
+          <a:bodyPr>
+            <a:normAutofit fontScale="92500" lnSpcReduction="10000"/>
+          </a:bodyPr>
+          <a:lstStyle/>
+          <a:p>
+            <a:r>
+              <a:rPr lang="en-US" dirty="0"/>
+              <a:t>Suitable for Startups with a Clear Value Proposition and a Focus on Scalability</a:t>
+            </a:r>
+          </a:p>
+          <a:p>
+            <a:r>
+              <a:rPr lang="en-US" dirty="0"/>
+              <a:t>Advantages:</a:t>
+            </a:r>
+          </a:p>
+          <a:p>
+            <a:pPr lvl="1"/>
+            <a:r>
+              <a:rPr lang="en-US" dirty="0"/>
+              <a:t>Provides a comprehensive framework for developing a scalable business model.</a:t>
+            </a:r>
+          </a:p>
+          <a:p>
+            <a:pPr lvl="1"/>
+            <a:r>
+              <a:rPr lang="en-US" dirty="0"/>
+              <a:t>Helps startups identify and validate their key revenue streams.</a:t>
+            </a:r>
+          </a:p>
+          <a:p>
+            <a:pPr lvl="1"/>
+            <a:r>
+              <a:rPr lang="en-US" dirty="0"/>
+              <a:t>Encourages a focus on customer segments and value proposition.</a:t>
+            </a:r>
+          </a:p>
+          <a:p>
+            <a:r>
+              <a:rPr lang="en-US" dirty="0"/>
+              <a:t>Disadvantages:</a:t>
+            </a:r>
+          </a:p>
+          <a:p>
+            <a:pPr lvl="1"/>
+            <a:r>
+              <a:rPr lang="en-US" dirty="0"/>
+              <a:t>May not be suitable for early-stage startups with limited resources.</a:t>
+            </a:r>
+          </a:p>
+          <a:p>
+            <a:pPr lvl="1"/>
+            <a:r>
+              <a:rPr lang="en-US" dirty="0"/>
+              <a:t>Can be time-consuming and resource-intensive to create a detailed canvas.</a:t>
+            </a:r>
+          </a:p>
+          <a:p>
+            <a:r>
+              <a:rPr lang="en-US" dirty="0"/>
+              <a:t>When to use:</a:t>
+            </a:r>
+          </a:p>
+          <a:p>
+            <a:pPr lvl="1"/>
+            <a:r>
+              <a:rPr lang="en-US" dirty="0"/>
+              <a:t>When you have a well-defined value proposition and business idea.</a:t>
+            </a:r>
+          </a:p>
+          <a:p>
+            <a:pPr lvl="1"/>
+            <a:r>
+              <a:rPr lang="en-US" dirty="0"/>
+              <a:t>When you want to develop a scalable business model.</a:t>
+            </a:r>
+          </a:p>
+          <a:p>
+            <a:pPr lvl="1"/>
+            <a:r>
+              <a:rPr lang="en-US" dirty="0"/>
+              <a:t>When you need to identify and validate your key revenue streams.</a:t>
+            </a:r>
+          </a:p>
+        </p:txBody>
+      </p:sp>
+      <p:sp>
+        <p:nvSpPr>
+          <p:cNvPr id="4" name="Slide Number Placeholder 3">
+            <a:extLst>
+              <a:ext uri="{FF2B5EF4-FFF2-40B4-BE49-F238E27FC236}">
+                <a16:creationId xmlns:a16="http://schemas.microsoft.com/office/drawing/2014/main" id="{6E6AF35D-61A6-40CC-9F2D-35D138BBCC58}"/>
+              </a:ext>
+            </a:extLst>
+          </p:cNvPr>
+          <p:cNvSpPr>
+            <a:spLocks noGrp="1"/>
+          </p:cNvSpPr>
+          <p:nvPr>
+            <p:ph type="sldNum" sz="quarter" idx="12"/>
+          </p:nvPr>
+        </p:nvSpPr>
+        <p:spPr/>
+        <p:txBody>
+          <a:bodyPr/>
+          <a:lstStyle/>
+          <a:p>
+            <a:fld id="{B8DACC02-A2BD-4578-8E03-6D891060A695}" type="slidenum">
+              <a:rPr lang="en-US" smtClean="0"/>
+              <a:pPr/>
+              <a:t>53</a:t>
+            </a:fld>
+            <a:endParaRPr lang="en-US" dirty="0"/>
+          </a:p>
+        </p:txBody>
+      </p:sp>
+    </p:spTree>
+    <p:extLst>
+      <p:ext uri="{BB962C8B-B14F-4D97-AF65-F5344CB8AC3E}">
+        <p14:creationId xmlns:p14="http://schemas.microsoft.com/office/powerpoint/2010/main" val="3066542341"/>
+      </p:ext>
+    </p:extLst>
+  </p:cSld>
+  <p:clrMapOvr>
+    <a:masterClrMapping/>
+  </p:clrMapOvr>
+</p:sld>
+</file>
+
+<file path=ppt/slides/slide54.xml><?xml version="1.0" encoding="utf-8"?>
+<p:sld xmlns:a="http://schemas.openxmlformats.org/drawingml/2006/main" xmlns:r="http://schemas.openxmlformats.org/officeDocument/2006/relationships" xmlns:p="http://schemas.openxmlformats.org/presentationml/2006/main">
+  <p:cSld>
+    <p:spTree>
+      <p:nvGrpSpPr>
+        <p:cNvPr id="1" name=""/>
+        <p:cNvGrpSpPr/>
+        <p:nvPr/>
+      </p:nvGrpSpPr>
+      <p:grpSpPr>
+        <a:xfrm>
+          <a:off x="0" y="0"/>
+          <a:ext cx="0" cy="0"/>
+          <a:chOff x="0" y="0"/>
+          <a:chExt cx="0" cy="0"/>
+        </a:xfrm>
+      </p:grpSpPr>
+      <p:sp>
+        <p:nvSpPr>
+          <p:cNvPr id="2" name="Title 1">
+            <a:extLst>
+              <a:ext uri="{FF2B5EF4-FFF2-40B4-BE49-F238E27FC236}">
+                <a16:creationId xmlns:a16="http://schemas.microsoft.com/office/drawing/2014/main" id="{E1804048-336D-44D8-985F-8154B6F03DEE}"/>
+              </a:ext>
+            </a:extLst>
+          </p:cNvPr>
+          <p:cNvSpPr>
+            <a:spLocks noGrp="1"/>
+          </p:cNvSpPr>
+          <p:nvPr>
+            <p:ph type="title"/>
+          </p:nvPr>
+        </p:nvSpPr>
+        <p:spPr/>
+        <p:txBody>
+          <a:bodyPr>
+            <a:normAutofit fontScale="90000"/>
+          </a:bodyPr>
+          <a:lstStyle/>
+          <a:p>
+            <a:r>
+              <a:rPr lang="en-US" dirty="0"/>
+              <a:t>Value Proposition Canvas: When to Use and Why</a:t>
+            </a:r>
+          </a:p>
+        </p:txBody>
+      </p:sp>
+      <p:sp>
+        <p:nvSpPr>
+          <p:cNvPr id="3" name="Content Placeholder 2">
+            <a:extLst>
+              <a:ext uri="{FF2B5EF4-FFF2-40B4-BE49-F238E27FC236}">
+                <a16:creationId xmlns:a16="http://schemas.microsoft.com/office/drawing/2014/main" id="{1E341A23-523D-4F3A-AE9F-B9098CC6DF6C}"/>
+              </a:ext>
+            </a:extLst>
+          </p:cNvPr>
+          <p:cNvSpPr>
+            <a:spLocks noGrp="1"/>
+          </p:cNvSpPr>
+          <p:nvPr>
+            <p:ph idx="1"/>
+          </p:nvPr>
+        </p:nvSpPr>
+        <p:spPr/>
+        <p:txBody>
+          <a:bodyPr>
+            <a:normAutofit fontScale="92500" lnSpcReduction="10000"/>
+          </a:bodyPr>
+          <a:lstStyle/>
+          <a:p>
+            <a:r>
+              <a:rPr lang="en-US" dirty="0"/>
+              <a:t>Useful for Startups That Need to Clarify Their Value Proposition and Customer Segments</a:t>
+            </a:r>
+          </a:p>
+          <a:p>
+            <a:r>
+              <a:rPr lang="en-US" dirty="0"/>
+              <a:t>Advantages:</a:t>
+            </a:r>
+          </a:p>
+          <a:p>
+            <a:pPr lvl="1"/>
+            <a:r>
+              <a:rPr lang="en-US" dirty="0"/>
+              <a:t>Provides a clear and concise framework for identifying and refining your value proposition.</a:t>
+            </a:r>
+          </a:p>
+          <a:p>
+            <a:pPr lvl="1"/>
+            <a:r>
+              <a:rPr lang="en-US" dirty="0"/>
+              <a:t>Helps startups understand their customers' needs and pain points.</a:t>
+            </a:r>
+          </a:p>
+          <a:p>
+            <a:pPr lvl="1"/>
+            <a:r>
+              <a:rPr lang="en-US" dirty="0"/>
+              <a:t>Encourages a focus on customer-centric innovation.</a:t>
+            </a:r>
+          </a:p>
+          <a:p>
+            <a:r>
+              <a:rPr lang="en-US" dirty="0"/>
+              <a:t>Disadvantages:</a:t>
+            </a:r>
+          </a:p>
+          <a:p>
+            <a:pPr lvl="1"/>
+            <a:r>
+              <a:rPr lang="en-US" dirty="0"/>
+              <a:t>May not be suitable for startups with a well-defined value proposition.</a:t>
+            </a:r>
+          </a:p>
+          <a:p>
+            <a:pPr lvl="1"/>
+            <a:r>
+              <a:rPr lang="en-US" dirty="0"/>
+              <a:t>Can be challenging to identify and prioritize the most important customer segments.</a:t>
+            </a:r>
+          </a:p>
+          <a:p>
+            <a:r>
+              <a:rPr lang="en-US" dirty="0"/>
+              <a:t>When to use:</a:t>
+            </a:r>
+          </a:p>
+          <a:p>
+            <a:pPr lvl="1"/>
+            <a:r>
+              <a:rPr lang="en-US" dirty="0"/>
+              <a:t>When you want to clarify your value proposition and customer segments.</a:t>
+            </a:r>
+          </a:p>
+          <a:p>
+            <a:pPr lvl="1"/>
+            <a:r>
+              <a:rPr lang="en-US" dirty="0"/>
+              <a:t>When you need to identify and prioritize your most important customer segments.</a:t>
+            </a:r>
+          </a:p>
+          <a:p>
+            <a:pPr lvl="1"/>
+            <a:r>
+              <a:rPr lang="en-US" dirty="0"/>
+              <a:t>When you want to encourage customer-centric innovation within your startup.</a:t>
+            </a:r>
+          </a:p>
+        </p:txBody>
+      </p:sp>
+      <p:sp>
+        <p:nvSpPr>
+          <p:cNvPr id="4" name="Slide Number Placeholder 3">
+            <a:extLst>
+              <a:ext uri="{FF2B5EF4-FFF2-40B4-BE49-F238E27FC236}">
+                <a16:creationId xmlns:a16="http://schemas.microsoft.com/office/drawing/2014/main" id="{DA15E827-83D4-4255-B860-B2A059643E17}"/>
+              </a:ext>
+            </a:extLst>
+          </p:cNvPr>
+          <p:cNvSpPr>
+            <a:spLocks noGrp="1"/>
+          </p:cNvSpPr>
+          <p:nvPr>
+            <p:ph type="sldNum" sz="quarter" idx="12"/>
+          </p:nvPr>
+        </p:nvSpPr>
+        <p:spPr/>
+        <p:txBody>
+          <a:bodyPr/>
+          <a:lstStyle/>
+          <a:p>
+            <a:fld id="{B8DACC02-A2BD-4578-8E03-6D891060A695}" type="slidenum">
+              <a:rPr lang="en-US" smtClean="0"/>
+              <a:pPr/>
+              <a:t>54</a:t>
+            </a:fld>
+            <a:endParaRPr lang="en-US" dirty="0"/>
+          </a:p>
+        </p:txBody>
+      </p:sp>
+    </p:spTree>
+    <p:extLst>
+      <p:ext uri="{BB962C8B-B14F-4D97-AF65-F5344CB8AC3E}">
+        <p14:creationId xmlns:p14="http://schemas.microsoft.com/office/powerpoint/2010/main" val="3116668445"/>
+      </p:ext>
+    </p:extLst>
+  </p:cSld>
+  <p:clrMapOvr>
+    <a:masterClrMapping/>
+  </p:clrMapOvr>
+</p:sld>
+</file>
+
+<file path=ppt/slides/slide55.xml><?xml version="1.0" encoding="utf-8"?>
+<p:sld xmlns:a="http://schemas.openxmlformats.org/drawingml/2006/main" xmlns:r="http://schemas.openxmlformats.org/officeDocument/2006/relationships" xmlns:p="http://schemas.openxmlformats.org/presentationml/2006/main">
+  <p:cSld>
+    <p:spTree>
+      <p:nvGrpSpPr>
+        <p:cNvPr id="1" name=""/>
+        <p:cNvGrpSpPr/>
+        <p:nvPr/>
+      </p:nvGrpSpPr>
+      <p:grpSpPr>
+        <a:xfrm>
+          <a:off x="0" y="0"/>
+          <a:ext cx="0" cy="0"/>
+          <a:chOff x="0" y="0"/>
+          <a:chExt cx="0" cy="0"/>
+        </a:xfrm>
+      </p:grpSpPr>
+      <p:sp>
+        <p:nvSpPr>
+          <p:cNvPr id="2" name="Title 1">
+            <a:extLst>
+              <a:ext uri="{FF2B5EF4-FFF2-40B4-BE49-F238E27FC236}">
+                <a16:creationId xmlns:a16="http://schemas.microsoft.com/office/drawing/2014/main" id="{EEB7AB76-23B9-4FD2-AEAD-70A71FCCF65F}"/>
+              </a:ext>
+            </a:extLst>
+          </p:cNvPr>
+          <p:cNvSpPr>
+            <a:spLocks noGrp="1"/>
+          </p:cNvSpPr>
+          <p:nvPr>
+            <p:ph type="title"/>
+          </p:nvPr>
+        </p:nvSpPr>
+        <p:spPr/>
+        <p:txBody>
+          <a:bodyPr/>
+          <a:lstStyle/>
+          <a:p>
+            <a:r>
+              <a:rPr lang="en-US" dirty="0"/>
+              <a:t>Design Thinking Model: When to Use and Why</a:t>
+            </a:r>
+          </a:p>
+        </p:txBody>
+      </p:sp>
+      <p:sp>
+        <p:nvSpPr>
+          <p:cNvPr id="3" name="Content Placeholder 2">
+            <a:extLst>
+              <a:ext uri="{FF2B5EF4-FFF2-40B4-BE49-F238E27FC236}">
+                <a16:creationId xmlns:a16="http://schemas.microsoft.com/office/drawing/2014/main" id="{0343E1D4-D872-49B8-81EC-9D6E3A351149}"/>
+              </a:ext>
+            </a:extLst>
+          </p:cNvPr>
+          <p:cNvSpPr>
+            <a:spLocks noGrp="1"/>
+          </p:cNvSpPr>
+          <p:nvPr>
+            <p:ph idx="1"/>
+          </p:nvPr>
+        </p:nvSpPr>
+        <p:spPr/>
+        <p:txBody>
+          <a:bodyPr>
+            <a:normAutofit fontScale="92500" lnSpcReduction="10000"/>
+          </a:bodyPr>
+          <a:lstStyle/>
+          <a:p>
+            <a:r>
+              <a:rPr lang="en-US" dirty="0"/>
+              <a:t>Best for Startups That Want to Solve Complex Problems and Create Innovative Solutions</a:t>
+            </a:r>
+          </a:p>
+          <a:p>
+            <a:r>
+              <a:rPr lang="en-US" dirty="0"/>
+              <a:t>Advantages:</a:t>
+            </a:r>
+          </a:p>
+          <a:p>
+            <a:pPr lvl="1"/>
+            <a:r>
+              <a:rPr lang="en-US" dirty="0"/>
+              <a:t>Encourages a human-centered approach to problem-solving.</a:t>
+            </a:r>
+          </a:p>
+          <a:p>
+            <a:pPr lvl="1"/>
+            <a:r>
+              <a:rPr lang="en-US" dirty="0"/>
+              <a:t>Fosters creativity and innovation within your startup.</a:t>
+            </a:r>
+          </a:p>
+          <a:p>
+            <a:pPr lvl="1"/>
+            <a:r>
+              <a:rPr lang="en-US" dirty="0"/>
+              <a:t>Provides a framework for solving complex problems.</a:t>
+            </a:r>
+          </a:p>
+          <a:p>
+            <a:r>
+              <a:rPr lang="en-US" dirty="0"/>
+              <a:t>Disadvantages:</a:t>
+            </a:r>
+          </a:p>
+          <a:p>
+            <a:pPr lvl="1"/>
+            <a:r>
+              <a:rPr lang="en-US" dirty="0"/>
+              <a:t>May not be suitable for startups with a well-defined problem and solution.</a:t>
+            </a:r>
+          </a:p>
+          <a:p>
+            <a:pPr lvl="1"/>
+            <a:r>
+              <a:rPr lang="en-US" dirty="0"/>
+              <a:t>Can be resource-intensive and time-consuming.</a:t>
+            </a:r>
+          </a:p>
+          <a:p>
+            <a:r>
+              <a:rPr lang="en-US" dirty="0"/>
+              <a:t>When to use:</a:t>
+            </a:r>
+          </a:p>
+          <a:p>
+            <a:pPr lvl="1"/>
+            <a:r>
+              <a:rPr lang="en-US" dirty="0"/>
+              <a:t>When you want to solve a complex problem that requires a human-centered approach.</a:t>
+            </a:r>
+          </a:p>
+          <a:p>
+            <a:pPr lvl="1"/>
+            <a:r>
+              <a:rPr lang="en-US" dirty="0"/>
+              <a:t>When you need to create innovative solutions that meet your customers' needs.</a:t>
+            </a:r>
+          </a:p>
+          <a:p>
+            <a:pPr lvl="1"/>
+            <a:r>
+              <a:rPr lang="en-US" dirty="0"/>
+              <a:t>When you want to foster a culture of creativity and innovation within your startup.</a:t>
+            </a:r>
+          </a:p>
+        </p:txBody>
+      </p:sp>
+      <p:sp>
+        <p:nvSpPr>
+          <p:cNvPr id="4" name="Slide Number Placeholder 3">
+            <a:extLst>
+              <a:ext uri="{FF2B5EF4-FFF2-40B4-BE49-F238E27FC236}">
+                <a16:creationId xmlns:a16="http://schemas.microsoft.com/office/drawing/2014/main" id="{D8EA17D9-45E4-4D71-A93C-B448ACC829FA}"/>
+              </a:ext>
+            </a:extLst>
+          </p:cNvPr>
+          <p:cNvSpPr>
+            <a:spLocks noGrp="1"/>
+          </p:cNvSpPr>
+          <p:nvPr>
+            <p:ph type="sldNum" sz="quarter" idx="12"/>
+          </p:nvPr>
+        </p:nvSpPr>
+        <p:spPr/>
+        <p:txBody>
+          <a:bodyPr/>
+          <a:lstStyle/>
+          <a:p>
+            <a:fld id="{B8DACC02-A2BD-4578-8E03-6D891060A695}" type="slidenum">
+              <a:rPr lang="en-US" smtClean="0"/>
+              <a:pPr/>
+              <a:t>55</a:t>
+            </a:fld>
+            <a:endParaRPr lang="en-US" dirty="0"/>
+          </a:p>
+        </p:txBody>
+      </p:sp>
+    </p:spTree>
+    <p:extLst>
+      <p:ext uri="{BB962C8B-B14F-4D97-AF65-F5344CB8AC3E}">
+        <p14:creationId xmlns:p14="http://schemas.microsoft.com/office/powerpoint/2010/main" val="2369256680"/>
       </p:ext>
     </p:extLst>
   </p:cSld>

--- a/SE495/Lectures/2-Models/Models.pptx
+++ b/SE495/Lectures/2-Models/Models.pptx
@@ -17786,7 +17786,7 @@
           <a:p>
             <a:fld id="{41DA9887-9249-49FD-809A-BACB264048C3}" type="datetimeFigureOut">
               <a:rPr lang="en-US" smtClean="0"/>
-              <a:t>1/23/2024</a:t>
+              <a:t>1/24/2024</a:t>
             </a:fld>
             <a:endParaRPr lang="en-US"/>
           </a:p>
@@ -18188,7 +18188,7 @@
           <a:p>
             <a:fld id="{EF213E56-3C1A-435A-851B-5B1F221C2038}" type="datetime1">
               <a:rPr lang="en-US" smtClean="0"/>
-              <a:t>1/23/2024</a:t>
+              <a:t>1/24/2024</a:t>
             </a:fld>
             <a:endParaRPr lang="en-US"/>
           </a:p>
@@ -18489,7 +18489,7 @@
           <a:p>
             <a:fld id="{B4696837-4851-4AA6-8AED-554226C981D1}" type="datetime1">
               <a:rPr lang="en-US" smtClean="0"/>
-              <a:t>1/23/2024</a:t>
+              <a:t>1/24/2024</a:t>
             </a:fld>
             <a:endParaRPr lang="en-US"/>
           </a:p>
@@ -18667,7 +18667,7 @@
           <a:p>
             <a:fld id="{BADD32E1-BB70-4827-BA33-FF5AFC435BE9}" type="datetime1">
               <a:rPr lang="en-US" smtClean="0"/>
-              <a:t>1/23/2024</a:t>
+              <a:t>1/24/2024</a:t>
             </a:fld>
             <a:endParaRPr lang="en-US"/>
           </a:p>
@@ -18910,7 +18910,7 @@
             </a:pPr>
             <a:fld id="{40B9EAF6-54F2-4DF5-9C6B-3F6F95B86356}" type="datetime1">
               <a:rPr lang="en-US" smtClean="0"/>
-              <a:t>1/23/2024</a:t>
+              <a:t>1/24/2024</a:t>
             </a:fld>
             <a:endParaRPr lang="en-US"/>
           </a:p>
@@ -19090,7 +19090,7 @@
             </a:pPr>
             <a:fld id="{D3D64A56-6FF4-479A-8655-719A18A98C4B}" type="datetime1">
               <a:rPr lang="en-US" smtClean="0"/>
-              <a:t>1/23/2024</a:t>
+              <a:t>1/24/2024</a:t>
             </a:fld>
             <a:endParaRPr lang="en-US"/>
           </a:p>
@@ -19371,7 +19371,7 @@
           <a:p>
             <a:fld id="{BB961044-FC46-4CBC-9061-59528F4899F3}" type="datetime1">
               <a:rPr lang="en-US" smtClean="0"/>
-              <a:t>1/23/2024</a:t>
+              <a:t>1/24/2024</a:t>
             </a:fld>
             <a:endParaRPr lang="en-US"/>
           </a:p>
@@ -19721,7 +19721,7 @@
           <a:p>
             <a:fld id="{4466A08C-77F3-471E-A5C4-1D2068144BAC}" type="datetime1">
               <a:rPr lang="en-US" smtClean="0"/>
-              <a:t>1/23/2024</a:t>
+              <a:t>1/24/2024</a:t>
             </a:fld>
             <a:endParaRPr lang="en-US"/>
           </a:p>
@@ -19950,7 +19950,7 @@
           <a:p>
             <a:fld id="{B90A7AD1-16F4-44C3-AE32-24C59A599E9D}" type="datetime1">
               <a:rPr lang="en-US" smtClean="0"/>
-              <a:t>1/23/2024</a:t>
+              <a:t>1/24/2024</a:t>
             </a:fld>
             <a:endParaRPr lang="en-US"/>
           </a:p>
@@ -20314,7 +20314,7 @@
           <a:p>
             <a:fld id="{B583DB4F-4316-4DF5-A229-BC1D787C82A0}" type="datetime1">
               <a:rPr lang="en-US" smtClean="0"/>
-              <a:t>1/23/2024</a:t>
+              <a:t>1/24/2024</a:t>
             </a:fld>
             <a:endParaRPr lang="en-US"/>
           </a:p>
@@ -20409,7 +20409,7 @@
           <a:p>
             <a:fld id="{AE6064B7-7A9F-432D-B7B9-6824267AA574}" type="datetime1">
               <a:rPr lang="en-US" smtClean="0"/>
-              <a:t>1/23/2024</a:t>
+              <a:t>1/24/2024</a:t>
             </a:fld>
             <a:endParaRPr lang="en-US"/>
           </a:p>
@@ -20634,7 +20634,7 @@
             <a:fld id="{B2F5E2FA-C428-4CE7-95B0-168D3259A5BB}" type="datetimeFigureOut">
               <a:rPr lang="en-US" smtClean="0"/>
               <a:pPr/>
-              <a:t>1/23/2024</a:t>
+              <a:t>1/24/2024</a:t>
             </a:fld>
             <a:endParaRPr lang="en-US"/>
           </a:p>
@@ -20811,7 +20811,7 @@
           <a:p>
             <a:fld id="{4E1C93A2-B712-486A-8AB5-D41B95D547BE}" type="datetime1">
               <a:rPr lang="en-US" smtClean="0"/>
-              <a:t>1/23/2024</a:t>
+              <a:t>1/24/2024</a:t>
             </a:fld>
             <a:endParaRPr lang="en-US"/>
           </a:p>
@@ -21086,7 +21086,7 @@
           <a:p>
             <a:fld id="{CAB2F318-F19F-4608-B7EF-F7FB8A482213}" type="datetime1">
               <a:rPr lang="en-US" smtClean="0"/>
-              <a:t>1/23/2024</a:t>
+              <a:t>1/24/2024</a:t>
             </a:fld>
             <a:endParaRPr lang="en-US"/>
           </a:p>
@@ -21338,7 +21338,7 @@
           <a:p>
             <a:fld id="{BB9CEF8C-69D6-4C3E-B892-F682F307A7B6}" type="datetime1">
               <a:rPr lang="en-US" smtClean="0"/>
-              <a:t>1/23/2024</a:t>
+              <a:t>1/24/2024</a:t>
             </a:fld>
             <a:endParaRPr lang="en-US"/>
           </a:p>
@@ -21549,7 +21549,7 @@
           <a:p>
             <a:fld id="{FB737C73-4A31-4C17-AFB7-7B8470027787}" type="datetime1">
               <a:rPr lang="en-US" smtClean="0"/>
-              <a:t>1/23/2024</a:t>
+              <a:t>1/24/2024</a:t>
             </a:fld>
             <a:endParaRPr lang="en-US"/>
           </a:p>
@@ -26576,31 +26576,6 @@
               <a:rPr lang="en-US" dirty="0"/>
               <a:t>Design Thinking</a:t>
             </a:r>
-          </a:p>
-        </p:txBody>
-      </p:sp>
-      <p:sp>
-        <p:nvSpPr>
-          <p:cNvPr id="3" name="Content Placeholder 2">
-            <a:extLst>
-              <a:ext uri="{FF2B5EF4-FFF2-40B4-BE49-F238E27FC236}">
-                <a16:creationId xmlns:a16="http://schemas.microsoft.com/office/drawing/2014/main" id="{CCAEDB0C-A8A3-00BB-5794-865E452258EA}"/>
-              </a:ext>
-            </a:extLst>
-          </p:cNvPr>
-          <p:cNvSpPr>
-            <a:spLocks noGrp="1"/>
-          </p:cNvSpPr>
-          <p:nvPr>
-            <p:ph idx="1"/>
-          </p:nvPr>
-        </p:nvSpPr>
-        <p:spPr/>
-        <p:txBody>
-          <a:bodyPr/>
-          <a:lstStyle/>
-          <a:p>
-            <a:endParaRPr lang="en-US" dirty="0"/>
           </a:p>
         </p:txBody>
       </p:sp>
